--- a/ITM_VAD_EBX.pptx
+++ b/ITM_VAD_EBX.pptx
@@ -12,35 +12,34 @@
     <p:sldId id="358" r:id="rId6"/>
     <p:sldId id="359" r:id="rId7"/>
     <p:sldId id="261" r:id="rId8"/>
-    <p:sldId id="274" r:id="rId9"/>
-    <p:sldId id="360" r:id="rId10"/>
-    <p:sldId id="361" r:id="rId11"/>
-    <p:sldId id="362" r:id="rId12"/>
-    <p:sldId id="275" r:id="rId13"/>
-    <p:sldId id="363" r:id="rId14"/>
-    <p:sldId id="364" r:id="rId15"/>
-    <p:sldId id="270" r:id="rId16"/>
-    <p:sldId id="271" r:id="rId17"/>
-    <p:sldId id="272" r:id="rId18"/>
-    <p:sldId id="365" r:id="rId19"/>
-    <p:sldId id="312" r:id="rId20"/>
-    <p:sldId id="321" r:id="rId21"/>
-    <p:sldId id="313" r:id="rId22"/>
-    <p:sldId id="314" r:id="rId23"/>
-    <p:sldId id="316" r:id="rId24"/>
-    <p:sldId id="318" r:id="rId25"/>
-    <p:sldId id="353" r:id="rId26"/>
-    <p:sldId id="330" r:id="rId27"/>
-    <p:sldId id="331" r:id="rId28"/>
-    <p:sldId id="322" r:id="rId29"/>
-    <p:sldId id="354" r:id="rId30"/>
-    <p:sldId id="332" r:id="rId31"/>
-    <p:sldId id="333" r:id="rId32"/>
-    <p:sldId id="334" r:id="rId33"/>
-    <p:sldId id="335" r:id="rId34"/>
-    <p:sldId id="336" r:id="rId35"/>
-    <p:sldId id="341" r:id="rId36"/>
-    <p:sldId id="342" r:id="rId37"/>
+    <p:sldId id="366" r:id="rId9"/>
+    <p:sldId id="274" r:id="rId10"/>
+    <p:sldId id="360" r:id="rId11"/>
+    <p:sldId id="275" r:id="rId12"/>
+    <p:sldId id="363" r:id="rId13"/>
+    <p:sldId id="364" r:id="rId14"/>
+    <p:sldId id="270" r:id="rId15"/>
+    <p:sldId id="271" r:id="rId16"/>
+    <p:sldId id="272" r:id="rId17"/>
+    <p:sldId id="365" r:id="rId18"/>
+    <p:sldId id="312" r:id="rId19"/>
+    <p:sldId id="321" r:id="rId20"/>
+    <p:sldId id="313" r:id="rId21"/>
+    <p:sldId id="314" r:id="rId22"/>
+    <p:sldId id="316" r:id="rId23"/>
+    <p:sldId id="318" r:id="rId24"/>
+    <p:sldId id="353" r:id="rId25"/>
+    <p:sldId id="330" r:id="rId26"/>
+    <p:sldId id="331" r:id="rId27"/>
+    <p:sldId id="322" r:id="rId28"/>
+    <p:sldId id="354" r:id="rId29"/>
+    <p:sldId id="332" r:id="rId30"/>
+    <p:sldId id="333" r:id="rId31"/>
+    <p:sldId id="334" r:id="rId32"/>
+    <p:sldId id="335" r:id="rId33"/>
+    <p:sldId id="336" r:id="rId34"/>
+    <p:sldId id="341" r:id="rId35"/>
+    <p:sldId id="342" r:id="rId36"/>
   </p:sldIdLst>
   <p:sldSz cx="12192000" cy="6858000"/>
   <p:notesSz cx="6858000" cy="9144000"/>
@@ -147,6 +146,18 @@
 </p:presentation>
 </file>
 
+<file path=ppt/commentAuthors.xml><?xml version="1.0" encoding="utf-8"?>
+<p:cmAuthorLst xmlns:a="http://schemas.openxmlformats.org/drawingml/2006/main" xmlns:r="http://schemas.openxmlformats.org/officeDocument/2006/relationships" xmlns:p="http://schemas.openxmlformats.org/presentationml/2006/main">
+  <p:cmAuthor id="1" name="jhoana trochez" initials="jt" lastIdx="1" clrIdx="0">
+    <p:extLst>
+      <p:ext uri="{19B8F6BF-5375-455C-9EA6-DF929625EA0E}">
+        <p15:presenceInfo xmlns:p15="http://schemas.microsoft.com/office/powerpoint/2012/main" userId="9ed86985339648b4" providerId="Windows Live"/>
+      </p:ext>
+    </p:extLst>
+  </p:cmAuthor>
+</p:cmAuthorLst>
+</file>
+
 <file path=ppt/slideLayouts/slideLayout1.xml><?xml version="1.0" encoding="utf-8"?>
 <p:sldLayout xmlns:a="http://schemas.openxmlformats.org/drawingml/2006/main" xmlns:r="http://schemas.openxmlformats.org/officeDocument/2006/relationships" xmlns:p="http://schemas.openxmlformats.org/presentationml/2006/main" type="title" preserve="1">
   <p:cSld name="Diapositiva de título">
@@ -393,7 +404,7 @@
             <a:fld id="{B61BEF0D-F0BB-DE4B-95CE-6DB70DBA9567}" type="datetimeFigureOut">
               <a:rPr lang="en-US" dirty="0"/>
               <a:pPr/>
-              <a:t>4/4/2019</a:t>
+              <a:t>4/5/2019</a:t>
             </a:fld>
             <a:endParaRPr lang="en-US" dirty="0"/>
           </a:p>
@@ -652,7 +663,7 @@
             <a:fld id="{B61BEF0D-F0BB-DE4B-95CE-6DB70DBA9567}" type="datetimeFigureOut">
               <a:rPr lang="en-US" dirty="0"/>
               <a:pPr/>
-              <a:t>4/4/2019</a:t>
+              <a:t>4/5/2019</a:t>
             </a:fld>
             <a:endParaRPr lang="en-US" dirty="0"/>
           </a:p>
@@ -884,7 +895,7 @@
             <a:fld id="{B61BEF0D-F0BB-DE4B-95CE-6DB70DBA9567}" type="datetimeFigureOut">
               <a:rPr lang="en-US" dirty="0"/>
               <a:pPr/>
-              <a:t>4/4/2019</a:t>
+              <a:t>4/5/2019</a:t>
             </a:fld>
             <a:endParaRPr lang="en-US" dirty="0"/>
           </a:p>
@@ -1121,7 +1132,7 @@
             <a:fld id="{B61BEF0D-F0BB-DE4B-95CE-6DB70DBA9567}" type="datetimeFigureOut">
               <a:rPr lang="en-US" dirty="0"/>
               <a:pPr/>
-              <a:t>4/4/2019</a:t>
+              <a:t>4/5/2019</a:t>
             </a:fld>
             <a:endParaRPr lang="en-US" dirty="0"/>
           </a:p>
@@ -1425,7 +1436,7 @@
             <a:fld id="{B61BEF0D-F0BB-DE4B-95CE-6DB70DBA9567}" type="datetimeFigureOut">
               <a:rPr lang="en-US" dirty="0"/>
               <a:pPr/>
-              <a:t>4/4/2019</a:t>
+              <a:t>4/5/2019</a:t>
             </a:fld>
             <a:endParaRPr lang="en-US" dirty="0"/>
           </a:p>
@@ -1724,7 +1735,7 @@
             <a:fld id="{B61BEF0D-F0BB-DE4B-95CE-6DB70DBA9567}" type="datetimeFigureOut">
               <a:rPr lang="en-US" dirty="0"/>
               <a:pPr/>
-              <a:t>4/4/2019</a:t>
+              <a:t>4/5/2019</a:t>
             </a:fld>
             <a:endParaRPr lang="en-US" dirty="0"/>
           </a:p>
@@ -2143,7 +2154,7 @@
             <a:fld id="{B61BEF0D-F0BB-DE4B-95CE-6DB70DBA9567}" type="datetimeFigureOut">
               <a:rPr lang="en-US" dirty="0"/>
               <a:pPr/>
-              <a:t>4/4/2019</a:t>
+              <a:t>4/5/2019</a:t>
             </a:fld>
             <a:endParaRPr lang="en-US" dirty="0"/>
           </a:p>
@@ -2235,7 +2246,7 @@
             <a:fld id="{B61BEF0D-F0BB-DE4B-95CE-6DB70DBA9567}" type="datetimeFigureOut">
               <a:rPr lang="en-US" dirty="0"/>
               <a:pPr/>
-              <a:t>4/4/2019</a:t>
+              <a:t>4/5/2019</a:t>
             </a:fld>
             <a:endParaRPr lang="en-US" dirty="0"/>
           </a:p>
@@ -2394,7 +2405,7 @@
             <a:fld id="{B61BEF0D-F0BB-DE4B-95CE-6DB70DBA9567}" type="datetimeFigureOut">
               <a:rPr lang="en-US" dirty="0"/>
               <a:pPr/>
-              <a:t>4/4/2019</a:t>
+              <a:t>4/5/2019</a:t>
             </a:fld>
             <a:endParaRPr lang="en-US" dirty="0"/>
           </a:p>
@@ -2769,7 +2780,7 @@
             <a:fld id="{B61BEF0D-F0BB-DE4B-95CE-6DB70DBA9567}" type="datetimeFigureOut">
               <a:rPr lang="en-US" dirty="0"/>
               <a:pPr/>
-              <a:t>4/4/2019</a:t>
+              <a:t>4/5/2019</a:t>
             </a:fld>
             <a:endParaRPr lang="en-US" dirty="0"/>
           </a:p>
@@ -3055,7 +3066,7 @@
             <a:fld id="{B61BEF0D-F0BB-DE4B-95CE-6DB70DBA9567}" type="datetimeFigureOut">
               <a:rPr lang="en-US" dirty="0"/>
               <a:pPr/>
-              <a:t>4/4/2019</a:t>
+              <a:t>4/5/2019</a:t>
             </a:fld>
             <a:endParaRPr lang="en-US" dirty="0"/>
           </a:p>
@@ -3263,7 +3274,7 @@
             <a:fld id="{B61BEF0D-F0BB-DE4B-95CE-6DB70DBA9567}" type="datetimeFigureOut">
               <a:rPr lang="en-US" dirty="0"/>
               <a:pPr/>
-              <a:t>4/4/2019</a:t>
+              <a:t>4/5/2019</a:t>
             </a:fld>
             <a:endParaRPr lang="en-US" dirty="0"/>
           </a:p>
@@ -3993,38 +4004,9 @@
           <a:chExt cx="0" cy="0"/>
         </a:xfrm>
       </p:grpSpPr>
-      <p:sp>
-        <p:nvSpPr>
-          <p:cNvPr id="2" name="Título 1"/>
-          <p:cNvSpPr>
-            <a:spLocks noGrp="1"/>
-          </p:cNvSpPr>
-          <p:nvPr>
-            <p:ph type="title"/>
-          </p:nvPr>
-        </p:nvSpPr>
-        <p:spPr>
-          <a:xfrm>
-            <a:off x="727847" y="511656"/>
-            <a:ext cx="11029616" cy="1013800"/>
-          </a:xfrm>
-        </p:spPr>
-        <p:txBody>
-          <a:bodyPr/>
-          <a:lstStyle/>
-          <a:p>
-            <a:pPr algn="ctr"/>
-            <a:r>
-              <a:rPr lang="es-CO" dirty="0" smtClean="0"/>
-              <a:t>Ilustración de valor esperado</a:t>
-            </a:r>
-            <a:endParaRPr lang="es-CO" dirty="0"/>
-          </a:p>
-        </p:txBody>
-      </p:sp>
       <p:pic>
         <p:nvPicPr>
-          <p:cNvPr id="4" name="Imagen 3"/>
+          <p:cNvPr id="7" name="Imagen 6"/>
           <p:cNvPicPr>
             <a:picLocks noChangeAspect="1"/>
           </p:cNvPicPr>
@@ -4038,18 +4020,1151 @@
         </p:blipFill>
         <p:spPr>
           <a:xfrm>
-            <a:off x="1905121" y="2082640"/>
-            <a:ext cx="8675069" cy="4775360"/>
+            <a:off x="861688" y="4110933"/>
+            <a:ext cx="4782208" cy="2631391"/>
           </a:xfrm>
           <a:prstGeom prst="rect">
             <a:avLst/>
           </a:prstGeom>
         </p:spPr>
       </p:pic>
+      <p:sp>
+        <p:nvSpPr>
+          <p:cNvPr id="2" name="Título 1"/>
+          <p:cNvSpPr>
+            <a:spLocks noGrp="1"/>
+          </p:cNvSpPr>
+          <p:nvPr>
+            <p:ph type="title"/>
+          </p:nvPr>
+        </p:nvSpPr>
+        <p:spPr>
+          <a:xfrm>
+            <a:off x="581192" y="473556"/>
+            <a:ext cx="11029616" cy="1013800"/>
+          </a:xfrm>
+        </p:spPr>
+        <p:txBody>
+          <a:bodyPr/>
+          <a:lstStyle/>
+          <a:p>
+            <a:pPr algn="ctr"/>
+            <a:r>
+              <a:rPr lang="es-CO" dirty="0" smtClean="0"/>
+              <a:t>Operador esperanza y Varianza</a:t>
+            </a:r>
+            <a:endParaRPr lang="es-CO" dirty="0"/>
+          </a:p>
+        </p:txBody>
+      </p:sp>
+      <mc:AlternateContent xmlns:mc="http://schemas.openxmlformats.org/markup-compatibility/2006">
+        <mc:Choice xmlns:a14="http://schemas.microsoft.com/office/drawing/2010/main" Requires="a14">
+          <p:sp>
+            <p:nvSpPr>
+              <p:cNvPr id="3" name="Rectángulo 2"/>
+              <p:cNvSpPr/>
+              <p:nvPr/>
+            </p:nvSpPr>
+            <p:spPr>
+              <a:xfrm>
+                <a:off x="710146" y="1974703"/>
+                <a:ext cx="4642425" cy="1929118"/>
+              </a:xfrm>
+              <a:prstGeom prst="rect">
+                <a:avLst/>
+              </a:prstGeom>
+            </p:spPr>
+            <p:txBody>
+              <a:bodyPr wrap="none">
+                <a:spAutoFit/>
+              </a:bodyPr>
+              <a:lstStyle/>
+              <a:p>
+                <a:pPr/>
+                <a:r>
+                  <a:rPr lang="es-CO" sz="3200" i="1" dirty="0" smtClean="0">
+                    <a:solidFill>
+                      <a:schemeClr val="accent1">
+                        <a:lumMod val="50000"/>
+                      </a:schemeClr>
+                    </a:solidFill>
+                    <a:latin typeface="Cambria Math" panose="02040503050406030204" pitchFamily="18" charset="0"/>
+                  </a:rPr>
+                  <a:t>Media  o Valor esperado</a:t>
+                </a:r>
+              </a:p>
+              <a:p>
+                <a:pPr/>
+                <a14:m>
+                  <m:oMathPara xmlns:m="http://schemas.openxmlformats.org/officeDocument/2006/math">
+                    <m:oMathParaPr>
+                      <m:jc m:val="centerGroup"/>
+                    </m:oMathParaPr>
+                    <m:oMath xmlns:m="http://schemas.openxmlformats.org/officeDocument/2006/math">
+                      <m:r>
+                        <a:rPr lang="es-CO" sz="3200" b="0" i="1" smtClean="0">
+                          <a:solidFill>
+                            <a:schemeClr val="accent1">
+                              <a:lumMod val="50000"/>
+                            </a:schemeClr>
+                          </a:solidFill>
+                          <a:latin typeface="Cambria Math" panose="02040503050406030204" pitchFamily="18" charset="0"/>
+                        </a:rPr>
+                        <m:t>𝐸</m:t>
+                      </m:r>
+                      <m:d>
+                        <m:dPr>
+                          <m:ctrlPr>
+                            <a:rPr lang="es-CO" sz="3200" b="0" i="1" smtClean="0">
+                              <a:solidFill>
+                                <a:schemeClr val="accent1">
+                                  <a:lumMod val="50000"/>
+                                </a:schemeClr>
+                              </a:solidFill>
+                              <a:latin typeface="Cambria Math" panose="02040503050406030204" pitchFamily="18" charset="0"/>
+                            </a:rPr>
+                          </m:ctrlPr>
+                        </m:dPr>
+                        <m:e>
+                          <m:r>
+                            <a:rPr lang="es-CO" sz="3200" b="0" i="1" smtClean="0">
+                              <a:solidFill>
+                                <a:schemeClr val="accent1">
+                                  <a:lumMod val="50000"/>
+                                </a:schemeClr>
+                              </a:solidFill>
+                              <a:latin typeface="Cambria Math" panose="02040503050406030204" pitchFamily="18" charset="0"/>
+                            </a:rPr>
+                            <m:t>𝑥</m:t>
+                          </m:r>
+                        </m:e>
+                      </m:d>
+                      <m:r>
+                        <a:rPr lang="es-CO" sz="3200" b="0" i="1" smtClean="0">
+                          <a:solidFill>
+                            <a:schemeClr val="accent1">
+                              <a:lumMod val="50000"/>
+                            </a:schemeClr>
+                          </a:solidFill>
+                          <a:latin typeface="Cambria Math" panose="02040503050406030204" pitchFamily="18" charset="0"/>
+                        </a:rPr>
+                        <m:t>=</m:t>
+                      </m:r>
+                      <m:r>
+                        <a:rPr lang="es-CO" sz="3200" b="0" i="1" smtClean="0">
+                          <a:solidFill>
+                            <a:schemeClr val="accent1">
+                              <a:lumMod val="50000"/>
+                            </a:schemeClr>
+                          </a:solidFill>
+                          <a:latin typeface="Cambria Math" panose="02040503050406030204" pitchFamily="18" charset="0"/>
+                          <a:ea typeface="Cambria Math" panose="02040503050406030204" pitchFamily="18" charset="0"/>
+                        </a:rPr>
+                        <m:t>𝜇</m:t>
+                      </m:r>
+                      <m:r>
+                        <a:rPr lang="es-CO" sz="3200" b="0" i="1" smtClean="0">
+                          <a:solidFill>
+                            <a:schemeClr val="accent1">
+                              <a:lumMod val="50000"/>
+                            </a:schemeClr>
+                          </a:solidFill>
+                          <a:latin typeface="Cambria Math" panose="02040503050406030204" pitchFamily="18" charset="0"/>
+                        </a:rPr>
+                        <m:t>=</m:t>
+                      </m:r>
+                      <m:nary>
+                        <m:naryPr>
+                          <m:chr m:val="∑"/>
+                          <m:ctrlPr>
+                            <a:rPr lang="es-CO" sz="3200" i="1">
+                              <a:solidFill>
+                                <a:schemeClr val="accent1">
+                                  <a:lumMod val="50000"/>
+                                </a:schemeClr>
+                              </a:solidFill>
+                              <a:latin typeface="Cambria Math" panose="02040503050406030204" pitchFamily="18" charset="0"/>
+                            </a:rPr>
+                          </m:ctrlPr>
+                        </m:naryPr>
+                        <m:sub>
+                          <m:r>
+                            <m:rPr>
+                              <m:brk m:alnAt="23"/>
+                            </m:rPr>
+                            <a:rPr lang="es-CO" sz="3200" i="1">
+                              <a:solidFill>
+                                <a:schemeClr val="accent1">
+                                  <a:lumMod val="50000"/>
+                                </a:schemeClr>
+                              </a:solidFill>
+                              <a:latin typeface="Cambria Math" panose="02040503050406030204" pitchFamily="18" charset="0"/>
+                            </a:rPr>
+                            <m:t>𝑖</m:t>
+                          </m:r>
+                          <m:r>
+                            <a:rPr lang="es-CO" sz="3200" i="1">
+                              <a:solidFill>
+                                <a:schemeClr val="accent1">
+                                  <a:lumMod val="50000"/>
+                                </a:schemeClr>
+                              </a:solidFill>
+                              <a:latin typeface="Cambria Math" panose="02040503050406030204" pitchFamily="18" charset="0"/>
+                            </a:rPr>
+                            <m:t>=1</m:t>
+                          </m:r>
+                        </m:sub>
+                        <m:sup>
+                          <m:r>
+                            <a:rPr lang="es-CO" sz="3200" i="1">
+                              <a:solidFill>
+                                <a:schemeClr val="accent1">
+                                  <a:lumMod val="50000"/>
+                                </a:schemeClr>
+                              </a:solidFill>
+                              <a:latin typeface="Cambria Math" panose="02040503050406030204" pitchFamily="18" charset="0"/>
+                            </a:rPr>
+                            <m:t>𝑛</m:t>
+                          </m:r>
+                        </m:sup>
+                        <m:e>
+                          <m:sSub>
+                            <m:sSubPr>
+                              <m:ctrlPr>
+                                <a:rPr lang="es-CO" sz="3200" i="1">
+                                  <a:solidFill>
+                                    <a:schemeClr val="accent1">
+                                      <a:lumMod val="50000"/>
+                                    </a:schemeClr>
+                                  </a:solidFill>
+                                  <a:latin typeface="Cambria Math" panose="02040503050406030204" pitchFamily="18" charset="0"/>
+                                </a:rPr>
+                              </m:ctrlPr>
+                            </m:sSubPr>
+                            <m:e>
+                              <m:r>
+                                <a:rPr lang="es-CO" sz="3200" i="1">
+                                  <a:solidFill>
+                                    <a:schemeClr val="accent1">
+                                      <a:lumMod val="50000"/>
+                                    </a:schemeClr>
+                                  </a:solidFill>
+                                  <a:latin typeface="Cambria Math" panose="02040503050406030204" pitchFamily="18" charset="0"/>
+                                </a:rPr>
+                                <m:t>𝑥</m:t>
+                              </m:r>
+                            </m:e>
+                            <m:sub>
+                              <m:r>
+                                <a:rPr lang="es-CO" sz="3200" i="1">
+                                  <a:solidFill>
+                                    <a:schemeClr val="accent1">
+                                      <a:lumMod val="50000"/>
+                                    </a:schemeClr>
+                                  </a:solidFill>
+                                  <a:latin typeface="Cambria Math" panose="02040503050406030204" pitchFamily="18" charset="0"/>
+                                </a:rPr>
+                                <m:t>𝑖</m:t>
+                              </m:r>
+                            </m:sub>
+                          </m:sSub>
+                          <m:r>
+                            <a:rPr lang="es-CO" sz="3200" i="1">
+                              <a:solidFill>
+                                <a:schemeClr val="accent1">
+                                  <a:lumMod val="50000"/>
+                                </a:schemeClr>
+                              </a:solidFill>
+                              <a:latin typeface="Cambria Math" panose="02040503050406030204" pitchFamily="18" charset="0"/>
+                            </a:rPr>
+                            <m:t>𝑓</m:t>
+                          </m:r>
+                          <m:d>
+                            <m:dPr>
+                              <m:ctrlPr>
+                                <a:rPr lang="es-CO" sz="3200" i="1">
+                                  <a:solidFill>
+                                    <a:schemeClr val="accent1">
+                                      <a:lumMod val="50000"/>
+                                    </a:schemeClr>
+                                  </a:solidFill>
+                                  <a:latin typeface="Cambria Math" panose="02040503050406030204" pitchFamily="18" charset="0"/>
+                                </a:rPr>
+                              </m:ctrlPr>
+                            </m:dPr>
+                            <m:e>
+                              <m:sSub>
+                                <m:sSubPr>
+                                  <m:ctrlPr>
+                                    <a:rPr lang="es-CO" sz="3200" i="1">
+                                      <a:solidFill>
+                                        <a:schemeClr val="accent1">
+                                          <a:lumMod val="50000"/>
+                                        </a:schemeClr>
+                                      </a:solidFill>
+                                      <a:latin typeface="Cambria Math" panose="02040503050406030204" pitchFamily="18" charset="0"/>
+                                    </a:rPr>
+                                  </m:ctrlPr>
+                                </m:sSubPr>
+                                <m:e>
+                                  <m:r>
+                                    <a:rPr lang="es-CO" sz="3200" i="1">
+                                      <a:solidFill>
+                                        <a:schemeClr val="accent1">
+                                          <a:lumMod val="50000"/>
+                                        </a:schemeClr>
+                                      </a:solidFill>
+                                      <a:latin typeface="Cambria Math" panose="02040503050406030204" pitchFamily="18" charset="0"/>
+                                    </a:rPr>
+                                    <m:t>𝑥</m:t>
+                                  </m:r>
+                                </m:e>
+                                <m:sub>
+                                  <m:r>
+                                    <a:rPr lang="es-CO" sz="3200" i="1">
+                                      <a:solidFill>
+                                        <a:schemeClr val="accent1">
+                                          <a:lumMod val="50000"/>
+                                        </a:schemeClr>
+                                      </a:solidFill>
+                                      <a:latin typeface="Cambria Math" panose="02040503050406030204" pitchFamily="18" charset="0"/>
+                                    </a:rPr>
+                                    <m:t>𝑖</m:t>
+                                  </m:r>
+                                </m:sub>
+                              </m:sSub>
+                            </m:e>
+                          </m:d>
+                        </m:e>
+                      </m:nary>
+                    </m:oMath>
+                  </m:oMathPara>
+                </a14:m>
+                <a:endParaRPr lang="es-CO" sz="3200" dirty="0"/>
+              </a:p>
+            </p:txBody>
+          </p:sp>
+        </mc:Choice>
+        <mc:Fallback>
+          <p:sp>
+            <p:nvSpPr>
+              <p:cNvPr id="3" name="Rectángulo 2"/>
+              <p:cNvSpPr>
+                <a:spLocks noRot="1" noChangeAspect="1" noMove="1" noResize="1" noEditPoints="1" noAdjustHandles="1" noChangeArrowheads="1" noChangeShapeType="1" noTextEdit="1"/>
+              </p:cNvSpPr>
+              <p:nvPr/>
+            </p:nvSpPr>
+            <p:spPr>
+              <a:xfrm>
+                <a:off x="710146" y="1974703"/>
+                <a:ext cx="4642425" cy="1929118"/>
+              </a:xfrm>
+              <a:prstGeom prst="rect">
+                <a:avLst/>
+              </a:prstGeom>
+              <a:blipFill>
+                <a:blip r:embed="rId3"/>
+                <a:stretch>
+                  <a:fillRect l="-3281" t="-4114"/>
+                </a:stretch>
+              </a:blipFill>
+            </p:spPr>
+            <p:txBody>
+              <a:bodyPr/>
+              <a:lstStyle/>
+              <a:p>
+                <a:r>
+                  <a:rPr lang="es-CO">
+                    <a:noFill/>
+                  </a:rPr>
+                  <a:t> </a:t>
+                </a:r>
+              </a:p>
+            </p:txBody>
+          </p:sp>
+        </mc:Fallback>
+      </mc:AlternateContent>
+      <mc:AlternateContent xmlns:mc="http://schemas.openxmlformats.org/markup-compatibility/2006">
+        <mc:Choice xmlns:a14="http://schemas.microsoft.com/office/drawing/2010/main" Requires="a14">
+          <p:sp>
+            <p:nvSpPr>
+              <p:cNvPr id="5" name="Rectángulo 4"/>
+              <p:cNvSpPr/>
+              <p:nvPr/>
+            </p:nvSpPr>
+            <p:spPr>
+              <a:xfrm>
+                <a:off x="7084723" y="2007312"/>
+                <a:ext cx="3845283" cy="1929118"/>
+              </a:xfrm>
+              <a:prstGeom prst="rect">
+                <a:avLst/>
+              </a:prstGeom>
+            </p:spPr>
+            <p:txBody>
+              <a:bodyPr wrap="none">
+                <a:spAutoFit/>
+              </a:bodyPr>
+              <a:lstStyle/>
+              <a:p>
+                <a:pPr algn="ctr"/>
+                <a:r>
+                  <a:rPr lang="es-CO" sz="3200" b="0" i="1" dirty="0" smtClean="0">
+                    <a:solidFill>
+                      <a:schemeClr val="accent1">
+                        <a:lumMod val="50000"/>
+                      </a:schemeClr>
+                    </a:solidFill>
+                    <a:latin typeface="Cambria Math" panose="02040503050406030204" pitchFamily="18" charset="0"/>
+                  </a:rPr>
+                  <a:t>Esperanza de </a:t>
+                </a:r>
+                <a14:m>
+                  <m:oMath xmlns:m="http://schemas.openxmlformats.org/officeDocument/2006/math">
+                    <m:sSup>
+                      <m:sSupPr>
+                        <m:ctrlPr>
+                          <a:rPr lang="es-CO" sz="3200" i="1">
+                            <a:solidFill>
+                              <a:schemeClr val="accent1">
+                                <a:lumMod val="50000"/>
+                              </a:schemeClr>
+                            </a:solidFill>
+                            <a:latin typeface="Cambria Math" panose="02040503050406030204" pitchFamily="18" charset="0"/>
+                          </a:rPr>
+                        </m:ctrlPr>
+                      </m:sSupPr>
+                      <m:e>
+                        <m:r>
+                          <a:rPr lang="es-CO" sz="3200" i="1">
+                            <a:solidFill>
+                              <a:schemeClr val="accent1">
+                                <a:lumMod val="50000"/>
+                              </a:schemeClr>
+                            </a:solidFill>
+                            <a:latin typeface="Cambria Math" panose="02040503050406030204" pitchFamily="18" charset="0"/>
+                          </a:rPr>
+                          <m:t>𝑥</m:t>
+                        </m:r>
+                      </m:e>
+                      <m:sup>
+                        <m:r>
+                          <a:rPr lang="es-CO" sz="3200" i="1">
+                            <a:solidFill>
+                              <a:schemeClr val="accent1">
+                                <a:lumMod val="50000"/>
+                              </a:schemeClr>
+                            </a:solidFill>
+                            <a:latin typeface="Cambria Math" panose="02040503050406030204" pitchFamily="18" charset="0"/>
+                          </a:rPr>
+                          <m:t>2</m:t>
+                        </m:r>
+                      </m:sup>
+                    </m:sSup>
+                  </m:oMath>
+                </a14:m>
+                <a:endParaRPr lang="es-CO" sz="3200" b="0" i="1" dirty="0" smtClean="0">
+                  <a:solidFill>
+                    <a:schemeClr val="accent1">
+                      <a:lumMod val="50000"/>
+                    </a:schemeClr>
+                  </a:solidFill>
+                  <a:latin typeface="Cambria Math" panose="02040503050406030204" pitchFamily="18" charset="0"/>
+                </a:endParaRPr>
+              </a:p>
+              <a:p>
+                <a:pPr algn="ctr"/>
+                <a14:m>
+                  <m:oMathPara xmlns:m="http://schemas.openxmlformats.org/officeDocument/2006/math">
+                    <m:oMathParaPr>
+                      <m:jc m:val="centerGroup"/>
+                    </m:oMathParaPr>
+                    <m:oMath xmlns:m="http://schemas.openxmlformats.org/officeDocument/2006/math">
+                      <m:r>
+                        <a:rPr lang="es-CO" sz="3200" b="0" i="1" smtClean="0">
+                          <a:solidFill>
+                            <a:schemeClr val="accent1">
+                              <a:lumMod val="50000"/>
+                            </a:schemeClr>
+                          </a:solidFill>
+                          <a:latin typeface="Cambria Math" panose="02040503050406030204" pitchFamily="18" charset="0"/>
+                        </a:rPr>
+                        <m:t>𝐸</m:t>
+                      </m:r>
+                      <m:d>
+                        <m:dPr>
+                          <m:ctrlPr>
+                            <a:rPr lang="es-CO" sz="3200" b="0" i="1" smtClean="0">
+                              <a:solidFill>
+                                <a:schemeClr val="accent1">
+                                  <a:lumMod val="50000"/>
+                                </a:schemeClr>
+                              </a:solidFill>
+                              <a:latin typeface="Cambria Math" panose="02040503050406030204" pitchFamily="18" charset="0"/>
+                            </a:rPr>
+                          </m:ctrlPr>
+                        </m:dPr>
+                        <m:e>
+                          <m:sSup>
+                            <m:sSupPr>
+                              <m:ctrlPr>
+                                <a:rPr lang="es-CO" sz="3200" i="1">
+                                  <a:solidFill>
+                                    <a:schemeClr val="accent1">
+                                      <a:lumMod val="50000"/>
+                                    </a:schemeClr>
+                                  </a:solidFill>
+                                  <a:latin typeface="Cambria Math" panose="02040503050406030204" pitchFamily="18" charset="0"/>
+                                </a:rPr>
+                              </m:ctrlPr>
+                            </m:sSupPr>
+                            <m:e>
+                              <m:r>
+                                <a:rPr lang="es-CO" sz="3200" i="1">
+                                  <a:solidFill>
+                                    <a:schemeClr val="accent1">
+                                      <a:lumMod val="50000"/>
+                                    </a:schemeClr>
+                                  </a:solidFill>
+                                  <a:latin typeface="Cambria Math" panose="02040503050406030204" pitchFamily="18" charset="0"/>
+                                </a:rPr>
+                                <m:t>𝑥</m:t>
+                              </m:r>
+                            </m:e>
+                            <m:sup>
+                              <m:r>
+                                <a:rPr lang="es-CO" sz="3200" i="1">
+                                  <a:solidFill>
+                                    <a:schemeClr val="accent1">
+                                      <a:lumMod val="50000"/>
+                                    </a:schemeClr>
+                                  </a:solidFill>
+                                  <a:latin typeface="Cambria Math" panose="02040503050406030204" pitchFamily="18" charset="0"/>
+                                </a:rPr>
+                                <m:t>2</m:t>
+                              </m:r>
+                            </m:sup>
+                          </m:sSup>
+                        </m:e>
+                      </m:d>
+                      <m:r>
+                        <a:rPr lang="es-CO" sz="3200" b="0" i="1" smtClean="0">
+                          <a:solidFill>
+                            <a:schemeClr val="accent1">
+                              <a:lumMod val="50000"/>
+                            </a:schemeClr>
+                          </a:solidFill>
+                          <a:latin typeface="Cambria Math" panose="02040503050406030204" pitchFamily="18" charset="0"/>
+                        </a:rPr>
+                        <m:t>=</m:t>
+                      </m:r>
+                      <m:nary>
+                        <m:naryPr>
+                          <m:chr m:val="∑"/>
+                          <m:ctrlPr>
+                            <a:rPr lang="es-CO" sz="3200" i="1">
+                              <a:solidFill>
+                                <a:schemeClr val="accent1">
+                                  <a:lumMod val="50000"/>
+                                </a:schemeClr>
+                              </a:solidFill>
+                              <a:latin typeface="Cambria Math" panose="02040503050406030204" pitchFamily="18" charset="0"/>
+                            </a:rPr>
+                          </m:ctrlPr>
+                        </m:naryPr>
+                        <m:sub>
+                          <m:r>
+                            <m:rPr>
+                              <m:brk m:alnAt="23"/>
+                            </m:rPr>
+                            <a:rPr lang="es-CO" sz="3200" i="1">
+                              <a:solidFill>
+                                <a:schemeClr val="accent1">
+                                  <a:lumMod val="50000"/>
+                                </a:schemeClr>
+                              </a:solidFill>
+                              <a:latin typeface="Cambria Math" panose="02040503050406030204" pitchFamily="18" charset="0"/>
+                            </a:rPr>
+                            <m:t>𝑖</m:t>
+                          </m:r>
+                          <m:r>
+                            <a:rPr lang="es-CO" sz="3200" i="1">
+                              <a:solidFill>
+                                <a:schemeClr val="accent1">
+                                  <a:lumMod val="50000"/>
+                                </a:schemeClr>
+                              </a:solidFill>
+                              <a:latin typeface="Cambria Math" panose="02040503050406030204" pitchFamily="18" charset="0"/>
+                            </a:rPr>
+                            <m:t>=1</m:t>
+                          </m:r>
+                        </m:sub>
+                        <m:sup>
+                          <m:r>
+                            <a:rPr lang="es-CO" sz="3200" i="1">
+                              <a:solidFill>
+                                <a:schemeClr val="accent1">
+                                  <a:lumMod val="50000"/>
+                                </a:schemeClr>
+                              </a:solidFill>
+                              <a:latin typeface="Cambria Math" panose="02040503050406030204" pitchFamily="18" charset="0"/>
+                            </a:rPr>
+                            <m:t>𝑛</m:t>
+                          </m:r>
+                        </m:sup>
+                        <m:e>
+                          <m:sSup>
+                            <m:sSupPr>
+                              <m:ctrlPr>
+                                <a:rPr lang="es-CO" sz="3200" i="1">
+                                  <a:solidFill>
+                                    <a:schemeClr val="accent1">
+                                      <a:lumMod val="50000"/>
+                                    </a:schemeClr>
+                                  </a:solidFill>
+                                  <a:latin typeface="Cambria Math" panose="02040503050406030204" pitchFamily="18" charset="0"/>
+                                </a:rPr>
+                              </m:ctrlPr>
+                            </m:sSupPr>
+                            <m:e>
+                              <m:r>
+                                <a:rPr lang="es-CO" sz="3200" i="1">
+                                  <a:solidFill>
+                                    <a:schemeClr val="accent1">
+                                      <a:lumMod val="50000"/>
+                                    </a:schemeClr>
+                                  </a:solidFill>
+                                  <a:latin typeface="Cambria Math" panose="02040503050406030204" pitchFamily="18" charset="0"/>
+                                </a:rPr>
+                                <m:t>𝑥</m:t>
+                              </m:r>
+                            </m:e>
+                            <m:sup>
+                              <m:r>
+                                <a:rPr lang="es-CO" sz="3200" i="1">
+                                  <a:solidFill>
+                                    <a:schemeClr val="accent1">
+                                      <a:lumMod val="50000"/>
+                                    </a:schemeClr>
+                                  </a:solidFill>
+                                  <a:latin typeface="Cambria Math" panose="02040503050406030204" pitchFamily="18" charset="0"/>
+                                </a:rPr>
+                                <m:t>2</m:t>
+                              </m:r>
+                            </m:sup>
+                          </m:sSup>
+                          <m:r>
+                            <a:rPr lang="es-CO" sz="3200" i="1">
+                              <a:solidFill>
+                                <a:schemeClr val="accent1">
+                                  <a:lumMod val="50000"/>
+                                </a:schemeClr>
+                              </a:solidFill>
+                              <a:latin typeface="Cambria Math" panose="02040503050406030204" pitchFamily="18" charset="0"/>
+                            </a:rPr>
+                            <m:t>𝑓</m:t>
+                          </m:r>
+                          <m:d>
+                            <m:dPr>
+                              <m:ctrlPr>
+                                <a:rPr lang="es-CO" sz="3200" i="1">
+                                  <a:solidFill>
+                                    <a:schemeClr val="accent1">
+                                      <a:lumMod val="50000"/>
+                                    </a:schemeClr>
+                                  </a:solidFill>
+                                  <a:latin typeface="Cambria Math" panose="02040503050406030204" pitchFamily="18" charset="0"/>
+                                </a:rPr>
+                              </m:ctrlPr>
+                            </m:dPr>
+                            <m:e>
+                              <m:sSub>
+                                <m:sSubPr>
+                                  <m:ctrlPr>
+                                    <a:rPr lang="es-CO" sz="3200" i="1">
+                                      <a:solidFill>
+                                        <a:schemeClr val="accent1">
+                                          <a:lumMod val="50000"/>
+                                        </a:schemeClr>
+                                      </a:solidFill>
+                                      <a:latin typeface="Cambria Math" panose="02040503050406030204" pitchFamily="18" charset="0"/>
+                                    </a:rPr>
+                                  </m:ctrlPr>
+                                </m:sSubPr>
+                                <m:e>
+                                  <m:r>
+                                    <a:rPr lang="es-CO" sz="3200" i="1">
+                                      <a:solidFill>
+                                        <a:schemeClr val="accent1">
+                                          <a:lumMod val="50000"/>
+                                        </a:schemeClr>
+                                      </a:solidFill>
+                                      <a:latin typeface="Cambria Math" panose="02040503050406030204" pitchFamily="18" charset="0"/>
+                                    </a:rPr>
+                                    <m:t>𝑥</m:t>
+                                  </m:r>
+                                </m:e>
+                                <m:sub>
+                                  <m:r>
+                                    <a:rPr lang="es-CO" sz="3200" i="1">
+                                      <a:solidFill>
+                                        <a:schemeClr val="accent1">
+                                          <a:lumMod val="50000"/>
+                                        </a:schemeClr>
+                                      </a:solidFill>
+                                      <a:latin typeface="Cambria Math" panose="02040503050406030204" pitchFamily="18" charset="0"/>
+                                    </a:rPr>
+                                    <m:t>𝑖</m:t>
+                                  </m:r>
+                                </m:sub>
+                              </m:sSub>
+                            </m:e>
+                          </m:d>
+                        </m:e>
+                      </m:nary>
+                    </m:oMath>
+                  </m:oMathPara>
+                </a14:m>
+                <a:endParaRPr lang="es-CO" sz="3200" dirty="0"/>
+              </a:p>
+            </p:txBody>
+          </p:sp>
+        </mc:Choice>
+        <mc:Fallback>
+          <p:sp>
+            <p:nvSpPr>
+              <p:cNvPr id="5" name="Rectángulo 4"/>
+              <p:cNvSpPr>
+                <a:spLocks noRot="1" noChangeAspect="1" noMove="1" noResize="1" noEditPoints="1" noAdjustHandles="1" noChangeArrowheads="1" noChangeShapeType="1" noTextEdit="1"/>
+              </p:cNvSpPr>
+              <p:nvPr/>
+            </p:nvSpPr>
+            <p:spPr>
+              <a:xfrm>
+                <a:off x="7084723" y="2007312"/>
+                <a:ext cx="3845283" cy="1929118"/>
+              </a:xfrm>
+              <a:prstGeom prst="rect">
+                <a:avLst/>
+              </a:prstGeom>
+              <a:blipFill>
+                <a:blip r:embed="rId4"/>
+                <a:stretch>
+                  <a:fillRect t="-4101"/>
+                </a:stretch>
+              </a:blipFill>
+            </p:spPr>
+            <p:txBody>
+              <a:bodyPr/>
+              <a:lstStyle/>
+              <a:p>
+                <a:r>
+                  <a:rPr lang="es-CO">
+                    <a:noFill/>
+                  </a:rPr>
+                  <a:t> </a:t>
+                </a:r>
+              </a:p>
+            </p:txBody>
+          </p:sp>
+        </mc:Fallback>
+      </mc:AlternateContent>
+      <mc:AlternateContent xmlns:mc="http://schemas.openxmlformats.org/markup-compatibility/2006">
+        <mc:Choice xmlns:a14="http://schemas.microsoft.com/office/drawing/2010/main" Requires="a14">
+          <p:sp>
+            <p:nvSpPr>
+              <p:cNvPr id="8" name="Marcador de contenido 2"/>
+              <p:cNvSpPr>
+                <a:spLocks noGrp="1"/>
+              </p:cNvSpPr>
+              <p:nvPr>
+                <p:ph idx="1"/>
+              </p:nvPr>
+            </p:nvSpPr>
+            <p:spPr>
+              <a:xfrm>
+                <a:off x="6096000" y="4456386"/>
+                <a:ext cx="5675587" cy="2083013"/>
+              </a:xfrm>
+            </p:spPr>
+            <p:txBody>
+              <a:bodyPr>
+                <a:normAutofit fontScale="25000" lnSpcReduction="20000"/>
+              </a:bodyPr>
+              <a:lstStyle/>
+              <a:p>
+                <a:pPr marL="0" indent="0">
+                  <a:buNone/>
+                </a:pPr>
+                <a:r>
+                  <a:rPr lang="es-CO" sz="12800" i="1" dirty="0">
+                    <a:solidFill>
+                      <a:schemeClr val="accent1">
+                        <a:lumMod val="50000"/>
+                      </a:schemeClr>
+                    </a:solidFill>
+                    <a:latin typeface="Cambria Math" panose="02040503050406030204" pitchFamily="18" charset="0"/>
+                  </a:rPr>
+                  <a:t>Varianza y desviación estándar</a:t>
+                </a:r>
+              </a:p>
+              <a:p>
+                <a:pPr marL="0" indent="0">
+                  <a:buNone/>
+                </a:pPr>
+                <a14:m>
+                  <m:oMathPara xmlns:m="http://schemas.openxmlformats.org/officeDocument/2006/math">
+                    <m:oMathParaPr>
+                      <m:jc m:val="centerGroup"/>
+                    </m:oMathParaPr>
+                    <m:oMath xmlns:m="http://schemas.openxmlformats.org/officeDocument/2006/math">
+                      <m:r>
+                        <a:rPr lang="es-CO" sz="12800" b="0" i="1" smtClean="0">
+                          <a:solidFill>
+                            <a:schemeClr val="accent1">
+                              <a:lumMod val="50000"/>
+                            </a:schemeClr>
+                          </a:solidFill>
+                          <a:latin typeface="Cambria Math" panose="02040503050406030204" pitchFamily="18" charset="0"/>
+                        </a:rPr>
+                        <m:t>𝑣</m:t>
+                      </m:r>
+                      <m:d>
+                        <m:dPr>
+                          <m:ctrlPr>
+                            <a:rPr lang="es-CO" sz="12800" i="1" smtClean="0">
+                              <a:solidFill>
+                                <a:schemeClr val="accent1">
+                                  <a:lumMod val="50000"/>
+                                </a:schemeClr>
+                              </a:solidFill>
+                              <a:latin typeface="Cambria Math" panose="02040503050406030204" pitchFamily="18" charset="0"/>
+                            </a:rPr>
+                          </m:ctrlPr>
+                        </m:dPr>
+                        <m:e>
+                          <m:r>
+                            <a:rPr lang="es-CO" sz="12800" b="0" i="1" smtClean="0">
+                              <a:solidFill>
+                                <a:schemeClr val="accent1">
+                                  <a:lumMod val="50000"/>
+                                </a:schemeClr>
+                              </a:solidFill>
+                              <a:latin typeface="Cambria Math" panose="02040503050406030204" pitchFamily="18" charset="0"/>
+                            </a:rPr>
+                            <m:t>𝑥</m:t>
+                          </m:r>
+                        </m:e>
+                      </m:d>
+                      <m:r>
+                        <a:rPr lang="es-CO" sz="12800" b="0" i="1" smtClean="0">
+                          <a:solidFill>
+                            <a:schemeClr val="accent1">
+                              <a:lumMod val="50000"/>
+                            </a:schemeClr>
+                          </a:solidFill>
+                          <a:latin typeface="Cambria Math" panose="02040503050406030204" pitchFamily="18" charset="0"/>
+                        </a:rPr>
+                        <m:t>=</m:t>
+                      </m:r>
+                      <m:r>
+                        <a:rPr lang="es-CO" sz="12800" b="0" i="1" smtClean="0">
+                          <a:solidFill>
+                            <a:schemeClr val="accent1">
+                              <a:lumMod val="50000"/>
+                            </a:schemeClr>
+                          </a:solidFill>
+                          <a:latin typeface="Cambria Math" panose="02040503050406030204" pitchFamily="18" charset="0"/>
+                        </a:rPr>
+                        <m:t>𝐸</m:t>
+                      </m:r>
+                      <m:d>
+                        <m:dPr>
+                          <m:ctrlPr>
+                            <a:rPr lang="es-CO" sz="12800" i="1" smtClean="0">
+                              <a:solidFill>
+                                <a:schemeClr val="accent1">
+                                  <a:lumMod val="50000"/>
+                                </a:schemeClr>
+                              </a:solidFill>
+                              <a:latin typeface="Cambria Math" panose="02040503050406030204" pitchFamily="18" charset="0"/>
+                            </a:rPr>
+                          </m:ctrlPr>
+                        </m:dPr>
+                        <m:e>
+                          <m:sSup>
+                            <m:sSupPr>
+                              <m:ctrlPr>
+                                <a:rPr lang="es-CO" sz="12800" i="1" smtClean="0">
+                                  <a:solidFill>
+                                    <a:schemeClr val="accent1">
+                                      <a:lumMod val="50000"/>
+                                    </a:schemeClr>
+                                  </a:solidFill>
+                                  <a:latin typeface="Cambria Math" panose="02040503050406030204" pitchFamily="18" charset="0"/>
+                                </a:rPr>
+                              </m:ctrlPr>
+                            </m:sSupPr>
+                            <m:e>
+                              <m:r>
+                                <a:rPr lang="es-CO" sz="12800" b="0" i="1" smtClean="0">
+                                  <a:solidFill>
+                                    <a:schemeClr val="accent1">
+                                      <a:lumMod val="50000"/>
+                                    </a:schemeClr>
+                                  </a:solidFill>
+                                  <a:latin typeface="Cambria Math" panose="02040503050406030204" pitchFamily="18" charset="0"/>
+                                </a:rPr>
+                                <m:t>𝑥</m:t>
+                              </m:r>
+                            </m:e>
+                            <m:sup>
+                              <m:r>
+                                <a:rPr lang="es-CO" sz="12800" b="0" i="1" smtClean="0">
+                                  <a:solidFill>
+                                    <a:schemeClr val="accent1">
+                                      <a:lumMod val="50000"/>
+                                    </a:schemeClr>
+                                  </a:solidFill>
+                                  <a:latin typeface="Cambria Math" panose="02040503050406030204" pitchFamily="18" charset="0"/>
+                                </a:rPr>
+                                <m:t>2</m:t>
+                              </m:r>
+                            </m:sup>
+                          </m:sSup>
+                        </m:e>
+                      </m:d>
+                      <m:r>
+                        <a:rPr lang="es-CO" sz="12800" b="0" i="1" smtClean="0">
+                          <a:solidFill>
+                            <a:schemeClr val="accent1">
+                              <a:lumMod val="50000"/>
+                            </a:schemeClr>
+                          </a:solidFill>
+                          <a:latin typeface="Cambria Math" panose="02040503050406030204" pitchFamily="18" charset="0"/>
+                        </a:rPr>
+                        <m:t>−</m:t>
+                      </m:r>
+                      <m:sSup>
+                        <m:sSupPr>
+                          <m:ctrlPr>
+                            <a:rPr lang="es-CO" sz="12800" i="1" smtClean="0">
+                              <a:solidFill>
+                                <a:schemeClr val="accent1">
+                                  <a:lumMod val="50000"/>
+                                </a:schemeClr>
+                              </a:solidFill>
+                              <a:latin typeface="Cambria Math" panose="02040503050406030204" pitchFamily="18" charset="0"/>
+                            </a:rPr>
+                          </m:ctrlPr>
+                        </m:sSupPr>
+                        <m:e>
+                          <m:r>
+                            <a:rPr lang="es-CO" sz="12800" b="0" i="1" smtClean="0">
+                              <a:solidFill>
+                                <a:schemeClr val="accent1">
+                                  <a:lumMod val="50000"/>
+                                </a:schemeClr>
+                              </a:solidFill>
+                              <a:latin typeface="Cambria Math" panose="02040503050406030204" pitchFamily="18" charset="0"/>
+                              <a:ea typeface="Cambria Math" panose="02040503050406030204" pitchFamily="18" charset="0"/>
+                            </a:rPr>
+                            <m:t>𝜇</m:t>
+                          </m:r>
+                        </m:e>
+                        <m:sup>
+                          <m:r>
+                            <a:rPr lang="es-CO" sz="12800" b="0" i="1" smtClean="0">
+                              <a:solidFill>
+                                <a:schemeClr val="accent1">
+                                  <a:lumMod val="50000"/>
+                                </a:schemeClr>
+                              </a:solidFill>
+                              <a:latin typeface="Cambria Math" panose="02040503050406030204" pitchFamily="18" charset="0"/>
+                            </a:rPr>
+                            <m:t>2</m:t>
+                          </m:r>
+                        </m:sup>
+                      </m:sSup>
+                    </m:oMath>
+                  </m:oMathPara>
+                </a14:m>
+                <a:endParaRPr lang="es-CO" sz="12800" dirty="0" smtClean="0">
+                  <a:solidFill>
+                    <a:schemeClr val="accent1">
+                      <a:lumMod val="50000"/>
+                    </a:schemeClr>
+                  </a:solidFill>
+                </a:endParaRPr>
+              </a:p>
+              <a:p>
+                <a:pPr marL="0" indent="0">
+                  <a:buNone/>
+                </a:pPr>
+                <a14:m>
+                  <m:oMathPara xmlns:m="http://schemas.openxmlformats.org/officeDocument/2006/math">
+                    <m:oMathParaPr>
+                      <m:jc m:val="centerGroup"/>
+                    </m:oMathParaPr>
+                    <m:oMath xmlns:m="http://schemas.openxmlformats.org/officeDocument/2006/math">
+                      <m:r>
+                        <a:rPr lang="es-CO" sz="12800" b="0" i="1" smtClean="0">
+                          <a:solidFill>
+                            <a:schemeClr val="accent1">
+                              <a:lumMod val="50000"/>
+                            </a:schemeClr>
+                          </a:solidFill>
+                          <a:latin typeface="Cambria Math" panose="02040503050406030204" pitchFamily="18" charset="0"/>
+                        </a:rPr>
+                        <m:t>𝑠𝑑</m:t>
+                      </m:r>
+                      <m:r>
+                        <a:rPr lang="es-CO" sz="12800" b="0" i="1" smtClean="0">
+                          <a:solidFill>
+                            <a:schemeClr val="accent1">
+                              <a:lumMod val="50000"/>
+                            </a:schemeClr>
+                          </a:solidFill>
+                          <a:latin typeface="Cambria Math" panose="02040503050406030204" pitchFamily="18" charset="0"/>
+                        </a:rPr>
+                        <m:t>=</m:t>
+                      </m:r>
+                      <m:rad>
+                        <m:radPr>
+                          <m:degHide m:val="on"/>
+                          <m:ctrlPr>
+                            <a:rPr lang="es-CO" sz="12800" i="1" smtClean="0">
+                              <a:solidFill>
+                                <a:schemeClr val="accent1">
+                                  <a:lumMod val="50000"/>
+                                </a:schemeClr>
+                              </a:solidFill>
+                              <a:latin typeface="Cambria Math" panose="02040503050406030204" pitchFamily="18" charset="0"/>
+                            </a:rPr>
+                          </m:ctrlPr>
+                        </m:radPr>
+                        <m:deg/>
+                        <m:e>
+                          <m:r>
+                            <a:rPr lang="es-CO" sz="12800" b="0" i="1" smtClean="0">
+                              <a:solidFill>
+                                <a:schemeClr val="accent1">
+                                  <a:lumMod val="50000"/>
+                                </a:schemeClr>
+                              </a:solidFill>
+                              <a:latin typeface="Cambria Math" panose="02040503050406030204" pitchFamily="18" charset="0"/>
+                            </a:rPr>
+                            <m:t>𝑣</m:t>
+                          </m:r>
+                          <m:r>
+                            <a:rPr lang="es-CO" sz="12800" b="0" i="1" smtClean="0">
+                              <a:solidFill>
+                                <a:schemeClr val="accent1">
+                                  <a:lumMod val="50000"/>
+                                </a:schemeClr>
+                              </a:solidFill>
+                              <a:latin typeface="Cambria Math" panose="02040503050406030204" pitchFamily="18" charset="0"/>
+                            </a:rPr>
+                            <m:t>(</m:t>
+                          </m:r>
+                          <m:r>
+                            <a:rPr lang="es-CO" sz="12800" b="0" i="1" smtClean="0">
+                              <a:solidFill>
+                                <a:schemeClr val="accent1">
+                                  <a:lumMod val="50000"/>
+                                </a:schemeClr>
+                              </a:solidFill>
+                              <a:latin typeface="Cambria Math" panose="02040503050406030204" pitchFamily="18" charset="0"/>
+                            </a:rPr>
+                            <m:t>𝑥</m:t>
+                          </m:r>
+                          <m:r>
+                            <a:rPr lang="es-CO" sz="12800" b="0" i="1" smtClean="0">
+                              <a:solidFill>
+                                <a:schemeClr val="accent1">
+                                  <a:lumMod val="50000"/>
+                                </a:schemeClr>
+                              </a:solidFill>
+                              <a:latin typeface="Cambria Math" panose="02040503050406030204" pitchFamily="18" charset="0"/>
+                            </a:rPr>
+                            <m:t>)</m:t>
+                          </m:r>
+                        </m:e>
+                      </m:rad>
+                    </m:oMath>
+                  </m:oMathPara>
+                </a14:m>
+                <a:endParaRPr lang="es-CO" sz="12800" dirty="0" smtClean="0">
+                  <a:solidFill>
+                    <a:schemeClr val="accent1">
+                      <a:lumMod val="50000"/>
+                    </a:schemeClr>
+                  </a:solidFill>
+                </a:endParaRPr>
+              </a:p>
+              <a:p>
+                <a:pPr marL="0" indent="0">
+                  <a:buNone/>
+                </a:pPr>
+                <a:endParaRPr lang="es-CO" sz="2800" b="1" dirty="0">
+                  <a:solidFill>
+                    <a:schemeClr val="accent1">
+                      <a:lumMod val="50000"/>
+                    </a:schemeClr>
+                  </a:solidFill>
+                </a:endParaRPr>
+              </a:p>
+              <a:p>
+                <a:pPr marL="0" indent="0">
+                  <a:buNone/>
+                </a:pPr>
+                <a:endParaRPr lang="es-CO" sz="2800" dirty="0"/>
+              </a:p>
+            </p:txBody>
+          </p:sp>
+        </mc:Choice>
+        <mc:Fallback>
+          <p:sp>
+            <p:nvSpPr>
+              <p:cNvPr id="8" name="Marcador de contenido 2"/>
+              <p:cNvSpPr>
+                <a:spLocks noGrp="1" noRot="1" noChangeAspect="1" noMove="1" noResize="1" noEditPoints="1" noAdjustHandles="1" noChangeArrowheads="1" noChangeShapeType="1" noTextEdit="1"/>
+              </p:cNvSpPr>
+              <p:nvPr>
+                <p:ph idx="1"/>
+              </p:nvPr>
+            </p:nvSpPr>
+            <p:spPr>
+              <a:xfrm>
+                <a:off x="6096000" y="4456386"/>
+                <a:ext cx="5675587" cy="2083013"/>
+              </a:xfrm>
+              <a:blipFill>
+                <a:blip r:embed="rId5"/>
+                <a:stretch>
+                  <a:fillRect l="-2685" t="-8480" r="-537"/>
+                </a:stretch>
+              </a:blipFill>
+            </p:spPr>
+            <p:txBody>
+              <a:bodyPr/>
+              <a:lstStyle/>
+              <a:p>
+                <a:r>
+                  <a:rPr lang="es-CO">
+                    <a:noFill/>
+                  </a:rPr>
+                  <a:t> </a:t>
+                </a:r>
+              </a:p>
+            </p:txBody>
+          </p:sp>
+        </mc:Fallback>
+      </mc:AlternateContent>
     </p:spTree>
     <p:extLst>
       <p:ext uri="{BB962C8B-B14F-4D97-AF65-F5344CB8AC3E}">
-        <p14:creationId xmlns:p14="http://schemas.microsoft.com/office/powerpoint/2010/main" val="1540408213"/>
+        <p14:creationId xmlns:p14="http://schemas.microsoft.com/office/powerpoint/2010/main" val="232602825"/>
       </p:ext>
     </p:extLst>
   </p:cSld>
@@ -4067,137 +5182,6 @@
 </file>
 
 <file path=ppt/slides/slide11.xml><?xml version="1.0" encoding="utf-8"?>
-<p:sld xmlns:a="http://schemas.openxmlformats.org/drawingml/2006/main" xmlns:r="http://schemas.openxmlformats.org/officeDocument/2006/relationships" xmlns:p="http://schemas.openxmlformats.org/presentationml/2006/main">
-  <p:cSld>
-    <p:spTree>
-      <p:nvGrpSpPr>
-        <p:cNvPr id="1" name=""/>
-        <p:cNvGrpSpPr/>
-        <p:nvPr/>
-      </p:nvGrpSpPr>
-      <p:grpSpPr>
-        <a:xfrm>
-          <a:off x="0" y="0"/>
-          <a:ext cx="0" cy="0"/>
-          <a:chOff x="0" y="0"/>
-          <a:chExt cx="0" cy="0"/>
-        </a:xfrm>
-      </p:grpSpPr>
-      <p:sp>
-        <p:nvSpPr>
-          <p:cNvPr id="2" name="Título 1"/>
-          <p:cNvSpPr>
-            <a:spLocks noGrp="1"/>
-          </p:cNvSpPr>
-          <p:nvPr>
-            <p:ph type="title"/>
-          </p:nvPr>
-        </p:nvSpPr>
-        <p:spPr>
-          <a:xfrm>
-            <a:off x="581191" y="521682"/>
-            <a:ext cx="11029616" cy="1013800"/>
-          </a:xfrm>
-        </p:spPr>
-        <p:txBody>
-          <a:bodyPr/>
-          <a:lstStyle/>
-          <a:p>
-            <a:pPr algn="ctr"/>
-            <a:r>
-              <a:rPr lang="es-CO" b="1" dirty="0" smtClean="0"/>
-              <a:t>Varianza </a:t>
-            </a:r>
-            <a:endParaRPr lang="es-CO" b="1" dirty="0"/>
-          </a:p>
-        </p:txBody>
-      </p:sp>
-      <p:sp>
-        <p:nvSpPr>
-          <p:cNvPr id="3" name="Marcador de contenido 2"/>
-          <p:cNvSpPr>
-            <a:spLocks noGrp="1"/>
-          </p:cNvSpPr>
-          <p:nvPr>
-            <p:ph idx="1"/>
-          </p:nvPr>
-        </p:nvSpPr>
-        <p:spPr>
-          <a:xfrm>
-            <a:off x="581192" y="2180496"/>
-            <a:ext cx="11029615" cy="863493"/>
-          </a:xfrm>
-        </p:spPr>
-        <p:txBody>
-          <a:bodyPr>
-            <a:normAutofit/>
-          </a:bodyPr>
-          <a:lstStyle/>
-          <a:p>
-            <a:pPr marL="0" indent="0">
-              <a:buNone/>
-            </a:pPr>
-            <a:r>
-              <a:rPr lang="es-CO" sz="2800" dirty="0" smtClean="0"/>
-              <a:t>La varianza de una variable aleatoria x con </a:t>
-            </a:r>
-            <a:r>
-              <a:rPr lang="es-CO" sz="2800" dirty="0" err="1" smtClean="0"/>
-              <a:t>pdf</a:t>
-            </a:r>
-            <a:r>
-              <a:rPr lang="es-CO" sz="2800" dirty="0" smtClean="0"/>
-              <a:t> f(x) y valor medio µ es:</a:t>
-            </a:r>
-            <a:endParaRPr lang="es-CO" sz="2800" dirty="0"/>
-          </a:p>
-        </p:txBody>
-      </p:sp>
-      <p:pic>
-        <p:nvPicPr>
-          <p:cNvPr id="4" name="Imagen 3"/>
-          <p:cNvPicPr>
-            <a:picLocks noChangeAspect="1"/>
-          </p:cNvPicPr>
-          <p:nvPr/>
-        </p:nvPicPr>
-        <p:blipFill>
-          <a:blip r:embed="rId2"/>
-          <a:stretch>
-            <a:fillRect/>
-          </a:stretch>
-        </p:blipFill>
-        <p:spPr>
-          <a:xfrm>
-            <a:off x="2837677" y="3573016"/>
-            <a:ext cx="6516646" cy="1234988"/>
-          </a:xfrm>
-          <a:prstGeom prst="rect">
-            <a:avLst/>
-          </a:prstGeom>
-        </p:spPr>
-      </p:pic>
-    </p:spTree>
-    <p:extLst>
-      <p:ext uri="{BB962C8B-B14F-4D97-AF65-F5344CB8AC3E}">
-        <p14:creationId xmlns:p14="http://schemas.microsoft.com/office/powerpoint/2010/main" val="3049354804"/>
-      </p:ext>
-    </p:extLst>
-  </p:cSld>
-  <p:clrMapOvr>
-    <a:masterClrMapping/>
-  </p:clrMapOvr>
-  <p:timing>
-    <p:tnLst>
-      <p:par>
-        <p:cTn id="1" dur="indefinite" restart="never" nodeType="tmRoot"/>
-      </p:par>
-    </p:tnLst>
-  </p:timing>
-</p:sld>
-</file>
-
-<file path=ppt/slides/slide12.xml><?xml version="1.0" encoding="utf-8"?>
 <p:sld xmlns:a="http://schemas.openxmlformats.org/drawingml/2006/main" xmlns:r="http://schemas.openxmlformats.org/officeDocument/2006/relationships" xmlns:p="http://schemas.openxmlformats.org/presentationml/2006/main">
   <p:cSld>
     <p:spTree>
@@ -4356,7 +5340,7 @@
 </p:sld>
 </file>
 
-<file path=ppt/slides/slide13.xml><?xml version="1.0" encoding="utf-8"?>
+<file path=ppt/slides/slide12.xml><?xml version="1.0" encoding="utf-8"?>
 <p:sld xmlns:a="http://schemas.openxmlformats.org/drawingml/2006/main" xmlns:r="http://schemas.openxmlformats.org/officeDocument/2006/relationships" xmlns:p="http://schemas.openxmlformats.org/presentationml/2006/main">
   <p:cSld>
     <p:spTree>
@@ -4424,18 +5408,25 @@
             </a:r>
             <a:r>
               <a:rPr lang="es-CO" sz="2400" dirty="0" smtClean="0"/>
-              <a:t>en servicio</a:t>
-            </a:r>
+              <a:t>en servicio:</a:t>
+            </a:r>
+          </a:p>
+          <a:p>
             <a:r>
               <a:rPr lang="es-CO" sz="2400" dirty="0" smtClean="0"/>
-              <a:t>:</a:t>
-            </a:r>
-            <a:endParaRPr lang="es-CO" sz="2400" dirty="0" smtClean="0"/>
-          </a:p>
-          <a:p>
-            <a:r>
-              <a:rPr lang="es-CO" sz="2400" dirty="0" smtClean="0"/>
-              <a:t>Halle la probabilidad de que por lo menos 3 </a:t>
+              <a:t>Halle la probabilidad de que por lo menos 3 bombas</a:t>
+            </a:r>
+          </a:p>
+          <a:p>
+            <a:r>
+              <a:rPr lang="es-CO" sz="2400" dirty="0"/>
+              <a:t>La probabilidad de que entre 2 y 5 bombas inclusive estén en servicio</a:t>
+            </a:r>
+          </a:p>
+          <a:p>
+            <a:r>
+              <a:rPr lang="es-CO" sz="2400" dirty="0"/>
+              <a:t>La probabilidad de que el numero de bombas este estrictamente entre 2 y 5 </a:t>
             </a:r>
             <a:r>
               <a:rPr lang="es-CO" sz="2400" dirty="0" smtClean="0"/>
@@ -4444,27 +5435,9 @@
           </a:p>
           <a:p>
             <a:r>
-              <a:rPr lang="es-CO" sz="2400" dirty="0"/>
-              <a:t>La probabilidad de que entre 2 y 5 bombas inclusive estén en servicio</a:t>
-            </a:r>
-          </a:p>
-          <a:p>
-            <a:r>
-              <a:rPr lang="es-CO" sz="2400" dirty="0"/>
-              <a:t>La probabilidad de que el numero de bombas este estrictamente entre 2 y 5 </a:t>
-            </a:r>
-            <a:r>
-              <a:rPr lang="es-CO" sz="2400" dirty="0" smtClean="0"/>
-              <a:t>bombas</a:t>
-            </a:r>
-            <a:endParaRPr lang="es-CO" sz="2400" dirty="0" smtClean="0"/>
-          </a:p>
-          <a:p>
-            <a:r>
               <a:rPr lang="es-CO" sz="2400" dirty="0" smtClean="0"/>
               <a:t>Halle la media, la varianza y la desviación estándar</a:t>
             </a:r>
-            <a:endParaRPr lang="es-CO" sz="2400" dirty="0" smtClean="0"/>
           </a:p>
         </p:txBody>
       </p:sp>
@@ -4488,7 +5461,7 @@
 </p:sld>
 </file>
 
-<file path=ppt/slides/slide14.xml><?xml version="1.0" encoding="utf-8"?>
+<file path=ppt/slides/slide13.xml><?xml version="1.0" encoding="utf-8"?>
 <p:sld xmlns:a="http://schemas.openxmlformats.org/drawingml/2006/main" xmlns:r="http://schemas.openxmlformats.org/officeDocument/2006/relationships" xmlns:p="http://schemas.openxmlformats.org/presentationml/2006/main">
   <p:cSld>
     <p:spTree>
@@ -4534,8 +5507,8 @@
           </a:p>
         </p:txBody>
       </p:sp>
-      <mc:AlternateContent xmlns:mc="http://schemas.openxmlformats.org/markup-compatibility/2006">
-        <mc:Choice xmlns:a14="http://schemas.microsoft.com/office/drawing/2010/main" Requires="a14">
+      <mc:AlternateContent xmlns:mc="http://schemas.openxmlformats.org/markup-compatibility/2006" xmlns:a14="http://schemas.microsoft.com/office/drawing/2010/main">
+        <mc:Choice Requires="a14">
           <p:sp>
             <p:nvSpPr>
               <p:cNvPr id="3" name="Marcador de contenido 2"/>
@@ -4877,7 +5850,7 @@
             </p:txBody>
           </p:sp>
         </mc:Choice>
-        <mc:Fallback>
+        <mc:Fallback xmlns="">
           <p:sp>
             <p:nvSpPr>
               <p:cNvPr id="3" name="Marcador de contenido 2"/>
@@ -4935,7 +5908,7 @@
 </p:sld>
 </file>
 
-<file path=ppt/slides/slide15.xml><?xml version="1.0" encoding="utf-8"?>
+<file path=ppt/slides/slide14.xml><?xml version="1.0" encoding="utf-8"?>
 <p:sld xmlns:a="http://schemas.openxmlformats.org/drawingml/2006/main" xmlns:r="http://schemas.openxmlformats.org/officeDocument/2006/relationships" xmlns:p="http://schemas.openxmlformats.org/presentationml/2006/main">
   <p:cSld>
     <p:spTree>
@@ -5150,7 +6123,7 @@
 </p:sld>
 </file>
 
-<file path=ppt/slides/slide16.xml><?xml version="1.0" encoding="utf-8"?>
+<file path=ppt/slides/slide15.xml><?xml version="1.0" encoding="utf-8"?>
 <p:sld xmlns:a="http://schemas.openxmlformats.org/drawingml/2006/main" xmlns:r="http://schemas.openxmlformats.org/officeDocument/2006/relationships" xmlns:p="http://schemas.openxmlformats.org/presentationml/2006/main">
   <p:cSld>
     <p:spTree>
@@ -5308,7 +6281,7 @@
 </p:sld>
 </file>
 
-<file path=ppt/slides/slide17.xml><?xml version="1.0" encoding="utf-8"?>
+<file path=ppt/slides/slide16.xml><?xml version="1.0" encoding="utf-8"?>
 <p:sld xmlns:a="http://schemas.openxmlformats.org/drawingml/2006/main" xmlns:r="http://schemas.openxmlformats.org/officeDocument/2006/relationships" xmlns:p="http://schemas.openxmlformats.org/presentationml/2006/main">
   <p:cSld>
     <p:spTree>
@@ -5452,7 +6425,7 @@
 </p:sld>
 </file>
 
-<file path=ppt/slides/slide18.xml><?xml version="1.0" encoding="utf-8"?>
+<file path=ppt/slides/slide17.xml><?xml version="1.0" encoding="utf-8"?>
 <p:sld xmlns:a="http://schemas.openxmlformats.org/drawingml/2006/main" xmlns:r="http://schemas.openxmlformats.org/officeDocument/2006/relationships" xmlns:p="http://schemas.openxmlformats.org/presentationml/2006/main">
   <p:cSld>
     <p:spTree>
@@ -5524,11 +6497,7 @@
             </a:r>
             <a:r>
               <a:rPr lang="es-CO" sz="2200" dirty="0" smtClean="0"/>
-              <a:t>istribución</a:t>
-            </a:r>
-            <a:r>
-              <a:rPr lang="es-CO" sz="2200" dirty="0" smtClean="0"/>
-              <a:t>:</a:t>
+              <a:t>istribución:</a:t>
             </a:r>
           </a:p>
           <a:p>
@@ -5571,11 +6540,7 @@
           <a:p>
             <a:r>
               <a:rPr lang="es-CO" sz="2200" dirty="0" smtClean="0"/>
-              <a:t>Halle la función acumulada y </a:t>
-            </a:r>
-            <a:r>
-              <a:rPr lang="es-CO" sz="2200" dirty="0" smtClean="0"/>
-              <a:t>grafíquela</a:t>
+              <a:t>Halle la función acumulada y grafíquela</a:t>
             </a:r>
             <a:endParaRPr lang="es-CO" sz="2200" dirty="0"/>
           </a:p>
@@ -5625,7 +6590,7 @@
 </p:sld>
 </file>
 
-<file path=ppt/slides/slide19.xml><?xml version="1.0" encoding="utf-8"?>
+<file path=ppt/slides/slide18.xml><?xml version="1.0" encoding="utf-8"?>
 <p:sld xmlns:a="http://schemas.openxmlformats.org/drawingml/2006/main" xmlns:r="http://schemas.openxmlformats.org/officeDocument/2006/relationships" xmlns:p="http://schemas.openxmlformats.org/presentationml/2006/main">
   <p:cSld>
     <p:spTree>
@@ -6155,166 +7120,7 @@
 </p:sld>
 </file>
 
-<file path=ppt/slides/slide2.xml><?xml version="1.0" encoding="utf-8"?>
-<p:sld xmlns:a="http://schemas.openxmlformats.org/drawingml/2006/main" xmlns:r="http://schemas.openxmlformats.org/officeDocument/2006/relationships" xmlns:p="http://schemas.openxmlformats.org/presentationml/2006/main">
-  <p:cSld>
-    <p:spTree>
-      <p:nvGrpSpPr>
-        <p:cNvPr id="1" name=""/>
-        <p:cNvGrpSpPr/>
-        <p:nvPr/>
-      </p:nvGrpSpPr>
-      <p:grpSpPr>
-        <a:xfrm>
-          <a:off x="0" y="0"/>
-          <a:ext cx="0" cy="0"/>
-          <a:chOff x="0" y="0"/>
-          <a:chExt cx="0" cy="0"/>
-        </a:xfrm>
-      </p:grpSpPr>
-      <p:sp>
-        <p:nvSpPr>
-          <p:cNvPr id="2" name="Título 1"/>
-          <p:cNvSpPr>
-            <a:spLocks noGrp="1"/>
-          </p:cNvSpPr>
-          <p:nvPr>
-            <p:ph type="title"/>
-          </p:nvPr>
-        </p:nvSpPr>
-        <p:spPr/>
-        <p:txBody>
-          <a:bodyPr anchor="ctr"/>
-          <a:lstStyle/>
-          <a:p>
-            <a:pPr algn="ctr"/>
-            <a:r>
-              <a:rPr lang="es-CO" b="1" dirty="0"/>
-              <a:t>VARIABLE ALEATORIA discreta (</a:t>
-            </a:r>
-            <a:r>
-              <a:rPr lang="es-CO" b="1" dirty="0" err="1"/>
-              <a:t>v.a</a:t>
-            </a:r>
-            <a:r>
-              <a:rPr lang="es-CO" b="1" dirty="0"/>
-              <a:t>) </a:t>
-            </a:r>
-            <a:endParaRPr lang="es-CO" dirty="0"/>
-          </a:p>
-        </p:txBody>
-      </p:sp>
-      <p:sp>
-        <p:nvSpPr>
-          <p:cNvPr id="3" name="Marcador de contenido 2"/>
-          <p:cNvSpPr>
-            <a:spLocks noGrp="1"/>
-          </p:cNvSpPr>
-          <p:nvPr>
-            <p:ph idx="1"/>
-          </p:nvPr>
-        </p:nvSpPr>
-        <p:spPr/>
-        <p:txBody>
-          <a:bodyPr>
-            <a:normAutofit lnSpcReduction="10000"/>
-          </a:bodyPr>
-          <a:lstStyle/>
-          <a:p>
-            <a:pPr marL="0" indent="0" algn="just">
-              <a:buNone/>
-            </a:pPr>
-            <a:r>
-              <a:rPr lang="es-CO" sz="2800" dirty="0"/>
-              <a:t>En cualquier experimento, existen numerosas características que pueden ser </a:t>
-            </a:r>
-            <a:r>
-              <a:rPr lang="es-CO" sz="2800" dirty="0" smtClean="0"/>
-              <a:t>observadas, </a:t>
-            </a:r>
-            <a:r>
-              <a:rPr lang="es-CO" sz="2800" dirty="0"/>
-              <a:t>pero en la mayoría de los casos un experimentador se enfoca en algún aspecto </a:t>
-            </a:r>
-            <a:r>
-              <a:rPr lang="es-CO" sz="2800" dirty="0" smtClean="0"/>
-              <a:t>específico.</a:t>
-            </a:r>
-          </a:p>
-          <a:p>
-            <a:pPr marL="0" indent="0" algn="just">
-              <a:buNone/>
-            </a:pPr>
-            <a:r>
-              <a:rPr lang="es-CO" sz="2800" dirty="0" smtClean="0"/>
-              <a:t>Cada </a:t>
-            </a:r>
-            <a:r>
-              <a:rPr lang="es-CO" sz="2800" dirty="0"/>
-              <a:t>resultado de un experimento puede ser asociado con un número especificando una regla de </a:t>
-            </a:r>
-            <a:r>
-              <a:rPr lang="es-CO" sz="2800" dirty="0" smtClean="0"/>
-              <a:t>asociación. Dicha </a:t>
-            </a:r>
-            <a:r>
-              <a:rPr lang="es-CO" sz="2800" dirty="0"/>
-              <a:t>regla de asociación se llama </a:t>
-            </a:r>
-            <a:r>
-              <a:rPr lang="es-CO" sz="2800" b="1" dirty="0"/>
-              <a:t>variable aleatoria</a:t>
-            </a:r>
-            <a:r>
-              <a:rPr lang="es-CO" sz="2800" dirty="0"/>
-              <a:t>, variable </a:t>
-            </a:r>
-            <a:r>
-              <a:rPr lang="es-CO" sz="2800" dirty="0" smtClean="0"/>
-              <a:t>porque tiene </a:t>
-            </a:r>
-            <a:r>
-              <a:rPr lang="es-CO" sz="2800" dirty="0"/>
-              <a:t>diferentes valores numéricos </a:t>
-            </a:r>
-            <a:r>
-              <a:rPr lang="es-CO" sz="2800" dirty="0" smtClean="0"/>
-              <a:t>y </a:t>
-            </a:r>
-            <a:r>
-              <a:rPr lang="es-CO" sz="2800" dirty="0"/>
-              <a:t>aleatoria porque el valor observado depende de los posibles resultados experimentales.</a:t>
-            </a:r>
-          </a:p>
-          <a:p>
-            <a:pPr marL="0" indent="0" algn="just">
-              <a:buNone/>
-            </a:pPr>
-            <a:endParaRPr lang="es-CO" sz="2800" dirty="0"/>
-          </a:p>
-        </p:txBody>
-      </p:sp>
-    </p:spTree>
-    <p:extLst>
-      <p:ext uri="{BB962C8B-B14F-4D97-AF65-F5344CB8AC3E}">
-        <p14:creationId xmlns:p14="http://schemas.microsoft.com/office/powerpoint/2010/main" val="944770615"/>
-      </p:ext>
-    </p:extLst>
-  </p:cSld>
-  <p:clrMapOvr>
-    <a:masterClrMapping/>
-  </p:clrMapOvr>
-  <p:timing>
-    <p:tnLst>
-      <p:par>
-        <p:cTn id="1" dur="indefinite" restart="never" nodeType="tmRoot"/>
-      </p:par>
-    </p:tnLst>
-  </p:timing>
-</p:sld>
-</file>
-
-<file path=ppt/slides/slide20.xml><?xml version="1.0" encoding="utf-8"?>
+<file path=ppt/slides/slide19.xml><?xml version="1.0" encoding="utf-8"?>
 <p:sld xmlns:a="http://schemas.openxmlformats.org/drawingml/2006/main" xmlns:r="http://schemas.openxmlformats.org/officeDocument/2006/relationships" xmlns:p="http://schemas.openxmlformats.org/presentationml/2006/main">
   <p:cSld>
     <p:spTree>
@@ -6833,7 +7639,180 @@
 </p:sld>
 </file>
 
-<file path=ppt/slides/slide21.xml><?xml version="1.0" encoding="utf-8"?>
+<file path=ppt/slides/slide2.xml><?xml version="1.0" encoding="utf-8"?>
+<p:sld xmlns:a="http://schemas.openxmlformats.org/drawingml/2006/main" xmlns:r="http://schemas.openxmlformats.org/officeDocument/2006/relationships" xmlns:p="http://schemas.openxmlformats.org/presentationml/2006/main">
+  <p:cSld>
+    <p:spTree>
+      <p:nvGrpSpPr>
+        <p:cNvPr id="1" name=""/>
+        <p:cNvGrpSpPr/>
+        <p:nvPr/>
+      </p:nvGrpSpPr>
+      <p:grpSpPr>
+        <a:xfrm>
+          <a:off x="0" y="0"/>
+          <a:ext cx="0" cy="0"/>
+          <a:chOff x="0" y="0"/>
+          <a:chExt cx="0" cy="0"/>
+        </a:xfrm>
+      </p:grpSpPr>
+      <p:sp>
+        <p:nvSpPr>
+          <p:cNvPr id="2" name="Título 1"/>
+          <p:cNvSpPr>
+            <a:spLocks noGrp="1"/>
+          </p:cNvSpPr>
+          <p:nvPr>
+            <p:ph type="title"/>
+          </p:nvPr>
+        </p:nvSpPr>
+        <p:spPr/>
+        <p:txBody>
+          <a:bodyPr anchor="ctr"/>
+          <a:lstStyle/>
+          <a:p>
+            <a:pPr algn="ctr"/>
+            <a:r>
+              <a:rPr lang="es-CO" b="1" dirty="0"/>
+              <a:t>VARIABLE ALEATORIA discreta (</a:t>
+            </a:r>
+            <a:r>
+              <a:rPr lang="es-CO" b="1" dirty="0" err="1"/>
+              <a:t>v.a</a:t>
+            </a:r>
+            <a:r>
+              <a:rPr lang="es-CO" b="1" dirty="0"/>
+              <a:t>) </a:t>
+            </a:r>
+            <a:endParaRPr lang="es-CO" dirty="0"/>
+          </a:p>
+        </p:txBody>
+      </p:sp>
+      <p:sp>
+        <p:nvSpPr>
+          <p:cNvPr id="3" name="Marcador de contenido 2"/>
+          <p:cNvSpPr>
+            <a:spLocks noGrp="1"/>
+          </p:cNvSpPr>
+          <p:nvPr>
+            <p:ph idx="1"/>
+          </p:nvPr>
+        </p:nvSpPr>
+        <p:spPr>
+          <a:xfrm>
+            <a:off x="581191" y="2600910"/>
+            <a:ext cx="5556849" cy="3678303"/>
+          </a:xfrm>
+        </p:spPr>
+        <p:txBody>
+          <a:bodyPr>
+            <a:normAutofit/>
+          </a:bodyPr>
+          <a:lstStyle/>
+          <a:p>
+            <a:pPr marL="0" indent="0" algn="just">
+              <a:buNone/>
+            </a:pPr>
+            <a:r>
+              <a:rPr lang="es-CO" sz="2800" dirty="0"/>
+              <a:t>En cualquier experimento, existen numerosas características que pueden ser </a:t>
+            </a:r>
+            <a:r>
+              <a:rPr lang="es-CO" sz="2800" dirty="0" smtClean="0"/>
+              <a:t>observadas,  cada </a:t>
+            </a:r>
+            <a:r>
+              <a:rPr lang="es-CO" sz="2800" dirty="0"/>
+              <a:t>resultado de un experimento puede ser asociado con un número especificando una regla de </a:t>
+            </a:r>
+            <a:r>
+              <a:rPr lang="es-CO" sz="2800" dirty="0" smtClean="0"/>
+              <a:t>asociación llamada </a:t>
+            </a:r>
+            <a:r>
+              <a:rPr lang="es-CO" sz="2800" b="1" dirty="0"/>
+              <a:t>variable </a:t>
+            </a:r>
+            <a:r>
+              <a:rPr lang="es-CO" sz="2800" b="1" dirty="0" smtClean="0"/>
+              <a:t>aleatoria</a:t>
+            </a:r>
+            <a:r>
+              <a:rPr lang="es-CO" sz="2800" dirty="0"/>
+              <a:t>.</a:t>
+            </a:r>
+            <a:endParaRPr lang="es-CO" sz="2800" dirty="0"/>
+          </a:p>
+          <a:p>
+            <a:pPr marL="0" indent="0" algn="just">
+              <a:buNone/>
+            </a:pPr>
+            <a:endParaRPr lang="es-CO" sz="2800" dirty="0"/>
+          </a:p>
+        </p:txBody>
+      </p:sp>
+      <p:pic>
+        <p:nvPicPr>
+          <p:cNvPr id="1026" name="Picture 2" descr="Image result for experimento estadistico"/>
+          <p:cNvPicPr>
+            <a:picLocks noChangeAspect="1" noChangeArrowheads="1"/>
+          </p:cNvPicPr>
+          <p:nvPr/>
+        </p:nvPicPr>
+        <p:blipFill>
+          <a:blip r:embed="rId2">
+            <a:extLst>
+              <a:ext uri="{28A0092B-C50C-407E-A947-70E740481C1C}">
+                <a14:useLocalDpi xmlns:a14="http://schemas.microsoft.com/office/drawing/2010/main" val="0"/>
+              </a:ext>
+            </a:extLst>
+          </a:blip>
+          <a:srcRect/>
+          <a:stretch>
+            <a:fillRect/>
+          </a:stretch>
+        </p:blipFill>
+        <p:spPr bwMode="auto">
+          <a:xfrm>
+            <a:off x="7262648" y="2239963"/>
+            <a:ext cx="3647090" cy="4039250"/>
+          </a:xfrm>
+          <a:prstGeom prst="rect">
+            <a:avLst/>
+          </a:prstGeom>
+          <a:noFill/>
+          <a:extLst>
+            <a:ext uri="{909E8E84-426E-40DD-AFC4-6F175D3DCCD1}">
+              <a14:hiddenFill xmlns:a14="http://schemas.microsoft.com/office/drawing/2010/main">
+                <a:solidFill>
+                  <a:srgbClr val="FFFFFF"/>
+                </a:solidFill>
+              </a14:hiddenFill>
+            </a:ext>
+          </a:extLst>
+        </p:spPr>
+      </p:pic>
+    </p:spTree>
+    <p:extLst>
+      <p:ext uri="{BB962C8B-B14F-4D97-AF65-F5344CB8AC3E}">
+        <p14:creationId xmlns:p14="http://schemas.microsoft.com/office/powerpoint/2010/main" val="944770615"/>
+      </p:ext>
+    </p:extLst>
+  </p:cSld>
+  <p:clrMapOvr>
+    <a:masterClrMapping/>
+  </p:clrMapOvr>
+  <p:timing>
+    <p:tnLst>
+      <p:par>
+        <p:cTn id="1" dur="indefinite" restart="never" nodeType="tmRoot"/>
+      </p:par>
+    </p:tnLst>
+  </p:timing>
+</p:sld>
+</file>
+
+<file path=ppt/slides/slide20.xml><?xml version="1.0" encoding="utf-8"?>
 <p:sld xmlns:a="http://schemas.openxmlformats.org/drawingml/2006/main" xmlns:r="http://schemas.openxmlformats.org/officeDocument/2006/relationships" xmlns:p="http://schemas.openxmlformats.org/presentationml/2006/main">
   <p:cSld>
     <p:spTree>
@@ -7038,7 +8017,7 @@
 </p:sld>
 </file>
 
-<file path=ppt/slides/slide22.xml><?xml version="1.0" encoding="utf-8"?>
+<file path=ppt/slides/slide21.xml><?xml version="1.0" encoding="utf-8"?>
 <p:sld xmlns:a="http://schemas.openxmlformats.org/drawingml/2006/main" xmlns:r="http://schemas.openxmlformats.org/officeDocument/2006/relationships" xmlns:p="http://schemas.openxmlformats.org/presentationml/2006/main">
   <p:cSld>
     <p:spTree>
@@ -7191,7 +8170,7 @@
 </p:sld>
 </file>
 
-<file path=ppt/slides/slide23.xml><?xml version="1.0" encoding="utf-8"?>
+<file path=ppt/slides/slide22.xml><?xml version="1.0" encoding="utf-8"?>
 <p:sld xmlns:a="http://schemas.openxmlformats.org/drawingml/2006/main" xmlns:r="http://schemas.openxmlformats.org/officeDocument/2006/relationships" xmlns:p="http://schemas.openxmlformats.org/presentationml/2006/main">
   <p:cSld>
     <p:spTree>
@@ -7316,7 +8295,7 @@
 </p:sld>
 </file>
 
-<file path=ppt/slides/slide24.xml><?xml version="1.0" encoding="utf-8"?>
+<file path=ppt/slides/slide23.xml><?xml version="1.0" encoding="utf-8"?>
 <p:sld xmlns:a="http://schemas.openxmlformats.org/drawingml/2006/main" xmlns:r="http://schemas.openxmlformats.org/officeDocument/2006/relationships" xmlns:p="http://schemas.openxmlformats.org/presentationml/2006/main">
   <p:cSld>
     <p:spTree>
@@ -7782,7 +8761,7 @@
 </p:sld>
 </file>
 
-<file path=ppt/slides/slide25.xml><?xml version="1.0" encoding="utf-8"?>
+<file path=ppt/slides/slide24.xml><?xml version="1.0" encoding="utf-8"?>
 <p:sld xmlns:a="http://schemas.openxmlformats.org/drawingml/2006/main" xmlns:r="http://schemas.openxmlformats.org/officeDocument/2006/relationships" xmlns:p="http://schemas.openxmlformats.org/presentationml/2006/main">
   <p:cSld>
     <p:spTree>
@@ -8301,7 +9280,7 @@
 </p:sld>
 </file>
 
-<file path=ppt/slides/slide26.xml><?xml version="1.0" encoding="utf-8"?>
+<file path=ppt/slides/slide25.xml><?xml version="1.0" encoding="utf-8"?>
 <p:sld xmlns:a="http://schemas.openxmlformats.org/drawingml/2006/main" xmlns:r="http://schemas.openxmlformats.org/officeDocument/2006/relationships" xmlns:p="http://schemas.openxmlformats.org/presentationml/2006/main">
   <p:cSld>
     <p:spTree>
@@ -8432,7 +9411,7 @@
 </p:sld>
 </file>
 
-<file path=ppt/slides/slide27.xml><?xml version="1.0" encoding="utf-8"?>
+<file path=ppt/slides/slide26.xml><?xml version="1.0" encoding="utf-8"?>
 <p:sld xmlns:a="http://schemas.openxmlformats.org/drawingml/2006/main" xmlns:r="http://schemas.openxmlformats.org/officeDocument/2006/relationships" xmlns:p="http://schemas.openxmlformats.org/presentationml/2006/main">
   <p:cSld>
     <p:spTree>
@@ -8647,7 +9626,7 @@
 </p:sld>
 </file>
 
-<file path=ppt/slides/slide28.xml><?xml version="1.0" encoding="utf-8"?>
+<file path=ppt/slides/slide27.xml><?xml version="1.0" encoding="utf-8"?>
 <p:sld xmlns:a="http://schemas.openxmlformats.org/drawingml/2006/main" xmlns:r="http://schemas.openxmlformats.org/officeDocument/2006/relationships" xmlns:p="http://schemas.openxmlformats.org/presentationml/2006/main">
   <p:cSld>
     <p:spTree>
@@ -8823,7 +9802,7 @@
 </p:sld>
 </file>
 
-<file path=ppt/slides/slide29.xml><?xml version="1.0" encoding="utf-8"?>
+<file path=ppt/slides/slide28.xml><?xml version="1.0" encoding="utf-8"?>
 <p:sld xmlns:a="http://schemas.openxmlformats.org/drawingml/2006/main" xmlns:r="http://schemas.openxmlformats.org/officeDocument/2006/relationships" xmlns:p="http://schemas.openxmlformats.org/presentationml/2006/main">
   <p:cSld>
     <p:spTree>
@@ -9239,158 +10218,7 @@
 </p:sld>
 </file>
 
-<file path=ppt/slides/slide3.xml><?xml version="1.0" encoding="utf-8"?>
-<p:sld xmlns:a="http://schemas.openxmlformats.org/drawingml/2006/main" xmlns:r="http://schemas.openxmlformats.org/officeDocument/2006/relationships" xmlns:p="http://schemas.openxmlformats.org/presentationml/2006/main">
-  <p:cSld>
-    <p:spTree>
-      <p:nvGrpSpPr>
-        <p:cNvPr id="1" name=""/>
-        <p:cNvGrpSpPr/>
-        <p:nvPr/>
-      </p:nvGrpSpPr>
-      <p:grpSpPr>
-        <a:xfrm>
-          <a:off x="0" y="0"/>
-          <a:ext cx="0" cy="0"/>
-          <a:chOff x="0" y="0"/>
-          <a:chExt cx="0" cy="0"/>
-        </a:xfrm>
-      </p:grpSpPr>
-      <p:sp>
-        <p:nvSpPr>
-          <p:cNvPr id="2" name="Título 1"/>
-          <p:cNvSpPr>
-            <a:spLocks noGrp="1"/>
-          </p:cNvSpPr>
-          <p:nvPr>
-            <p:ph type="title"/>
-          </p:nvPr>
-        </p:nvSpPr>
-        <p:spPr>
-          <a:xfrm>
-            <a:off x="581192" y="492606"/>
-            <a:ext cx="11029616" cy="1013800"/>
-          </a:xfrm>
-        </p:spPr>
-        <p:txBody>
-          <a:bodyPr/>
-          <a:lstStyle/>
-          <a:p>
-            <a:pPr algn="ctr"/>
-            <a:r>
-              <a:rPr lang="es-CO" b="1" dirty="0" smtClean="0"/>
-              <a:t>VARIABLE ALEATORIA discreta (</a:t>
-            </a:r>
-            <a:r>
-              <a:rPr lang="es-CO" b="1" dirty="0" err="1" smtClean="0"/>
-              <a:t>v.a</a:t>
-            </a:r>
-            <a:r>
-              <a:rPr lang="es-CO" b="1" dirty="0" smtClean="0"/>
-              <a:t>) </a:t>
-            </a:r>
-            <a:endParaRPr lang="es-CO" b="1" dirty="0"/>
-          </a:p>
-        </p:txBody>
-      </p:sp>
-      <p:sp>
-        <p:nvSpPr>
-          <p:cNvPr id="3" name="Marcador de contenido 2"/>
-          <p:cNvSpPr>
-            <a:spLocks noGrp="1"/>
-          </p:cNvSpPr>
-          <p:nvPr>
-            <p:ph idx="1"/>
-          </p:nvPr>
-        </p:nvSpPr>
-        <p:spPr>
-          <a:xfrm>
-            <a:off x="581192" y="2180497"/>
-            <a:ext cx="11029615" cy="1953354"/>
-          </a:xfrm>
-        </p:spPr>
-        <p:txBody>
-          <a:bodyPr>
-            <a:normAutofit fontScale="92500" lnSpcReduction="20000"/>
-          </a:bodyPr>
-          <a:lstStyle/>
-          <a:p>
-            <a:pPr marL="0" indent="0" algn="just">
-              <a:buNone/>
-            </a:pPr>
-            <a:r>
-              <a:rPr lang="es-CO" sz="3200" dirty="0" smtClean="0"/>
-              <a:t>Es una variable que asume valores numéricos asociados con la salida aleatoria de un experimento.</a:t>
-            </a:r>
-          </a:p>
-          <a:p>
-            <a:pPr marL="0" indent="0" algn="just">
-              <a:buNone/>
-            </a:pPr>
-            <a:r>
-              <a:rPr lang="es-CO" sz="3200" dirty="0"/>
-              <a:t>Una variable aleatoria es una función cuyo dominio es el espacio </a:t>
-            </a:r>
-            <a:r>
-              <a:rPr lang="es-CO" sz="3200" dirty="0" err="1"/>
-              <a:t>muestral</a:t>
-            </a:r>
-            <a:r>
-              <a:rPr lang="es-CO" sz="3200" dirty="0"/>
-              <a:t> y cuyo rango es el conjunto de números reales.</a:t>
-            </a:r>
-          </a:p>
-          <a:p>
-            <a:pPr algn="just"/>
-            <a:endParaRPr lang="es-CO" sz="3200" dirty="0"/>
-          </a:p>
-        </p:txBody>
-      </p:sp>
-      <p:pic>
-        <p:nvPicPr>
-          <p:cNvPr id="4" name="Imagen 3"/>
-          <p:cNvPicPr>
-            <a:picLocks noChangeAspect="1"/>
-          </p:cNvPicPr>
-          <p:nvPr/>
-        </p:nvPicPr>
-        <p:blipFill>
-          <a:blip r:embed="rId2"/>
-          <a:stretch>
-            <a:fillRect/>
-          </a:stretch>
-        </p:blipFill>
-        <p:spPr>
-          <a:xfrm>
-            <a:off x="3840840" y="4133851"/>
-            <a:ext cx="3846712" cy="2285999"/>
-          </a:xfrm>
-          <a:prstGeom prst="rect">
-            <a:avLst/>
-          </a:prstGeom>
-        </p:spPr>
-      </p:pic>
-    </p:spTree>
-    <p:extLst>
-      <p:ext uri="{BB962C8B-B14F-4D97-AF65-F5344CB8AC3E}">
-        <p14:creationId xmlns:p14="http://schemas.microsoft.com/office/powerpoint/2010/main" val="3520559175"/>
-      </p:ext>
-    </p:extLst>
-  </p:cSld>
-  <p:clrMapOvr>
-    <a:masterClrMapping/>
-  </p:clrMapOvr>
-  <p:timing>
-    <p:tnLst>
-      <p:par>
-        <p:cTn id="1" dur="indefinite" restart="never" nodeType="tmRoot"/>
-      </p:par>
-    </p:tnLst>
-  </p:timing>
-</p:sld>
-</file>
-
-<file path=ppt/slides/slide30.xml><?xml version="1.0" encoding="utf-8"?>
+<file path=ppt/slides/slide29.xml><?xml version="1.0" encoding="utf-8"?>
 <p:sld xmlns:a="http://schemas.openxmlformats.org/drawingml/2006/main" xmlns:r="http://schemas.openxmlformats.org/officeDocument/2006/relationships" xmlns:p="http://schemas.openxmlformats.org/presentationml/2006/main">
   <p:cSld>
     <p:spTree>
@@ -9618,7 +10446,170 @@
 </p:sld>
 </file>
 
-<file path=ppt/slides/slide31.xml><?xml version="1.0" encoding="utf-8"?>
+<file path=ppt/slides/slide3.xml><?xml version="1.0" encoding="utf-8"?>
+<p:sld xmlns:a="http://schemas.openxmlformats.org/drawingml/2006/main" xmlns:r="http://schemas.openxmlformats.org/officeDocument/2006/relationships" xmlns:p="http://schemas.openxmlformats.org/presentationml/2006/main">
+  <p:cSld>
+    <p:spTree>
+      <p:nvGrpSpPr>
+        <p:cNvPr id="1" name=""/>
+        <p:cNvGrpSpPr/>
+        <p:nvPr/>
+      </p:nvGrpSpPr>
+      <p:grpSpPr>
+        <a:xfrm>
+          <a:off x="0" y="0"/>
+          <a:ext cx="0" cy="0"/>
+          <a:chOff x="0" y="0"/>
+          <a:chExt cx="0" cy="0"/>
+        </a:xfrm>
+      </p:grpSpPr>
+      <p:sp>
+        <p:nvSpPr>
+          <p:cNvPr id="2" name="Título 1"/>
+          <p:cNvSpPr>
+            <a:spLocks noGrp="1"/>
+          </p:cNvSpPr>
+          <p:nvPr>
+            <p:ph type="title"/>
+          </p:nvPr>
+        </p:nvSpPr>
+        <p:spPr>
+          <a:xfrm>
+            <a:off x="581192" y="492606"/>
+            <a:ext cx="11029616" cy="1013800"/>
+          </a:xfrm>
+        </p:spPr>
+        <p:txBody>
+          <a:bodyPr/>
+          <a:lstStyle/>
+          <a:p>
+            <a:pPr algn="ctr"/>
+            <a:r>
+              <a:rPr lang="es-CO" b="1" dirty="0" smtClean="0"/>
+              <a:t>VARIABLE ALEATORIA discreta (</a:t>
+            </a:r>
+            <a:r>
+              <a:rPr lang="es-CO" b="1" dirty="0" err="1" smtClean="0"/>
+              <a:t>v.a</a:t>
+            </a:r>
+            <a:r>
+              <a:rPr lang="es-CO" b="1" dirty="0" smtClean="0"/>
+              <a:t>) </a:t>
+            </a:r>
+            <a:endParaRPr lang="es-CO" b="1" dirty="0"/>
+          </a:p>
+        </p:txBody>
+      </p:sp>
+      <p:sp>
+        <p:nvSpPr>
+          <p:cNvPr id="3" name="Marcador de contenido 2"/>
+          <p:cNvSpPr>
+            <a:spLocks noGrp="1"/>
+          </p:cNvSpPr>
+          <p:nvPr>
+            <p:ph idx="1"/>
+          </p:nvPr>
+        </p:nvSpPr>
+        <p:spPr>
+          <a:xfrm>
+            <a:off x="654764" y="2916221"/>
+            <a:ext cx="5125925" cy="1953354"/>
+          </a:xfrm>
+        </p:spPr>
+        <p:txBody>
+          <a:bodyPr>
+            <a:normAutofit fontScale="85000" lnSpcReduction="10000"/>
+          </a:bodyPr>
+          <a:lstStyle/>
+          <a:p>
+            <a:pPr marL="0" indent="0" algn="just">
+              <a:buNone/>
+            </a:pPr>
+            <a:r>
+              <a:rPr lang="es-CO" sz="3200" dirty="0" smtClean="0"/>
+              <a:t>Una </a:t>
+            </a:r>
+            <a:r>
+              <a:rPr lang="es-CO" sz="3200" dirty="0"/>
+              <a:t>variable aleatoria es una función cuyo dominio es el espacio </a:t>
+            </a:r>
+            <a:r>
+              <a:rPr lang="es-CO" sz="3200" dirty="0" err="1"/>
+              <a:t>muestral</a:t>
+            </a:r>
+            <a:r>
+              <a:rPr lang="es-CO" sz="3200" dirty="0"/>
+              <a:t> y cuyo rango es el conjunto de números reales.</a:t>
+            </a:r>
+          </a:p>
+          <a:p>
+            <a:pPr algn="just"/>
+            <a:endParaRPr lang="es-CO" sz="3200" dirty="0"/>
+          </a:p>
+        </p:txBody>
+      </p:sp>
+      <p:pic>
+        <p:nvPicPr>
+          <p:cNvPr id="2050" name="Picture 2" descr="Image result for monedas al aire"/>
+          <p:cNvPicPr>
+            <a:picLocks noChangeAspect="1" noChangeArrowheads="1"/>
+          </p:cNvPicPr>
+          <p:nvPr/>
+        </p:nvPicPr>
+        <p:blipFill>
+          <a:blip r:embed="rId2">
+            <a:extLst>
+              <a:ext uri="{28A0092B-C50C-407E-A947-70E740481C1C}">
+                <a14:useLocalDpi xmlns:a14="http://schemas.microsoft.com/office/drawing/2010/main" val="0"/>
+              </a:ext>
+            </a:extLst>
+          </a:blip>
+          <a:srcRect/>
+          <a:stretch>
+            <a:fillRect/>
+          </a:stretch>
+        </p:blipFill>
+        <p:spPr bwMode="auto">
+          <a:xfrm>
+            <a:off x="7271079" y="2735317"/>
+            <a:ext cx="3810000" cy="3028950"/>
+          </a:xfrm>
+          <a:prstGeom prst="rect">
+            <a:avLst/>
+          </a:prstGeom>
+          <a:noFill/>
+          <a:extLst>
+            <a:ext uri="{909E8E84-426E-40DD-AFC4-6F175D3DCCD1}">
+              <a14:hiddenFill xmlns:a14="http://schemas.microsoft.com/office/drawing/2010/main">
+                <a:solidFill>
+                  <a:srgbClr val="FFFFFF"/>
+                </a:solidFill>
+              </a14:hiddenFill>
+            </a:ext>
+          </a:extLst>
+        </p:spPr>
+      </p:pic>
+    </p:spTree>
+    <p:extLst>
+      <p:ext uri="{BB962C8B-B14F-4D97-AF65-F5344CB8AC3E}">
+        <p14:creationId xmlns:p14="http://schemas.microsoft.com/office/powerpoint/2010/main" val="3520559175"/>
+      </p:ext>
+    </p:extLst>
+  </p:cSld>
+  <p:clrMapOvr>
+    <a:masterClrMapping/>
+  </p:clrMapOvr>
+  <p:timing>
+    <p:tnLst>
+      <p:par>
+        <p:cTn id="1" dur="indefinite" restart="never" nodeType="tmRoot"/>
+      </p:par>
+    </p:tnLst>
+  </p:timing>
+</p:sld>
+</file>
+
+<file path=ppt/slides/slide30.xml><?xml version="1.0" encoding="utf-8"?>
 <p:sld xmlns:a="http://schemas.openxmlformats.org/drawingml/2006/main" xmlns:r="http://schemas.openxmlformats.org/officeDocument/2006/relationships" xmlns:p="http://schemas.openxmlformats.org/presentationml/2006/main">
   <p:cSld>
     <p:spTree>
@@ -9732,7 +10723,7 @@
 </p:sld>
 </file>
 
-<file path=ppt/slides/slide32.xml><?xml version="1.0" encoding="utf-8"?>
+<file path=ppt/slides/slide31.xml><?xml version="1.0" encoding="utf-8"?>
 <p:sld xmlns:a="http://schemas.openxmlformats.org/drawingml/2006/main" xmlns:r="http://schemas.openxmlformats.org/officeDocument/2006/relationships" xmlns:p="http://schemas.openxmlformats.org/presentationml/2006/main">
   <p:cSld>
     <p:spTree>
@@ -9848,7 +10839,7 @@
 </p:sld>
 </file>
 
-<file path=ppt/slides/slide33.xml><?xml version="1.0" encoding="utf-8"?>
+<file path=ppt/slides/slide32.xml><?xml version="1.0" encoding="utf-8"?>
 <p:sld xmlns:a="http://schemas.openxmlformats.org/drawingml/2006/main" xmlns:r="http://schemas.openxmlformats.org/officeDocument/2006/relationships" xmlns:p="http://schemas.openxmlformats.org/presentationml/2006/main">
   <p:cSld>
     <p:spTree>
@@ -9958,7 +10949,7 @@
 </p:sld>
 </file>
 
-<file path=ppt/slides/slide34.xml><?xml version="1.0" encoding="utf-8"?>
+<file path=ppt/slides/slide33.xml><?xml version="1.0" encoding="utf-8"?>
 <p:sld xmlns:a="http://schemas.openxmlformats.org/drawingml/2006/main" xmlns:r="http://schemas.openxmlformats.org/officeDocument/2006/relationships" xmlns:p="http://schemas.openxmlformats.org/presentationml/2006/main">
   <p:cSld>
     <p:spTree>
@@ -10068,7 +11059,7 @@
 </p:sld>
 </file>
 
-<file path=ppt/slides/slide35.xml><?xml version="1.0" encoding="utf-8"?>
+<file path=ppt/slides/slide34.xml><?xml version="1.0" encoding="utf-8"?>
 <p:sld xmlns:a="http://schemas.openxmlformats.org/drawingml/2006/main" xmlns:r="http://schemas.openxmlformats.org/officeDocument/2006/relationships" xmlns:p="http://schemas.openxmlformats.org/presentationml/2006/main">
   <p:cSld>
     <p:spTree>
@@ -10178,7 +11169,7 @@
 </p:sld>
 </file>
 
-<file path=ppt/slides/slide36.xml><?xml version="1.0" encoding="utf-8"?>
+<file path=ppt/slides/slide35.xml><?xml version="1.0" encoding="utf-8"?>
 <p:sld xmlns:a="http://schemas.openxmlformats.org/drawingml/2006/main" xmlns:r="http://schemas.openxmlformats.org/officeDocument/2006/relationships" xmlns:p="http://schemas.openxmlformats.org/presentationml/2006/main">
   <p:cSld>
     <p:spTree>
@@ -10480,8 +11471,8 @@
         </p:nvSpPr>
         <p:spPr>
           <a:xfrm>
-            <a:off x="581192" y="1209056"/>
-            <a:ext cx="6600658" cy="3678303"/>
+            <a:off x="199534" y="1962559"/>
+            <a:ext cx="6134919" cy="3678303"/>
           </a:xfrm>
         </p:spPr>
         <p:txBody>
@@ -10508,7 +11499,7 @@
       </p:sp>
       <p:pic>
         <p:nvPicPr>
-          <p:cNvPr id="4" name="Imagen 3"/>
+          <p:cNvPr id="5" name="Imagen 4"/>
           <p:cNvPicPr>
             <a:picLocks noChangeAspect="1"/>
           </p:cNvPicPr>
@@ -10522,8 +11513,8 @@
         </p:blipFill>
         <p:spPr>
           <a:xfrm>
-            <a:off x="8267700" y="2028096"/>
-            <a:ext cx="3343108" cy="4628981"/>
+            <a:off x="10303703" y="455552"/>
+            <a:ext cx="1422310" cy="1507007"/>
           </a:xfrm>
           <a:prstGeom prst="rect">
             <a:avLst/>
@@ -10532,26 +11523,43 @@
       </p:pic>
       <p:pic>
         <p:nvPicPr>
-          <p:cNvPr id="5" name="Imagen 4"/>
+          <p:cNvPr id="3074" name="Picture 2" descr="Image result for espacio muestral de dos dados"/>
           <p:cNvPicPr>
-            <a:picLocks noChangeAspect="1"/>
+            <a:picLocks noChangeAspect="1" noChangeArrowheads="1"/>
           </p:cNvPicPr>
           <p:nvPr/>
         </p:nvPicPr>
         <p:blipFill>
-          <a:blip r:embed="rId3"/>
+          <a:blip r:embed="rId3">
+            <a:extLst>
+              <a:ext uri="{28A0092B-C50C-407E-A947-70E740481C1C}">
+                <a14:useLocalDpi xmlns:a14="http://schemas.microsoft.com/office/drawing/2010/main" val="0"/>
+              </a:ext>
+            </a:extLst>
+          </a:blip>
+          <a:srcRect/>
           <a:stretch>
             <a:fillRect/>
           </a:stretch>
         </p:blipFill>
-        <p:spPr>
+        <p:spPr bwMode="auto">
           <a:xfrm>
-            <a:off x="4552139" y="4276937"/>
-            <a:ext cx="2246371" cy="2380140"/>
+            <a:off x="6640457" y="2601311"/>
+            <a:ext cx="5172075" cy="4133850"/>
           </a:xfrm>
           <a:prstGeom prst="rect">
             <a:avLst/>
           </a:prstGeom>
+          <a:noFill/>
+          <a:extLst>
+            <a:ext uri="{909E8E84-426E-40DD-AFC4-6F175D3DCCD1}">
+              <a14:hiddenFill xmlns:a14="http://schemas.microsoft.com/office/drawing/2010/main">
+                <a:solidFill>
+                  <a:srgbClr val="FFFFFF"/>
+                </a:solidFill>
+              </a14:hiddenFill>
+            </a:ext>
+          </a:extLst>
         </p:spPr>
       </p:pic>
     </p:spTree>
@@ -10593,13 +11601,11 @@
       </p:grpSpPr>
       <p:pic>
         <p:nvPicPr>
-          <p:cNvPr id="4" name="Marcador de contenido 3"/>
+          <p:cNvPr id="5" name="Imagen 4"/>
           <p:cNvPicPr>
-            <a:picLocks noGrp="1" noChangeAspect="1"/>
+            <a:picLocks noChangeAspect="1"/>
           </p:cNvPicPr>
-          <p:nvPr>
-            <p:ph idx="1"/>
-          </p:nvPr>
+          <p:nvPr/>
         </p:nvPicPr>
         <p:blipFill>
           <a:blip r:embed="rId2"/>
@@ -10609,8 +11615,8 @@
         </p:blipFill>
         <p:spPr>
           <a:xfrm>
-            <a:off x="714869" y="1790404"/>
-            <a:ext cx="6864691" cy="3676207"/>
+            <a:off x="224625" y="377983"/>
+            <a:ext cx="2472677" cy="5729062"/>
           </a:xfrm>
           <a:prstGeom prst="rect">
             <a:avLst/>
@@ -10619,7 +11625,7 @@
       </p:pic>
       <p:pic>
         <p:nvPicPr>
-          <p:cNvPr id="5" name="Imagen 4"/>
+          <p:cNvPr id="7" name="Imagen 6"/>
           <p:cNvPicPr>
             <a:picLocks noChangeAspect="1"/>
           </p:cNvPicPr>
@@ -10633,38 +11639,87 @@
         </p:blipFill>
         <p:spPr>
           <a:xfrm>
-            <a:off x="8723585" y="763976"/>
-            <a:ext cx="2472677" cy="5729062"/>
+            <a:off x="3352143" y="1345196"/>
+            <a:ext cx="2845180" cy="3794635"/>
           </a:xfrm>
           <a:prstGeom prst="rect">
             <a:avLst/>
           </a:prstGeom>
         </p:spPr>
       </p:pic>
-      <p:pic>
-        <p:nvPicPr>
-          <p:cNvPr id="6" name="Imagen 5"/>
-          <p:cNvPicPr>
-            <a:picLocks noChangeAspect="1"/>
-          </p:cNvPicPr>
+      <p:sp>
+        <p:nvSpPr>
+          <p:cNvPr id="8" name="CuadroTexto 7"/>
+          <p:cNvSpPr txBox="1"/>
           <p:nvPr/>
-        </p:nvPicPr>
-        <p:blipFill>
-          <a:blip r:embed="rId4"/>
-          <a:stretch>
-            <a:fillRect/>
-          </a:stretch>
-        </p:blipFill>
+        </p:nvSpPr>
         <p:spPr>
           <a:xfrm>
-            <a:off x="5353050" y="4488907"/>
-            <a:ext cx="1845510" cy="1955408"/>
+            <a:off x="6852164" y="2050046"/>
+            <a:ext cx="5124450" cy="2677656"/>
           </a:xfrm>
           <a:prstGeom prst="rect">
             <a:avLst/>
           </a:prstGeom>
+          <a:noFill/>
         </p:spPr>
-      </p:pic>
+        <p:txBody>
+          <a:bodyPr wrap="square" rtlCol="0">
+            <a:spAutoFit/>
+          </a:bodyPr>
+          <a:lstStyle/>
+          <a:p>
+            <a:r>
+              <a:rPr lang="es-CO" sz="2800" dirty="0" smtClean="0"/>
+              <a:t>Cuál es la probabilidad de que:</a:t>
+            </a:r>
+          </a:p>
+          <a:p>
+            <a:endParaRPr lang="es-CO" sz="2800" dirty="0"/>
+          </a:p>
+          <a:p>
+            <a:pPr marL="285750" indent="-285750">
+              <a:buFont typeface="Arial" panose="020B0604020202020204" pitchFamily="34" charset="0"/>
+              <a:buChar char="•"/>
+            </a:pPr>
+            <a:r>
+              <a:rPr lang="es-CO" sz="2800" dirty="0" smtClean="0"/>
+              <a:t>La suma sea 8 o menos</a:t>
+            </a:r>
+          </a:p>
+          <a:p>
+            <a:pPr marL="285750" indent="-285750">
+              <a:buFont typeface="Arial" panose="020B0604020202020204" pitchFamily="34" charset="0"/>
+              <a:buChar char="•"/>
+            </a:pPr>
+            <a:r>
+              <a:rPr lang="es-CO" sz="2800" dirty="0" smtClean="0"/>
+              <a:t>La suma sea 5 o menos</a:t>
+            </a:r>
+          </a:p>
+          <a:p>
+            <a:pPr marL="285750" indent="-285750">
+              <a:buFont typeface="Arial" panose="020B0604020202020204" pitchFamily="34" charset="0"/>
+              <a:buChar char="•"/>
+            </a:pPr>
+            <a:r>
+              <a:rPr lang="es-CO" sz="2800" dirty="0" smtClean="0"/>
+              <a:t>La suma sea 10 o más</a:t>
+            </a:r>
+          </a:p>
+          <a:p>
+            <a:pPr marL="285750" indent="-285750">
+              <a:buFont typeface="Arial" panose="020B0604020202020204" pitchFamily="34" charset="0"/>
+              <a:buChar char="•"/>
+            </a:pPr>
+            <a:r>
+              <a:rPr lang="es-CO" sz="2800" dirty="0" smtClean="0"/>
+              <a:t>La Suma este entre 5 y 8</a:t>
+            </a:r>
+            <a:endParaRPr lang="es-CO" sz="2800" dirty="0"/>
+          </a:p>
+        </p:txBody>
+      </p:sp>
     </p:spTree>
     <p:extLst>
       <p:ext uri="{BB962C8B-B14F-4D97-AF65-F5344CB8AC3E}">
@@ -10790,7 +11845,7 @@
         </p:blipFill>
         <p:spPr>
           <a:xfrm>
-            <a:off x="581192" y="3744359"/>
+            <a:off x="581192" y="3996607"/>
             <a:ext cx="4088700" cy="2644026"/>
           </a:xfrm>
           <a:prstGeom prst="rect">
@@ -10895,12 +11950,12 @@
         </p:nvSpPr>
         <p:spPr/>
         <p:txBody>
-          <a:bodyPr/>
+          <a:bodyPr anchor="ctr"/>
           <a:lstStyle/>
           <a:p>
             <a:r>
-              <a:rPr lang="es-CO" i="1" dirty="0"/>
-              <a:t>distribución de probabilidad de X</a:t>
+              <a:rPr lang="es-CO" dirty="0" smtClean="0"/>
+              <a:t>Ejercicio			</a:t>
             </a:r>
             <a:endParaRPr lang="es-CO" dirty="0"/>
           </a:p>
@@ -10918,8 +11973,8 @@
         </p:nvSpPr>
         <p:spPr>
           <a:xfrm>
-            <a:off x="581190" y="1937727"/>
-            <a:ext cx="11029615" cy="1286604"/>
+            <a:off x="581192" y="2023475"/>
+            <a:ext cx="8238958" cy="4607381"/>
           </a:xfrm>
         </p:spPr>
         <p:txBody>
@@ -10928,73 +11983,114 @@
           </a:bodyPr>
           <a:lstStyle/>
           <a:p>
-            <a:r>
-              <a:rPr lang="es-CO" sz="2800" dirty="0"/>
-              <a:t>La </a:t>
-            </a:r>
-            <a:r>
-              <a:rPr lang="es-CO" sz="2800" i="1" dirty="0"/>
-              <a:t>distribución de </a:t>
-            </a:r>
-            <a:r>
-              <a:rPr lang="es-CO" sz="2800" i="1" dirty="0" smtClean="0"/>
-              <a:t>probabilidad de </a:t>
-            </a:r>
-            <a:r>
-              <a:rPr lang="es-CO" sz="2800" i="1" dirty="0"/>
-              <a:t>X </a:t>
-            </a:r>
-            <a:r>
-              <a:rPr lang="es-CO" sz="2800" dirty="0"/>
-              <a:t>dice cómo está distribuida (asignada) la probabilidad total de 1 entre los </a:t>
-            </a:r>
-            <a:r>
-              <a:rPr lang="es-CO" sz="2800" dirty="0" smtClean="0"/>
-              <a:t>varios posibles </a:t>
-            </a:r>
-            <a:r>
-              <a:rPr lang="es-CO" sz="2800" dirty="0"/>
-              <a:t>valores de </a:t>
-            </a:r>
-            <a:r>
-              <a:rPr lang="es-CO" sz="2800" i="1" dirty="0"/>
-              <a:t>X</a:t>
-            </a:r>
-            <a:r>
-              <a:rPr lang="es-CO" sz="2800" dirty="0"/>
-              <a:t>.</a:t>
-            </a:r>
+            <a:pPr algn="just"/>
+            <a:r>
+              <a:rPr lang="es-CO" sz="2600" dirty="0" smtClean="0"/>
+              <a:t>Si se lanzan dos monedas al aire,</a:t>
+            </a:r>
+          </a:p>
+          <a:p>
+            <a:pPr algn="just"/>
+            <a:r>
+              <a:rPr lang="es-CO" sz="2600" dirty="0" smtClean="0"/>
+              <a:t>Construya el espacio </a:t>
+            </a:r>
+            <a:r>
+              <a:rPr lang="es-CO" sz="2600" dirty="0" err="1" smtClean="0"/>
+              <a:t>muestral</a:t>
+            </a:r>
+            <a:endParaRPr lang="es-CO" sz="2600" dirty="0" smtClean="0"/>
+          </a:p>
+          <a:p>
+            <a:pPr algn="just"/>
+            <a:r>
+              <a:rPr lang="es-CO" sz="2600" dirty="0" smtClean="0"/>
+              <a:t>Construya la función de distribución de probabilidad para la variable aleatoria que representa el número de monedas que caen en cara</a:t>
+            </a:r>
+          </a:p>
+          <a:p>
+            <a:r>
+              <a:rPr lang="es-CO" sz="2600" dirty="0" smtClean="0"/>
+              <a:t>Cuál </a:t>
+            </a:r>
+            <a:r>
+              <a:rPr lang="es-CO" sz="2600" dirty="0"/>
+              <a:t>es la probabilidad de que</a:t>
+            </a:r>
+            <a:r>
+              <a:rPr lang="es-CO" sz="2600" dirty="0" smtClean="0"/>
+              <a:t>:</a:t>
+            </a:r>
+            <a:endParaRPr lang="es-CO" sz="2600" dirty="0"/>
+          </a:p>
+          <a:p>
+            <a:pPr marL="285750" indent="-285750">
+              <a:buFont typeface="Arial" panose="020B0604020202020204" pitchFamily="34" charset="0"/>
+              <a:buChar char="•"/>
+            </a:pPr>
+            <a:r>
+              <a:rPr lang="es-CO" sz="2600" dirty="0" smtClean="0"/>
+              <a:t>Obtener al menos una cara</a:t>
+            </a:r>
+          </a:p>
+          <a:p>
+            <a:pPr marL="285750" indent="-285750">
+              <a:buFont typeface="Arial" panose="020B0604020202020204" pitchFamily="34" charset="0"/>
+              <a:buChar char="•"/>
+            </a:pPr>
+            <a:r>
+              <a:rPr lang="es-CO" sz="2600" dirty="0" smtClean="0"/>
+              <a:t>No obtener ninguna cara</a:t>
+            </a:r>
+            <a:endParaRPr lang="es-CO" dirty="0"/>
           </a:p>
         </p:txBody>
       </p:sp>
       <p:pic>
         <p:nvPicPr>
-          <p:cNvPr id="4" name="Marcador de contenido 3"/>
+          <p:cNvPr id="4098" name="Picture 2" descr="Related image"/>
           <p:cNvPicPr>
-            <a:picLocks noChangeAspect="1"/>
+            <a:picLocks noChangeAspect="1" noChangeArrowheads="1"/>
           </p:cNvPicPr>
           <p:nvPr/>
         </p:nvPicPr>
         <p:blipFill>
-          <a:blip r:embed="rId2"/>
+          <a:blip r:embed="rId2">
+            <a:extLst>
+              <a:ext uri="{28A0092B-C50C-407E-A947-70E740481C1C}">
+                <a14:useLocalDpi xmlns:a14="http://schemas.microsoft.com/office/drawing/2010/main" val="0"/>
+              </a:ext>
+            </a:extLst>
+          </a:blip>
+          <a:srcRect/>
           <a:stretch>
             <a:fillRect/>
           </a:stretch>
         </p:blipFill>
-        <p:spPr>
+        <p:spPr bwMode="auto">
           <a:xfrm>
-            <a:off x="2370977" y="3224331"/>
-            <a:ext cx="7450039" cy="3411897"/>
+            <a:off x="9375775" y="2645034"/>
+            <a:ext cx="2381250" cy="2752725"/>
           </a:xfrm>
           <a:prstGeom prst="rect">
             <a:avLst/>
           </a:prstGeom>
+          <a:noFill/>
+          <a:extLst>
+            <a:ext uri="{909E8E84-426E-40DD-AFC4-6F175D3DCCD1}">
+              <a14:hiddenFill xmlns:a14="http://schemas.microsoft.com/office/drawing/2010/main">
+                <a:solidFill>
+                  <a:srgbClr val="FFFFFF"/>
+                </a:solidFill>
+              </a14:hiddenFill>
+            </a:ext>
+          </a:extLst>
         </p:spPr>
       </p:pic>
     </p:spTree>
     <p:extLst>
       <p:ext uri="{BB962C8B-B14F-4D97-AF65-F5344CB8AC3E}">
-        <p14:creationId xmlns:p14="http://schemas.microsoft.com/office/powerpoint/2010/main" val="3658933047"/>
+        <p14:creationId xmlns:p14="http://schemas.microsoft.com/office/powerpoint/2010/main" val="1078852678"/>
       </p:ext>
     </p:extLst>
   </p:cSld>
@@ -11028,6 +12124,45 @@
           <a:chExt cx="0" cy="0"/>
         </a:xfrm>
       </p:grpSpPr>
+      <p:pic>
+        <p:nvPicPr>
+          <p:cNvPr id="6146" name="Picture 2" descr="Image result for histograma"/>
+          <p:cNvPicPr>
+            <a:picLocks noChangeAspect="1" noChangeArrowheads="1"/>
+          </p:cNvPicPr>
+          <p:nvPr/>
+        </p:nvPicPr>
+        <p:blipFill rotWithShape="1">
+          <a:blip r:embed="rId2">
+            <a:extLst>
+              <a:ext uri="{28A0092B-C50C-407E-A947-70E740481C1C}">
+                <a14:useLocalDpi xmlns:a14="http://schemas.microsoft.com/office/drawing/2010/main" val="0"/>
+              </a:ext>
+            </a:extLst>
+          </a:blip>
+          <a:srcRect t="26536" r="12939"/>
+          <a:stretch/>
+        </p:blipFill>
+        <p:spPr bwMode="auto">
+          <a:xfrm>
+            <a:off x="1282261" y="3448826"/>
+            <a:ext cx="4445878" cy="3176307"/>
+          </a:xfrm>
+          <a:prstGeom prst="rect">
+            <a:avLst/>
+          </a:prstGeom>
+          <a:noFill/>
+          <a:extLst>
+            <a:ext uri="{909E8E84-426E-40DD-AFC4-6F175D3DCCD1}">
+              <a14:hiddenFill xmlns:a14="http://schemas.microsoft.com/office/drawing/2010/main">
+                <a:solidFill>
+                  <a:srgbClr val="FFFFFF"/>
+                </a:solidFill>
+              </a14:hiddenFill>
+            </a:ext>
+          </a:extLst>
+        </p:spPr>
+      </p:pic>
       <p:sp>
         <p:nvSpPr>
           <p:cNvPr id="2" name="Título 1"/>
@@ -11040,53 +12175,480 @@
         </p:nvSpPr>
         <p:spPr>
           <a:xfrm>
-            <a:off x="581192" y="473556"/>
+            <a:off x="563292" y="765219"/>
             <a:ext cx="11029616" cy="1013800"/>
           </a:xfrm>
         </p:spPr>
         <p:txBody>
-          <a:bodyPr/>
+          <a:bodyPr anchor="ctr"/>
           <a:lstStyle/>
           <a:p>
             <a:pPr algn="ctr"/>
             <a:r>
-              <a:rPr lang="es-CO" dirty="0" smtClean="0"/>
-              <a:t>Media o valor esperado</a:t>
+              <a:rPr lang="es-CO" i="1" dirty="0"/>
+              <a:t>distribución de probabilidad de X</a:t>
             </a:r>
             <a:endParaRPr lang="es-CO" dirty="0"/>
           </a:p>
         </p:txBody>
       </p:sp>
-      <p:pic>
-        <p:nvPicPr>
-          <p:cNvPr id="4" name="Marcador de contenido 3"/>
-          <p:cNvPicPr>
-            <a:picLocks noGrp="1" noChangeAspect="1"/>
-          </p:cNvPicPr>
+      <p:sp>
+        <p:nvSpPr>
+          <p:cNvPr id="3" name="Marcador de contenido 2"/>
+          <p:cNvSpPr>
+            <a:spLocks noGrp="1"/>
+          </p:cNvSpPr>
           <p:nvPr>
             <p:ph idx="1"/>
           </p:nvPr>
-        </p:nvPicPr>
-        <p:blipFill>
-          <a:blip r:embed="rId2"/>
-          <a:stretch>
-            <a:fillRect/>
-          </a:stretch>
-        </p:blipFill>
+        </p:nvSpPr>
         <p:spPr>
           <a:xfrm>
-            <a:off x="2753832" y="2981844"/>
-            <a:ext cx="6198648" cy="2390256"/>
+            <a:off x="332639" y="1779019"/>
+            <a:ext cx="6670946" cy="1824976"/>
           </a:xfrm>
-          <a:prstGeom prst="rect">
-            <a:avLst/>
-          </a:prstGeom>
         </p:spPr>
-      </p:pic>
+        <p:txBody>
+          <a:bodyPr>
+            <a:normAutofit/>
+          </a:bodyPr>
+          <a:lstStyle/>
+          <a:p>
+            <a:pPr marL="0" indent="0" algn="just">
+              <a:buNone/>
+            </a:pPr>
+            <a:r>
+              <a:rPr lang="es-CO" sz="2800" dirty="0"/>
+              <a:t>La </a:t>
+            </a:r>
+            <a:r>
+              <a:rPr lang="es-CO" sz="2800" i="1" dirty="0"/>
+              <a:t>distribución de </a:t>
+            </a:r>
+            <a:r>
+              <a:rPr lang="es-CO" sz="2800" i="1" dirty="0" smtClean="0"/>
+              <a:t>probabilidad de </a:t>
+            </a:r>
+            <a:r>
+              <a:rPr lang="es-CO" sz="2800" i="1" dirty="0"/>
+              <a:t>X </a:t>
+            </a:r>
+            <a:r>
+              <a:rPr lang="es-CO" sz="2800" dirty="0"/>
+              <a:t>dice cómo está </a:t>
+            </a:r>
+            <a:r>
+              <a:rPr lang="es-CO" sz="2800" dirty="0" smtClean="0"/>
+              <a:t>distribuida </a:t>
+            </a:r>
+            <a:r>
+              <a:rPr lang="es-CO" sz="2800" dirty="0"/>
+              <a:t>la probabilidad total de </a:t>
+            </a:r>
+            <a:r>
+              <a:rPr lang="es-CO" sz="2800" dirty="0" smtClean="0"/>
+              <a:t>uno </a:t>
+            </a:r>
+            <a:r>
+              <a:rPr lang="es-CO" sz="2800" dirty="0" smtClean="0"/>
+              <a:t>entre </a:t>
+            </a:r>
+            <a:r>
+              <a:rPr lang="es-CO" sz="2800" dirty="0"/>
+              <a:t>los </a:t>
+            </a:r>
+            <a:r>
+              <a:rPr lang="es-CO" sz="2800" dirty="0" smtClean="0"/>
+              <a:t>varios posibles </a:t>
+            </a:r>
+            <a:r>
+              <a:rPr lang="es-CO" sz="2800" dirty="0"/>
+              <a:t>valores de </a:t>
+            </a:r>
+            <a:r>
+              <a:rPr lang="es-CO" sz="2800" i="1" dirty="0"/>
+              <a:t>X</a:t>
+            </a:r>
+            <a:r>
+              <a:rPr lang="es-CO" sz="2800" dirty="0"/>
+              <a:t>.</a:t>
+            </a:r>
+          </a:p>
+        </p:txBody>
+      </p:sp>
+      <mc:AlternateContent xmlns:mc="http://schemas.openxmlformats.org/markup-compatibility/2006">
+        <mc:Choice xmlns:a14="http://schemas.microsoft.com/office/drawing/2010/main" Requires="a14">
+          <p:sp>
+            <p:nvSpPr>
+              <p:cNvPr id="5" name="CuadroTexto 4"/>
+              <p:cNvSpPr txBox="1"/>
+              <p:nvPr/>
+            </p:nvSpPr>
+            <p:spPr>
+              <a:xfrm>
+                <a:off x="7003585" y="2168955"/>
+                <a:ext cx="4782207" cy="3853876"/>
+              </a:xfrm>
+              <a:prstGeom prst="rect">
+                <a:avLst/>
+              </a:prstGeom>
+              <a:noFill/>
+            </p:spPr>
+            <p:txBody>
+              <a:bodyPr wrap="square" rtlCol="0">
+                <a:spAutoFit/>
+              </a:bodyPr>
+              <a:lstStyle/>
+              <a:p>
+                <a:pPr algn="ctr"/>
+                <a:r>
+                  <a:rPr lang="es-CO" sz="2800" b="1" dirty="0" smtClean="0"/>
+                  <a:t>Propiedades de una </a:t>
+                </a:r>
+                <a:r>
+                  <a:rPr lang="es-CO" sz="2800" b="1" dirty="0" err="1" smtClean="0"/>
+                  <a:t>fdp</a:t>
+                </a:r>
+                <a:endParaRPr lang="es-CO" sz="2800" b="1" dirty="0" smtClean="0"/>
+              </a:p>
+              <a:p>
+                <a:endParaRPr lang="es-CO" sz="2800" dirty="0" smtClean="0"/>
+              </a:p>
+              <a:p>
+                <a14:m>
+                  <m:oMathPara xmlns:m="http://schemas.openxmlformats.org/officeDocument/2006/math">
+                    <m:oMathParaPr>
+                      <m:jc m:val="centerGroup"/>
+                    </m:oMathParaPr>
+                    <m:oMath xmlns:m="http://schemas.openxmlformats.org/officeDocument/2006/math">
+                      <m:r>
+                        <a:rPr lang="es-CO" sz="2800" b="0" i="1" smtClean="0">
+                          <a:latin typeface="Cambria Math" panose="02040503050406030204" pitchFamily="18" charset="0"/>
+                        </a:rPr>
+                        <m:t>𝑓</m:t>
+                      </m:r>
+                      <m:d>
+                        <m:dPr>
+                          <m:ctrlPr>
+                            <a:rPr lang="es-CO" sz="2800" b="0" i="1" smtClean="0">
+                              <a:latin typeface="Cambria Math" panose="02040503050406030204" pitchFamily="18" charset="0"/>
+                            </a:rPr>
+                          </m:ctrlPr>
+                        </m:dPr>
+                        <m:e>
+                          <m:sSub>
+                            <m:sSubPr>
+                              <m:ctrlPr>
+                                <a:rPr lang="es-CO" sz="2800" b="0" i="1" smtClean="0">
+                                  <a:latin typeface="Cambria Math" panose="02040503050406030204" pitchFamily="18" charset="0"/>
+                                </a:rPr>
+                              </m:ctrlPr>
+                            </m:sSubPr>
+                            <m:e>
+                              <m:r>
+                                <a:rPr lang="es-CO" sz="2800" b="0" i="1" smtClean="0">
+                                  <a:latin typeface="Cambria Math" panose="02040503050406030204" pitchFamily="18" charset="0"/>
+                                </a:rPr>
+                                <m:t>𝑥</m:t>
+                              </m:r>
+                            </m:e>
+                            <m:sub>
+                              <m:r>
+                                <a:rPr lang="es-CO" sz="2800" b="0" i="1" smtClean="0">
+                                  <a:latin typeface="Cambria Math" panose="02040503050406030204" pitchFamily="18" charset="0"/>
+                                </a:rPr>
+                                <m:t>𝑖</m:t>
+                              </m:r>
+                            </m:sub>
+                          </m:sSub>
+                        </m:e>
+                      </m:d>
+                      <m:r>
+                        <a:rPr lang="es-CO" sz="2800" b="0" i="1" smtClean="0">
+                          <a:latin typeface="Cambria Math" panose="02040503050406030204" pitchFamily="18" charset="0"/>
+                          <a:ea typeface="Cambria Math" panose="02040503050406030204" pitchFamily="18" charset="0"/>
+                        </a:rPr>
+                        <m:t>≥0</m:t>
+                      </m:r>
+                    </m:oMath>
+                  </m:oMathPara>
+                </a14:m>
+                <a:endParaRPr lang="es-CO" sz="2800" b="0" dirty="0" smtClean="0">
+                  <a:ea typeface="Cambria Math" panose="02040503050406030204" pitchFamily="18" charset="0"/>
+                </a:endParaRPr>
+              </a:p>
+              <a:p>
+                <a:endParaRPr lang="es-CO" sz="2800" b="0" dirty="0" smtClean="0">
+                  <a:ea typeface="Cambria Math" panose="02040503050406030204" pitchFamily="18" charset="0"/>
+                </a:endParaRPr>
+              </a:p>
+              <a:p>
+                <a14:m>
+                  <m:oMathPara xmlns:m="http://schemas.openxmlformats.org/officeDocument/2006/math">
+                    <m:oMathParaPr>
+                      <m:jc m:val="centerGroup"/>
+                    </m:oMathParaPr>
+                    <m:oMath xmlns:m="http://schemas.openxmlformats.org/officeDocument/2006/math">
+                      <m:nary>
+                        <m:naryPr>
+                          <m:chr m:val="∑"/>
+                          <m:ctrlPr>
+                            <a:rPr lang="es-CO" sz="2800" i="1" smtClean="0">
+                              <a:latin typeface="Cambria Math" panose="02040503050406030204" pitchFamily="18" charset="0"/>
+                            </a:rPr>
+                          </m:ctrlPr>
+                        </m:naryPr>
+                        <m:sub>
+                          <m:r>
+                            <m:rPr>
+                              <m:brk m:alnAt="23"/>
+                            </m:rPr>
+                            <a:rPr lang="es-CO" sz="2800" b="0" i="1" smtClean="0">
+                              <a:latin typeface="Cambria Math" panose="02040503050406030204" pitchFamily="18" charset="0"/>
+                            </a:rPr>
+                            <m:t>𝑖</m:t>
+                          </m:r>
+                          <m:r>
+                            <a:rPr lang="es-CO" sz="2800" b="0" i="1" smtClean="0">
+                              <a:latin typeface="Cambria Math" panose="02040503050406030204" pitchFamily="18" charset="0"/>
+                            </a:rPr>
+                            <m:t>=1</m:t>
+                          </m:r>
+                        </m:sub>
+                        <m:sup>
+                          <m:r>
+                            <a:rPr lang="es-CO" sz="2800" b="0" i="1" smtClean="0">
+                              <a:latin typeface="Cambria Math" panose="02040503050406030204" pitchFamily="18" charset="0"/>
+                            </a:rPr>
+                            <m:t>𝑛</m:t>
+                          </m:r>
+                        </m:sup>
+                        <m:e>
+                          <m:r>
+                            <a:rPr lang="es-CO" sz="2800" i="1">
+                              <a:latin typeface="Cambria Math" panose="02040503050406030204" pitchFamily="18" charset="0"/>
+                            </a:rPr>
+                            <m:t>𝑓</m:t>
+                          </m:r>
+                          <m:d>
+                            <m:dPr>
+                              <m:ctrlPr>
+                                <a:rPr lang="es-CO" sz="2800" i="1">
+                                  <a:latin typeface="Cambria Math" panose="02040503050406030204" pitchFamily="18" charset="0"/>
+                                </a:rPr>
+                              </m:ctrlPr>
+                            </m:dPr>
+                            <m:e>
+                              <m:sSub>
+                                <m:sSubPr>
+                                  <m:ctrlPr>
+                                    <a:rPr lang="es-CO" sz="2800" i="1">
+                                      <a:latin typeface="Cambria Math" panose="02040503050406030204" pitchFamily="18" charset="0"/>
+                                    </a:rPr>
+                                  </m:ctrlPr>
+                                </m:sSubPr>
+                                <m:e>
+                                  <m:r>
+                                    <a:rPr lang="es-CO" sz="2800" i="1">
+                                      <a:latin typeface="Cambria Math" panose="02040503050406030204" pitchFamily="18" charset="0"/>
+                                    </a:rPr>
+                                    <m:t>𝑥</m:t>
+                                  </m:r>
+                                </m:e>
+                                <m:sub>
+                                  <m:r>
+                                    <a:rPr lang="es-CO" sz="2800" i="1">
+                                      <a:latin typeface="Cambria Math" panose="02040503050406030204" pitchFamily="18" charset="0"/>
+                                    </a:rPr>
+                                    <m:t>𝑖</m:t>
+                                  </m:r>
+                                </m:sub>
+                              </m:sSub>
+                            </m:e>
+                          </m:d>
+                        </m:e>
+                      </m:nary>
+                      <m:r>
+                        <a:rPr lang="es-CO" sz="2800" b="0" i="1" smtClean="0">
+                          <a:latin typeface="Cambria Math" panose="02040503050406030204" pitchFamily="18" charset="0"/>
+                        </a:rPr>
+                        <m:t>=1</m:t>
+                      </m:r>
+                    </m:oMath>
+                  </m:oMathPara>
+                </a14:m>
+                <a:endParaRPr lang="es-CO" sz="2800" dirty="0" smtClean="0"/>
+              </a:p>
+              <a:p>
+                <a:endParaRPr lang="es-CO" sz="2800" dirty="0"/>
+              </a:p>
+              <a:p>
+                <a14:m>
+                  <m:oMathPara xmlns:m="http://schemas.openxmlformats.org/officeDocument/2006/math">
+                    <m:oMathParaPr>
+                      <m:jc m:val="centerGroup"/>
+                    </m:oMathParaPr>
+                    <m:oMath xmlns:m="http://schemas.openxmlformats.org/officeDocument/2006/math">
+                      <m:r>
+                        <a:rPr lang="es-CO" sz="2800" i="1">
+                          <a:latin typeface="Cambria Math" panose="02040503050406030204" pitchFamily="18" charset="0"/>
+                        </a:rPr>
+                        <m:t>𝑓</m:t>
+                      </m:r>
+                      <m:d>
+                        <m:dPr>
+                          <m:ctrlPr>
+                            <a:rPr lang="es-CO" sz="2800" i="1">
+                              <a:latin typeface="Cambria Math" panose="02040503050406030204" pitchFamily="18" charset="0"/>
+                            </a:rPr>
+                          </m:ctrlPr>
+                        </m:dPr>
+                        <m:e>
+                          <m:sSub>
+                            <m:sSubPr>
+                              <m:ctrlPr>
+                                <a:rPr lang="es-CO" sz="2800" i="1">
+                                  <a:latin typeface="Cambria Math" panose="02040503050406030204" pitchFamily="18" charset="0"/>
+                                </a:rPr>
+                              </m:ctrlPr>
+                            </m:sSubPr>
+                            <m:e>
+                              <m:r>
+                                <a:rPr lang="es-CO" sz="2800" i="1">
+                                  <a:latin typeface="Cambria Math" panose="02040503050406030204" pitchFamily="18" charset="0"/>
+                                </a:rPr>
+                                <m:t>𝑥</m:t>
+                              </m:r>
+                            </m:e>
+                            <m:sub>
+                              <m:r>
+                                <a:rPr lang="es-CO" sz="2800" i="1">
+                                  <a:latin typeface="Cambria Math" panose="02040503050406030204" pitchFamily="18" charset="0"/>
+                                </a:rPr>
+                                <m:t>𝑖</m:t>
+                              </m:r>
+                            </m:sub>
+                          </m:sSub>
+                        </m:e>
+                      </m:d>
+                      <m:r>
+                        <a:rPr lang="es-CO" sz="2800" b="0" i="0" smtClean="0">
+                          <a:latin typeface="Cambria Math" panose="02040503050406030204" pitchFamily="18" charset="0"/>
+                        </a:rPr>
+                        <m:t>=</m:t>
+                      </m:r>
+                      <m:r>
+                        <m:rPr>
+                          <m:sty m:val="p"/>
+                        </m:rPr>
+                        <a:rPr lang="es-CO" sz="2800" b="0" i="0" smtClean="0">
+                          <a:latin typeface="Cambria Math" panose="02040503050406030204" pitchFamily="18" charset="0"/>
+                        </a:rPr>
+                        <m:t>P</m:t>
+                      </m:r>
+                      <m:r>
+                        <a:rPr lang="es-CO" sz="2800" b="0" i="0" smtClean="0">
+                          <a:latin typeface="Cambria Math" panose="02040503050406030204" pitchFamily="18" charset="0"/>
+                        </a:rPr>
+                        <m:t>(</m:t>
+                      </m:r>
+                      <m:r>
+                        <m:rPr>
+                          <m:sty m:val="p"/>
+                        </m:rPr>
+                        <a:rPr lang="es-CO" sz="2800" b="0" i="0" smtClean="0">
+                          <a:latin typeface="Cambria Math" panose="02040503050406030204" pitchFamily="18" charset="0"/>
+                        </a:rPr>
+                        <m:t>x</m:t>
+                      </m:r>
+                      <m:r>
+                        <a:rPr lang="es-CO" sz="2800" b="0" i="0" smtClean="0">
+                          <a:latin typeface="Cambria Math" panose="02040503050406030204" pitchFamily="18" charset="0"/>
+                        </a:rPr>
+                        <m:t>=</m:t>
+                      </m:r>
+                      <m:sSub>
+                        <m:sSubPr>
+                          <m:ctrlPr>
+                            <a:rPr lang="es-CO" sz="2800" b="0" i="1" smtClean="0">
+                              <a:latin typeface="Cambria Math" panose="02040503050406030204" pitchFamily="18" charset="0"/>
+                            </a:rPr>
+                          </m:ctrlPr>
+                        </m:sSubPr>
+                        <m:e>
+                          <m:r>
+                            <a:rPr lang="es-CO" sz="2800" b="0" i="1" smtClean="0">
+                              <a:latin typeface="Cambria Math" panose="02040503050406030204" pitchFamily="18" charset="0"/>
+                            </a:rPr>
+                            <m:t>𝑥</m:t>
+                          </m:r>
+                        </m:e>
+                        <m:sub>
+                          <m:r>
+                            <a:rPr lang="es-CO" sz="2800" b="0" i="1" smtClean="0">
+                              <a:latin typeface="Cambria Math" panose="02040503050406030204" pitchFamily="18" charset="0"/>
+                            </a:rPr>
+                            <m:t>𝑖</m:t>
+                          </m:r>
+                        </m:sub>
+                      </m:sSub>
+                      <m:r>
+                        <a:rPr lang="es-CO" sz="2800" b="0" i="1" smtClean="0">
+                          <a:latin typeface="Cambria Math" panose="02040503050406030204" pitchFamily="18" charset="0"/>
+                        </a:rPr>
+                        <m:t>)</m:t>
+                      </m:r>
+                    </m:oMath>
+                  </m:oMathPara>
+                </a14:m>
+                <a:endParaRPr lang="es-CO" dirty="0"/>
+              </a:p>
+            </p:txBody>
+          </p:sp>
+        </mc:Choice>
+        <mc:Fallback>
+          <p:sp>
+            <p:nvSpPr>
+              <p:cNvPr id="5" name="CuadroTexto 4"/>
+              <p:cNvSpPr txBox="1">
+                <a:spLocks noRot="1" noChangeAspect="1" noMove="1" noResize="1" noEditPoints="1" noAdjustHandles="1" noChangeArrowheads="1" noChangeShapeType="1" noTextEdit="1"/>
+              </p:cNvSpPr>
+              <p:nvPr/>
+            </p:nvSpPr>
+            <p:spPr>
+              <a:xfrm>
+                <a:off x="7003585" y="2168955"/>
+                <a:ext cx="4782207" cy="3853876"/>
+              </a:xfrm>
+              <a:prstGeom prst="rect">
+                <a:avLst/>
+              </a:prstGeom>
+              <a:blipFill>
+                <a:blip r:embed="rId3"/>
+                <a:stretch>
+                  <a:fillRect t="-1741"/>
+                </a:stretch>
+              </a:blipFill>
+            </p:spPr>
+            <p:txBody>
+              <a:bodyPr/>
+              <a:lstStyle/>
+              <a:p>
+                <a:r>
+                  <a:rPr lang="es-CO">
+                    <a:noFill/>
+                  </a:rPr>
+                  <a:t> </a:t>
+                </a:r>
+              </a:p>
+            </p:txBody>
+          </p:sp>
+        </mc:Fallback>
+      </mc:AlternateContent>
     </p:spTree>
     <p:extLst>
       <p:ext uri="{BB962C8B-B14F-4D97-AF65-F5344CB8AC3E}">
-        <p14:creationId xmlns:p14="http://schemas.microsoft.com/office/powerpoint/2010/main" val="232602825"/>
+        <p14:creationId xmlns:p14="http://schemas.microsoft.com/office/powerpoint/2010/main" val="3658933047"/>
       </p:ext>
     </p:extLst>
   </p:cSld>

--- a/ITM_VAD_EBX.pptx
+++ b/ITM_VAD_EBX.pptx
@@ -40,6 +40,41 @@
     <p:sldId id="336" r:id="rId34"/>
     <p:sldId id="341" r:id="rId35"/>
     <p:sldId id="342" r:id="rId36"/>
+    <p:sldId id="371" r:id="rId37"/>
+    <p:sldId id="372" r:id="rId38"/>
+    <p:sldId id="373" r:id="rId39"/>
+    <p:sldId id="374" r:id="rId40"/>
+    <p:sldId id="375" r:id="rId41"/>
+    <p:sldId id="376" r:id="rId42"/>
+    <p:sldId id="377" r:id="rId43"/>
+    <p:sldId id="378" r:id="rId44"/>
+    <p:sldId id="379" r:id="rId45"/>
+    <p:sldId id="380" r:id="rId46"/>
+    <p:sldId id="381" r:id="rId47"/>
+    <p:sldId id="382" r:id="rId48"/>
+    <p:sldId id="383" r:id="rId49"/>
+    <p:sldId id="384" r:id="rId50"/>
+    <p:sldId id="385" r:id="rId51"/>
+    <p:sldId id="386" r:id="rId52"/>
+    <p:sldId id="387" r:id="rId53"/>
+    <p:sldId id="388" r:id="rId54"/>
+    <p:sldId id="389" r:id="rId55"/>
+    <p:sldId id="390" r:id="rId56"/>
+    <p:sldId id="391" r:id="rId57"/>
+    <p:sldId id="392" r:id="rId58"/>
+    <p:sldId id="393" r:id="rId59"/>
+    <p:sldId id="394" r:id="rId60"/>
+    <p:sldId id="395" r:id="rId61"/>
+    <p:sldId id="396" r:id="rId62"/>
+    <p:sldId id="397" r:id="rId63"/>
+    <p:sldId id="398" r:id="rId64"/>
+    <p:sldId id="399" r:id="rId65"/>
+    <p:sldId id="400" r:id="rId66"/>
+    <p:sldId id="401" r:id="rId67"/>
+    <p:sldId id="402" r:id="rId68"/>
+    <p:sldId id="368" r:id="rId69"/>
+    <p:sldId id="369" r:id="rId70"/>
+    <p:sldId id="370" r:id="rId71"/>
   </p:sldIdLst>
   <p:sldSz cx="12192000" cy="6858000"/>
   <p:notesSz cx="6858000" cy="9144000"/>
@@ -244,7 +279,7 @@
           </a:lstStyle>
           <a:p>
             <a:r>
-              <a:rPr lang="es-ES" smtClean="0"/>
+              <a:rPr lang="es-ES"/>
               <a:t>Haga clic para modificar el estilo de título del patrón</a:t>
             </a:r>
             <a:endParaRPr lang="en-US" dirty="0"/>
@@ -363,7 +398,7 @@
           </a:lstStyle>
           <a:p>
             <a:r>
-              <a:rPr lang="es-ES" smtClean="0"/>
+              <a:rPr lang="es-ES"/>
               <a:t>Haga clic para editar el estilo de subtítulo del patrón</a:t>
             </a:r>
             <a:endParaRPr lang="en-US" dirty="0"/>
@@ -404,7 +439,7 @@
             <a:fld id="{B61BEF0D-F0BB-DE4B-95CE-6DB70DBA9567}" type="datetimeFigureOut">
               <a:rPr lang="en-US" dirty="0"/>
               <a:pPr/>
-              <a:t>4/5/2019</a:t>
+              <a:t>5/1/2019</a:t>
             </a:fld>
             <a:endParaRPr lang="en-US" dirty="0"/>
           </a:p>
@@ -570,7 +605,7 @@
           <a:lstStyle/>
           <a:p>
             <a:r>
-              <a:rPr lang="es-ES" smtClean="0"/>
+              <a:rPr lang="es-ES"/>
               <a:t>Haga clic para modificar el estilo de título del patrón</a:t>
             </a:r>
             <a:endParaRPr lang="en-US" dirty="0"/>
@@ -610,35 +645,35 @@
           <a:p>
             <a:pPr lvl="0"/>
             <a:r>
-              <a:rPr lang="es-ES" smtClean="0"/>
+              <a:rPr lang="es-ES"/>
               <a:t>Editar el estilo de texto del patrón</a:t>
             </a:r>
           </a:p>
           <a:p>
             <a:pPr lvl="1"/>
             <a:r>
-              <a:rPr lang="es-ES" smtClean="0"/>
+              <a:rPr lang="es-ES"/>
               <a:t>Segundo nivel</a:t>
             </a:r>
           </a:p>
           <a:p>
             <a:pPr lvl="2"/>
             <a:r>
-              <a:rPr lang="es-ES" smtClean="0"/>
+              <a:rPr lang="es-ES"/>
               <a:t>Tercer nivel</a:t>
             </a:r>
           </a:p>
           <a:p>
             <a:pPr lvl="3"/>
             <a:r>
-              <a:rPr lang="es-ES" smtClean="0"/>
+              <a:rPr lang="es-ES"/>
               <a:t>Cuarto nivel</a:t>
             </a:r>
           </a:p>
           <a:p>
             <a:pPr lvl="4"/>
             <a:r>
-              <a:rPr lang="es-ES" smtClean="0"/>
+              <a:rPr lang="es-ES"/>
               <a:t>Quinto nivel</a:t>
             </a:r>
             <a:endParaRPr lang="en-US" dirty="0"/>
@@ -663,7 +698,7 @@
             <a:fld id="{B61BEF0D-F0BB-DE4B-95CE-6DB70DBA9567}" type="datetimeFigureOut">
               <a:rPr lang="en-US" dirty="0"/>
               <a:pPr/>
-              <a:t>4/5/2019</a:t>
+              <a:t>5/1/2019</a:t>
             </a:fld>
             <a:endParaRPr lang="en-US" dirty="0"/>
           </a:p>
@@ -797,7 +832,7 @@
           <a:lstStyle/>
           <a:p>
             <a:r>
-              <a:rPr lang="es-ES" smtClean="0"/>
+              <a:rPr lang="es-ES"/>
               <a:t>Haga clic para modificar el estilo de título del patrón</a:t>
             </a:r>
             <a:endParaRPr lang="en-US" dirty="0"/>
@@ -826,35 +861,35 @@
           <a:p>
             <a:pPr lvl="0"/>
             <a:r>
-              <a:rPr lang="es-ES" smtClean="0"/>
+              <a:rPr lang="es-ES"/>
               <a:t>Editar el estilo de texto del patrón</a:t>
             </a:r>
           </a:p>
           <a:p>
             <a:pPr lvl="1"/>
             <a:r>
-              <a:rPr lang="es-ES" smtClean="0"/>
+              <a:rPr lang="es-ES"/>
               <a:t>Segundo nivel</a:t>
             </a:r>
           </a:p>
           <a:p>
             <a:pPr lvl="2"/>
             <a:r>
-              <a:rPr lang="es-ES" smtClean="0"/>
+              <a:rPr lang="es-ES"/>
               <a:t>Tercer nivel</a:t>
             </a:r>
           </a:p>
           <a:p>
             <a:pPr lvl="3"/>
             <a:r>
-              <a:rPr lang="es-ES" smtClean="0"/>
+              <a:rPr lang="es-ES"/>
               <a:t>Cuarto nivel</a:t>
             </a:r>
           </a:p>
           <a:p>
             <a:pPr lvl="4"/>
             <a:r>
-              <a:rPr lang="es-ES" smtClean="0"/>
+              <a:rPr lang="es-ES"/>
               <a:t>Quinto nivel</a:t>
             </a:r>
             <a:endParaRPr lang="en-US" dirty="0"/>
@@ -895,7 +930,7 @@
             <a:fld id="{B61BEF0D-F0BB-DE4B-95CE-6DB70DBA9567}" type="datetimeFigureOut">
               <a:rPr lang="en-US" dirty="0"/>
               <a:pPr/>
-              <a:t>4/5/2019</a:t>
+              <a:t>5/1/2019</a:t>
             </a:fld>
             <a:endParaRPr lang="en-US" dirty="0"/>
           </a:p>
@@ -1050,7 +1085,7 @@
           <a:lstStyle/>
           <a:p>
             <a:r>
-              <a:rPr lang="es-ES" smtClean="0"/>
+              <a:rPr lang="es-ES"/>
               <a:t>Haga clic para modificar el estilo de título del patrón</a:t>
             </a:r>
             <a:endParaRPr lang="en-US" dirty="0"/>
@@ -1079,35 +1114,35 @@
           <a:p>
             <a:pPr lvl="0"/>
             <a:r>
-              <a:rPr lang="es-ES" smtClean="0"/>
+              <a:rPr lang="es-ES"/>
               <a:t>Editar el estilo de texto del patrón</a:t>
             </a:r>
           </a:p>
           <a:p>
             <a:pPr lvl="1"/>
             <a:r>
-              <a:rPr lang="es-ES" smtClean="0"/>
+              <a:rPr lang="es-ES"/>
               <a:t>Segundo nivel</a:t>
             </a:r>
           </a:p>
           <a:p>
             <a:pPr lvl="2"/>
             <a:r>
-              <a:rPr lang="es-ES" smtClean="0"/>
+              <a:rPr lang="es-ES"/>
               <a:t>Tercer nivel</a:t>
             </a:r>
           </a:p>
           <a:p>
             <a:pPr lvl="3"/>
             <a:r>
-              <a:rPr lang="es-ES" smtClean="0"/>
+              <a:rPr lang="es-ES"/>
               <a:t>Cuarto nivel</a:t>
             </a:r>
           </a:p>
           <a:p>
             <a:pPr lvl="4"/>
             <a:r>
-              <a:rPr lang="es-ES" smtClean="0"/>
+              <a:rPr lang="es-ES"/>
               <a:t>Quinto nivel</a:t>
             </a:r>
             <a:endParaRPr lang="en-US" dirty="0"/>
@@ -1132,7 +1167,7 @@
             <a:fld id="{B61BEF0D-F0BB-DE4B-95CE-6DB70DBA9567}" type="datetimeFigureOut">
               <a:rPr lang="en-US" dirty="0"/>
               <a:pPr/>
-              <a:t>4/5/2019</a:t>
+              <a:t>5/1/2019</a:t>
             </a:fld>
             <a:endParaRPr lang="en-US" dirty="0"/>
           </a:p>
@@ -1281,7 +1316,7 @@
           </a:lstStyle>
           <a:p>
             <a:r>
-              <a:rPr lang="es-ES" smtClean="0"/>
+              <a:rPr lang="es-ES"/>
               <a:t>Haga clic para modificar el estilo de título del patrón</a:t>
             </a:r>
             <a:endParaRPr lang="en-US" dirty="0"/>
@@ -1401,7 +1436,7 @@
           <a:p>
             <a:pPr lvl="0"/>
             <a:r>
-              <a:rPr lang="es-ES" smtClean="0"/>
+              <a:rPr lang="es-ES"/>
               <a:t>Editar el estilo de texto del patrón</a:t>
             </a:r>
           </a:p>
@@ -1436,7 +1471,7 @@
             <a:fld id="{B61BEF0D-F0BB-DE4B-95CE-6DB70DBA9567}" type="datetimeFigureOut">
               <a:rPr lang="en-US" dirty="0"/>
               <a:pPr/>
-              <a:t>4/5/2019</a:t>
+              <a:t>5/1/2019</a:t>
             </a:fld>
             <a:endParaRPr lang="en-US" dirty="0"/>
           </a:p>
@@ -1592,7 +1627,7 @@
           <a:lstStyle/>
           <a:p>
             <a:r>
-              <a:rPr lang="es-ES" smtClean="0"/>
+              <a:rPr lang="es-ES"/>
               <a:t>Haga clic para modificar el estilo de título del patrón</a:t>
             </a:r>
             <a:endParaRPr lang="en-US" dirty="0"/>
@@ -1623,35 +1658,35 @@
           <a:p>
             <a:pPr lvl="0"/>
             <a:r>
-              <a:rPr lang="es-ES" smtClean="0"/>
+              <a:rPr lang="es-ES"/>
               <a:t>Editar el estilo de texto del patrón</a:t>
             </a:r>
           </a:p>
           <a:p>
             <a:pPr lvl="1"/>
             <a:r>
-              <a:rPr lang="es-ES" smtClean="0"/>
+              <a:rPr lang="es-ES"/>
               <a:t>Segundo nivel</a:t>
             </a:r>
           </a:p>
           <a:p>
             <a:pPr lvl="2"/>
             <a:r>
-              <a:rPr lang="es-ES" smtClean="0"/>
+              <a:rPr lang="es-ES"/>
               <a:t>Tercer nivel</a:t>
             </a:r>
           </a:p>
           <a:p>
             <a:pPr lvl="3"/>
             <a:r>
-              <a:rPr lang="es-ES" smtClean="0"/>
+              <a:rPr lang="es-ES"/>
               <a:t>Cuarto nivel</a:t>
             </a:r>
           </a:p>
           <a:p>
             <a:pPr lvl="4"/>
             <a:r>
-              <a:rPr lang="es-ES" smtClean="0"/>
+              <a:rPr lang="es-ES"/>
               <a:t>Quinto nivel</a:t>
             </a:r>
             <a:endParaRPr lang="en-US" dirty="0"/>
@@ -1682,35 +1717,35 @@
           <a:p>
             <a:pPr lvl="0"/>
             <a:r>
-              <a:rPr lang="es-ES" smtClean="0"/>
+              <a:rPr lang="es-ES"/>
               <a:t>Editar el estilo de texto del patrón</a:t>
             </a:r>
           </a:p>
           <a:p>
             <a:pPr lvl="1"/>
             <a:r>
-              <a:rPr lang="es-ES" smtClean="0"/>
+              <a:rPr lang="es-ES"/>
               <a:t>Segundo nivel</a:t>
             </a:r>
           </a:p>
           <a:p>
             <a:pPr lvl="2"/>
             <a:r>
-              <a:rPr lang="es-ES" smtClean="0"/>
+              <a:rPr lang="es-ES"/>
               <a:t>Tercer nivel</a:t>
             </a:r>
           </a:p>
           <a:p>
             <a:pPr lvl="3"/>
             <a:r>
-              <a:rPr lang="es-ES" smtClean="0"/>
+              <a:rPr lang="es-ES"/>
               <a:t>Cuarto nivel</a:t>
             </a:r>
           </a:p>
           <a:p>
             <a:pPr lvl="4"/>
             <a:r>
-              <a:rPr lang="es-ES" smtClean="0"/>
+              <a:rPr lang="es-ES"/>
               <a:t>Quinto nivel</a:t>
             </a:r>
             <a:endParaRPr lang="en-US" dirty="0"/>
@@ -1735,7 +1770,7 @@
             <a:fld id="{B61BEF0D-F0BB-DE4B-95CE-6DB70DBA9567}" type="datetimeFigureOut">
               <a:rPr lang="en-US" dirty="0"/>
               <a:pPr/>
-              <a:t>4/5/2019</a:t>
+              <a:t>5/1/2019</a:t>
             </a:fld>
             <a:endParaRPr lang="en-US" dirty="0"/>
           </a:p>
@@ -1869,7 +1904,7 @@
           <a:lstStyle/>
           <a:p>
             <a:r>
-              <a:rPr lang="es-ES" smtClean="0"/>
+              <a:rPr lang="es-ES"/>
               <a:t>Haga clic para modificar el estilo de título del patrón</a:t>
             </a:r>
             <a:endParaRPr lang="en-US" dirty="0"/>
@@ -1941,7 +1976,7 @@
           <a:p>
             <a:pPr lvl="0"/>
             <a:r>
-              <a:rPr lang="es-ES" smtClean="0"/>
+              <a:rPr lang="es-ES"/>
               <a:t>Editar el estilo de texto del patrón</a:t>
             </a:r>
           </a:p>
@@ -1971,35 +2006,35 @@
           <a:p>
             <a:pPr lvl="0"/>
             <a:r>
-              <a:rPr lang="es-ES" smtClean="0"/>
+              <a:rPr lang="es-ES"/>
               <a:t>Editar el estilo de texto del patrón</a:t>
             </a:r>
           </a:p>
           <a:p>
             <a:pPr lvl="1"/>
             <a:r>
-              <a:rPr lang="es-ES" smtClean="0"/>
+              <a:rPr lang="es-ES"/>
               <a:t>Segundo nivel</a:t>
             </a:r>
           </a:p>
           <a:p>
             <a:pPr lvl="2"/>
             <a:r>
-              <a:rPr lang="es-ES" smtClean="0"/>
+              <a:rPr lang="es-ES"/>
               <a:t>Tercer nivel</a:t>
             </a:r>
           </a:p>
           <a:p>
             <a:pPr lvl="3"/>
             <a:r>
-              <a:rPr lang="es-ES" smtClean="0"/>
+              <a:rPr lang="es-ES"/>
               <a:t>Cuarto nivel</a:t>
             </a:r>
           </a:p>
           <a:p>
             <a:pPr lvl="4"/>
             <a:r>
-              <a:rPr lang="es-ES" smtClean="0"/>
+              <a:rPr lang="es-ES"/>
               <a:t>Quinto nivel</a:t>
             </a:r>
             <a:endParaRPr lang="en-US" dirty="0"/>
@@ -2071,7 +2106,7 @@
           <a:p>
             <a:pPr lvl="0"/>
             <a:r>
-              <a:rPr lang="es-ES" smtClean="0"/>
+              <a:rPr lang="es-ES"/>
               <a:t>Editar el estilo de texto del patrón</a:t>
             </a:r>
           </a:p>
@@ -2101,35 +2136,35 @@
           <a:p>
             <a:pPr lvl="0"/>
             <a:r>
-              <a:rPr lang="es-ES" smtClean="0"/>
+              <a:rPr lang="es-ES"/>
               <a:t>Editar el estilo de texto del patrón</a:t>
             </a:r>
           </a:p>
           <a:p>
             <a:pPr lvl="1"/>
             <a:r>
-              <a:rPr lang="es-ES" smtClean="0"/>
+              <a:rPr lang="es-ES"/>
               <a:t>Segundo nivel</a:t>
             </a:r>
           </a:p>
           <a:p>
             <a:pPr lvl="2"/>
             <a:r>
-              <a:rPr lang="es-ES" smtClean="0"/>
+              <a:rPr lang="es-ES"/>
               <a:t>Tercer nivel</a:t>
             </a:r>
           </a:p>
           <a:p>
             <a:pPr lvl="3"/>
             <a:r>
-              <a:rPr lang="es-ES" smtClean="0"/>
+              <a:rPr lang="es-ES"/>
               <a:t>Cuarto nivel</a:t>
             </a:r>
           </a:p>
           <a:p>
             <a:pPr lvl="4"/>
             <a:r>
-              <a:rPr lang="es-ES" smtClean="0"/>
+              <a:rPr lang="es-ES"/>
               <a:t>Quinto nivel</a:t>
             </a:r>
             <a:endParaRPr lang="en-US" dirty="0"/>
@@ -2154,7 +2189,7 @@
             <a:fld id="{B61BEF0D-F0BB-DE4B-95CE-6DB70DBA9567}" type="datetimeFigureOut">
               <a:rPr lang="en-US" dirty="0"/>
               <a:pPr/>
-              <a:t>4/5/2019</a:t>
+              <a:t>5/1/2019</a:t>
             </a:fld>
             <a:endParaRPr lang="en-US" dirty="0"/>
           </a:p>
@@ -2246,7 +2281,7 @@
             <a:fld id="{B61BEF0D-F0BB-DE4B-95CE-6DB70DBA9567}" type="datetimeFigureOut">
               <a:rPr lang="en-US" dirty="0"/>
               <a:pPr/>
-              <a:t>4/5/2019</a:t>
+              <a:t>5/1/2019</a:t>
             </a:fld>
             <a:endParaRPr lang="en-US" dirty="0"/>
           </a:p>
@@ -2355,7 +2390,7 @@
           <a:lstStyle/>
           <a:p>
             <a:r>
-              <a:rPr lang="es-ES" smtClean="0"/>
+              <a:rPr lang="es-ES"/>
               <a:t>Haga clic para modificar el estilo de título del patrón</a:t>
             </a:r>
             <a:endParaRPr lang="en-US" dirty="0"/>
@@ -2405,7 +2440,7 @@
             <a:fld id="{B61BEF0D-F0BB-DE4B-95CE-6DB70DBA9567}" type="datetimeFigureOut">
               <a:rPr lang="en-US" dirty="0"/>
               <a:pPr/>
-              <a:t>4/5/2019</a:t>
+              <a:t>5/1/2019</a:t>
             </a:fld>
             <a:endParaRPr lang="en-US" dirty="0"/>
           </a:p>
@@ -2550,7 +2585,7 @@
           </a:lstStyle>
           <a:p>
             <a:r>
-              <a:rPr lang="es-ES" smtClean="0"/>
+              <a:rPr lang="es-ES"/>
               <a:t>Haga clic para modificar el estilo de título del patrón</a:t>
             </a:r>
             <a:endParaRPr lang="en-US" dirty="0"/>
@@ -2645,35 +2680,35 @@
           <a:p>
             <a:pPr lvl="0"/>
             <a:r>
-              <a:rPr lang="es-ES" smtClean="0"/>
+              <a:rPr lang="es-ES"/>
               <a:t>Editar el estilo de texto del patrón</a:t>
             </a:r>
           </a:p>
           <a:p>
             <a:pPr lvl="1"/>
             <a:r>
-              <a:rPr lang="es-ES" smtClean="0"/>
+              <a:rPr lang="es-ES"/>
               <a:t>Segundo nivel</a:t>
             </a:r>
           </a:p>
           <a:p>
             <a:pPr lvl="2"/>
             <a:r>
-              <a:rPr lang="es-ES" smtClean="0"/>
+              <a:rPr lang="es-ES"/>
               <a:t>Tercer nivel</a:t>
             </a:r>
           </a:p>
           <a:p>
             <a:pPr lvl="3"/>
             <a:r>
-              <a:rPr lang="es-ES" smtClean="0"/>
+              <a:rPr lang="es-ES"/>
               <a:t>Cuarto nivel</a:t>
             </a:r>
           </a:p>
           <a:p>
             <a:pPr lvl="4"/>
             <a:r>
-              <a:rPr lang="es-ES" smtClean="0"/>
+              <a:rPr lang="es-ES"/>
               <a:t>Quinto nivel</a:t>
             </a:r>
             <a:endParaRPr lang="en-US" dirty="0"/>
@@ -2745,7 +2780,7 @@
           <a:p>
             <a:pPr lvl="0"/>
             <a:r>
-              <a:rPr lang="es-ES" smtClean="0"/>
+              <a:rPr lang="es-ES"/>
               <a:t>Editar el estilo de texto del patrón</a:t>
             </a:r>
           </a:p>
@@ -2780,7 +2815,7 @@
             <a:fld id="{B61BEF0D-F0BB-DE4B-95CE-6DB70DBA9567}" type="datetimeFigureOut">
               <a:rPr lang="en-US" dirty="0"/>
               <a:pPr/>
-              <a:t>4/5/2019</a:t>
+              <a:t>5/1/2019</a:t>
             </a:fld>
             <a:endParaRPr lang="en-US" dirty="0"/>
           </a:p>
@@ -2907,7 +2942,7 @@
           </a:lstStyle>
           <a:p>
             <a:r>
-              <a:rPr lang="es-ES" smtClean="0"/>
+              <a:rPr lang="es-ES"/>
               <a:t>Haga clic para modificar el estilo de título del patrón</a:t>
             </a:r>
             <a:endParaRPr lang="en-US" dirty="0"/>
@@ -2974,7 +3009,7 @@
           </a:lstStyle>
           <a:p>
             <a:r>
-              <a:rPr lang="es-ES" smtClean="0"/>
+              <a:rPr lang="es-ES"/>
               <a:t>Haga clic en el icono para agregar una imagen</a:t>
             </a:r>
             <a:endParaRPr lang="en-US" dirty="0"/>
@@ -3042,7 +3077,7 @@
           <a:p>
             <a:pPr lvl="0"/>
             <a:r>
-              <a:rPr lang="es-ES" smtClean="0"/>
+              <a:rPr lang="es-ES"/>
               <a:t>Editar el estilo de texto del patrón</a:t>
             </a:r>
           </a:p>
@@ -3066,7 +3101,7 @@
             <a:fld id="{B61BEF0D-F0BB-DE4B-95CE-6DB70DBA9567}" type="datetimeFigureOut">
               <a:rPr lang="en-US" dirty="0"/>
               <a:pPr/>
-              <a:t>4/5/2019</a:t>
+              <a:t>5/1/2019</a:t>
             </a:fld>
             <a:endParaRPr lang="en-US" dirty="0"/>
           </a:p>
@@ -3171,7 +3206,7 @@
           <a:lstStyle/>
           <a:p>
             <a:r>
-              <a:rPr lang="es-ES" smtClean="0"/>
+              <a:rPr lang="es-ES"/>
               <a:t>Haga clic para modificar el estilo de título del patrón</a:t>
             </a:r>
             <a:endParaRPr lang="en-US" dirty="0"/>
@@ -3205,35 +3240,35 @@
           <a:p>
             <a:pPr lvl="0"/>
             <a:r>
-              <a:rPr lang="es-ES" smtClean="0"/>
+              <a:rPr lang="es-ES"/>
               <a:t>Editar el estilo de texto del patrón</a:t>
             </a:r>
           </a:p>
           <a:p>
             <a:pPr lvl="1"/>
             <a:r>
-              <a:rPr lang="es-ES" smtClean="0"/>
+              <a:rPr lang="es-ES"/>
               <a:t>Segundo nivel</a:t>
             </a:r>
           </a:p>
           <a:p>
             <a:pPr lvl="2"/>
             <a:r>
-              <a:rPr lang="es-ES" smtClean="0"/>
+              <a:rPr lang="es-ES"/>
               <a:t>Tercer nivel</a:t>
             </a:r>
           </a:p>
           <a:p>
             <a:pPr lvl="3"/>
             <a:r>
-              <a:rPr lang="es-ES" smtClean="0"/>
+              <a:rPr lang="es-ES"/>
               <a:t>Cuarto nivel</a:t>
             </a:r>
           </a:p>
           <a:p>
             <a:pPr lvl="4"/>
             <a:r>
-              <a:rPr lang="es-ES" smtClean="0"/>
+              <a:rPr lang="es-ES"/>
               <a:t>Quinto nivel</a:t>
             </a:r>
             <a:endParaRPr lang="en-US" dirty="0"/>
@@ -3274,7 +3309,7 @@
             <a:fld id="{B61BEF0D-F0BB-DE4B-95CE-6DB70DBA9567}" type="datetimeFigureOut">
               <a:rPr lang="en-US" dirty="0"/>
               <a:pPr/>
-              <a:t>4/5/2019</a:t>
+              <a:t>5/1/2019</a:t>
             </a:fld>
             <a:endParaRPr lang="en-US" dirty="0"/>
           </a:p>
@@ -3887,15 +3922,11 @@
           <a:lstStyle/>
           <a:p>
             <a:r>
-              <a:rPr lang="es-CO" sz="4000" dirty="0" smtClean="0"/>
+              <a:rPr lang="es-CO" sz="4000" dirty="0"/>
               <a:t>VARIABLES ALEATORIAS DISCRETAS</a:t>
             </a:r>
-            <a:r>
-              <a:rPr lang="es-CO" dirty="0" smtClean="0"/>
-              <a:t/>
-            </a:r>
             <a:br>
-              <a:rPr lang="es-CO" dirty="0" smtClean="0"/>
+              <a:rPr lang="es-CO" dirty="0"/>
             </a:br>
             <a:endParaRPr lang="es-CO" dirty="0"/>
           </a:p>
@@ -3925,7 +3956,7 @@
           <a:p>
             <a:pPr algn="r"/>
             <a:r>
-              <a:rPr lang="es-CO" sz="4800" b="1" dirty="0" smtClean="0">
+              <a:rPr lang="es-CO" sz="4800" b="1" dirty="0">
                 <a:solidFill>
                   <a:schemeClr val="bg1"/>
                 </a:solidFill>
@@ -3933,14 +3964,14 @@
               <a:t>Docente:  Johanna trochez </a:t>
             </a:r>
             <a:r>
-              <a:rPr lang="es-CO" sz="4800" b="1" dirty="0" err="1" smtClean="0">
+              <a:rPr lang="es-CO" sz="4800" b="1" dirty="0" err="1">
                 <a:solidFill>
                   <a:schemeClr val="bg1"/>
                 </a:solidFill>
               </a:rPr>
               <a:t>gonzalez</a:t>
             </a:r>
-            <a:endParaRPr lang="es-CO" sz="4800" b="1" dirty="0" smtClean="0">
+            <a:endParaRPr lang="es-CO" sz="4800" b="1" dirty="0">
               <a:solidFill>
                 <a:schemeClr val="bg1"/>
               </a:solidFill>
@@ -3949,18 +3980,13 @@
           <a:p>
             <a:pPr algn="r"/>
             <a:r>
-              <a:rPr lang="es-CO" sz="4800" b="1" dirty="0" smtClean="0">
+              <a:rPr lang="es-CO" sz="4800" b="1" dirty="0">
                 <a:solidFill>
                   <a:schemeClr val="bg1"/>
                 </a:solidFill>
               </a:rPr>
               <a:t>Instituto tecnológico metropolitano</a:t>
             </a:r>
-            <a:endParaRPr lang="es-CO" sz="4800" b="1" dirty="0">
-              <a:solidFill>
-                <a:schemeClr val="bg1"/>
-              </a:solidFill>
-            </a:endParaRPr>
           </a:p>
           <a:p>
             <a:endParaRPr lang="es-CO" dirty="0"/>
@@ -3977,13 +4003,6 @@
   <p:clrMapOvr>
     <a:masterClrMapping/>
   </p:clrMapOvr>
-  <p:timing>
-    <p:tnLst>
-      <p:par>
-        <p:cTn id="1" dur="indefinite" restart="never" nodeType="tmRoot"/>
-      </p:par>
-    </p:tnLst>
-  </p:timing>
 </p:sld>
 </file>
 
@@ -4050,15 +4069,14 @@
           <a:p>
             <a:pPr algn="ctr"/>
             <a:r>
-              <a:rPr lang="es-CO" dirty="0" smtClean="0"/>
+              <a:rPr lang="es-CO" dirty="0"/>
               <a:t>Operador esperanza y Varianza</a:t>
             </a:r>
-            <a:endParaRPr lang="es-CO" dirty="0"/>
           </a:p>
         </p:txBody>
       </p:sp>
-      <mc:AlternateContent xmlns:mc="http://schemas.openxmlformats.org/markup-compatibility/2006">
-        <mc:Choice xmlns:a14="http://schemas.microsoft.com/office/drawing/2010/main" Requires="a14">
+      <mc:AlternateContent xmlns:mc="http://schemas.openxmlformats.org/markup-compatibility/2006" xmlns:a14="http://schemas.microsoft.com/office/drawing/2010/main">
+        <mc:Choice Requires="a14">
           <p:sp>
             <p:nvSpPr>
               <p:cNvPr id="3" name="Rectángulo 2"/>
@@ -4080,9 +4098,8 @@
               </a:bodyPr>
               <a:lstStyle/>
               <a:p>
-                <a:pPr/>
                 <a:r>
-                  <a:rPr lang="es-CO" sz="3200" i="1" dirty="0" smtClean="0">
+                  <a:rPr lang="es-CO" sz="3200" i="1" dirty="0">
                     <a:solidFill>
                       <a:schemeClr val="accent1">
                         <a:lumMod val="50000"/>
@@ -4345,7 +4362,7 @@
             </p:txBody>
           </p:sp>
         </mc:Choice>
-        <mc:Fallback>
+        <mc:Fallback xmlns="">
           <p:sp>
             <p:nvSpPr>
               <p:cNvPr id="3" name="Rectángulo 2"/>
@@ -4384,8 +4401,8 @@
           </p:sp>
         </mc:Fallback>
       </mc:AlternateContent>
-      <mc:AlternateContent xmlns:mc="http://schemas.openxmlformats.org/markup-compatibility/2006">
-        <mc:Choice xmlns:a14="http://schemas.microsoft.com/office/drawing/2010/main" Requires="a14">
+      <mc:AlternateContent xmlns:mc="http://schemas.openxmlformats.org/markup-compatibility/2006" xmlns:a14="http://schemas.microsoft.com/office/drawing/2010/main">
+        <mc:Choice Requires="a14">
           <p:sp>
             <p:nvSpPr>
               <p:cNvPr id="5" name="Rectángulo 4"/>
@@ -4409,7 +4426,7 @@
               <a:p>
                 <a:pPr algn="ctr"/>
                 <a:r>
-                  <a:rPr lang="es-CO" sz="3200" b="0" i="1" dirty="0" smtClean="0">
+                  <a:rPr lang="es-CO" sz="3200" b="0" i="1" dirty="0">
                     <a:solidFill>
                       <a:schemeClr val="accent1">
                         <a:lumMod val="50000"/>
@@ -4463,7 +4480,7 @@
                     </m:sSup>
                   </m:oMath>
                 </a14:m>
-                <a:endParaRPr lang="es-CO" sz="3200" b="0" i="1" dirty="0" smtClean="0">
+                <a:endParaRPr lang="es-CO" sz="3200" b="0" i="1" dirty="0">
                   <a:solidFill>
                     <a:schemeClr val="accent1">
                       <a:lumMod val="50000"/>
@@ -4730,7 +4747,7 @@
             </p:txBody>
           </p:sp>
         </mc:Choice>
-        <mc:Fallback>
+        <mc:Fallback xmlns="">
           <p:sp>
             <p:nvSpPr>
               <p:cNvPr id="5" name="Rectángulo 4"/>
@@ -4769,8 +4786,8 @@
           </p:sp>
         </mc:Fallback>
       </mc:AlternateContent>
-      <mc:AlternateContent xmlns:mc="http://schemas.openxmlformats.org/markup-compatibility/2006">
-        <mc:Choice xmlns:a14="http://schemas.microsoft.com/office/drawing/2010/main" Requires="a14">
+      <mc:AlternateContent xmlns:mc="http://schemas.openxmlformats.org/markup-compatibility/2006" xmlns:a14="http://schemas.microsoft.com/office/drawing/2010/main">
+        <mc:Choice Requires="a14">
           <p:sp>
             <p:nvSpPr>
               <p:cNvPr id="8" name="Marcador de contenido 2"/>
@@ -4989,7 +5006,7 @@
                     </m:oMath>
                   </m:oMathPara>
                 </a14:m>
-                <a:endParaRPr lang="es-CO" sz="12800" dirty="0" smtClean="0">
+                <a:endParaRPr lang="es-CO" sz="12800" dirty="0">
                   <a:solidFill>
                     <a:schemeClr val="accent1">
                       <a:lumMod val="50000"/>
@@ -5094,7 +5111,7 @@
                     </m:oMath>
                   </m:oMathPara>
                 </a14:m>
-                <a:endParaRPr lang="es-CO" sz="12800" dirty="0" smtClean="0">
+                <a:endParaRPr lang="es-CO" sz="12800" dirty="0">
                   <a:solidFill>
                     <a:schemeClr val="accent1">
                       <a:lumMod val="50000"/>
@@ -5123,7 +5140,7 @@
             </p:txBody>
           </p:sp>
         </mc:Choice>
-        <mc:Fallback>
+        <mc:Fallback xmlns="">
           <p:sp>
             <p:nvSpPr>
               <p:cNvPr id="8" name="Marcador de contenido 2"/>
@@ -5171,13 +5188,6 @@
   <p:clrMapOvr>
     <a:masterClrMapping/>
   </p:clrMapOvr>
-  <p:timing>
-    <p:tnLst>
-      <p:par>
-        <p:cTn id="1" dur="indefinite" restart="never" nodeType="tmRoot"/>
-      </p:par>
-    </p:tnLst>
-  </p:timing>
 </p:sld>
 </file>
 
@@ -5220,10 +5230,9 @@
           <a:p>
             <a:pPr algn="ctr"/>
             <a:r>
-              <a:rPr lang="es-CO" dirty="0" smtClean="0"/>
+              <a:rPr lang="es-CO" dirty="0"/>
               <a:t>EJEMPLO</a:t>
             </a:r>
-            <a:endParaRPr lang="es-CO" dirty="0"/>
           </a:p>
         </p:txBody>
       </p:sp>
@@ -5251,15 +5260,7 @@
           <a:p>
             <a:r>
               <a:rPr lang="es-CO" sz="2800" dirty="0"/>
-              <a:t>Una </a:t>
-            </a:r>
-            <a:r>
-              <a:rPr lang="es-CO" sz="2800" dirty="0" smtClean="0"/>
-              <a:t>gasolinera </a:t>
-            </a:r>
-            <a:r>
-              <a:rPr lang="es-CO" sz="2800" dirty="0"/>
-              <a:t>tiene seis bombas. Sea </a:t>
+              <a:t>Una gasolinera tiene seis bombas. Sea </a:t>
             </a:r>
             <a:r>
               <a:rPr lang="es-CO" sz="2800" i="1" dirty="0"/>
@@ -5267,15 +5268,7 @@
             </a:r>
             <a:r>
               <a:rPr lang="es-CO" sz="2800" dirty="0"/>
-              <a:t>el número de bombas que están en </a:t>
-            </a:r>
-            <a:r>
-              <a:rPr lang="es-CO" sz="2800" dirty="0" smtClean="0"/>
-              <a:t>servicio a </a:t>
-            </a:r>
-            <a:r>
-              <a:rPr lang="es-CO" sz="2800" dirty="0"/>
-              <a:t>una hora particular del día. Suponga que la distribución de probabilidad de </a:t>
+              <a:t>el número de bombas que están en servicio a una hora particular del día. Suponga que la distribución de probabilidad de </a:t>
             </a:r>
             <a:r>
               <a:rPr lang="es-CO" sz="2800" i="1" dirty="0"/>
@@ -5283,15 +5276,7 @@
             </a:r>
             <a:r>
               <a:rPr lang="es-CO" sz="2800" dirty="0"/>
-              <a:t>es como </a:t>
-            </a:r>
-            <a:r>
-              <a:rPr lang="es-CO" sz="2800" dirty="0" smtClean="0"/>
-              <a:t>se da </a:t>
-            </a:r>
-            <a:r>
-              <a:rPr lang="es-CO" sz="2800" dirty="0"/>
-              <a:t>en la tabla siguiente; </a:t>
+              <a:t>es como se da en la tabla siguiente; </a:t>
             </a:r>
           </a:p>
         </p:txBody>
@@ -5330,13 +5315,6 @@
   <p:clrMapOvr>
     <a:masterClrMapping/>
   </p:clrMapOvr>
-  <p:timing>
-    <p:tnLst>
-      <p:par>
-        <p:cTn id="1" dur="indefinite" restart="never" nodeType="tmRoot"/>
-      </p:par>
-    </p:tnLst>
-  </p:timing>
 </p:sld>
 </file>
 
@@ -5399,21 +5377,13 @@
           <a:lstStyle/>
           <a:p>
             <a:r>
-              <a:rPr lang="es-CO" sz="2400" dirty="0" smtClean="0"/>
-              <a:t>Halle la </a:t>
-            </a:r>
-            <a:r>
               <a:rPr lang="es-CO" sz="2400" dirty="0"/>
-              <a:t>probabilidad de que cuando mucho dos bombas estén </a:t>
-            </a:r>
-            <a:r>
-              <a:rPr lang="es-CO" sz="2400" dirty="0" smtClean="0"/>
-              <a:t>en servicio:</a:t>
-            </a:r>
-          </a:p>
-          <a:p>
-            <a:r>
-              <a:rPr lang="es-CO" sz="2400" dirty="0" smtClean="0"/>
+              <a:t>Halle la probabilidad de que cuando mucho dos bombas estén en servicio:</a:t>
+            </a:r>
+          </a:p>
+          <a:p>
+            <a:r>
+              <a:rPr lang="es-CO" sz="2400" dirty="0"/>
               <a:t>Halle la probabilidad de que por lo menos 3 bombas</a:t>
             </a:r>
           </a:p>
@@ -5426,16 +5396,12 @@
           <a:p>
             <a:r>
               <a:rPr lang="es-CO" sz="2400" dirty="0"/>
-              <a:t>La probabilidad de que el numero de bombas este estrictamente entre 2 y 5 </a:t>
-            </a:r>
-            <a:r>
-              <a:rPr lang="es-CO" sz="2400" dirty="0" smtClean="0"/>
-              <a:t>bombas</a:t>
-            </a:r>
-          </a:p>
-          <a:p>
-            <a:r>
-              <a:rPr lang="es-CO" sz="2400" dirty="0" smtClean="0"/>
+              <a:t>La probabilidad de que el numero de bombas este estrictamente entre 2 y 5 bombas</a:t>
+            </a:r>
+          </a:p>
+          <a:p>
+            <a:r>
+              <a:rPr lang="es-CO" sz="2400" dirty="0"/>
               <a:t>Halle la media, la varianza y la desviación estándar</a:t>
             </a:r>
           </a:p>
@@ -5451,13 +5417,6 @@
   <p:clrMapOvr>
     <a:masterClrMapping/>
   </p:clrMapOvr>
-  <p:timing>
-    <p:tnLst>
-      <p:par>
-        <p:cTn id="1" dur="indefinite" restart="never" nodeType="tmRoot"/>
-      </p:par>
-    </p:tnLst>
-  </p:timing>
 </p:sld>
 </file>
 
@@ -5500,10 +5459,9 @@
           <a:p>
             <a:pPr algn="ctr"/>
             <a:r>
-              <a:rPr lang="es-CO" dirty="0" smtClean="0"/>
+              <a:rPr lang="es-CO" dirty="0"/>
               <a:t>ejemplo</a:t>
             </a:r>
-            <a:endParaRPr lang="es-CO" dirty="0"/>
           </a:p>
         </p:txBody>
       </p:sp>
@@ -5532,7 +5490,7 @@
               <a:lstStyle/>
               <a:p>
                 <a:r>
-                  <a:rPr lang="es-CO" sz="4400" dirty="0" smtClean="0"/>
+                  <a:rPr lang="es-CO" sz="4400" dirty="0"/>
                   <a:t>Suponga que f(x) representa una función de densidad de probabilidad dada por:</a:t>
                 </a:r>
               </a:p>
@@ -5540,7 +5498,7 @@
                 <a:pPr marL="0" indent="0" algn="ctr">
                   <a:buNone/>
                 </a:pPr>
-                <a:endParaRPr lang="es-CO" sz="4000" b="0" i="1" dirty="0" smtClean="0">
+                <a:endParaRPr lang="es-CO" sz="4000" b="0" i="1" dirty="0">
                   <a:latin typeface="Cambria Math" panose="02040503050406030204" pitchFamily="18" charset="0"/>
                 </a:endParaRPr>
               </a:p>
@@ -5632,7 +5590,7 @@
                   </m:oMath>
                 </a14:m>
                 <a:r>
-                  <a:rPr lang="es-CO" sz="6500" dirty="0" smtClean="0"/>
+                  <a:rPr lang="es-CO" sz="6500" dirty="0"/>
                   <a:t> </a:t>
                 </a:r>
               </a:p>
@@ -5640,28 +5598,28 @@
                 <a:pPr marL="0" indent="0">
                   <a:buNone/>
                 </a:pPr>
-                <a:endParaRPr lang="es-CO" sz="4000" dirty="0" smtClean="0"/>
+                <a:endParaRPr lang="es-CO" sz="4000" dirty="0"/>
               </a:p>
               <a:p>
                 <a:pPr marL="0" indent="0">
                   <a:buNone/>
                 </a:pPr>
                 <a:r>
-                  <a:rPr lang="es-CO" sz="4000" dirty="0" smtClean="0"/>
+                  <a:rPr lang="es-CO" sz="4000" dirty="0"/>
                   <a:t>Grafique la </a:t>
                 </a:r>
                 <a:r>
-                  <a:rPr lang="es-CO" sz="4000" dirty="0" err="1" smtClean="0"/>
+                  <a:rPr lang="es-CO" sz="4000" dirty="0" err="1"/>
                   <a:t>pdf</a:t>
                 </a:r>
-                <a:endParaRPr lang="es-CO" sz="4000" dirty="0" smtClean="0"/>
+                <a:endParaRPr lang="es-CO" sz="4000" dirty="0"/>
               </a:p>
               <a:p>
                 <a:pPr marL="0" indent="0">
                   <a:buNone/>
                 </a:pPr>
                 <a:r>
-                  <a:rPr lang="es-CO" sz="4000" dirty="0" smtClean="0"/>
+                  <a:rPr lang="es-CO" sz="4000" dirty="0"/>
                   <a:t>Halle la media y varianza</a:t>
                 </a:r>
               </a:p>
@@ -5669,14 +5627,14 @@
                 <a:pPr marL="0" indent="0">
                   <a:buNone/>
                 </a:pPr>
-                <a:endParaRPr lang="es-CO" sz="4000" dirty="0" smtClean="0"/>
+                <a:endParaRPr lang="es-CO" sz="4000" dirty="0"/>
               </a:p>
               <a:p>
                 <a:pPr marL="0" indent="0" algn="ctr">
                   <a:buNone/>
                 </a:pPr>
                 <a:r>
-                  <a:rPr lang="es-CO" sz="4400" dirty="0" smtClean="0"/>
+                  <a:rPr lang="es-CO" sz="4400" dirty="0"/>
                   <a:t>Halle</a:t>
                 </a:r>
                 <a14:m>
@@ -5845,7 +5803,7 @@
                 <a:endParaRPr lang="es-CO" sz="4000" dirty="0"/>
               </a:p>
               <a:p>
-                <a:endParaRPr lang="es-CO" sz="2400" dirty="0" smtClean="0"/>
+                <a:endParaRPr lang="es-CO" sz="2400" dirty="0"/>
               </a:p>
             </p:txBody>
           </p:sp>
@@ -5898,13 +5856,6 @@
   <p:clrMapOvr>
     <a:masterClrMapping/>
   </p:clrMapOvr>
-  <p:timing>
-    <p:tnLst>
-      <p:par>
-        <p:cTn id="1" dur="indefinite" restart="never" nodeType="tmRoot"/>
-      </p:par>
-    </p:tnLst>
-  </p:timing>
 </p:sld>
 </file>
 
@@ -5947,10 +5898,9 @@
           <a:p>
             <a:pPr algn="ctr"/>
             <a:r>
-              <a:rPr lang="es-CO" b="1" dirty="0" smtClean="0"/>
+              <a:rPr lang="es-CO" b="1" dirty="0"/>
               <a:t>Función de densidad de probabilidad acumulada</a:t>
             </a:r>
-            <a:endParaRPr lang="es-CO" b="1" dirty="0"/>
           </a:p>
         </p:txBody>
       </p:sp>
@@ -6013,14 +5963,10 @@
             </a:r>
             <a:r>
               <a:rPr lang="es-CO" sz="2400" dirty="0"/>
-              <a:t>) de una variable aleatoria </a:t>
-            </a:r>
-            <a:r>
-              <a:rPr lang="es-CO" sz="2400" dirty="0" smtClean="0"/>
-              <a:t>discreta </a:t>
-            </a:r>
-            <a:r>
-              <a:rPr lang="es-CO" sz="2400" i="1" dirty="0" smtClean="0"/>
+              <a:t>) de una variable aleatoria discreta </a:t>
+            </a:r>
+            <a:r>
+              <a:rPr lang="es-CO" sz="2400" i="1" dirty="0"/>
               <a:t>X </a:t>
             </a:r>
             <a:r>
@@ -6048,7 +5994,7 @@
               <a:t>x </a:t>
             </a:r>
             <a:r>
-              <a:rPr lang="es-CO" sz="2400" dirty="0" smtClean="0"/>
+              <a:rPr lang="es-CO" sz="2400" dirty="0"/>
               <a:t>como</a:t>
             </a:r>
           </a:p>
@@ -6062,19 +6008,15 @@
             <a:pPr marL="0" indent="0">
               <a:buNone/>
             </a:pPr>
-            <a:endParaRPr lang="es-CO" sz="2400" dirty="0" smtClean="0"/>
+            <a:endParaRPr lang="es-CO" sz="2400" dirty="0"/>
           </a:p>
           <a:p>
             <a:pPr marL="0" indent="0">
               <a:buNone/>
             </a:pPr>
             <a:r>
-              <a:rPr lang="es-CO" sz="2400" dirty="0" smtClean="0"/>
-              <a:t>Para </a:t>
-            </a:r>
-            <a:r>
               <a:rPr lang="es-CO" sz="2400" dirty="0"/>
-              <a:t>cualquier número x, F(x) es la probabilidad de que el valor observado de X será cuando mucho x.</a:t>
+              <a:t>Para cualquier número x, F(x) es la probabilidad de que el valor observado de X será cuando mucho x.</a:t>
             </a:r>
           </a:p>
         </p:txBody>
@@ -6113,13 +6055,6 @@
   <p:clrMapOvr>
     <a:masterClrMapping/>
   </p:clrMapOvr>
-  <p:timing>
-    <p:tnLst>
-      <p:par>
-        <p:cTn id="1" dur="indefinite" restart="never" nodeType="tmRoot"/>
-      </p:par>
-    </p:tnLst>
-  </p:timing>
 </p:sld>
 </file>
 
@@ -6156,10 +6091,9 @@
           <a:lstStyle/>
           <a:p>
             <a:r>
-              <a:rPr lang="es-CO" dirty="0" smtClean="0"/>
+              <a:rPr lang="es-CO" dirty="0"/>
               <a:t>EJEMPLO</a:t>
             </a:r>
-            <a:endParaRPr lang="es-CO" dirty="0"/>
           </a:p>
         </p:txBody>
       </p:sp>
@@ -6187,15 +6121,15 @@
               <a:buNone/>
             </a:pPr>
             <a:r>
-              <a:rPr lang="es-CO" sz="2000" dirty="0" smtClean="0"/>
+              <a:rPr lang="es-CO" sz="2000" dirty="0"/>
               <a:t>Considere 6 donantes de sangre de los cuales solo dos son O+,  sea y la va que denota el numero de ensayos hasta encontrar una persona con este tipo de sangre. La </a:t>
             </a:r>
             <a:r>
-              <a:rPr lang="es-CO" sz="2000" dirty="0" err="1" smtClean="0"/>
+              <a:rPr lang="es-CO" sz="2000" dirty="0" err="1"/>
               <a:t>pdf</a:t>
             </a:r>
             <a:r>
-              <a:rPr lang="es-CO" sz="2000" dirty="0" smtClean="0"/>
+              <a:rPr lang="es-CO" sz="2000" dirty="0"/>
               <a:t> está dada por </a:t>
             </a:r>
           </a:p>
@@ -6209,7 +6143,7 @@
             <a:pPr marL="0" indent="0">
               <a:buNone/>
             </a:pPr>
-            <a:endParaRPr lang="es-CO" dirty="0" smtClean="0"/>
+            <a:endParaRPr lang="es-CO" dirty="0"/>
           </a:p>
         </p:txBody>
       </p:sp>
@@ -6271,13 +6205,6 @@
   <p:clrMapOvr>
     <a:masterClrMapping/>
   </p:clrMapOvr>
-  <p:timing>
-    <p:tnLst>
-      <p:par>
-        <p:cTn id="1" dur="indefinite" restart="never" nodeType="tmRoot"/>
-      </p:par>
-    </p:tnLst>
-  </p:timing>
 </p:sld>
 </file>
 
@@ -6320,10 +6247,9 @@
           <a:p>
             <a:pPr algn="ctr"/>
             <a:r>
-              <a:rPr lang="es-CO" dirty="0" smtClean="0"/>
+              <a:rPr lang="es-CO" dirty="0"/>
               <a:t>Función escalonada</a:t>
             </a:r>
-            <a:endParaRPr lang="es-CO" dirty="0"/>
           </a:p>
         </p:txBody>
       </p:sp>
@@ -6415,13 +6341,6 @@
   <p:clrMapOvr>
     <a:masterClrMapping/>
   </p:clrMapOvr>
-  <p:timing>
-    <p:tnLst>
-      <p:par>
-        <p:cTn id="1" dur="indefinite" restart="never" nodeType="tmRoot"/>
-      </p:par>
-    </p:tnLst>
-  </p:timing>
 </p:sld>
 </file>
 
@@ -6458,10 +6377,9 @@
           <a:lstStyle/>
           <a:p>
             <a:r>
-              <a:rPr lang="es-CO" dirty="0" smtClean="0"/>
+              <a:rPr lang="es-CO" dirty="0"/>
               <a:t>EJEMPLO</a:t>
             </a:r>
-            <a:endParaRPr lang="es-CO" dirty="0"/>
           </a:p>
         </p:txBody>
       </p:sp>
@@ -6488,61 +6406,44 @@
           <a:lstStyle/>
           <a:p>
             <a:r>
-              <a:rPr lang="es-CO" sz="2200" dirty="0" smtClean="0"/>
-              <a:t>El número de mensajes enviados por hora sobre una red de computadora tiene la siguiente </a:t>
-            </a:r>
-            <a:r>
               <a:rPr lang="es-CO" sz="2200" dirty="0"/>
-              <a:t>d</a:t>
-            </a:r>
-            <a:r>
-              <a:rPr lang="es-CO" sz="2200" dirty="0" smtClean="0"/>
-              <a:t>istribución:</a:t>
+              <a:t>El número de mensajes enviados por hora sobre una red de computadora tiene la siguiente distribución:</a:t>
             </a:r>
           </a:p>
           <a:p>
             <a:pPr marL="0" indent="0">
               <a:buNone/>
             </a:pPr>
-            <a:endParaRPr lang="es-CO" sz="2200" dirty="0" smtClean="0"/>
-          </a:p>
-          <a:p>
             <a:endParaRPr lang="es-CO" sz="2200" dirty="0"/>
           </a:p>
           <a:p>
-            <a:endParaRPr lang="es-CO" sz="2200" dirty="0" smtClean="0"/>
-          </a:p>
-          <a:p>
-            <a:r>
-              <a:rPr lang="es-CO" sz="2200" dirty="0" smtClean="0"/>
+            <a:endParaRPr lang="es-CO" sz="2200" dirty="0"/>
+          </a:p>
+          <a:p>
+            <a:endParaRPr lang="es-CO" sz="2200" dirty="0"/>
+          </a:p>
+          <a:p>
+            <a:r>
+              <a:rPr lang="es-CO" sz="2200" dirty="0"/>
               <a:t>Grafique la </a:t>
             </a:r>
             <a:r>
-              <a:rPr lang="es-CO" sz="2200" dirty="0" err="1" smtClean="0"/>
+              <a:rPr lang="es-CO" sz="2200" dirty="0" err="1"/>
               <a:t>pdf</a:t>
             </a:r>
             <a:endParaRPr lang="es-CO" sz="2200" dirty="0"/>
           </a:p>
           <a:p>
             <a:r>
-              <a:rPr lang="es-CO" sz="2200" dirty="0" smtClean="0"/>
-              <a:t>Determine </a:t>
-            </a:r>
-            <a:r>
               <a:rPr lang="es-CO" sz="2200" dirty="0"/>
-              <a:t>la media y la desviación estándar de el numero de mensajes enviados por </a:t>
-            </a:r>
-            <a:r>
-              <a:rPr lang="es-CO" sz="2200" dirty="0" smtClean="0"/>
-              <a:t>horas</a:t>
-            </a:r>
-          </a:p>
-          <a:p>
-            <a:r>
-              <a:rPr lang="es-CO" sz="2200" dirty="0" smtClean="0"/>
+              <a:t>Determine la media y la desviación estándar de el numero de mensajes enviados por horas</a:t>
+            </a:r>
+          </a:p>
+          <a:p>
+            <a:r>
+              <a:rPr lang="es-CO" sz="2200" dirty="0"/>
               <a:t>Halle la función acumulada y grafíquela</a:t>
             </a:r>
-            <a:endParaRPr lang="es-CO" sz="2200" dirty="0"/>
           </a:p>
         </p:txBody>
       </p:sp>
@@ -6580,13 +6481,6 @@
   <p:clrMapOvr>
     <a:masterClrMapping/>
   </p:clrMapOvr>
-  <p:timing>
-    <p:tnLst>
-      <p:par>
-        <p:cTn id="1" dur="indefinite" restart="never" nodeType="tmRoot"/>
-      </p:par>
-    </p:tnLst>
-  </p:timing>
 </p:sld>
 </file>
 
@@ -6629,7 +6523,7 @@
           <a:p>
             <a:pPr algn="ctr"/>
             <a:r>
-              <a:rPr lang="es-CO" b="1" dirty="0" smtClean="0"/>
+              <a:rPr lang="es-CO" b="1" dirty="0"/>
               <a:t>Proposición para variables aleatorias discretas</a:t>
             </a:r>
             <a:endParaRPr lang="es-CO" dirty="0"/>
@@ -6656,7 +6550,7 @@
               <a:lstStyle/>
               <a:p>
                 <a:r>
-                  <a:rPr lang="es-CO" sz="2400" dirty="0" smtClean="0"/>
+                  <a:rPr lang="es-CO" sz="2400" dirty="0"/>
                   <a:t>Para dos números cualesquiera </a:t>
                 </a:r>
                 <a:r>
@@ -6677,14 +6571,10 @@
                 </a:r>
                 <a:r>
                   <a:rPr lang="es-CO" sz="2400" i="1" dirty="0"/>
-                  <a:t>a </a:t>
+                  <a:t>a ≤</a:t>
                 </a:r>
                 <a:r>
-                  <a:rPr lang="es-CO" sz="2400" i="1" dirty="0" smtClean="0"/>
-                  <a:t>≤</a:t>
-                </a:r>
-                <a:r>
-                  <a:rPr lang="es-CO" sz="2400" dirty="0" smtClean="0"/>
+                  <a:rPr lang="es-CO" sz="2400" dirty="0"/>
                   <a:t> </a:t>
                 </a:r>
                 <a:r>
@@ -6692,7 +6582,7 @@
                   <a:t>b</a:t>
                 </a:r>
                 <a:r>
-                  <a:rPr lang="es-CO" sz="2400" dirty="0" smtClean="0"/>
+                  <a:rPr lang="es-CO" sz="2400" dirty="0"/>
                   <a:t>.</a:t>
                 </a:r>
               </a:p>
@@ -6853,16 +6743,12 @@
                   <a:t>donde “</a:t>
                 </a:r>
                 <a:r>
-                  <a:rPr lang="es-CO" sz="2400" i="1" dirty="0" smtClean="0"/>
+                  <a:rPr lang="es-CO" sz="2400" i="1" dirty="0"/>
                   <a:t>a-</a:t>
                 </a:r>
                 <a:r>
-                  <a:rPr lang="es-CO" sz="2400" dirty="0" smtClean="0"/>
-                  <a:t>” </a:t>
-                </a:r>
-                <a:r>
                   <a:rPr lang="es-CO" sz="2400" dirty="0"/>
-                  <a:t>representa el valor posible de </a:t>
+                  <a:t>” representa el valor posible de </a:t>
                 </a:r>
                 <a:r>
                   <a:rPr lang="es-CO" sz="2400" i="1" dirty="0"/>
@@ -6870,11 +6756,7 @@
                 </a:r>
                 <a:r>
                   <a:rPr lang="es-CO" sz="2400" dirty="0"/>
-                  <a:t>más grande que es estrictamente </a:t>
-                </a:r>
-                <a:r>
-                  <a:rPr lang="es-CO" sz="2400" dirty="0" smtClean="0"/>
-                  <a:t>menor que </a:t>
+                  <a:t>más grande que es estrictamente menor que </a:t>
                 </a:r>
                 <a:r>
                   <a:rPr lang="es-CO" sz="2400" i="1" dirty="0"/>
@@ -6898,32 +6780,23 @@
                 </a:r>
                 <a:r>
                   <a:rPr lang="es-CO" sz="2400" dirty="0"/>
-                  <a:t>son </a:t>
+                  <a:t>son enteros, entonces</a:t>
                 </a:r>
-                <a:r>
-                  <a:rPr lang="es-CO" sz="2400" dirty="0" smtClean="0"/>
-                  <a:t>enteros, entonces</a:t>
-                </a:r>
-                <a:endParaRPr lang="es-CO" sz="2400" dirty="0"/>
               </a:p>
               <a:p>
                 <a:r>
-                  <a:rPr lang="es-CO" sz="2400" dirty="0" smtClean="0"/>
+                  <a:rPr lang="es-CO" sz="2400" dirty="0"/>
                   <a:t>Con </a:t>
                 </a:r>
                 <a:r>
-                  <a:rPr lang="es-CO" sz="2400" i="1" dirty="0" smtClean="0"/>
+                  <a:rPr lang="es-CO" sz="2400" i="1" dirty="0"/>
                   <a:t>a=b </a:t>
                 </a:r>
                 <a:r>
-                  <a:rPr lang="es-CO" sz="2400" dirty="0" smtClean="0"/>
-                  <a:t>se </a:t>
+                  <a:rPr lang="es-CO" sz="2400" dirty="0"/>
+                  <a:t>se obtiene </a:t>
                 </a:r>
-                <a:r>
-                  <a:rPr lang="es-CO" sz="2400" dirty="0"/>
-                  <a:t>obtiene </a:t>
-                </a:r>
-                <a:endParaRPr lang="es-CO" sz="2400" i="1" dirty="0" smtClean="0"/>
+                <a:endParaRPr lang="es-CO" sz="2400" i="1" dirty="0"/>
               </a:p>
               <a:p>
                 <a:pPr marL="0" indent="0">
@@ -7110,13 +6983,6 @@
   <p:clrMapOvr>
     <a:masterClrMapping/>
   </p:clrMapOvr>
-  <p:timing>
-    <p:tnLst>
-      <p:par>
-        <p:cTn id="1" dur="indefinite" restart="never" nodeType="tmRoot"/>
-      </p:par>
-    </p:tnLst>
-  </p:timing>
 </p:sld>
 </file>
 
@@ -7255,7 +7121,7 @@
                     </m:d>
                   </m:oMath>
                 </a14:m>
-                <a:endParaRPr lang="es-CO" sz="4400" b="0" dirty="0" smtClean="0">
+                <a:endParaRPr lang="es-CO" sz="4400" b="0" dirty="0">
                   <a:ea typeface="Cambria Math" panose="02040503050406030204" pitchFamily="18" charset="0"/>
                 </a:endParaRPr>
               </a:p>
@@ -7629,13 +7495,6 @@
   <p:clrMapOvr>
     <a:masterClrMapping/>
   </p:clrMapOvr>
-  <p:timing>
-    <p:tnLst>
-      <p:par>
-        <p:cTn id="1" dur="indefinite" restart="never" nodeType="tmRoot"/>
-      </p:par>
-    </p:tnLst>
-  </p:timing>
 </p:sld>
 </file>
 
@@ -7715,33 +7574,16 @@
             </a:pPr>
             <a:r>
               <a:rPr lang="es-CO" sz="2800" dirty="0"/>
-              <a:t>En cualquier experimento, existen numerosas características que pueden ser </a:t>
-            </a:r>
-            <a:r>
-              <a:rPr lang="es-CO" sz="2800" dirty="0" smtClean="0"/>
-              <a:t>observadas,  cada </a:t>
-            </a:r>
-            <a:r>
-              <a:rPr lang="es-CO" sz="2800" dirty="0"/>
-              <a:t>resultado de un experimento puede ser asociado con un número especificando una regla de </a:t>
-            </a:r>
-            <a:r>
-              <a:rPr lang="es-CO" sz="2800" dirty="0" smtClean="0"/>
-              <a:t>asociación llamada </a:t>
+              <a:t>En cualquier experimento, existen numerosas características que pueden ser observadas,  cada resultado de un experimento puede ser asociado con un número especificando una regla de asociación llamada </a:t>
             </a:r>
             <a:r>
               <a:rPr lang="es-CO" sz="2800" b="1" dirty="0"/>
-              <a:t>variable </a:t>
-            </a:r>
-            <a:r>
-              <a:rPr lang="es-CO" sz="2800" b="1" dirty="0" smtClean="0"/>
-              <a:t>aleatoria</a:t>
+              <a:t>variable aleatoria</a:t>
             </a:r>
             <a:r>
               <a:rPr lang="es-CO" sz="2800" dirty="0"/>
               <a:t>.</a:t>
             </a:r>
-            <a:endParaRPr lang="es-CO" sz="2800" dirty="0"/>
           </a:p>
           <a:p>
             <a:pPr marL="0" indent="0" algn="just">
@@ -7802,13 +7644,6 @@
   <p:clrMapOvr>
     <a:masterClrMapping/>
   </p:clrMapOvr>
-  <p:timing>
-    <p:tnLst>
-      <p:par>
-        <p:cTn id="1" dur="indefinite" restart="never" nodeType="tmRoot"/>
-      </p:par>
-    </p:tnLst>
-  </p:timing>
 </p:sld>
 </file>
 
@@ -7851,10 +7686,9 @@
           <a:p>
             <a:pPr algn="ctr"/>
             <a:r>
-              <a:rPr lang="es-CO" dirty="0" smtClean="0"/>
+              <a:rPr lang="es-CO" dirty="0"/>
               <a:t>EJEMPLO</a:t>
             </a:r>
-            <a:endParaRPr lang="es-CO" dirty="0"/>
           </a:p>
         </p:txBody>
       </p:sp>
@@ -7880,31 +7714,7 @@
             </a:pPr>
             <a:r>
               <a:rPr lang="es-CO" dirty="0"/>
-              <a:t>En un taller de servicio automotriz especializado en </a:t>
-            </a:r>
-            <a:r>
-              <a:rPr lang="es-CO" dirty="0" smtClean="0"/>
-              <a:t>afinaciones se </a:t>
-            </a:r>
-            <a:r>
-              <a:rPr lang="es-CO" dirty="0"/>
-              <a:t>sabe que 45% de todas las afinaciones se realizan </a:t>
-            </a:r>
-            <a:r>
-              <a:rPr lang="es-CO" dirty="0" smtClean="0"/>
-              <a:t>en automóviles </a:t>
-            </a:r>
-            <a:r>
-              <a:rPr lang="es-CO" dirty="0"/>
-              <a:t>de cuatro cilindros, 40% en automóviles de </a:t>
-            </a:r>
-            <a:r>
-              <a:rPr lang="es-CO" dirty="0" smtClean="0"/>
-              <a:t>seis cilindros </a:t>
-            </a:r>
-            <a:r>
-              <a:rPr lang="es-CO" dirty="0"/>
-              <a:t>y 15% en automóviles de ocho cilindros. Sea </a:t>
+              <a:t>En un taller de servicio automotriz especializado en afinaciones se sabe que 45% de todas las afinaciones se realizan en automóviles de cuatro cilindros, 40% en automóviles de seis cilindros y 15% en automóviles de ocho cilindros. Sea </a:t>
             </a:r>
             <a:r>
               <a:rPr lang="es-CO" i="1" dirty="0"/>
@@ -7912,15 +7722,7 @@
             </a:r>
             <a:r>
               <a:rPr lang="es-CO" dirty="0"/>
-              <a:t> </a:t>
-            </a:r>
-            <a:r>
-              <a:rPr lang="es-CO" dirty="0" smtClean="0"/>
-              <a:t>el número </a:t>
-            </a:r>
-            <a:r>
-              <a:rPr lang="es-CO" dirty="0"/>
-              <a:t>de cilindros en el siguiente carro que va a ser afinado.</a:t>
+              <a:t> el número de cilindros en el siguiente carro que va a ser afinado.</a:t>
             </a:r>
           </a:p>
           <a:p>
@@ -7947,53 +7749,31 @@
               <a:t>b. </a:t>
             </a:r>
             <a:r>
-              <a:rPr lang="es-CO" dirty="0" smtClean="0"/>
-              <a:t>Realice un histograma de </a:t>
-            </a:r>
-            <a:r>
               <a:rPr lang="es-CO" dirty="0"/>
-              <a:t>la función masa de probabilidad </a:t>
-            </a:r>
-            <a:endParaRPr lang="es-CO" dirty="0" smtClean="0"/>
-          </a:p>
-          <a:p>
-            <a:r>
-              <a:rPr lang="es-CO" b="1" dirty="0" smtClean="0"/>
-              <a:t>c</a:t>
-            </a:r>
+              <a:t>Realice un histograma de la función masa de probabilidad </a:t>
+            </a:r>
+          </a:p>
+          <a:p>
             <a:r>
               <a:rPr lang="es-CO" b="1" dirty="0"/>
-              <a:t>. </a:t>
+              <a:t>c. </a:t>
             </a:r>
             <a:r>
               <a:rPr lang="es-CO" dirty="0"/>
-              <a:t>¿Cuál es la probabilidad de que el siguiente carro </a:t>
-            </a:r>
-            <a:r>
-              <a:rPr lang="es-CO" dirty="0" smtClean="0"/>
-              <a:t>afinado sea </a:t>
-            </a:r>
+              <a:t>¿Cuál es la probabilidad de que el siguiente carro afinado sea de por lo menos seis cilindros? ¿Más de seis cilindros?</a:t>
+            </a:r>
+          </a:p>
+          <a:p>
             <a:r>
               <a:rPr lang="es-CO" dirty="0"/>
-              <a:t>de por lo menos seis cilindros? ¿Más de seis cilindros</a:t>
-            </a:r>
-            <a:r>
-              <a:rPr lang="es-CO" dirty="0" smtClean="0"/>
-              <a:t>?</a:t>
-            </a:r>
-          </a:p>
-          <a:p>
-            <a:r>
-              <a:rPr lang="es-CO" dirty="0" smtClean="0"/>
               <a:t>Halle la función acumulada y grafíquela.</a:t>
             </a:r>
           </a:p>
           <a:p>
             <a:r>
-              <a:rPr lang="es-CO" dirty="0" smtClean="0"/>
+              <a:rPr lang="es-CO" dirty="0"/>
               <a:t>Halle la media y la varianza de la función de probabilidad</a:t>
             </a:r>
-            <a:endParaRPr lang="es-CO" dirty="0"/>
           </a:p>
         </p:txBody>
       </p:sp>
@@ -8007,13 +7787,6 @@
   <p:clrMapOvr>
     <a:masterClrMapping/>
   </p:clrMapOvr>
-  <p:timing>
-    <p:tnLst>
-      <p:par>
-        <p:cTn id="1" dur="indefinite" restart="never" nodeType="tmRoot"/>
-      </p:par>
-    </p:tnLst>
-  </p:timing>
 </p:sld>
 </file>
 
@@ -8052,10 +7825,9 @@
           <a:lstStyle/>
           <a:p>
             <a:r>
-              <a:rPr lang="es-CO" b="1" dirty="0" smtClean="0"/>
+              <a:rPr lang="es-CO" b="1" dirty="0"/>
               <a:t>Valor esperado de una función lineal</a:t>
             </a:r>
-            <a:endParaRPr lang="es-CO" b="1" dirty="0"/>
           </a:p>
         </p:txBody>
       </p:sp>
@@ -8083,22 +7855,17 @@
               <a:buNone/>
             </a:pPr>
             <a:r>
-              <a:rPr lang="es-CO" dirty="0" smtClean="0"/>
+              <a:rPr lang="es-CO" dirty="0"/>
               <a:t>Si x es una variable aleatoria continua con </a:t>
             </a:r>
             <a:r>
-              <a:rPr lang="es-CO" dirty="0" err="1" smtClean="0"/>
+              <a:rPr lang="es-CO" dirty="0" err="1"/>
               <a:t>pdf</a:t>
             </a:r>
             <a:r>
               <a:rPr lang="es-CO" dirty="0"/>
-              <a:t> </a:t>
-            </a:r>
-            <a:r>
-              <a:rPr lang="es-CO" dirty="0" smtClean="0"/>
-              <a:t>f(x) con a y b constantes:</a:t>
-            </a:r>
-            <a:endParaRPr lang="es-CO" dirty="0"/>
+              <a:t> f(x) con a y b constantes:</a:t>
+            </a:r>
           </a:p>
         </p:txBody>
       </p:sp>
@@ -8160,13 +7927,6 @@
   <p:clrMapOvr>
     <a:masterClrMapping/>
   </p:clrMapOvr>
-  <p:timing>
-    <p:tnLst>
-      <p:par>
-        <p:cTn id="1" dur="indefinite" restart="never" nodeType="tmRoot"/>
-      </p:par>
-    </p:tnLst>
-  </p:timing>
 </p:sld>
 </file>
 
@@ -8203,10 +7963,9 @@
           <a:lstStyle/>
           <a:p>
             <a:r>
-              <a:rPr lang="es-CO" dirty="0" smtClean="0"/>
+              <a:rPr lang="es-CO" dirty="0"/>
               <a:t>Varianza de una función lineal</a:t>
             </a:r>
-            <a:endParaRPr lang="es-CO" dirty="0"/>
           </a:p>
         </p:txBody>
       </p:sp>
@@ -8234,15 +7993,15 @@
               <a:buNone/>
             </a:pPr>
             <a:r>
-              <a:rPr lang="es-CO" sz="2800" dirty="0" smtClean="0"/>
+              <a:rPr lang="es-CO" sz="2800" dirty="0"/>
               <a:t>Si x es una variable aleatoria continua con </a:t>
             </a:r>
             <a:r>
-              <a:rPr lang="es-CO" sz="2800" dirty="0" err="1" smtClean="0"/>
+              <a:rPr lang="es-CO" sz="2800" dirty="0" err="1"/>
               <a:t>pdf</a:t>
             </a:r>
             <a:r>
-              <a:rPr lang="es-CO" sz="2800" dirty="0" smtClean="0"/>
+              <a:rPr lang="es-CO" sz="2800" dirty="0"/>
               <a:t> f(x) con a y b constantes </a:t>
             </a:r>
           </a:p>
@@ -8285,13 +8044,6 @@
   <p:clrMapOvr>
     <a:masterClrMapping/>
   </p:clrMapOvr>
-  <p:timing>
-    <p:tnLst>
-      <p:par>
-        <p:cTn id="1" dur="indefinite" restart="never" nodeType="tmRoot"/>
-      </p:par>
-    </p:tnLst>
-  </p:timing>
 </p:sld>
 </file>
 
@@ -8359,48 +8111,8 @@
                   <a:buNone/>
                 </a:pPr>
                 <a:r>
-                  <a:rPr lang="es-CO" sz="2000" dirty="0" smtClean="0"/>
-                  <a:t>Un distribuidor de enseres para el hogar vende tres modelos de </a:t>
-                </a:r>
-                <a:r>
                   <a:rPr lang="es-CO" sz="2000" dirty="0"/>
-                  <a:t>congeladores verticales de 13.5, 15.9 y 19.1 pies </a:t>
-                </a:r>
-                <a:r>
-                  <a:rPr lang="es-CO" sz="2000" dirty="0" smtClean="0"/>
-                  <a:t>cúbicos de </a:t>
-                </a:r>
-                <a:r>
-                  <a:rPr lang="es-CO" sz="2000" dirty="0"/>
-                  <a:t>espacio de almacenamiento, respectivamente. </a:t>
-                </a:r>
-                <a:r>
-                  <a:rPr lang="es-CO" sz="2000" dirty="0" smtClean="0"/>
-                  <a:t>Sea </a:t>
-                </a:r>
-                <a:r>
-                  <a:rPr lang="es-CO" sz="2000" i="1" dirty="0" smtClean="0"/>
-                  <a:t>X </a:t>
-                </a:r>
-                <a:r>
-                  <a:rPr lang="es-CO" sz="2000" dirty="0" smtClean="0"/>
-                  <a:t> </a:t>
-                </a:r>
-                <a:r>
-                  <a:rPr lang="es-CO" sz="2000" dirty="0"/>
-                  <a:t>la cantidad de espacio de almacenamiento </a:t>
-                </a:r>
-                <a:r>
-                  <a:rPr lang="es-CO" sz="2000" dirty="0" smtClean="0"/>
-                  <a:t>adquirido por </a:t>
-                </a:r>
-                <a:r>
-                  <a:rPr lang="es-CO" sz="2000" dirty="0"/>
-                  <a:t>el siguiente cliente que compre un congelador. </a:t>
-                </a:r>
-                <a:r>
-                  <a:rPr lang="es-CO" sz="2000" dirty="0" smtClean="0"/>
-                  <a:t>Suponga que </a:t>
+                  <a:t>Un distribuidor de enseres para el hogar vende tres modelos de congeladores verticales de 13.5, 15.9 y 19.1 pies cúbicos de espacio de almacenamiento, respectivamente. Sea </a:t>
                 </a:r>
                 <a:r>
                   <a:rPr lang="es-CO" sz="2000" i="1" dirty="0"/>
@@ -8408,22 +8120,26 @@
                 </a:r>
                 <a:r>
                   <a:rPr lang="es-CO" sz="2000" dirty="0"/>
-                  <a:t>tiene la función masa de </a:t>
+                  <a:t> la cantidad de espacio de almacenamiento adquirido por el siguiente cliente que compre un congelador. Suponga que </a:t>
                 </a:r>
                 <a:r>
-                  <a:rPr lang="es-CO" sz="2000" dirty="0" smtClean="0"/>
-                  <a:t>probabilidad</a:t>
+                  <a:rPr lang="es-CO" sz="2000" i="1" dirty="0"/>
+                  <a:t>X </a:t>
+                </a:r>
+                <a:r>
+                  <a:rPr lang="es-CO" sz="2000" dirty="0"/>
+                  <a:t>tiene la función masa de probabilidad</a:t>
                 </a:r>
               </a:p>
               <a:p>
                 <a:endParaRPr lang="es-CO" sz="2000" dirty="0"/>
               </a:p>
               <a:p>
-                <a:endParaRPr lang="es-CO" sz="2000" dirty="0" smtClean="0"/>
+                <a:endParaRPr lang="es-CO" sz="2000" dirty="0"/>
               </a:p>
               <a:p>
                 <a:r>
-                  <a:rPr lang="it-IT" sz="2000" b="1" dirty="0" smtClean="0"/>
+                  <a:rPr lang="it-IT" sz="2000" b="1" dirty="0"/>
                   <a:t>a. </a:t>
                 </a:r>
                 <a:r>
@@ -8494,12 +8210,8 @@
                   </m:oMath>
                 </a14:m>
                 <a:r>
-                  <a:rPr lang="it-IT" sz="2000" dirty="0" smtClean="0"/>
-                  <a:t> </a:t>
-                </a:r>
-                <a:r>
                   <a:rPr lang="it-IT" sz="2000" dirty="0"/>
-                  <a:t>y </a:t>
+                  <a:t> y </a:t>
                 </a:r>
                 <a:r>
                   <a:rPr lang="it-IT" sz="2000" i="1" dirty="0"/>
@@ -8533,39 +8245,15 @@
                 </a:r>
                 <a:r>
                   <a:rPr lang="es-CO" sz="2000" dirty="0"/>
-                  <a:t>pies cúbicos de </a:t>
+                  <a:t>pies cúbicos de capacidad es 25</a:t>
                 </a:r>
                 <a:r>
-                  <a:rPr lang="es-CO" sz="2000" dirty="0" smtClean="0"/>
-                  <a:t>capacidad es </a:t>
+                  <a:rPr lang="es-CO" sz="2000" i="1" dirty="0"/>
+                  <a:t>X - </a:t>
                 </a:r>
                 <a:r>
                   <a:rPr lang="es-CO" sz="2000" dirty="0"/>
-                  <a:t>25</a:t>
-                </a:r>
-                <a:r>
-                  <a:rPr lang="es-CO" sz="2000" i="1" dirty="0"/>
-                  <a:t>X </a:t>
-                </a:r>
-                <a:r>
-                  <a:rPr lang="es-CO" sz="2000" i="1" dirty="0" smtClean="0"/>
-                  <a:t>- </a:t>
-                </a:r>
-                <a:r>
-                  <a:rPr lang="es-CO" sz="2000" dirty="0" smtClean="0"/>
-                  <a:t>8.5</a:t>
-                </a:r>
-                <a:r>
-                  <a:rPr lang="es-CO" sz="2000" dirty="0"/>
-                  <a:t>, ¿cuál es el precio esperado </a:t>
-                </a:r>
-                <a:r>
-                  <a:rPr lang="es-CO" sz="2000" dirty="0" smtClean="0"/>
-                  <a:t>pagado por </a:t>
-                </a:r>
-                <a:r>
-                  <a:rPr lang="es-CO" sz="2000" dirty="0"/>
-                  <a:t>el siguiente cliente que compre un congelador?</a:t>
+                  <a:t>8.5, ¿cuál es el precio esperado pagado por el siguiente cliente que compre un congelador?</a:t>
                 </a:r>
               </a:p>
               <a:p>
@@ -8579,27 +8267,11 @@
                 </a:r>
                 <a:r>
                   <a:rPr lang="es-CO" sz="2000" i="1" dirty="0"/>
-                  <a:t>X </a:t>
-                </a:r>
-                <a:r>
-                  <a:rPr lang="es-CO" sz="2000" i="1" dirty="0" smtClean="0"/>
-                  <a:t>-</a:t>
-                </a:r>
-                <a:r>
-                  <a:rPr lang="es-CO" sz="2000" dirty="0" smtClean="0"/>
-                  <a:t> </a:t>
+                  <a:t>X -</a:t>
                 </a:r>
                 <a:r>
                   <a:rPr lang="es-CO" sz="2000" dirty="0"/>
-                  <a:t>8.5 pagado por </a:t>
-                </a:r>
-                <a:r>
-                  <a:rPr lang="es-CO" sz="2000" dirty="0" smtClean="0"/>
-                  <a:t>el siguiente </a:t>
-                </a:r>
-                <a:r>
-                  <a:rPr lang="es-CO" sz="2000" dirty="0"/>
-                  <a:t>cliente?</a:t>
+                  <a:t> 8.5 pagado por el siguiente cliente?</a:t>
                 </a:r>
               </a:p>
               <a:p>
@@ -8609,14 +8281,10 @@
                 </a:r>
                 <a:r>
                   <a:rPr lang="es-CO" sz="2000" dirty="0"/>
-                  <a:t>Suponga que aunque la capacidad nominal de un </a:t>
+                  <a:t>Suponga que aunque la capacidad nominal de un congelador  </a:t>
                 </a:r>
                 <a:r>
-                  <a:rPr lang="es-CO" sz="2000" dirty="0" smtClean="0"/>
-                  <a:t>congelador  </a:t>
-                </a:r>
-                <a:r>
-                  <a:rPr lang="es-CO" sz="2000" i="1" dirty="0" smtClean="0"/>
+                  <a:rPr lang="es-CO" sz="2000" i="1" dirty="0"/>
                   <a:t>X</a:t>
                 </a:r>
                 <a:r>
@@ -8624,56 +8292,36 @@
                   <a:t>, la real es </a:t>
                 </a:r>
                 <a:r>
-                  <a:rPr lang="es-CO" sz="2000" i="1" dirty="0" smtClean="0"/>
+                  <a:rPr lang="es-CO" sz="2000" i="1" dirty="0"/>
                   <a:t>h</a:t>
                 </a:r>
                 <a:r>
-                  <a:rPr lang="es-CO" sz="2000" dirty="0" smtClean="0"/>
+                  <a:rPr lang="es-CO" sz="2000" dirty="0"/>
                   <a:t>(</a:t>
                 </a:r>
                 <a:r>
-                  <a:rPr lang="es-CO" sz="2000" i="1" dirty="0" smtClean="0"/>
+                  <a:rPr lang="es-CO" sz="2000" i="1" dirty="0"/>
                   <a:t>X</a:t>
                 </a:r>
                 <a:r>
-                  <a:rPr lang="es-CO" sz="2000" dirty="0" smtClean="0"/>
+                  <a:rPr lang="es-CO" sz="2000" dirty="0"/>
                   <a:t>)=</a:t>
                 </a:r>
                 <a:r>
-                  <a:rPr lang="es-CO" sz="2000" i="1" dirty="0" smtClean="0"/>
+                  <a:rPr lang="es-CO" sz="2000" i="1" dirty="0"/>
                   <a:t>X-</a:t>
                 </a:r>
                 <a:r>
-                  <a:rPr lang="es-CO" sz="2000" dirty="0" smtClean="0"/>
+                  <a:rPr lang="es-CO" sz="2000" dirty="0"/>
                   <a:t>0.01</a:t>
                 </a:r>
                 <a:r>
-                  <a:rPr lang="es-CO" sz="2000" i="1" dirty="0" smtClean="0"/>
+                  <a:rPr lang="es-CO" sz="2000" i="1" dirty="0"/>
                   <a:t>X</a:t>
                 </a:r>
                 <a:r>
-                  <a:rPr lang="es-CO" sz="2000" dirty="0" smtClean="0"/>
-                  <a:t>2</a:t>
-                </a:r>
-                <a:r>
                   <a:rPr lang="es-CO" sz="2000" dirty="0"/>
-                  <a:t>. ¿Cuál es la </a:t>
-                </a:r>
-                <a:r>
-                  <a:rPr lang="es-CO" sz="2000" dirty="0" smtClean="0"/>
-                  <a:t>capacidad real </a:t>
-                </a:r>
-                <a:r>
-                  <a:rPr lang="es-CO" sz="2000" dirty="0"/>
-                  <a:t>esperada del congelador adquirido por </a:t>
-                </a:r>
-                <a:r>
-                  <a:rPr lang="es-CO" sz="2000" dirty="0" smtClean="0"/>
-                  <a:t>el siguiente </a:t>
-                </a:r>
-                <a:r>
-                  <a:rPr lang="es-CO" sz="2000" dirty="0"/>
-                  <a:t>cliente?</a:t>
+                  <a:t>2. ¿Cuál es la capacidad real esperada del congelador adquirido por el siguiente cliente?</a:t>
                 </a:r>
               </a:p>
             </p:txBody>
@@ -8751,13 +8399,6 @@
   <p:clrMapOvr>
     <a:masterClrMapping/>
   </p:clrMapOvr>
-  <p:timing>
-    <p:tnLst>
-      <p:par>
-        <p:cTn id="1" dur="indefinite" restart="never" nodeType="tmRoot"/>
-      </p:par>
-    </p:tnLst>
-  </p:timing>
 </p:sld>
 </file>
 
@@ -8896,7 +8537,7 @@
                     </m:d>
                   </m:oMath>
                 </a14:m>
-                <a:endParaRPr lang="es-CO" sz="4400" b="0" dirty="0" smtClean="0">
+                <a:endParaRPr lang="es-CO" sz="4400" b="0" dirty="0">
                   <a:ea typeface="Cambria Math" panose="02040503050406030204" pitchFamily="18" charset="0"/>
                 </a:endParaRPr>
               </a:p>
@@ -9270,13 +8911,6 @@
   <p:clrMapOvr>
     <a:masterClrMapping/>
   </p:clrMapOvr>
-  <p:timing>
-    <p:tnLst>
-      <p:par>
-        <p:cTn id="1" dur="indefinite" restart="never" nodeType="tmRoot"/>
-      </p:par>
-    </p:tnLst>
-  </p:timing>
 </p:sld>
 </file>
 
@@ -9313,11 +8947,11 @@
           <a:lstStyle/>
           <a:p>
             <a:r>
-              <a:rPr lang="es-CO" dirty="0" smtClean="0"/>
+              <a:rPr lang="es-CO" dirty="0"/>
               <a:t>Experimentos de </a:t>
             </a:r>
             <a:r>
-              <a:rPr lang="es-CO" dirty="0" err="1" smtClean="0"/>
+              <a:rPr lang="es-CO" dirty="0" err="1"/>
               <a:t>bernoulli</a:t>
             </a:r>
             <a:endParaRPr lang="es-CO" dirty="0"/>
@@ -9340,7 +8974,7 @@
           <a:lstStyle/>
           <a:p>
             <a:r>
-              <a:rPr lang="es-CO" sz="3200" dirty="0" smtClean="0"/>
+              <a:rPr lang="es-CO" sz="3200" dirty="0"/>
               <a:t>Son experimentos con solo dos resultados</a:t>
             </a:r>
           </a:p>
@@ -9348,19 +8982,19 @@
             <a:endParaRPr lang="es-CO" dirty="0"/>
           </a:p>
           <a:p>
-            <a:endParaRPr lang="es-CO" dirty="0" smtClean="0"/>
-          </a:p>
-          <a:p>
             <a:endParaRPr lang="es-CO" dirty="0"/>
           </a:p>
           <a:p>
-            <a:endParaRPr lang="es-CO" dirty="0" smtClean="0"/>
-          </a:p>
-          <a:p>
             <a:endParaRPr lang="es-CO" dirty="0"/>
           </a:p>
           <a:p>
-            <a:endParaRPr lang="es-CO" dirty="0" smtClean="0"/>
+            <a:endParaRPr lang="es-CO" dirty="0"/>
+          </a:p>
+          <a:p>
+            <a:endParaRPr lang="es-CO" dirty="0"/>
+          </a:p>
+          <a:p>
+            <a:endParaRPr lang="es-CO" dirty="0"/>
           </a:p>
           <a:p>
             <a:endParaRPr lang="es-CO" dirty="0"/>
@@ -9401,13 +9035,6 @@
   <p:clrMapOvr>
     <a:masterClrMapping/>
   </p:clrMapOvr>
-  <p:timing>
-    <p:tnLst>
-      <p:par>
-        <p:cTn id="1" dur="indefinite" restart="never" nodeType="tmRoot"/>
-      </p:par>
-    </p:tnLst>
-  </p:timing>
 </p:sld>
 </file>
 
@@ -9444,11 +9071,11 @@
           <a:lstStyle/>
           <a:p>
             <a:r>
-              <a:rPr lang="es-CO" dirty="0" smtClean="0"/>
+              <a:rPr lang="es-CO" dirty="0"/>
               <a:t>EXPERIMENTOS </a:t>
             </a:r>
             <a:r>
-              <a:rPr lang="es-CO" dirty="0" err="1" smtClean="0"/>
+              <a:rPr lang="es-CO" dirty="0" err="1"/>
               <a:t>BINOMIALes</a:t>
             </a:r>
             <a:endParaRPr lang="es-CO" dirty="0"/>
@@ -9478,12 +9105,8 @@
           <a:lstStyle/>
           <a:p>
             <a:r>
-              <a:rPr lang="es-CO" sz="2000" dirty="0" smtClean="0"/>
-              <a:t>Consiste en una </a:t>
-            </a:r>
-            <a:r>
               <a:rPr lang="es-CO" sz="2000" dirty="0"/>
-              <a:t>secuencia de </a:t>
+              <a:t>Consiste en una secuencia de </a:t>
             </a:r>
             <a:r>
               <a:rPr lang="es-CO" sz="2000" i="1" dirty="0"/>
@@ -9491,27 +9114,19 @@
             </a:r>
             <a:r>
               <a:rPr lang="es-CO" sz="2000" dirty="0"/>
-              <a:t>experimentos </a:t>
-            </a:r>
-            <a:r>
-              <a:rPr lang="es-CO" sz="2000" dirty="0" smtClean="0"/>
-              <a:t>llamados </a:t>
-            </a:r>
-            <a:r>
-              <a:rPr lang="es-CO" sz="2000" i="1" dirty="0" smtClean="0"/>
+              <a:t>experimentos llamados </a:t>
+            </a:r>
+            <a:r>
+              <a:rPr lang="es-CO" sz="2000" i="1" dirty="0"/>
               <a:t>ensayos </a:t>
             </a:r>
             <a:r>
-              <a:rPr lang="es-CO" sz="2000" b="1" i="1" dirty="0" smtClean="0"/>
+              <a:rPr lang="es-CO" sz="2000" b="1" i="1" dirty="0"/>
               <a:t>(n)</a:t>
             </a:r>
             <a:r>
-              <a:rPr lang="es-CO" sz="2000" dirty="0" smtClean="0"/>
-              <a:t>, </a:t>
-            </a:r>
-            <a:r>
               <a:rPr lang="es-CO" sz="2000" dirty="0"/>
-              <a:t>donde </a:t>
+              <a:t>, donde </a:t>
             </a:r>
             <a:r>
               <a:rPr lang="es-CO" sz="2000" i="1" dirty="0"/>
@@ -9525,15 +9140,7 @@
           <a:p>
             <a:r>
               <a:rPr lang="es-CO" sz="2000" dirty="0"/>
-              <a:t>Cada ensayo puede dar por resultado </a:t>
-            </a:r>
-            <a:r>
-              <a:rPr lang="es-CO" sz="2000" dirty="0" smtClean="0"/>
-              <a:t>un éxito </a:t>
-            </a:r>
-            <a:r>
-              <a:rPr lang="es-CO" sz="2000" dirty="0"/>
-              <a:t>(</a:t>
+              <a:t>Cada ensayo puede dar por resultado un éxito (</a:t>
             </a:r>
             <a:r>
               <a:rPr lang="es-CO" sz="2000" i="1" dirty="0"/>
@@ -9554,53 +9161,53 @@
           </a:p>
           <a:p>
             <a:r>
-              <a:rPr lang="es-CO" sz="2000" dirty="0" smtClean="0"/>
+              <a:rPr lang="es-CO" sz="2000" dirty="0"/>
               <a:t>Cada ensayo es determinado por el éxito o fracaso, </a:t>
             </a:r>
           </a:p>
           <a:p>
             <a:r>
-              <a:rPr lang="es-CO" sz="2000" b="1" dirty="0" smtClean="0"/>
+              <a:rPr lang="es-CO" sz="2000" b="1" dirty="0"/>
               <a:t>X</a:t>
             </a:r>
             <a:r>
-              <a:rPr lang="es-CO" sz="2000" dirty="0" smtClean="0"/>
+              <a:rPr lang="es-CO" sz="2000" dirty="0"/>
               <a:t> es el numero de éxitos</a:t>
             </a:r>
           </a:p>
           <a:p>
             <a:r>
-              <a:rPr lang="es-CO" sz="2000" dirty="0" smtClean="0"/>
+              <a:rPr lang="es-CO" sz="2000" dirty="0"/>
               <a:t>La probabilidad de éxito en cada ensayo es constante </a:t>
             </a:r>
             <a:r>
-              <a:rPr lang="es-CO" sz="2000" b="1" dirty="0" smtClean="0"/>
+              <a:rPr lang="es-CO" sz="2000" b="1" dirty="0"/>
               <a:t>(p)</a:t>
             </a:r>
           </a:p>
           <a:p>
             <a:r>
-              <a:rPr lang="es-CO" sz="2000" dirty="0" smtClean="0"/>
+              <a:rPr lang="es-CO" sz="2000" dirty="0"/>
               <a:t>La probabilidad de fracaso está dada por </a:t>
             </a:r>
             <a:r>
-              <a:rPr lang="es-CO" sz="2000" b="1" dirty="0" smtClean="0"/>
+              <a:rPr lang="es-CO" sz="2000" b="1" dirty="0"/>
               <a:t>(q)</a:t>
             </a:r>
           </a:p>
           <a:p>
             <a:r>
-              <a:rPr lang="es-CO" sz="2000" b="1" dirty="0" err="1" smtClean="0"/>
+              <a:rPr lang="es-CO" sz="2000" b="1" dirty="0" err="1"/>
               <a:t>p+q</a:t>
             </a:r>
             <a:r>
-              <a:rPr lang="es-CO" sz="2000" b="1" dirty="0" smtClean="0"/>
+              <a:rPr lang="es-CO" sz="2000" b="1" dirty="0"/>
               <a:t>=1</a:t>
             </a:r>
           </a:p>
           <a:p>
             <a:r>
-              <a:rPr lang="es-CO" sz="2000" dirty="0" smtClean="0"/>
+              <a:rPr lang="es-CO" sz="2000" dirty="0"/>
               <a:t>Las salidas de cada ensayo son independientes</a:t>
             </a:r>
           </a:p>
@@ -9616,13 +9223,6 @@
   <p:clrMapOvr>
     <a:masterClrMapping/>
   </p:clrMapOvr>
-  <p:timing>
-    <p:tnLst>
-      <p:par>
-        <p:cTn id="1" dur="indefinite" restart="never" nodeType="tmRoot"/>
-      </p:par>
-    </p:tnLst>
-  </p:timing>
 </p:sld>
 </file>
 
@@ -9665,10 +9265,9 @@
           <a:p>
             <a:pPr algn="ctr"/>
             <a:r>
-              <a:rPr lang="es-CO" dirty="0" smtClean="0"/>
+              <a:rPr lang="es-CO" dirty="0"/>
               <a:t>Distribución binomial </a:t>
             </a:r>
-            <a:endParaRPr lang="es-CO" dirty="0"/>
           </a:p>
         </p:txBody>
       </p:sp>
@@ -9698,29 +9297,17 @@
               <a:buNone/>
             </a:pPr>
             <a:r>
-              <a:rPr lang="es-CO" sz="3600" dirty="0" smtClean="0"/>
+              <a:rPr lang="es-CO" sz="3600" dirty="0"/>
               <a:t>Una variable aleatoria binomial es el numero de éxitos x en n ensayos repetidos de un experimento binomial, la </a:t>
             </a:r>
             <a:r>
-              <a:rPr lang="es-CO" sz="3600" dirty="0" err="1" smtClean="0"/>
+              <a:rPr lang="es-CO" sz="3600" dirty="0" err="1"/>
               <a:t>pdf</a:t>
             </a:r>
             <a:r>
-              <a:rPr lang="es-CO" sz="3600" dirty="0" smtClean="0"/>
+              <a:rPr lang="es-CO" sz="3600" dirty="0"/>
               <a:t> está dada por:</a:t>
             </a:r>
-          </a:p>
-          <a:p>
-            <a:pPr marL="0" indent="0">
-              <a:buNone/>
-            </a:pPr>
-            <a:endParaRPr lang="es-CO" sz="3600" dirty="0" smtClean="0"/>
-          </a:p>
-          <a:p>
-            <a:pPr marL="0" indent="0">
-              <a:buNone/>
-            </a:pPr>
-            <a:endParaRPr lang="es-CO" sz="3600" dirty="0" smtClean="0"/>
           </a:p>
           <a:p>
             <a:pPr marL="0" indent="0">
@@ -9732,23 +9319,34 @@
             <a:pPr marL="0" indent="0">
               <a:buNone/>
             </a:pPr>
-            <a:endParaRPr lang="es-CO" sz="3600" dirty="0" smtClean="0"/>
+            <a:endParaRPr lang="es-CO" sz="3600" dirty="0"/>
           </a:p>
           <a:p>
             <a:pPr marL="0" indent="0">
               <a:buNone/>
             </a:pPr>
-            <a:endParaRPr lang="es-CO" sz="3600" dirty="0" smtClean="0"/>
+            <a:endParaRPr lang="es-CO" sz="3600" dirty="0"/>
           </a:p>
           <a:p>
             <a:pPr marL="0" indent="0">
               <a:buNone/>
             </a:pPr>
-            <a:r>
-              <a:rPr lang="es-CO" sz="3600" dirty="0" smtClean="0"/>
+            <a:endParaRPr lang="es-CO" sz="3600" dirty="0"/>
+          </a:p>
+          <a:p>
+            <a:pPr marL="0" indent="0">
+              <a:buNone/>
+            </a:pPr>
+            <a:endParaRPr lang="es-CO" sz="3600" dirty="0"/>
+          </a:p>
+          <a:p>
+            <a:pPr marL="0" indent="0">
+              <a:buNone/>
+            </a:pPr>
+            <a:r>
+              <a:rPr lang="es-CO" sz="3600" dirty="0"/>
               <a:t>p es la probabilidad de éxito en un ensayo individual</a:t>
             </a:r>
-            <a:endParaRPr lang="es-CO" sz="3600" dirty="0"/>
           </a:p>
           <a:p>
             <a:pPr marL="0" indent="0">
@@ -9792,13 +9390,6 @@
   <p:clrMapOvr>
     <a:masterClrMapping/>
   </p:clrMapOvr>
-  <p:timing>
-    <p:tnLst>
-      <p:par>
-        <p:cTn id="1" dur="indefinite" restart="never" nodeType="tmRoot"/>
-      </p:par>
-    </p:tnLst>
-  </p:timing>
 </p:sld>
 </file>
 
@@ -9835,10 +9426,9 @@
           <a:lstStyle/>
           <a:p>
             <a:r>
-              <a:rPr lang="es-CO" dirty="0" smtClean="0"/>
+              <a:rPr lang="es-CO" dirty="0"/>
               <a:t>Distribución binomial acumulada</a:t>
             </a:r>
-            <a:endParaRPr lang="es-CO" dirty="0"/>
           </a:p>
         </p:txBody>
       </p:sp>
@@ -10144,17 +9734,16 @@
                     </m:oMath>
                   </m:oMathPara>
                 </a14:m>
-                <a:endParaRPr lang="es-CO" sz="3200" dirty="0" smtClean="0"/>
+                <a:endParaRPr lang="es-CO" sz="3200" dirty="0"/>
               </a:p>
               <a:p>
                 <a:endParaRPr lang="es-CO" sz="3200" dirty="0"/>
               </a:p>
               <a:p>
                 <a:r>
-                  <a:rPr lang="es-CO" sz="3200" dirty="0" smtClean="0"/>
+                  <a:rPr lang="es-CO" sz="3200" dirty="0"/>
                   <a:t>Con x=0,1,2,3….n</a:t>
                 </a:r>
-                <a:endParaRPr lang="es-CO" sz="3200" dirty="0"/>
               </a:p>
             </p:txBody>
           </p:sp>
@@ -10208,13 +9797,6 @@
   <p:clrMapOvr>
     <a:masterClrMapping/>
   </p:clrMapOvr>
-  <p:timing>
-    <p:tnLst>
-      <p:par>
-        <p:cTn id="1" dur="indefinite" restart="never" nodeType="tmRoot"/>
-      </p:par>
-    </p:tnLst>
-  </p:timing>
 </p:sld>
 </file>
 
@@ -10252,10 +9834,9 @@
           <a:p>
             <a:pPr algn="ctr"/>
             <a:r>
-              <a:rPr lang="es-CO" dirty="0" smtClean="0"/>
+              <a:rPr lang="es-CO" dirty="0"/>
               <a:t>NOTACIÓN</a:t>
             </a:r>
-            <a:endParaRPr lang="es-CO" dirty="0"/>
           </a:p>
         </p:txBody>
       </p:sp>
@@ -10287,7 +9868,7 @@
                   <a:buNone/>
                 </a:pPr>
                 <a:r>
-                  <a:rPr lang="es-CO" sz="3600" dirty="0" smtClean="0"/>
+                  <a:rPr lang="es-CO" sz="3600" dirty="0"/>
                   <a:t>Si x sigue una distribución binomial con parámetros n y p luego: </a:t>
                 </a:r>
               </a:p>
@@ -10436,13 +10017,6 @@
   <p:clrMapOvr>
     <a:masterClrMapping/>
   </p:clrMapOvr>
-  <p:timing>
-    <p:tnLst>
-      <p:par>
-        <p:cTn id="1" dur="indefinite" restart="never" nodeType="tmRoot"/>
-      </p:par>
-    </p:tnLst>
-  </p:timing>
 </p:sld>
 </file>
 
@@ -10485,18 +10059,17 @@
           <a:p>
             <a:pPr algn="ctr"/>
             <a:r>
-              <a:rPr lang="es-CO" b="1" dirty="0" smtClean="0"/>
+              <a:rPr lang="es-CO" b="1" dirty="0"/>
               <a:t>VARIABLE ALEATORIA discreta (</a:t>
             </a:r>
             <a:r>
-              <a:rPr lang="es-CO" b="1" dirty="0" err="1" smtClean="0"/>
+              <a:rPr lang="es-CO" b="1" dirty="0" err="1"/>
               <a:t>v.a</a:t>
             </a:r>
             <a:r>
-              <a:rPr lang="es-CO" b="1" dirty="0" smtClean="0"/>
+              <a:rPr lang="es-CO" b="1" dirty="0"/>
               <a:t>) </a:t>
             </a:r>
-            <a:endParaRPr lang="es-CO" b="1" dirty="0"/>
           </a:p>
         </p:txBody>
       </p:sp>
@@ -10526,12 +10099,8 @@
               <a:buNone/>
             </a:pPr>
             <a:r>
-              <a:rPr lang="es-CO" sz="3200" dirty="0" smtClean="0"/>
-              <a:t>Una </a:t>
-            </a:r>
-            <a:r>
               <a:rPr lang="es-CO" sz="3200" dirty="0"/>
-              <a:t>variable aleatoria es una función cuyo dominio es el espacio </a:t>
+              <a:t>Una variable aleatoria es una función cuyo dominio es el espacio </a:t>
             </a:r>
             <a:r>
               <a:rPr lang="es-CO" sz="3200" dirty="0" err="1"/>
@@ -10599,13 +10168,6 @@
   <p:clrMapOvr>
     <a:masterClrMapping/>
   </p:clrMapOvr>
-  <p:timing>
-    <p:tnLst>
-      <p:par>
-        <p:cTn id="1" dur="indefinite" restart="never" nodeType="tmRoot"/>
-      </p:par>
-    </p:tnLst>
-  </p:timing>
 </p:sld>
 </file>
 
@@ -10642,10 +10204,9 @@
           <a:lstStyle/>
           <a:p>
             <a:r>
-              <a:rPr lang="es-CO" dirty="0" smtClean="0"/>
+              <a:rPr lang="es-CO" dirty="0"/>
               <a:t>EJEMPLO</a:t>
             </a:r>
-            <a:endParaRPr lang="es-CO" dirty="0"/>
           </a:p>
         </p:txBody>
       </p:sp>
@@ -10672,10 +10233,9 @@
           <a:lstStyle/>
           <a:p>
             <a:r>
-              <a:rPr lang="es-CO" sz="3200" dirty="0" smtClean="0"/>
+              <a:rPr lang="es-CO" sz="3200" dirty="0"/>
               <a:t>Cada bus tiene probabilidad de contener daños, Asuma que los buses son independientes sin importan la presencia del daño</a:t>
             </a:r>
-            <a:endParaRPr lang="es-CO" sz="3200" dirty="0"/>
           </a:p>
         </p:txBody>
       </p:sp>
@@ -10713,13 +10273,6 @@
   <p:clrMapOvr>
     <a:masterClrMapping/>
   </p:clrMapOvr>
-  <p:timing>
-    <p:tnLst>
-      <p:par>
-        <p:cTn id="1" dur="indefinite" restart="never" nodeType="tmRoot"/>
-      </p:par>
-    </p:tnLst>
-  </p:timing>
 </p:sld>
 </file>
 
@@ -10782,16 +10335,15 @@
           <a:lstStyle/>
           <a:p>
             <a:r>
-              <a:rPr lang="es-CO" sz="4000" dirty="0" smtClean="0"/>
+              <a:rPr lang="es-CO" sz="4000" dirty="0"/>
               <a:t>Encuentre la probabilidad de que en los próximos 18 buses exactamente 2 tengan daños</a:t>
             </a:r>
           </a:p>
           <a:p>
             <a:r>
-              <a:rPr lang="es-CO" sz="4000" dirty="0" smtClean="0"/>
+              <a:rPr lang="es-CO" sz="4000" dirty="0"/>
               <a:t>Luego x es una variable aleatoria binomial con parámetro p=0.1  y n=18 luego;</a:t>
             </a:r>
-            <a:endParaRPr lang="es-CO" sz="4000" dirty="0"/>
           </a:p>
         </p:txBody>
       </p:sp>
@@ -10829,13 +10381,6 @@
   <p:clrMapOvr>
     <a:masterClrMapping/>
   </p:clrMapOvr>
-  <p:timing>
-    <p:tnLst>
-      <p:par>
-        <p:cTn id="1" dur="indefinite" restart="never" nodeType="tmRoot"/>
-      </p:par>
-    </p:tnLst>
-  </p:timing>
 </p:sld>
 </file>
 
@@ -10898,10 +10443,9 @@
           <a:lstStyle/>
           <a:p>
             <a:r>
-              <a:rPr lang="es-CO" sz="3000" dirty="0" smtClean="0"/>
+              <a:rPr lang="es-CO" sz="3000" dirty="0"/>
               <a:t>Determine la probabilidad de que al menos 4 buses tengan daños</a:t>
             </a:r>
-            <a:endParaRPr lang="es-CO" sz="3000" dirty="0"/>
           </a:p>
         </p:txBody>
       </p:sp>
@@ -10939,13 +10483,6 @@
   <p:clrMapOvr>
     <a:masterClrMapping/>
   </p:clrMapOvr>
-  <p:timing>
-    <p:tnLst>
-      <p:par>
-        <p:cTn id="1" dur="indefinite" restart="never" nodeType="tmRoot"/>
-      </p:par>
-    </p:tnLst>
-  </p:timing>
 </p:sld>
 </file>
 
@@ -11008,10 +10545,9 @@
           <a:lstStyle/>
           <a:p>
             <a:r>
-              <a:rPr lang="es-CO" sz="4600" dirty="0" smtClean="0"/>
+              <a:rPr lang="es-CO" sz="4600" dirty="0"/>
               <a:t>Es mas fácil usar el evento complementario;</a:t>
             </a:r>
-            <a:endParaRPr lang="es-CO" sz="4600" dirty="0"/>
           </a:p>
         </p:txBody>
       </p:sp>
@@ -11049,13 +10585,6 @@
   <p:clrMapOvr>
     <a:masterClrMapping/>
   </p:clrMapOvr>
-  <p:timing>
-    <p:tnLst>
-      <p:par>
-        <p:cTn id="1" dur="indefinite" restart="never" nodeType="tmRoot"/>
-      </p:par>
-    </p:tnLst>
-  </p:timing>
 </p:sld>
 </file>
 
@@ -11118,10 +10647,9 @@
           <a:lstStyle/>
           <a:p>
             <a:r>
-              <a:rPr lang="es-CO" sz="4800" dirty="0" smtClean="0"/>
+              <a:rPr lang="es-CO" sz="4800" dirty="0"/>
               <a:t>En una muestra con n=18 y p=0,1 cual es el numero esperado de buses con daños</a:t>
             </a:r>
-            <a:endParaRPr lang="es-CO" sz="4800" dirty="0"/>
           </a:p>
         </p:txBody>
       </p:sp>
@@ -11159,13 +10687,6 @@
   <p:clrMapOvr>
     <a:masterClrMapping/>
   </p:clrMapOvr>
-  <p:timing>
-    <p:tnLst>
-      <p:par>
-        <p:cTn id="1" dur="indefinite" restart="never" nodeType="tmRoot"/>
-      </p:par>
-    </p:tnLst>
-  </p:timing>
 </p:sld>
 </file>
 
@@ -11241,13 +10762,512 @@
   <p:clrMapOvr>
     <a:masterClrMapping/>
   </p:clrMapOvr>
-  <p:timing>
-    <p:tnLst>
-      <p:par>
-        <p:cTn id="1" dur="indefinite" restart="never" nodeType="tmRoot"/>
-      </p:par>
-    </p:tnLst>
-  </p:timing>
+</p:sld>
+</file>
+
+<file path=ppt/slides/slide36.xml><?xml version="1.0" encoding="utf-8"?>
+<p:sld xmlns:a="http://schemas.openxmlformats.org/drawingml/2006/main" xmlns:r="http://schemas.openxmlformats.org/officeDocument/2006/relationships" xmlns:p="http://schemas.openxmlformats.org/presentationml/2006/main">
+  <p:cSld>
+    <p:spTree>
+      <p:nvGrpSpPr>
+        <p:cNvPr id="1" name=""/>
+        <p:cNvGrpSpPr/>
+        <p:nvPr/>
+      </p:nvGrpSpPr>
+      <p:grpSpPr>
+        <a:xfrm>
+          <a:off x="0" y="0"/>
+          <a:ext cx="0" cy="0"/>
+          <a:chOff x="0" y="0"/>
+          <a:chExt cx="0" cy="0"/>
+        </a:xfrm>
+      </p:grpSpPr>
+      <p:sp>
+        <p:nvSpPr>
+          <p:cNvPr id="2" name="Título 1"/>
+          <p:cNvSpPr>
+            <a:spLocks noGrp="1"/>
+          </p:cNvSpPr>
+          <p:nvPr>
+            <p:ph type="title"/>
+          </p:nvPr>
+        </p:nvSpPr>
+        <p:spPr>
+          <a:xfrm>
+            <a:off x="2578158" y="460418"/>
+            <a:ext cx="11029616" cy="1013800"/>
+          </a:xfrm>
+        </p:spPr>
+        <p:txBody>
+          <a:bodyPr/>
+          <a:lstStyle/>
+          <a:p>
+            <a:r>
+              <a:rPr lang="es-CO" dirty="0"/>
+              <a:t>DISTRIBUCIÓN HIPERGEOMÉTRICA</a:t>
+            </a:r>
+          </a:p>
+        </p:txBody>
+      </p:sp>
+      <p:sp>
+        <p:nvSpPr>
+          <p:cNvPr id="3" name="Marcador de contenido 2"/>
+          <p:cNvSpPr>
+            <a:spLocks noGrp="1"/>
+          </p:cNvSpPr>
+          <p:nvPr>
+            <p:ph idx="1"/>
+          </p:nvPr>
+        </p:nvSpPr>
+        <p:spPr>
+          <a:xfrm>
+            <a:off x="504992" y="460418"/>
+            <a:ext cx="11029615" cy="3678303"/>
+          </a:xfrm>
+        </p:spPr>
+        <p:txBody>
+          <a:bodyPr>
+            <a:normAutofit/>
+          </a:bodyPr>
+          <a:lstStyle/>
+          <a:p>
+            <a:r>
+              <a:rPr lang="es-CO" sz="2400" dirty="0"/>
+              <a:t>Cual es la probabilidad de obtener x éxitos en una muestra con n elementos</a:t>
+            </a:r>
+          </a:p>
+        </p:txBody>
+      </p:sp>
+      <p:pic>
+        <p:nvPicPr>
+          <p:cNvPr id="4" name="Imagen 3"/>
+          <p:cNvPicPr>
+            <a:picLocks noChangeAspect="1"/>
+          </p:cNvPicPr>
+          <p:nvPr/>
+        </p:nvPicPr>
+        <p:blipFill>
+          <a:blip r:embed="rId2"/>
+          <a:stretch>
+            <a:fillRect/>
+          </a:stretch>
+        </p:blipFill>
+        <p:spPr>
+          <a:xfrm>
+            <a:off x="1225608" y="2565053"/>
+            <a:ext cx="8166042" cy="4159597"/>
+          </a:xfrm>
+          <a:prstGeom prst="rect">
+            <a:avLst/>
+          </a:prstGeom>
+        </p:spPr>
+      </p:pic>
+    </p:spTree>
+    <p:extLst>
+      <p:ext uri="{BB962C8B-B14F-4D97-AF65-F5344CB8AC3E}">
+        <p14:creationId xmlns:p14="http://schemas.microsoft.com/office/powerpoint/2010/main" val="4136489696"/>
+      </p:ext>
+    </p:extLst>
+  </p:cSld>
+  <p:clrMapOvr>
+    <a:masterClrMapping/>
+  </p:clrMapOvr>
+</p:sld>
+</file>
+
+<file path=ppt/slides/slide37.xml><?xml version="1.0" encoding="utf-8"?>
+<p:sld xmlns:a="http://schemas.openxmlformats.org/drawingml/2006/main" xmlns:r="http://schemas.openxmlformats.org/officeDocument/2006/relationships" xmlns:p="http://schemas.openxmlformats.org/presentationml/2006/main">
+  <p:cSld>
+    <p:spTree>
+      <p:nvGrpSpPr>
+        <p:cNvPr id="1" name=""/>
+        <p:cNvGrpSpPr/>
+        <p:nvPr/>
+      </p:nvGrpSpPr>
+      <p:grpSpPr>
+        <a:xfrm>
+          <a:off x="0" y="0"/>
+          <a:ext cx="0" cy="0"/>
+          <a:chOff x="0" y="0"/>
+          <a:chExt cx="0" cy="0"/>
+        </a:xfrm>
+      </p:grpSpPr>
+      <p:sp>
+        <p:nvSpPr>
+          <p:cNvPr id="2" name="Título 1"/>
+          <p:cNvSpPr>
+            <a:spLocks noGrp="1"/>
+          </p:cNvSpPr>
+          <p:nvPr>
+            <p:ph type="title"/>
+          </p:nvPr>
+        </p:nvSpPr>
+        <p:spPr>
+          <a:xfrm>
+            <a:off x="581192" y="492606"/>
+            <a:ext cx="11029616" cy="1013800"/>
+          </a:xfrm>
+        </p:spPr>
+        <p:txBody>
+          <a:bodyPr/>
+          <a:lstStyle/>
+          <a:p>
+            <a:r>
+              <a:rPr lang="es-CO" dirty="0"/>
+              <a:t>Características de una distribución </a:t>
+            </a:r>
+            <a:r>
+              <a:rPr lang="es-CO" dirty="0" err="1"/>
+              <a:t>hipergeométrica</a:t>
+            </a:r>
+            <a:endParaRPr lang="es-CO" dirty="0"/>
+          </a:p>
+        </p:txBody>
+      </p:sp>
+      <p:sp>
+        <p:nvSpPr>
+          <p:cNvPr id="3" name="Marcador de contenido 2"/>
+          <p:cNvSpPr>
+            <a:spLocks noGrp="1"/>
+          </p:cNvSpPr>
+          <p:nvPr>
+            <p:ph idx="1"/>
+          </p:nvPr>
+        </p:nvSpPr>
+        <p:spPr/>
+        <p:txBody>
+          <a:bodyPr>
+            <a:normAutofit fontScale="92500" lnSpcReduction="10000"/>
+          </a:bodyPr>
+          <a:lstStyle/>
+          <a:p>
+            <a:r>
+              <a:rPr lang="es-CO" sz="2800" dirty="0"/>
+              <a:t>Aplica a muestreo sin reemplazo</a:t>
+            </a:r>
+          </a:p>
+          <a:p>
+            <a:r>
+              <a:rPr lang="es-CO" sz="2800" dirty="0"/>
+              <a:t>Los ensayos no son independientes, es decir las probabilidades no son constantes</a:t>
+            </a:r>
+          </a:p>
+          <a:p>
+            <a:r>
+              <a:rPr lang="es-CO" sz="2800" dirty="0"/>
+              <a:t>En una población de N sujetos  contiene:</a:t>
+            </a:r>
+          </a:p>
+          <a:p>
+            <a:pPr marL="594000" lvl="2" indent="0" algn="ctr">
+              <a:buNone/>
+            </a:pPr>
+            <a:r>
+              <a:rPr lang="es-CO" sz="2800" dirty="0"/>
+              <a:t>K objetos clasificados como éxitos        N-K objetos clasificados como fallas</a:t>
+            </a:r>
+          </a:p>
+          <a:p>
+            <a:r>
+              <a:rPr lang="es-CO" sz="2800" dirty="0"/>
+              <a:t>Una muestra de n objetos es seleccionada sin reemplazo de N objetos, donde: </a:t>
+            </a:r>
+          </a:p>
+          <a:p>
+            <a:pPr marL="0" indent="0" algn="ctr">
+              <a:buNone/>
+            </a:pPr>
+            <a:r>
+              <a:rPr lang="es-CO" sz="2800" dirty="0"/>
+              <a:t>K≤N                                         n ≤N</a:t>
+            </a:r>
+          </a:p>
+          <a:p>
+            <a:endParaRPr lang="es-CO" dirty="0"/>
+          </a:p>
+        </p:txBody>
+      </p:sp>
+    </p:spTree>
+    <p:extLst>
+      <p:ext uri="{BB962C8B-B14F-4D97-AF65-F5344CB8AC3E}">
+        <p14:creationId xmlns:p14="http://schemas.microsoft.com/office/powerpoint/2010/main" val="3395835338"/>
+      </p:ext>
+    </p:extLst>
+  </p:cSld>
+  <p:clrMapOvr>
+    <a:masterClrMapping/>
+  </p:clrMapOvr>
+</p:sld>
+</file>
+
+<file path=ppt/slides/slide38.xml><?xml version="1.0" encoding="utf-8"?>
+<p:sld xmlns:a="http://schemas.openxmlformats.org/drawingml/2006/main" xmlns:r="http://schemas.openxmlformats.org/officeDocument/2006/relationships" xmlns:p="http://schemas.openxmlformats.org/presentationml/2006/main">
+  <p:cSld>
+    <p:spTree>
+      <p:nvGrpSpPr>
+        <p:cNvPr id="1" name=""/>
+        <p:cNvGrpSpPr/>
+        <p:nvPr/>
+      </p:nvGrpSpPr>
+      <p:grpSpPr>
+        <a:xfrm>
+          <a:off x="0" y="0"/>
+          <a:ext cx="0" cy="0"/>
+          <a:chOff x="0" y="0"/>
+          <a:chExt cx="0" cy="0"/>
+        </a:xfrm>
+      </p:grpSpPr>
+      <p:sp>
+        <p:nvSpPr>
+          <p:cNvPr id="2" name="Título 1"/>
+          <p:cNvSpPr>
+            <a:spLocks noGrp="1"/>
+          </p:cNvSpPr>
+          <p:nvPr>
+            <p:ph type="title"/>
+          </p:nvPr>
+        </p:nvSpPr>
+        <p:spPr>
+          <a:xfrm>
+            <a:off x="581192" y="549756"/>
+            <a:ext cx="11029616" cy="1013800"/>
+          </a:xfrm>
+        </p:spPr>
+        <p:txBody>
+          <a:bodyPr/>
+          <a:lstStyle/>
+          <a:p>
+            <a:pPr algn="ctr"/>
+            <a:r>
+              <a:rPr lang="es-CO" dirty="0"/>
+              <a:t>USOS DE LA DISTRIBUCIÓN HIPERGEOMETRICA	</a:t>
+            </a:r>
+          </a:p>
+        </p:txBody>
+      </p:sp>
+      <p:sp>
+        <p:nvSpPr>
+          <p:cNvPr id="3" name="Marcador de contenido 2"/>
+          <p:cNvSpPr>
+            <a:spLocks noGrp="1"/>
+          </p:cNvSpPr>
+          <p:nvPr>
+            <p:ph idx="1"/>
+          </p:nvPr>
+        </p:nvSpPr>
+        <p:spPr/>
+        <p:txBody>
+          <a:bodyPr>
+            <a:normAutofit/>
+          </a:bodyPr>
+          <a:lstStyle/>
+          <a:p>
+            <a:r>
+              <a:rPr lang="es-CO" sz="4400" dirty="0"/>
+              <a:t>Pruebas electrónicas</a:t>
+            </a:r>
+          </a:p>
+          <a:p>
+            <a:r>
+              <a:rPr lang="es-CO" sz="4400" dirty="0"/>
+              <a:t>Control de calidad</a:t>
+            </a:r>
+          </a:p>
+          <a:p>
+            <a:r>
+              <a:rPr lang="es-CO" sz="4400" dirty="0"/>
+              <a:t>Fabricación de piezas </a:t>
+            </a:r>
+          </a:p>
+          <a:p>
+            <a:r>
+              <a:rPr lang="es-CO" sz="4400" dirty="0"/>
+              <a:t>Juegos de azar</a:t>
+            </a:r>
+          </a:p>
+        </p:txBody>
+      </p:sp>
+    </p:spTree>
+    <p:extLst>
+      <p:ext uri="{BB962C8B-B14F-4D97-AF65-F5344CB8AC3E}">
+        <p14:creationId xmlns:p14="http://schemas.microsoft.com/office/powerpoint/2010/main" val="325478124"/>
+      </p:ext>
+    </p:extLst>
+  </p:cSld>
+  <p:clrMapOvr>
+    <a:masterClrMapping/>
+  </p:clrMapOvr>
+</p:sld>
+</file>
+
+<file path=ppt/slides/slide39.xml><?xml version="1.0" encoding="utf-8"?>
+<p:sld xmlns:a="http://schemas.openxmlformats.org/drawingml/2006/main" xmlns:r="http://schemas.openxmlformats.org/officeDocument/2006/relationships" xmlns:p="http://schemas.openxmlformats.org/presentationml/2006/main">
+  <p:cSld>
+    <p:spTree>
+      <p:nvGrpSpPr>
+        <p:cNvPr id="1" name=""/>
+        <p:cNvGrpSpPr/>
+        <p:nvPr/>
+      </p:nvGrpSpPr>
+      <p:grpSpPr>
+        <a:xfrm>
+          <a:off x="0" y="0"/>
+          <a:ext cx="0" cy="0"/>
+          <a:chOff x="0" y="0"/>
+          <a:chExt cx="0" cy="0"/>
+        </a:xfrm>
+      </p:grpSpPr>
+      <p:sp>
+        <p:nvSpPr>
+          <p:cNvPr id="2" name="Título 1"/>
+          <p:cNvSpPr>
+            <a:spLocks noGrp="1"/>
+          </p:cNvSpPr>
+          <p:nvPr>
+            <p:ph type="title"/>
+          </p:nvPr>
+        </p:nvSpPr>
+        <p:spPr/>
+        <p:txBody>
+          <a:bodyPr/>
+          <a:lstStyle/>
+          <a:p>
+            <a:r>
+              <a:rPr lang="es-CO" dirty="0"/>
+              <a:t>Función de distribución de probabilidad</a:t>
+            </a:r>
+          </a:p>
+        </p:txBody>
+      </p:sp>
+      <p:sp>
+        <p:nvSpPr>
+          <p:cNvPr id="3" name="Marcador de contenido 2"/>
+          <p:cNvSpPr>
+            <a:spLocks noGrp="1"/>
+          </p:cNvSpPr>
+          <p:nvPr>
+            <p:ph idx="1"/>
+          </p:nvPr>
+        </p:nvSpPr>
+        <p:spPr>
+          <a:xfrm>
+            <a:off x="581192" y="2000251"/>
+            <a:ext cx="11029615" cy="4330620"/>
+          </a:xfrm>
+        </p:spPr>
+        <p:txBody>
+          <a:bodyPr>
+            <a:noAutofit/>
+          </a:bodyPr>
+          <a:lstStyle/>
+          <a:p>
+            <a:pPr algn="just"/>
+            <a:r>
+              <a:rPr lang="es-CO" sz="2400" dirty="0"/>
+              <a:t>Si X es el número de éxitos (</a:t>
+            </a:r>
+            <a:r>
+              <a:rPr lang="es-CO" sz="2400" i="1" dirty="0"/>
+              <a:t>E</a:t>
+            </a:r>
+            <a:r>
+              <a:rPr lang="es-CO" sz="2400" dirty="0"/>
+              <a:t>) en una muestra completamente aleatoria de tamaño </a:t>
+            </a:r>
+            <a:r>
+              <a:rPr lang="es-CO" sz="2400" i="1" dirty="0"/>
+              <a:t>n </a:t>
+            </a:r>
+            <a:r>
+              <a:rPr lang="es-CO" sz="2400" dirty="0"/>
+              <a:t>extraída de la población compuesta de K</a:t>
+            </a:r>
+            <a:r>
+              <a:rPr lang="es-CO" sz="2400" i="1" dirty="0"/>
+              <a:t> éxitos </a:t>
+            </a:r>
+            <a:r>
+              <a:rPr lang="es-CO" sz="2400" dirty="0"/>
+              <a:t>y (</a:t>
+            </a:r>
+            <a:r>
+              <a:rPr lang="es-CO" sz="2400" i="1" dirty="0"/>
+              <a:t>N--K</a:t>
+            </a:r>
+            <a:r>
+              <a:rPr lang="es-CO" sz="2400" dirty="0"/>
+              <a:t>) </a:t>
+            </a:r>
+            <a:r>
+              <a:rPr lang="es-CO" sz="2400" i="1" dirty="0"/>
+              <a:t>fallas</a:t>
+            </a:r>
+            <a:r>
+              <a:rPr lang="es-CO" sz="2400" dirty="0"/>
+              <a:t>, entonces la </a:t>
+            </a:r>
+            <a:r>
+              <a:rPr lang="es-CO" sz="2400" dirty="0" err="1"/>
+              <a:t>pdf</a:t>
+            </a:r>
+            <a:r>
+              <a:rPr lang="es-CO" sz="2400" dirty="0"/>
+              <a:t> es:</a:t>
+            </a:r>
+          </a:p>
+          <a:p>
+            <a:endParaRPr lang="es-CO" sz="2400" dirty="0"/>
+          </a:p>
+          <a:p>
+            <a:endParaRPr lang="es-CO" sz="2400" dirty="0"/>
+          </a:p>
+          <a:p>
+            <a:endParaRPr lang="es-CO" sz="2400" dirty="0"/>
+          </a:p>
+          <a:p>
+            <a:endParaRPr lang="es-CO" sz="2400" dirty="0"/>
+          </a:p>
+          <a:p>
+            <a:pPr marL="0" indent="0">
+              <a:buNone/>
+            </a:pPr>
+            <a:endParaRPr lang="es-CO" sz="2400" dirty="0"/>
+          </a:p>
+        </p:txBody>
+      </p:sp>
+      <p:pic>
+        <p:nvPicPr>
+          <p:cNvPr id="4" name="Imagen 3"/>
+          <p:cNvPicPr>
+            <a:picLocks noChangeAspect="1"/>
+          </p:cNvPicPr>
+          <p:nvPr/>
+        </p:nvPicPr>
+        <p:blipFill rotWithShape="1">
+          <a:blip r:embed="rId2"/>
+          <a:srcRect b="30939"/>
+          <a:stretch/>
+        </p:blipFill>
+        <p:spPr>
+          <a:xfrm>
+            <a:off x="1982967" y="3928610"/>
+            <a:ext cx="7637484" cy="2071474"/>
+          </a:xfrm>
+          <a:prstGeom prst="rect">
+            <a:avLst/>
+          </a:prstGeom>
+        </p:spPr>
+      </p:pic>
+    </p:spTree>
+    <p:extLst>
+      <p:ext uri="{BB962C8B-B14F-4D97-AF65-F5344CB8AC3E}">
+        <p14:creationId xmlns:p14="http://schemas.microsoft.com/office/powerpoint/2010/main" val="879362364"/>
+      </p:ext>
+    </p:extLst>
+  </p:cSld>
+  <p:clrMapOvr>
+    <a:masterClrMapping/>
+  </p:clrMapOvr>
 </p:sld>
 </file>
 
@@ -11292,10 +11312,9 @@
           <a:p>
             <a:pPr algn="ctr"/>
             <a:r>
-              <a:rPr lang="es-CO" sz="3200" b="1" dirty="0" smtClean="0"/>
+              <a:rPr lang="es-CO" sz="3200" b="1" dirty="0"/>
               <a:t>EJEMPLOS DE VARIABLES ALEATORIAS DISCRETAS</a:t>
             </a:r>
-            <a:endParaRPr lang="es-CO" sz="3200" b="1" dirty="0"/>
           </a:p>
         </p:txBody>
       </p:sp>
@@ -11315,36 +11334,32 @@
           <a:lstStyle/>
           <a:p>
             <a:r>
-              <a:rPr lang="es-CO" sz="3200" dirty="0" smtClean="0"/>
+              <a:rPr lang="es-CO" sz="3200" dirty="0"/>
               <a:t>Número de ventas</a:t>
             </a:r>
           </a:p>
           <a:p>
             <a:r>
-              <a:rPr lang="es-CO" sz="3200" dirty="0" smtClean="0"/>
+              <a:rPr lang="es-CO" sz="3200" dirty="0"/>
               <a:t>Número de llamadas</a:t>
             </a:r>
           </a:p>
           <a:p>
             <a:r>
-              <a:rPr lang="es-CO" sz="3200" dirty="0" smtClean="0"/>
+              <a:rPr lang="es-CO" sz="3200" dirty="0"/>
               <a:t>Personas en línea</a:t>
             </a:r>
           </a:p>
           <a:p>
             <a:r>
-              <a:rPr lang="es-CO" sz="3200" dirty="0" smtClean="0"/>
+              <a:rPr lang="es-CO" sz="3200" dirty="0"/>
               <a:t>Errores por pagina</a:t>
             </a:r>
           </a:p>
           <a:p>
             <a:r>
-              <a:rPr lang="es-CO" sz="3200" dirty="0" smtClean="0"/>
-              <a:t>Número </a:t>
-            </a:r>
-            <a:r>
               <a:rPr lang="es-CO" sz="3200" dirty="0"/>
-              <a:t>de hijos por familia</a:t>
+              <a:t>Número de hijos por familia</a:t>
             </a:r>
           </a:p>
         </p:txBody>
@@ -11406,13 +11421,1212 @@
   <p:clrMapOvr>
     <a:masterClrMapping/>
   </p:clrMapOvr>
-  <p:timing>
-    <p:tnLst>
-      <p:par>
-        <p:cTn id="1" dur="indefinite" restart="never" nodeType="tmRoot"/>
-      </p:par>
-    </p:tnLst>
-  </p:timing>
+</p:sld>
+</file>
+
+<file path=ppt/slides/slide40.xml><?xml version="1.0" encoding="utf-8"?>
+<p:sld xmlns:a="http://schemas.openxmlformats.org/drawingml/2006/main" xmlns:r="http://schemas.openxmlformats.org/officeDocument/2006/relationships" xmlns:p="http://schemas.openxmlformats.org/presentationml/2006/main">
+  <p:cSld>
+    <p:spTree>
+      <p:nvGrpSpPr>
+        <p:cNvPr id="1" name=""/>
+        <p:cNvGrpSpPr/>
+        <p:nvPr/>
+      </p:nvGrpSpPr>
+      <p:grpSpPr>
+        <a:xfrm>
+          <a:off x="0" y="0"/>
+          <a:ext cx="0" cy="0"/>
+          <a:chOff x="0" y="0"/>
+          <a:chExt cx="0" cy="0"/>
+        </a:xfrm>
+      </p:grpSpPr>
+      <p:sp>
+        <p:nvSpPr>
+          <p:cNvPr id="2" name="Título 1"/>
+          <p:cNvSpPr>
+            <a:spLocks noGrp="1"/>
+          </p:cNvSpPr>
+          <p:nvPr>
+            <p:ph type="title"/>
+          </p:nvPr>
+        </p:nvSpPr>
+        <p:spPr/>
+        <p:txBody>
+          <a:bodyPr/>
+          <a:lstStyle/>
+          <a:p>
+            <a:r>
+              <a:rPr lang="es-CO" dirty="0"/>
+              <a:t>notación</a:t>
+            </a:r>
+          </a:p>
+        </p:txBody>
+      </p:sp>
+      <p:sp>
+        <p:nvSpPr>
+          <p:cNvPr id="3" name="Marcador de contenido 2"/>
+          <p:cNvSpPr>
+            <a:spLocks noGrp="1"/>
+          </p:cNvSpPr>
+          <p:nvPr>
+            <p:ph idx="1"/>
+          </p:nvPr>
+        </p:nvSpPr>
+        <p:spPr>
+          <a:xfrm>
+            <a:off x="581190" y="1525401"/>
+            <a:ext cx="11029615" cy="3678303"/>
+          </a:xfrm>
+        </p:spPr>
+        <p:txBody>
+          <a:bodyPr/>
+          <a:lstStyle/>
+          <a:p>
+            <a:r>
+              <a:rPr lang="es-CO" sz="4000" dirty="0"/>
+              <a:t>Si X sigue una distribución </a:t>
+            </a:r>
+            <a:r>
+              <a:rPr lang="es-CO" sz="4000" dirty="0" err="1"/>
+              <a:t>hipergeométrica</a:t>
+            </a:r>
+            <a:r>
+              <a:rPr lang="es-CO" sz="4000" dirty="0"/>
+              <a:t> con parámetros n, K y N luego </a:t>
+            </a:r>
+          </a:p>
+          <a:p>
+            <a:endParaRPr lang="es-CO" dirty="0"/>
+          </a:p>
+          <a:p>
+            <a:endParaRPr lang="es-CO" dirty="0"/>
+          </a:p>
+          <a:p>
+            <a:endParaRPr lang="es-CO" dirty="0"/>
+          </a:p>
+        </p:txBody>
+      </p:sp>
+      <p:pic>
+        <p:nvPicPr>
+          <p:cNvPr id="4" name="Imagen 3"/>
+          <p:cNvPicPr>
+            <a:picLocks noChangeAspect="1"/>
+          </p:cNvPicPr>
+          <p:nvPr/>
+        </p:nvPicPr>
+        <p:blipFill>
+          <a:blip r:embed="rId2"/>
+          <a:stretch>
+            <a:fillRect/>
+          </a:stretch>
+        </p:blipFill>
+        <p:spPr>
+          <a:xfrm>
+            <a:off x="3536823" y="4548609"/>
+            <a:ext cx="5118351" cy="1310190"/>
+          </a:xfrm>
+          <a:prstGeom prst="rect">
+            <a:avLst/>
+          </a:prstGeom>
+        </p:spPr>
+      </p:pic>
+    </p:spTree>
+    <p:extLst>
+      <p:ext uri="{BB962C8B-B14F-4D97-AF65-F5344CB8AC3E}">
+        <p14:creationId xmlns:p14="http://schemas.microsoft.com/office/powerpoint/2010/main" val="675181219"/>
+      </p:ext>
+    </p:extLst>
+  </p:cSld>
+  <p:clrMapOvr>
+    <a:masterClrMapping/>
+  </p:clrMapOvr>
+</p:sld>
+</file>
+
+<file path=ppt/slides/slide41.xml><?xml version="1.0" encoding="utf-8"?>
+<p:sld xmlns:a="http://schemas.openxmlformats.org/drawingml/2006/main" xmlns:r="http://schemas.openxmlformats.org/officeDocument/2006/relationships" xmlns:p="http://schemas.openxmlformats.org/presentationml/2006/main">
+  <p:cSld>
+    <p:spTree>
+      <p:nvGrpSpPr>
+        <p:cNvPr id="1" name=""/>
+        <p:cNvGrpSpPr/>
+        <p:nvPr/>
+      </p:nvGrpSpPr>
+      <p:grpSpPr>
+        <a:xfrm>
+          <a:off x="0" y="0"/>
+          <a:ext cx="0" cy="0"/>
+          <a:chOff x="0" y="0"/>
+          <a:chExt cx="0" cy="0"/>
+        </a:xfrm>
+      </p:grpSpPr>
+      <p:sp>
+        <p:nvSpPr>
+          <p:cNvPr id="2" name="Título 1"/>
+          <p:cNvSpPr>
+            <a:spLocks noGrp="1"/>
+          </p:cNvSpPr>
+          <p:nvPr>
+            <p:ph type="title"/>
+          </p:nvPr>
+        </p:nvSpPr>
+        <p:spPr/>
+        <p:txBody>
+          <a:bodyPr>
+            <a:normAutofit/>
+          </a:bodyPr>
+          <a:lstStyle/>
+          <a:p>
+            <a:pPr algn="ctr"/>
+            <a:r>
+              <a:rPr lang="es-CO" sz="4400" dirty="0"/>
+              <a:t>Valor esperado y varianza</a:t>
+            </a:r>
+          </a:p>
+        </p:txBody>
+      </p:sp>
+      <mc:AlternateContent xmlns:mc="http://schemas.openxmlformats.org/markup-compatibility/2006" xmlns:a14="http://schemas.microsoft.com/office/drawing/2010/main">
+        <mc:Choice Requires="a14">
+          <p:sp>
+            <p:nvSpPr>
+              <p:cNvPr id="3" name="Marcador de contenido 2"/>
+              <p:cNvSpPr>
+                <a:spLocks noGrp="1"/>
+              </p:cNvSpPr>
+              <p:nvPr>
+                <p:ph idx="1"/>
+              </p:nvPr>
+            </p:nvSpPr>
+            <p:spPr/>
+            <p:txBody>
+              <a:bodyPr>
+                <a:normAutofit/>
+              </a:bodyPr>
+              <a:lstStyle/>
+              <a:p>
+                <a:endParaRPr lang="es-CO" sz="3200" dirty="0"/>
+              </a:p>
+              <a:p>
+                <a:endParaRPr lang="es-CO" sz="3200" dirty="0"/>
+              </a:p>
+              <a:p>
+                <a:endParaRPr lang="es-CO" sz="3200" dirty="0"/>
+              </a:p>
+              <a:p>
+                <a:r>
+                  <a:rPr lang="es-CO" sz="3200" dirty="0"/>
+                  <a:t>Donde </a:t>
+                </a:r>
+                <a14:m>
+                  <m:oMath xmlns:m="http://schemas.openxmlformats.org/officeDocument/2006/math">
+                    <m:r>
+                      <m:rPr>
+                        <m:sty m:val="p"/>
+                      </m:rPr>
+                      <a:rPr lang="es-CO" sz="3200" b="0" i="0" smtClean="0">
+                        <a:latin typeface="Cambria Math" panose="02040503050406030204" pitchFamily="18" charset="0"/>
+                      </a:rPr>
+                      <m:t>p</m:t>
+                    </m:r>
+                    <m:r>
+                      <a:rPr lang="es-CO" sz="3200" b="0" i="1" smtClean="0">
+                        <a:latin typeface="Cambria Math" panose="02040503050406030204" pitchFamily="18" charset="0"/>
+                      </a:rPr>
+                      <m:t>=</m:t>
+                    </m:r>
+                    <m:f>
+                      <m:fPr>
+                        <m:ctrlPr>
+                          <a:rPr lang="es-CO" sz="3200" b="0" i="1" smtClean="0">
+                            <a:latin typeface="Cambria Math" panose="02040503050406030204" pitchFamily="18" charset="0"/>
+                          </a:rPr>
+                        </m:ctrlPr>
+                      </m:fPr>
+                      <m:num>
+                        <m:r>
+                          <a:rPr lang="es-CO" sz="3200" b="0" i="1" smtClean="0">
+                            <a:latin typeface="Cambria Math" panose="02040503050406030204" pitchFamily="18" charset="0"/>
+                          </a:rPr>
+                          <m:t>𝐾</m:t>
+                        </m:r>
+                      </m:num>
+                      <m:den>
+                        <m:r>
+                          <a:rPr lang="es-CO" sz="3200" b="0" i="1" smtClean="0">
+                            <a:latin typeface="Cambria Math" panose="02040503050406030204" pitchFamily="18" charset="0"/>
+                          </a:rPr>
+                          <m:t>𝑁</m:t>
+                        </m:r>
+                      </m:den>
+                    </m:f>
+                    <m:r>
+                      <a:rPr lang="es-CO" sz="3200" b="0" i="1" smtClean="0">
+                        <a:latin typeface="Cambria Math" panose="02040503050406030204" pitchFamily="18" charset="0"/>
+                      </a:rPr>
+                      <m:t> </m:t>
+                    </m:r>
+                  </m:oMath>
+                </a14:m>
+                <a:r>
+                  <a:rPr lang="es-CO" sz="3200" dirty="0"/>
+                  <a:t> y  </a:t>
+                </a:r>
+                <a14:m>
+                  <m:oMath xmlns:m="http://schemas.openxmlformats.org/officeDocument/2006/math">
+                    <m:f>
+                      <m:fPr>
+                        <m:ctrlPr>
+                          <a:rPr lang="es-CO" sz="3200" i="1" smtClean="0">
+                            <a:latin typeface="Cambria Math" panose="02040503050406030204" pitchFamily="18" charset="0"/>
+                          </a:rPr>
+                        </m:ctrlPr>
+                      </m:fPr>
+                      <m:num>
+                        <m:r>
+                          <a:rPr lang="es-CO" sz="3200" b="0" i="1" smtClean="0">
+                            <a:latin typeface="Cambria Math" panose="02040503050406030204" pitchFamily="18" charset="0"/>
+                          </a:rPr>
+                          <m:t>𝑁</m:t>
+                        </m:r>
+                        <m:r>
+                          <a:rPr lang="es-CO" sz="3200" b="0" i="1" smtClean="0">
+                            <a:latin typeface="Cambria Math" panose="02040503050406030204" pitchFamily="18" charset="0"/>
+                          </a:rPr>
+                          <m:t>−</m:t>
+                        </m:r>
+                        <m:r>
+                          <a:rPr lang="es-CO" sz="3200" b="0" i="1" smtClean="0">
+                            <a:latin typeface="Cambria Math" panose="02040503050406030204" pitchFamily="18" charset="0"/>
+                          </a:rPr>
+                          <m:t>𝑛</m:t>
+                        </m:r>
+                      </m:num>
+                      <m:den>
+                        <m:r>
+                          <a:rPr lang="es-CO" sz="3200" b="0" i="1" smtClean="0">
+                            <a:latin typeface="Cambria Math" panose="02040503050406030204" pitchFamily="18" charset="0"/>
+                          </a:rPr>
+                          <m:t>𝑁</m:t>
+                        </m:r>
+                        <m:r>
+                          <a:rPr lang="es-CO" sz="3200" b="0" i="1" smtClean="0">
+                            <a:latin typeface="Cambria Math" panose="02040503050406030204" pitchFamily="18" charset="0"/>
+                          </a:rPr>
+                          <m:t>−1</m:t>
+                        </m:r>
+                      </m:den>
+                    </m:f>
+                  </m:oMath>
+                </a14:m>
+                <a:r>
+                  <a:rPr lang="es-CO" sz="3200" dirty="0"/>
+                  <a:t> es el factor de corrección de población finita</a:t>
+                </a:r>
+              </a:p>
+            </p:txBody>
+          </p:sp>
+        </mc:Choice>
+        <mc:Fallback xmlns="">
+          <p:sp>
+            <p:nvSpPr>
+              <p:cNvPr id="3" name="Marcador de contenido 2"/>
+              <p:cNvSpPr>
+                <a:spLocks noGrp="1" noRot="1" noChangeAspect="1" noMove="1" noResize="1" noEditPoints="1" noAdjustHandles="1" noChangeArrowheads="1" noChangeShapeType="1" noTextEdit="1"/>
+              </p:cNvSpPr>
+              <p:nvPr>
+                <p:ph idx="1"/>
+              </p:nvPr>
+            </p:nvSpPr>
+            <p:spPr>
+              <a:blipFill>
+                <a:blip r:embed="rId2"/>
+                <a:stretch>
+                  <a:fillRect l="-939" b="-166"/>
+                </a:stretch>
+              </a:blipFill>
+            </p:spPr>
+            <p:txBody>
+              <a:bodyPr/>
+              <a:lstStyle/>
+              <a:p>
+                <a:r>
+                  <a:rPr lang="es-CO">
+                    <a:noFill/>
+                  </a:rPr>
+                  <a:t> </a:t>
+                </a:r>
+              </a:p>
+            </p:txBody>
+          </p:sp>
+        </mc:Fallback>
+      </mc:AlternateContent>
+      <p:pic>
+        <p:nvPicPr>
+          <p:cNvPr id="4" name="Imagen 3"/>
+          <p:cNvPicPr>
+            <a:picLocks noChangeAspect="1"/>
+          </p:cNvPicPr>
+          <p:nvPr/>
+        </p:nvPicPr>
+        <p:blipFill>
+          <a:blip r:embed="rId3"/>
+          <a:stretch>
+            <a:fillRect/>
+          </a:stretch>
+        </p:blipFill>
+        <p:spPr>
+          <a:xfrm>
+            <a:off x="1152098" y="2654787"/>
+            <a:ext cx="9887802" cy="1040913"/>
+          </a:xfrm>
+          <a:prstGeom prst="rect">
+            <a:avLst/>
+          </a:prstGeom>
+        </p:spPr>
+      </p:pic>
+    </p:spTree>
+    <p:extLst>
+      <p:ext uri="{BB962C8B-B14F-4D97-AF65-F5344CB8AC3E}">
+        <p14:creationId xmlns:p14="http://schemas.microsoft.com/office/powerpoint/2010/main" val="561315135"/>
+      </p:ext>
+    </p:extLst>
+  </p:cSld>
+  <p:clrMapOvr>
+    <a:masterClrMapping/>
+  </p:clrMapOvr>
+</p:sld>
+</file>
+
+<file path=ppt/slides/slide42.xml><?xml version="1.0" encoding="utf-8"?>
+<p:sld xmlns:a="http://schemas.openxmlformats.org/drawingml/2006/main" xmlns:r="http://schemas.openxmlformats.org/officeDocument/2006/relationships" xmlns:p="http://schemas.openxmlformats.org/presentationml/2006/main">
+  <p:cSld>
+    <p:spTree>
+      <p:nvGrpSpPr>
+        <p:cNvPr id="1" name=""/>
+        <p:cNvGrpSpPr/>
+        <p:nvPr/>
+      </p:nvGrpSpPr>
+      <p:grpSpPr>
+        <a:xfrm>
+          <a:off x="0" y="0"/>
+          <a:ext cx="0" cy="0"/>
+          <a:chOff x="0" y="0"/>
+          <a:chExt cx="0" cy="0"/>
+        </a:xfrm>
+      </p:grpSpPr>
+      <p:sp>
+        <p:nvSpPr>
+          <p:cNvPr id="2" name="Título 1"/>
+          <p:cNvSpPr>
+            <a:spLocks noGrp="1"/>
+          </p:cNvSpPr>
+          <p:nvPr>
+            <p:ph type="title"/>
+          </p:nvPr>
+        </p:nvSpPr>
+        <p:spPr>
+          <a:xfrm>
+            <a:off x="581191" y="511656"/>
+            <a:ext cx="11029616" cy="1013800"/>
+          </a:xfrm>
+        </p:spPr>
+        <p:txBody>
+          <a:bodyPr/>
+          <a:lstStyle/>
+          <a:p>
+            <a:pPr algn="ctr"/>
+            <a:r>
+              <a:rPr lang="es-CO" dirty="0"/>
+              <a:t>Forma grafica de la </a:t>
+            </a:r>
+            <a:r>
+              <a:rPr lang="es-CO" dirty="0" err="1"/>
+              <a:t>pdf</a:t>
+            </a:r>
+            <a:endParaRPr lang="es-CO" dirty="0"/>
+          </a:p>
+        </p:txBody>
+      </p:sp>
+      <p:pic>
+        <p:nvPicPr>
+          <p:cNvPr id="4" name="Marcador de contenido 3"/>
+          <p:cNvPicPr>
+            <a:picLocks noGrp="1" noChangeAspect="1"/>
+          </p:cNvPicPr>
+          <p:nvPr>
+            <p:ph idx="1"/>
+          </p:nvPr>
+        </p:nvPicPr>
+        <p:blipFill>
+          <a:blip r:embed="rId2"/>
+          <a:stretch>
+            <a:fillRect/>
+          </a:stretch>
+        </p:blipFill>
+        <p:spPr>
+          <a:xfrm>
+            <a:off x="2310314" y="2049184"/>
+            <a:ext cx="7571369" cy="4542116"/>
+          </a:xfrm>
+          <a:prstGeom prst="rect">
+            <a:avLst/>
+          </a:prstGeom>
+        </p:spPr>
+      </p:pic>
+    </p:spTree>
+    <p:extLst>
+      <p:ext uri="{BB962C8B-B14F-4D97-AF65-F5344CB8AC3E}">
+        <p14:creationId xmlns:p14="http://schemas.microsoft.com/office/powerpoint/2010/main" val="3577128169"/>
+      </p:ext>
+    </p:extLst>
+  </p:cSld>
+  <p:clrMapOvr>
+    <a:masterClrMapping/>
+  </p:clrMapOvr>
+</p:sld>
+</file>
+
+<file path=ppt/slides/slide43.xml><?xml version="1.0" encoding="utf-8"?>
+<p:sld xmlns:a="http://schemas.openxmlformats.org/drawingml/2006/main" xmlns:r="http://schemas.openxmlformats.org/officeDocument/2006/relationships" xmlns:p="http://schemas.openxmlformats.org/presentationml/2006/main">
+  <p:cSld>
+    <p:spTree>
+      <p:nvGrpSpPr>
+        <p:cNvPr id="1" name=""/>
+        <p:cNvGrpSpPr/>
+        <p:nvPr/>
+      </p:nvGrpSpPr>
+      <p:grpSpPr>
+        <a:xfrm>
+          <a:off x="0" y="0"/>
+          <a:ext cx="0" cy="0"/>
+          <a:chOff x="0" y="0"/>
+          <a:chExt cx="0" cy="0"/>
+        </a:xfrm>
+      </p:grpSpPr>
+      <p:sp>
+        <p:nvSpPr>
+          <p:cNvPr id="2" name="Título 1"/>
+          <p:cNvSpPr>
+            <a:spLocks noGrp="1"/>
+          </p:cNvSpPr>
+          <p:nvPr>
+            <p:ph type="title"/>
+          </p:nvPr>
+        </p:nvSpPr>
+        <p:spPr>
+          <a:xfrm>
+            <a:off x="581192" y="511656"/>
+            <a:ext cx="11029616" cy="1013800"/>
+          </a:xfrm>
+        </p:spPr>
+        <p:txBody>
+          <a:bodyPr/>
+          <a:lstStyle/>
+          <a:p>
+            <a:pPr algn="ctr"/>
+            <a:r>
+              <a:rPr lang="es-CO" dirty="0"/>
+              <a:t>EJEMPLO 1</a:t>
+            </a:r>
+          </a:p>
+        </p:txBody>
+      </p:sp>
+      <p:sp>
+        <p:nvSpPr>
+          <p:cNvPr id="3" name="Marcador de contenido 2"/>
+          <p:cNvSpPr>
+            <a:spLocks noGrp="1"/>
+          </p:cNvSpPr>
+          <p:nvPr>
+            <p:ph idx="1"/>
+          </p:nvPr>
+        </p:nvSpPr>
+        <p:spPr>
+          <a:xfrm>
+            <a:off x="581193" y="1018556"/>
+            <a:ext cx="11029615" cy="3678303"/>
+          </a:xfrm>
+        </p:spPr>
+        <p:txBody>
+          <a:bodyPr>
+            <a:normAutofit/>
+          </a:bodyPr>
+          <a:lstStyle/>
+          <a:p>
+            <a:r>
+              <a:rPr lang="es-CO" sz="3200" dirty="0"/>
+              <a:t>Un lote de componentes contiene 100 partes del proveedor A y 200 partes del proveedor B. Si 4 partes son seleccionadas aleatoriamente sin reemplazo</a:t>
+            </a:r>
+          </a:p>
+        </p:txBody>
+      </p:sp>
+      <p:pic>
+        <p:nvPicPr>
+          <p:cNvPr id="4" name="Imagen 3"/>
+          <p:cNvPicPr>
+            <a:picLocks noChangeAspect="1"/>
+          </p:cNvPicPr>
+          <p:nvPr/>
+        </p:nvPicPr>
+        <p:blipFill>
+          <a:blip r:embed="rId2"/>
+          <a:stretch>
+            <a:fillRect/>
+          </a:stretch>
+        </p:blipFill>
+        <p:spPr>
+          <a:xfrm>
+            <a:off x="2247006" y="3828498"/>
+            <a:ext cx="7697988" cy="2750521"/>
+          </a:xfrm>
+          <a:prstGeom prst="rect">
+            <a:avLst/>
+          </a:prstGeom>
+        </p:spPr>
+      </p:pic>
+    </p:spTree>
+    <p:extLst>
+      <p:ext uri="{BB962C8B-B14F-4D97-AF65-F5344CB8AC3E}">
+        <p14:creationId xmlns:p14="http://schemas.microsoft.com/office/powerpoint/2010/main" val="2634845739"/>
+      </p:ext>
+    </p:extLst>
+  </p:cSld>
+  <p:clrMapOvr>
+    <a:masterClrMapping/>
+  </p:clrMapOvr>
+</p:sld>
+</file>
+
+<file path=ppt/slides/slide44.xml><?xml version="1.0" encoding="utf-8"?>
+<p:sld xmlns:a="http://schemas.openxmlformats.org/drawingml/2006/main" xmlns:r="http://schemas.openxmlformats.org/officeDocument/2006/relationships" xmlns:p="http://schemas.openxmlformats.org/presentationml/2006/main">
+  <p:cSld>
+    <p:spTree>
+      <p:nvGrpSpPr>
+        <p:cNvPr id="1" name=""/>
+        <p:cNvGrpSpPr/>
+        <p:nvPr/>
+      </p:nvGrpSpPr>
+      <p:grpSpPr>
+        <a:xfrm>
+          <a:off x="0" y="0"/>
+          <a:ext cx="0" cy="0"/>
+          <a:chOff x="0" y="0"/>
+          <a:chExt cx="0" cy="0"/>
+        </a:xfrm>
+      </p:grpSpPr>
+      <p:sp>
+        <p:nvSpPr>
+          <p:cNvPr id="2" name="Título 1"/>
+          <p:cNvSpPr>
+            <a:spLocks noGrp="1"/>
+          </p:cNvSpPr>
+          <p:nvPr>
+            <p:ph type="title"/>
+          </p:nvPr>
+        </p:nvSpPr>
+        <p:spPr/>
+        <p:txBody>
+          <a:bodyPr/>
+          <a:lstStyle/>
+          <a:p>
+            <a:endParaRPr lang="es-CO"/>
+          </a:p>
+        </p:txBody>
+      </p:sp>
+      <p:sp>
+        <p:nvSpPr>
+          <p:cNvPr id="3" name="Marcador de contenido 2"/>
+          <p:cNvSpPr>
+            <a:spLocks noGrp="1"/>
+          </p:cNvSpPr>
+          <p:nvPr>
+            <p:ph idx="1"/>
+          </p:nvPr>
+        </p:nvSpPr>
+        <p:spPr>
+          <a:xfrm>
+            <a:off x="581193" y="486062"/>
+            <a:ext cx="11029615" cy="3678303"/>
+          </a:xfrm>
+        </p:spPr>
+        <p:txBody>
+          <a:bodyPr>
+            <a:normAutofit/>
+          </a:bodyPr>
+          <a:lstStyle/>
+          <a:p>
+            <a:r>
+              <a:rPr lang="es-CO" sz="3200" dirty="0"/>
+              <a:t>A) Cual es la probabilidad de que sean todos del proveedor A?</a:t>
+            </a:r>
+          </a:p>
+        </p:txBody>
+      </p:sp>
+      <p:pic>
+        <p:nvPicPr>
+          <p:cNvPr id="5" name="Imagen 4"/>
+          <p:cNvPicPr>
+            <a:picLocks noChangeAspect="1"/>
+          </p:cNvPicPr>
+          <p:nvPr/>
+        </p:nvPicPr>
+        <p:blipFill>
+          <a:blip r:embed="rId2"/>
+          <a:stretch>
+            <a:fillRect/>
+          </a:stretch>
+        </p:blipFill>
+        <p:spPr>
+          <a:xfrm>
+            <a:off x="2250030" y="3038959"/>
+            <a:ext cx="7655970" cy="3408263"/>
+          </a:xfrm>
+          <a:prstGeom prst="rect">
+            <a:avLst/>
+          </a:prstGeom>
+        </p:spPr>
+      </p:pic>
+    </p:spTree>
+    <p:extLst>
+      <p:ext uri="{BB962C8B-B14F-4D97-AF65-F5344CB8AC3E}">
+        <p14:creationId xmlns:p14="http://schemas.microsoft.com/office/powerpoint/2010/main" val="3691569614"/>
+      </p:ext>
+    </p:extLst>
+  </p:cSld>
+  <p:clrMapOvr>
+    <a:masterClrMapping/>
+  </p:clrMapOvr>
+</p:sld>
+</file>
+
+<file path=ppt/slides/slide45.xml><?xml version="1.0" encoding="utf-8"?>
+<p:sld xmlns:a="http://schemas.openxmlformats.org/drawingml/2006/main" xmlns:r="http://schemas.openxmlformats.org/officeDocument/2006/relationships" xmlns:p="http://schemas.openxmlformats.org/presentationml/2006/main">
+  <p:cSld>
+    <p:spTree>
+      <p:nvGrpSpPr>
+        <p:cNvPr id="1" name=""/>
+        <p:cNvGrpSpPr/>
+        <p:nvPr/>
+      </p:nvGrpSpPr>
+      <p:grpSpPr>
+        <a:xfrm>
+          <a:off x="0" y="0"/>
+          <a:ext cx="0" cy="0"/>
+          <a:chOff x="0" y="0"/>
+          <a:chExt cx="0" cy="0"/>
+        </a:xfrm>
+      </p:grpSpPr>
+      <p:sp>
+        <p:nvSpPr>
+          <p:cNvPr id="2" name="Título 1"/>
+          <p:cNvSpPr>
+            <a:spLocks noGrp="1"/>
+          </p:cNvSpPr>
+          <p:nvPr>
+            <p:ph type="title"/>
+          </p:nvPr>
+        </p:nvSpPr>
+        <p:spPr/>
+        <p:txBody>
+          <a:bodyPr/>
+          <a:lstStyle/>
+          <a:p>
+            <a:endParaRPr lang="es-CO"/>
+          </a:p>
+        </p:txBody>
+      </p:sp>
+      <p:sp>
+        <p:nvSpPr>
+          <p:cNvPr id="3" name="Marcador de contenido 2"/>
+          <p:cNvSpPr>
+            <a:spLocks noGrp="1"/>
+          </p:cNvSpPr>
+          <p:nvPr>
+            <p:ph idx="1"/>
+          </p:nvPr>
+        </p:nvSpPr>
+        <p:spPr>
+          <a:xfrm>
+            <a:off x="581193" y="1715956"/>
+            <a:ext cx="11029615" cy="3678303"/>
+          </a:xfrm>
+        </p:spPr>
+        <p:txBody>
+          <a:bodyPr/>
+          <a:lstStyle/>
+          <a:p>
+            <a:r>
+              <a:rPr lang="es-CO" sz="2800" dirty="0"/>
+              <a:t>B) Cual es la probabilidad que dos o mas partes sean del proveedor A?</a:t>
+            </a:r>
+          </a:p>
+          <a:p>
+            <a:endParaRPr lang="es-CO" dirty="0"/>
+          </a:p>
+          <a:p>
+            <a:endParaRPr lang="es-CO" dirty="0"/>
+          </a:p>
+          <a:p>
+            <a:endParaRPr lang="es-CO" dirty="0"/>
+          </a:p>
+          <a:p>
+            <a:endParaRPr lang="es-CO" dirty="0"/>
+          </a:p>
+          <a:p>
+            <a:endParaRPr lang="es-CO" dirty="0"/>
+          </a:p>
+          <a:p>
+            <a:endParaRPr lang="es-CO" dirty="0"/>
+          </a:p>
+        </p:txBody>
+      </p:sp>
+      <p:pic>
+        <p:nvPicPr>
+          <p:cNvPr id="4" name="Imagen 3"/>
+          <p:cNvPicPr>
+            <a:picLocks noChangeAspect="1"/>
+          </p:cNvPicPr>
+          <p:nvPr/>
+        </p:nvPicPr>
+        <p:blipFill>
+          <a:blip r:embed="rId2"/>
+          <a:stretch>
+            <a:fillRect/>
+          </a:stretch>
+        </p:blipFill>
+        <p:spPr>
+          <a:xfrm>
+            <a:off x="2094984" y="2538958"/>
+            <a:ext cx="8031546" cy="3869101"/>
+          </a:xfrm>
+          <a:prstGeom prst="rect">
+            <a:avLst/>
+          </a:prstGeom>
+        </p:spPr>
+      </p:pic>
+    </p:spTree>
+    <p:extLst>
+      <p:ext uri="{BB962C8B-B14F-4D97-AF65-F5344CB8AC3E}">
+        <p14:creationId xmlns:p14="http://schemas.microsoft.com/office/powerpoint/2010/main" val="2180503622"/>
+      </p:ext>
+    </p:extLst>
+  </p:cSld>
+  <p:clrMapOvr>
+    <a:masterClrMapping/>
+  </p:clrMapOvr>
+</p:sld>
+</file>
+
+<file path=ppt/slides/slide46.xml><?xml version="1.0" encoding="utf-8"?>
+<p:sld xmlns:a="http://schemas.openxmlformats.org/drawingml/2006/main" xmlns:r="http://schemas.openxmlformats.org/officeDocument/2006/relationships" xmlns:p="http://schemas.openxmlformats.org/presentationml/2006/main">
+  <p:cSld>
+    <p:spTree>
+      <p:nvGrpSpPr>
+        <p:cNvPr id="1" name=""/>
+        <p:cNvGrpSpPr/>
+        <p:nvPr/>
+      </p:nvGrpSpPr>
+      <p:grpSpPr>
+        <a:xfrm>
+          <a:off x="0" y="0"/>
+          <a:ext cx="0" cy="0"/>
+          <a:chOff x="0" y="0"/>
+          <a:chExt cx="0" cy="0"/>
+        </a:xfrm>
+      </p:grpSpPr>
+      <p:sp>
+        <p:nvSpPr>
+          <p:cNvPr id="2" name="Título 1"/>
+          <p:cNvSpPr>
+            <a:spLocks noGrp="1"/>
+          </p:cNvSpPr>
+          <p:nvPr>
+            <p:ph type="title"/>
+          </p:nvPr>
+        </p:nvSpPr>
+        <p:spPr/>
+        <p:txBody>
+          <a:bodyPr/>
+          <a:lstStyle/>
+          <a:p>
+            <a:pPr algn="ctr"/>
+            <a:r>
+              <a:rPr lang="es-CO" dirty="0"/>
+              <a:t>Aproximación de la binomial a la </a:t>
+            </a:r>
+            <a:r>
+              <a:rPr lang="es-CO" dirty="0" err="1"/>
+              <a:t>hipergeometrica</a:t>
+            </a:r>
+            <a:endParaRPr lang="es-CO" dirty="0"/>
+          </a:p>
+        </p:txBody>
+      </p:sp>
+      <p:sp>
+        <p:nvSpPr>
+          <p:cNvPr id="3" name="Marcador de contenido 2"/>
+          <p:cNvSpPr>
+            <a:spLocks noGrp="1"/>
+          </p:cNvSpPr>
+          <p:nvPr>
+            <p:ph idx="1"/>
+          </p:nvPr>
+        </p:nvSpPr>
+        <p:spPr/>
+        <p:txBody>
+          <a:bodyPr>
+            <a:noAutofit/>
+          </a:bodyPr>
+          <a:lstStyle/>
+          <a:p>
+            <a:pPr marL="0" indent="0" algn="just">
+              <a:buNone/>
+            </a:pPr>
+            <a:r>
+              <a:rPr lang="es-CO" sz="4400" dirty="0"/>
+              <a:t>Una distribución </a:t>
+            </a:r>
+            <a:r>
+              <a:rPr lang="es-CO" sz="4400" dirty="0" err="1"/>
+              <a:t>hipergeométrica</a:t>
+            </a:r>
+            <a:r>
+              <a:rPr lang="es-CO" sz="4400" dirty="0"/>
+              <a:t> se aproxima a una binomial con p=K/N, cuando N se aproxima a infinito, en general es buena aproximación cuando n&lt;N /10</a:t>
+            </a:r>
+          </a:p>
+        </p:txBody>
+      </p:sp>
+    </p:spTree>
+    <p:extLst>
+      <p:ext uri="{BB962C8B-B14F-4D97-AF65-F5344CB8AC3E}">
+        <p14:creationId xmlns:p14="http://schemas.microsoft.com/office/powerpoint/2010/main" val="1123578868"/>
+      </p:ext>
+    </p:extLst>
+  </p:cSld>
+  <p:clrMapOvr>
+    <a:masterClrMapping/>
+  </p:clrMapOvr>
+</p:sld>
+</file>
+
+<file path=ppt/slides/slide47.xml><?xml version="1.0" encoding="utf-8"?>
+<p:sld xmlns:a="http://schemas.openxmlformats.org/drawingml/2006/main" xmlns:r="http://schemas.openxmlformats.org/officeDocument/2006/relationships" xmlns:p="http://schemas.openxmlformats.org/presentationml/2006/main">
+  <p:cSld>
+    <p:spTree>
+      <p:nvGrpSpPr>
+        <p:cNvPr id="1" name=""/>
+        <p:cNvGrpSpPr/>
+        <p:nvPr/>
+      </p:nvGrpSpPr>
+      <p:grpSpPr>
+        <a:xfrm>
+          <a:off x="0" y="0"/>
+          <a:ext cx="0" cy="0"/>
+          <a:chOff x="0" y="0"/>
+          <a:chExt cx="0" cy="0"/>
+        </a:xfrm>
+      </p:grpSpPr>
+      <p:sp>
+        <p:nvSpPr>
+          <p:cNvPr id="2" name="Título 1"/>
+          <p:cNvSpPr>
+            <a:spLocks noGrp="1"/>
+          </p:cNvSpPr>
+          <p:nvPr>
+            <p:ph type="title"/>
+          </p:nvPr>
+        </p:nvSpPr>
+        <p:spPr/>
+        <p:txBody>
+          <a:bodyPr/>
+          <a:lstStyle/>
+          <a:p>
+            <a:pPr algn="ctr"/>
+            <a:r>
+              <a:rPr lang="es-CO" dirty="0"/>
+              <a:t>EJEMPLO 2</a:t>
+            </a:r>
+          </a:p>
+        </p:txBody>
+      </p:sp>
+      <p:sp>
+        <p:nvSpPr>
+          <p:cNvPr id="3" name="Marcador de contenido 2"/>
+          <p:cNvSpPr>
+            <a:spLocks noGrp="1"/>
+          </p:cNvSpPr>
+          <p:nvPr>
+            <p:ph idx="1"/>
+          </p:nvPr>
+        </p:nvSpPr>
+        <p:spPr/>
+        <p:txBody>
+          <a:bodyPr>
+            <a:noAutofit/>
+          </a:bodyPr>
+          <a:lstStyle/>
+          <a:p>
+            <a:pPr algn="just"/>
+            <a:r>
+              <a:rPr lang="es-CO" sz="3200" dirty="0"/>
+              <a:t>Un  cargamento de 100 grabadoras contiene 25 defectuosas, si 10 de ellas son escogidas aleatoriamente para revisión ¿Cuál es la probabilidad de que dos estén defectuosas? Utilizando</a:t>
+            </a:r>
+          </a:p>
+          <a:p>
+            <a:pPr algn="just"/>
+            <a:r>
+              <a:rPr lang="es-CO" sz="3200" dirty="0"/>
+              <a:t>A) La formula de la </a:t>
+            </a:r>
+            <a:r>
+              <a:rPr lang="es-CO" sz="3200" dirty="0" err="1"/>
+              <a:t>hipergeometrica</a:t>
+            </a:r>
+            <a:endParaRPr lang="es-CO" sz="3200" dirty="0"/>
+          </a:p>
+          <a:p>
+            <a:pPr algn="just"/>
+            <a:r>
+              <a:rPr lang="es-CO" sz="3200" dirty="0"/>
+              <a:t>B) La formula de la  aproximación a la binomial</a:t>
+            </a:r>
+          </a:p>
+        </p:txBody>
+      </p:sp>
+    </p:spTree>
+    <p:extLst>
+      <p:ext uri="{BB962C8B-B14F-4D97-AF65-F5344CB8AC3E}">
+        <p14:creationId xmlns:p14="http://schemas.microsoft.com/office/powerpoint/2010/main" val="1961294577"/>
+      </p:ext>
+    </p:extLst>
+  </p:cSld>
+  <p:clrMapOvr>
+    <a:masterClrMapping/>
+  </p:clrMapOvr>
+</p:sld>
+</file>
+
+<file path=ppt/slides/slide48.xml><?xml version="1.0" encoding="utf-8"?>
+<p:sld xmlns:a="http://schemas.openxmlformats.org/drawingml/2006/main" xmlns:r="http://schemas.openxmlformats.org/officeDocument/2006/relationships" xmlns:p="http://schemas.openxmlformats.org/presentationml/2006/main">
+  <p:cSld>
+    <p:spTree>
+      <p:nvGrpSpPr>
+        <p:cNvPr id="1" name=""/>
+        <p:cNvGrpSpPr/>
+        <p:nvPr/>
+      </p:nvGrpSpPr>
+      <p:grpSpPr>
+        <a:xfrm>
+          <a:off x="0" y="0"/>
+          <a:ext cx="0" cy="0"/>
+          <a:chOff x="0" y="0"/>
+          <a:chExt cx="0" cy="0"/>
+        </a:xfrm>
+      </p:grpSpPr>
+      <p:sp>
+        <p:nvSpPr>
+          <p:cNvPr id="2" name="Título 1"/>
+          <p:cNvSpPr>
+            <a:spLocks noGrp="1"/>
+          </p:cNvSpPr>
+          <p:nvPr>
+            <p:ph type="title"/>
+          </p:nvPr>
+        </p:nvSpPr>
+        <p:spPr/>
+        <p:txBody>
+          <a:bodyPr/>
+          <a:lstStyle/>
+          <a:p>
+            <a:endParaRPr lang="es-CO" dirty="0"/>
+          </a:p>
+        </p:txBody>
+      </p:sp>
+      <p:sp>
+        <p:nvSpPr>
+          <p:cNvPr id="3" name="Marcador de contenido 2"/>
+          <p:cNvSpPr>
+            <a:spLocks noGrp="1"/>
+          </p:cNvSpPr>
+          <p:nvPr>
+            <p:ph idx="1"/>
+          </p:nvPr>
+        </p:nvSpPr>
+        <p:spPr>
+          <a:xfrm>
+            <a:off x="732935" y="1209056"/>
+            <a:ext cx="11029615" cy="3678303"/>
+          </a:xfrm>
+        </p:spPr>
+        <p:txBody>
+          <a:bodyPr>
+            <a:normAutofit/>
+          </a:bodyPr>
+          <a:lstStyle/>
+          <a:p>
+            <a:pPr algn="just"/>
+            <a:r>
+              <a:rPr lang="es-CO" sz="2800" dirty="0"/>
+              <a:t>Una lista de clientes de una empresa contiene 1000 cuentas. De estos, 700 han comprado al menos una vez en la empresa en los últimos 3 meses. Para evaluar la frecuencia,  se encuestan 50 clientes ¿Cuál es la probabilidad de que más de 45 de los clientes encuestados hayan comprado  en la empresa en los últimos 3 meses?</a:t>
+            </a:r>
+          </a:p>
+        </p:txBody>
+      </p:sp>
+      <p:pic>
+        <p:nvPicPr>
+          <p:cNvPr id="4" name="Imagen 3"/>
+          <p:cNvPicPr>
+            <a:picLocks noChangeAspect="1"/>
+          </p:cNvPicPr>
+          <p:nvPr/>
+        </p:nvPicPr>
+        <p:blipFill>
+          <a:blip r:embed="rId2"/>
+          <a:stretch>
+            <a:fillRect/>
+          </a:stretch>
+        </p:blipFill>
+        <p:spPr>
+          <a:xfrm>
+            <a:off x="1847321" y="4650109"/>
+            <a:ext cx="8497358" cy="1733899"/>
+          </a:xfrm>
+          <a:prstGeom prst="rect">
+            <a:avLst/>
+          </a:prstGeom>
+        </p:spPr>
+      </p:pic>
+    </p:spTree>
+    <p:extLst>
+      <p:ext uri="{BB962C8B-B14F-4D97-AF65-F5344CB8AC3E}">
+        <p14:creationId xmlns:p14="http://schemas.microsoft.com/office/powerpoint/2010/main" val="3921264772"/>
+      </p:ext>
+    </p:extLst>
+  </p:cSld>
+  <p:clrMapOvr>
+    <a:masterClrMapping/>
+  </p:clrMapOvr>
+</p:sld>
+</file>
+
+<file path=ppt/slides/slide49.xml><?xml version="1.0" encoding="utf-8"?>
+<p:sld xmlns:a="http://schemas.openxmlformats.org/drawingml/2006/main" xmlns:r="http://schemas.openxmlformats.org/officeDocument/2006/relationships" xmlns:p="http://schemas.openxmlformats.org/presentationml/2006/main">
+  <p:cSld>
+    <p:spTree>
+      <p:nvGrpSpPr>
+        <p:cNvPr id="1" name=""/>
+        <p:cNvGrpSpPr/>
+        <p:nvPr/>
+      </p:nvGrpSpPr>
+      <p:grpSpPr>
+        <a:xfrm>
+          <a:off x="0" y="0"/>
+          <a:ext cx="0" cy="0"/>
+          <a:chOff x="0" y="0"/>
+          <a:chExt cx="0" cy="0"/>
+        </a:xfrm>
+      </p:grpSpPr>
+      <p:sp>
+        <p:nvSpPr>
+          <p:cNvPr id="2" name="Título 1"/>
+          <p:cNvSpPr>
+            <a:spLocks noGrp="1"/>
+          </p:cNvSpPr>
+          <p:nvPr>
+            <p:ph type="title"/>
+          </p:nvPr>
+        </p:nvSpPr>
+        <p:spPr/>
+        <p:txBody>
+          <a:bodyPr/>
+          <a:lstStyle/>
+          <a:p>
+            <a:endParaRPr lang="es-CO" dirty="0"/>
+          </a:p>
+        </p:txBody>
+      </p:sp>
+      <p:sp>
+        <p:nvSpPr>
+          <p:cNvPr id="3" name="Marcador de contenido 2"/>
+          <p:cNvSpPr>
+            <a:spLocks noGrp="1"/>
+          </p:cNvSpPr>
+          <p:nvPr>
+            <p:ph idx="1"/>
+          </p:nvPr>
+        </p:nvSpPr>
+        <p:spPr>
+          <a:xfrm>
+            <a:off x="409740" y="813608"/>
+            <a:ext cx="11029615" cy="3678303"/>
+          </a:xfrm>
+        </p:spPr>
+        <p:txBody>
+          <a:bodyPr>
+            <a:normAutofit/>
+          </a:bodyPr>
+          <a:lstStyle/>
+          <a:p>
+            <a:pPr algn="just"/>
+            <a:r>
+              <a:rPr lang="es-CO" sz="2800" dirty="0"/>
+              <a:t>Sea X la </a:t>
+            </a:r>
+            <a:r>
+              <a:rPr lang="es-CO" sz="2800" dirty="0" err="1"/>
+              <a:t>v.a</a:t>
+            </a:r>
+            <a:r>
+              <a:rPr lang="es-CO" sz="2800" dirty="0"/>
+              <a:t> que denota el numero de clientes en la muestra que han comprado en la empresa en los últimos 3 meses Luego X es una variable aleatoria </a:t>
+            </a:r>
+            <a:r>
+              <a:rPr lang="es-CO" sz="2800" dirty="0" err="1"/>
+              <a:t>hipergeometrica</a:t>
+            </a:r>
+            <a:r>
+              <a:rPr lang="es-CO" sz="2800" dirty="0"/>
+              <a:t> con N=1000, K=700, n=50</a:t>
+            </a:r>
+          </a:p>
+        </p:txBody>
+      </p:sp>
+      <p:pic>
+        <p:nvPicPr>
+          <p:cNvPr id="4" name="Imagen 3"/>
+          <p:cNvPicPr>
+            <a:picLocks noChangeAspect="1"/>
+          </p:cNvPicPr>
+          <p:nvPr/>
+        </p:nvPicPr>
+        <p:blipFill>
+          <a:blip r:embed="rId2"/>
+          <a:stretch>
+            <a:fillRect/>
+          </a:stretch>
+        </p:blipFill>
+        <p:spPr>
+          <a:xfrm>
+            <a:off x="1863750" y="3589562"/>
+            <a:ext cx="8121597" cy="2846954"/>
+          </a:xfrm>
+          <a:prstGeom prst="rect">
+            <a:avLst/>
+          </a:prstGeom>
+        </p:spPr>
+      </p:pic>
+    </p:spTree>
+    <p:extLst>
+      <p:ext uri="{BB962C8B-B14F-4D97-AF65-F5344CB8AC3E}">
+        <p14:creationId xmlns:p14="http://schemas.microsoft.com/office/powerpoint/2010/main" val="3910347508"/>
+      </p:ext>
+    </p:extLst>
+  </p:cSld>
+  <p:clrMapOvr>
+    <a:masterClrMapping/>
+  </p:clrMapOvr>
 </p:sld>
 </file>
 
@@ -11452,10 +12666,9 @@
           <a:p>
             <a:pPr algn="ctr"/>
             <a:r>
-              <a:rPr lang="es-CO" sz="4800" dirty="0" smtClean="0"/>
+              <a:rPr lang="es-CO" sz="4800" dirty="0"/>
               <a:t>EJEMPLO</a:t>
             </a:r>
-            <a:endParaRPr lang="es-CO" sz="4800" dirty="0"/>
           </a:p>
         </p:txBody>
       </p:sp>
@@ -11483,17 +12696,16 @@
           <a:p>
             <a:pPr algn="just"/>
             <a:r>
-              <a:rPr lang="es-CO" sz="3200" dirty="0" smtClean="0"/>
+              <a:rPr lang="es-CO" sz="3200" dirty="0"/>
               <a:t>Se lanzan dos dados:</a:t>
             </a:r>
           </a:p>
           <a:p>
             <a:pPr algn="just"/>
             <a:r>
-              <a:rPr lang="es-CO" sz="3200" dirty="0" smtClean="0"/>
+              <a:rPr lang="es-CO" sz="3200" dirty="0"/>
               <a:t>Sea x la variable aleatoria obtenida al sumar el par de números obtenidos en los dos dados.</a:t>
             </a:r>
-            <a:endParaRPr lang="es-CO" sz="3200" dirty="0"/>
           </a:p>
         </p:txBody>
       </p:sp>
@@ -11572,13 +12784,1625 @@
   <p:clrMapOvr>
     <a:masterClrMapping/>
   </p:clrMapOvr>
-  <p:timing>
-    <p:tnLst>
-      <p:par>
-        <p:cTn id="1" dur="indefinite" restart="never" nodeType="tmRoot"/>
-      </p:par>
-    </p:tnLst>
-  </p:timing>
+</p:sld>
+</file>
+
+<file path=ppt/slides/slide50.xml><?xml version="1.0" encoding="utf-8"?>
+<p:sld xmlns:a="http://schemas.openxmlformats.org/drawingml/2006/main" xmlns:r="http://schemas.openxmlformats.org/officeDocument/2006/relationships" xmlns:p="http://schemas.openxmlformats.org/presentationml/2006/main">
+  <p:cSld>
+    <p:spTree>
+      <p:nvGrpSpPr>
+        <p:cNvPr id="1" name=""/>
+        <p:cNvGrpSpPr/>
+        <p:nvPr/>
+      </p:nvGrpSpPr>
+      <p:grpSpPr>
+        <a:xfrm>
+          <a:off x="0" y="0"/>
+          <a:ext cx="0" cy="0"/>
+          <a:chOff x="0" y="0"/>
+          <a:chExt cx="0" cy="0"/>
+        </a:xfrm>
+      </p:grpSpPr>
+      <p:sp>
+        <p:nvSpPr>
+          <p:cNvPr id="2" name="Título 1"/>
+          <p:cNvSpPr>
+            <a:spLocks noGrp="1"/>
+          </p:cNvSpPr>
+          <p:nvPr>
+            <p:ph type="title"/>
+          </p:nvPr>
+        </p:nvSpPr>
+        <p:spPr/>
+        <p:txBody>
+          <a:bodyPr/>
+          <a:lstStyle/>
+          <a:p>
+            <a:r>
+              <a:rPr lang="es-CO" dirty="0"/>
+              <a:t>Aproximación</a:t>
+            </a:r>
+          </a:p>
+        </p:txBody>
+      </p:sp>
+      <p:sp>
+        <p:nvSpPr>
+          <p:cNvPr id="3" name="Marcador de contenido 2"/>
+          <p:cNvSpPr>
+            <a:spLocks noGrp="1"/>
+          </p:cNvSpPr>
+          <p:nvPr>
+            <p:ph idx="1"/>
+          </p:nvPr>
+        </p:nvSpPr>
+        <p:spPr>
+          <a:xfrm>
+            <a:off x="581190" y="2542446"/>
+            <a:ext cx="11029615" cy="3678303"/>
+          </a:xfrm>
+        </p:spPr>
+        <p:txBody>
+          <a:bodyPr>
+            <a:normAutofit fontScale="25000" lnSpcReduction="20000"/>
+          </a:bodyPr>
+          <a:lstStyle/>
+          <a:p>
+            <a:r>
+              <a:rPr lang="es-CO" sz="11200" dirty="0"/>
+              <a:t>Ya que n/N=0.05 es pequeño y p=K/N=0.7 luego se usa la binomial para aproximar a la </a:t>
+            </a:r>
+            <a:r>
+              <a:rPr lang="es-CO" sz="11200" dirty="0" err="1"/>
+              <a:t>hipergeometrica</a:t>
+            </a:r>
+            <a:endParaRPr lang="es-CO" sz="11200" dirty="0"/>
+          </a:p>
+          <a:p>
+            <a:endParaRPr lang="es-CO" sz="11200" dirty="0"/>
+          </a:p>
+          <a:p>
+            <a:endParaRPr lang="es-CO" sz="11200" dirty="0"/>
+          </a:p>
+          <a:p>
+            <a:endParaRPr lang="es-CO" sz="11200" dirty="0"/>
+          </a:p>
+          <a:p>
+            <a:endParaRPr lang="es-CO" sz="11200" dirty="0"/>
+          </a:p>
+          <a:p>
+            <a:r>
+              <a:rPr lang="es-CO" sz="11200" dirty="0"/>
+              <a:t>El valor de la </a:t>
+            </a:r>
+            <a:r>
+              <a:rPr lang="es-CO" sz="11200" dirty="0" err="1"/>
+              <a:t>hipergeometrica</a:t>
+            </a:r>
+            <a:r>
+              <a:rPr lang="es-CO" sz="11200" dirty="0"/>
+              <a:t> es 0.00013.</a:t>
+            </a:r>
+          </a:p>
+          <a:p>
+            <a:r>
+              <a:rPr lang="es-CO" sz="11200" dirty="0"/>
+              <a:t>El error absoluto es 0.00004 pero el error relativo obtenido al usa la aproximación es (17-13)/13=31%</a:t>
+            </a:r>
+          </a:p>
+          <a:p>
+            <a:endParaRPr lang="es-CO" dirty="0"/>
+          </a:p>
+          <a:p>
+            <a:endParaRPr lang="es-CO" dirty="0"/>
+          </a:p>
+          <a:p>
+            <a:endParaRPr lang="es-CO" dirty="0"/>
+          </a:p>
+        </p:txBody>
+      </p:sp>
+      <p:pic>
+        <p:nvPicPr>
+          <p:cNvPr id="4" name="Imagen 3"/>
+          <p:cNvPicPr>
+            <a:picLocks noChangeAspect="1"/>
+          </p:cNvPicPr>
+          <p:nvPr/>
+        </p:nvPicPr>
+        <p:blipFill>
+          <a:blip r:embed="rId2"/>
+          <a:stretch>
+            <a:fillRect/>
+          </a:stretch>
+        </p:blipFill>
+        <p:spPr>
+          <a:xfrm>
+            <a:off x="1854064" y="2980767"/>
+            <a:ext cx="8483865" cy="1248430"/>
+          </a:xfrm>
+          <a:prstGeom prst="rect">
+            <a:avLst/>
+          </a:prstGeom>
+        </p:spPr>
+      </p:pic>
+    </p:spTree>
+    <p:extLst>
+      <p:ext uri="{BB962C8B-B14F-4D97-AF65-F5344CB8AC3E}">
+        <p14:creationId xmlns:p14="http://schemas.microsoft.com/office/powerpoint/2010/main" val="4247485442"/>
+      </p:ext>
+    </p:extLst>
+  </p:cSld>
+  <p:clrMapOvr>
+    <a:masterClrMapping/>
+  </p:clrMapOvr>
+</p:sld>
+</file>
+
+<file path=ppt/slides/slide51.xml><?xml version="1.0" encoding="utf-8"?>
+<p:sld xmlns:a="http://schemas.openxmlformats.org/drawingml/2006/main" xmlns:r="http://schemas.openxmlformats.org/officeDocument/2006/relationships" xmlns:p="http://schemas.openxmlformats.org/presentationml/2006/main">
+  <p:cSld>
+    <p:spTree>
+      <p:nvGrpSpPr>
+        <p:cNvPr id="1" name=""/>
+        <p:cNvGrpSpPr/>
+        <p:nvPr/>
+      </p:nvGrpSpPr>
+      <p:grpSpPr>
+        <a:xfrm>
+          <a:off x="0" y="0"/>
+          <a:ext cx="0" cy="0"/>
+          <a:chOff x="0" y="0"/>
+          <a:chExt cx="0" cy="0"/>
+        </a:xfrm>
+      </p:grpSpPr>
+      <p:sp>
+        <p:nvSpPr>
+          <p:cNvPr id="2" name="Título 1"/>
+          <p:cNvSpPr>
+            <a:spLocks noGrp="1"/>
+          </p:cNvSpPr>
+          <p:nvPr>
+            <p:ph type="title"/>
+          </p:nvPr>
+        </p:nvSpPr>
+        <p:spPr/>
+        <p:txBody>
+          <a:bodyPr/>
+          <a:lstStyle/>
+          <a:p>
+            <a:endParaRPr lang="es-CO"/>
+          </a:p>
+        </p:txBody>
+      </p:sp>
+      <p:pic>
+        <p:nvPicPr>
+          <p:cNvPr id="4" name="Marcador de contenido 3"/>
+          <p:cNvPicPr>
+            <a:picLocks noGrp="1" noChangeAspect="1"/>
+          </p:cNvPicPr>
+          <p:nvPr>
+            <p:ph idx="1"/>
+          </p:nvPr>
+        </p:nvPicPr>
+        <p:blipFill>
+          <a:blip r:embed="rId2"/>
+          <a:stretch>
+            <a:fillRect/>
+          </a:stretch>
+        </p:blipFill>
+        <p:spPr>
+          <a:xfrm>
+            <a:off x="790437" y="873606"/>
+            <a:ext cx="10611125" cy="5583680"/>
+          </a:xfrm>
+          <a:prstGeom prst="rect">
+            <a:avLst/>
+          </a:prstGeom>
+        </p:spPr>
+      </p:pic>
+    </p:spTree>
+    <p:extLst>
+      <p:ext uri="{BB962C8B-B14F-4D97-AF65-F5344CB8AC3E}">
+        <p14:creationId xmlns:p14="http://schemas.microsoft.com/office/powerpoint/2010/main" val="2358384382"/>
+      </p:ext>
+    </p:extLst>
+  </p:cSld>
+  <p:clrMapOvr>
+    <a:masterClrMapping/>
+  </p:clrMapOvr>
+</p:sld>
+</file>
+
+<file path=ppt/slides/slide52.xml><?xml version="1.0" encoding="utf-8"?>
+<p:sld xmlns:a="http://schemas.openxmlformats.org/drawingml/2006/main" xmlns:r="http://schemas.openxmlformats.org/officeDocument/2006/relationships" xmlns:p="http://schemas.openxmlformats.org/presentationml/2006/main">
+  <p:cSld>
+    <p:spTree>
+      <p:nvGrpSpPr>
+        <p:cNvPr id="1" name=""/>
+        <p:cNvGrpSpPr/>
+        <p:nvPr/>
+      </p:nvGrpSpPr>
+      <p:grpSpPr>
+        <a:xfrm>
+          <a:off x="0" y="0"/>
+          <a:ext cx="0" cy="0"/>
+          <a:chOff x="0" y="0"/>
+          <a:chExt cx="0" cy="0"/>
+        </a:xfrm>
+      </p:grpSpPr>
+      <p:sp>
+        <p:nvSpPr>
+          <p:cNvPr id="2" name="Título 1"/>
+          <p:cNvSpPr>
+            <a:spLocks noGrp="1"/>
+          </p:cNvSpPr>
+          <p:nvPr>
+            <p:ph type="title"/>
+          </p:nvPr>
+        </p:nvSpPr>
+        <p:spPr/>
+        <p:txBody>
+          <a:bodyPr/>
+          <a:lstStyle/>
+          <a:p>
+            <a:pPr algn="ctr"/>
+            <a:r>
+              <a:rPr lang="es-CO" b="1" dirty="0"/>
+              <a:t>Distribución de probabilidad de </a:t>
+            </a:r>
+            <a:r>
+              <a:rPr lang="es-CO" b="1" dirty="0" err="1"/>
+              <a:t>poisson</a:t>
+            </a:r>
+            <a:endParaRPr lang="es-CO" b="1" dirty="0"/>
+          </a:p>
+        </p:txBody>
+      </p:sp>
+      <p:sp>
+        <p:nvSpPr>
+          <p:cNvPr id="3" name="Marcador de contenido 2"/>
+          <p:cNvSpPr>
+            <a:spLocks noGrp="1"/>
+          </p:cNvSpPr>
+          <p:nvPr>
+            <p:ph idx="1"/>
+          </p:nvPr>
+        </p:nvSpPr>
+        <p:spPr>
+          <a:xfrm>
+            <a:off x="581192" y="2180497"/>
+            <a:ext cx="11029615" cy="981804"/>
+          </a:xfrm>
+        </p:spPr>
+        <p:txBody>
+          <a:bodyPr>
+            <a:noAutofit/>
+          </a:bodyPr>
+          <a:lstStyle/>
+          <a:p>
+            <a:pPr marL="0" indent="0">
+              <a:buNone/>
+            </a:pPr>
+            <a:r>
+              <a:rPr lang="es-CO" sz="2800" dirty="0"/>
+              <a:t> Describe eventos discretos, así como el numero de eventos por intervalo</a:t>
+            </a:r>
+          </a:p>
+        </p:txBody>
+      </p:sp>
+      <p:pic>
+        <p:nvPicPr>
+          <p:cNvPr id="5" name="Imagen 4"/>
+          <p:cNvPicPr>
+            <a:picLocks noChangeAspect="1"/>
+          </p:cNvPicPr>
+          <p:nvPr/>
+        </p:nvPicPr>
+        <p:blipFill>
+          <a:blip r:embed="rId2"/>
+          <a:stretch>
+            <a:fillRect/>
+          </a:stretch>
+        </p:blipFill>
+        <p:spPr>
+          <a:xfrm>
+            <a:off x="2477697" y="3733075"/>
+            <a:ext cx="7541406" cy="2609314"/>
+          </a:xfrm>
+          <a:prstGeom prst="rect">
+            <a:avLst/>
+          </a:prstGeom>
+        </p:spPr>
+      </p:pic>
+    </p:spTree>
+    <p:extLst>
+      <p:ext uri="{BB962C8B-B14F-4D97-AF65-F5344CB8AC3E}">
+        <p14:creationId xmlns:p14="http://schemas.microsoft.com/office/powerpoint/2010/main" val="2516613920"/>
+      </p:ext>
+    </p:extLst>
+  </p:cSld>
+  <p:clrMapOvr>
+    <a:masterClrMapping/>
+  </p:clrMapOvr>
+</p:sld>
+</file>
+
+<file path=ppt/slides/slide53.xml><?xml version="1.0" encoding="utf-8"?>
+<p:sld xmlns:a="http://schemas.openxmlformats.org/drawingml/2006/main" xmlns:r="http://schemas.openxmlformats.org/officeDocument/2006/relationships" xmlns:p="http://schemas.openxmlformats.org/presentationml/2006/main">
+  <p:cSld>
+    <p:spTree>
+      <p:nvGrpSpPr>
+        <p:cNvPr id="1" name=""/>
+        <p:cNvGrpSpPr/>
+        <p:nvPr/>
+      </p:nvGrpSpPr>
+      <p:grpSpPr>
+        <a:xfrm>
+          <a:off x="0" y="0"/>
+          <a:ext cx="0" cy="0"/>
+          <a:chOff x="0" y="0"/>
+          <a:chExt cx="0" cy="0"/>
+        </a:xfrm>
+      </p:grpSpPr>
+      <p:sp>
+        <p:nvSpPr>
+          <p:cNvPr id="3" name="Marcador de contenido 2"/>
+          <p:cNvSpPr>
+            <a:spLocks noGrp="1"/>
+          </p:cNvSpPr>
+          <p:nvPr>
+            <p:ph idx="1"/>
+          </p:nvPr>
+        </p:nvSpPr>
+        <p:spPr>
+          <a:xfrm>
+            <a:off x="462455" y="836713"/>
+            <a:ext cx="11204028" cy="4525963"/>
+          </a:xfrm>
+        </p:spPr>
+        <p:txBody>
+          <a:bodyPr>
+            <a:normAutofit/>
+          </a:bodyPr>
+          <a:lstStyle/>
+          <a:p>
+            <a:pPr marL="0" indent="0">
+              <a:buNone/>
+            </a:pPr>
+            <a:r>
+              <a:rPr lang="es-CO" sz="2800" dirty="0"/>
+              <a:t>Una variable aleatoria </a:t>
+            </a:r>
+            <a:r>
+              <a:rPr lang="es-CO" sz="2800" dirty="0" err="1"/>
+              <a:t>poisson</a:t>
+            </a:r>
+            <a:r>
+              <a:rPr lang="es-CO" sz="2800" dirty="0"/>
+              <a:t> x es el numero de eventos por intervalo</a:t>
+            </a:r>
+          </a:p>
+          <a:p>
+            <a:r>
+              <a:rPr lang="es-CO" sz="2800" dirty="0"/>
+              <a:t>Clientes por hora</a:t>
+            </a:r>
+          </a:p>
+          <a:p>
+            <a:r>
+              <a:rPr lang="es-CO" sz="2800" dirty="0"/>
+              <a:t>Fallas por metros en rollos de tela</a:t>
+            </a:r>
+          </a:p>
+          <a:p>
+            <a:r>
+              <a:rPr lang="es-CO" sz="2800" dirty="0"/>
+              <a:t>Llamadas por hora</a:t>
+            </a:r>
+          </a:p>
+        </p:txBody>
+      </p:sp>
+      <p:pic>
+        <p:nvPicPr>
+          <p:cNvPr id="4" name="Imagen 3"/>
+          <p:cNvPicPr>
+            <a:picLocks noChangeAspect="1"/>
+          </p:cNvPicPr>
+          <p:nvPr/>
+        </p:nvPicPr>
+        <p:blipFill>
+          <a:blip r:embed="rId2"/>
+          <a:stretch>
+            <a:fillRect/>
+          </a:stretch>
+        </p:blipFill>
+        <p:spPr>
+          <a:xfrm>
+            <a:off x="1855326" y="4663036"/>
+            <a:ext cx="8418285" cy="1598058"/>
+          </a:xfrm>
+          <a:prstGeom prst="rect">
+            <a:avLst/>
+          </a:prstGeom>
+        </p:spPr>
+      </p:pic>
+    </p:spTree>
+    <p:extLst>
+      <p:ext uri="{BB962C8B-B14F-4D97-AF65-F5344CB8AC3E}">
+        <p14:creationId xmlns:p14="http://schemas.microsoft.com/office/powerpoint/2010/main" val="3305304733"/>
+      </p:ext>
+    </p:extLst>
+  </p:cSld>
+  <p:clrMapOvr>
+    <a:masterClrMapping/>
+  </p:clrMapOvr>
+</p:sld>
+</file>
+
+<file path=ppt/slides/slide54.xml><?xml version="1.0" encoding="utf-8"?>
+<p:sld xmlns:a="http://schemas.openxmlformats.org/drawingml/2006/main" xmlns:r="http://schemas.openxmlformats.org/officeDocument/2006/relationships" xmlns:p="http://schemas.openxmlformats.org/presentationml/2006/main">
+  <p:cSld>
+    <p:spTree>
+      <p:nvGrpSpPr>
+        <p:cNvPr id="1" name=""/>
+        <p:cNvGrpSpPr/>
+        <p:nvPr/>
+      </p:nvGrpSpPr>
+      <p:grpSpPr>
+        <a:xfrm>
+          <a:off x="0" y="0"/>
+          <a:ext cx="0" cy="0"/>
+          <a:chOff x="0" y="0"/>
+          <a:chExt cx="0" cy="0"/>
+        </a:xfrm>
+      </p:grpSpPr>
+      <p:sp>
+        <p:nvSpPr>
+          <p:cNvPr id="2" name="Título 1"/>
+          <p:cNvSpPr>
+            <a:spLocks noGrp="1"/>
+          </p:cNvSpPr>
+          <p:nvPr>
+            <p:ph type="title"/>
+          </p:nvPr>
+        </p:nvSpPr>
+        <p:spPr/>
+        <p:txBody>
+          <a:bodyPr>
+            <a:normAutofit fontScale="90000"/>
+          </a:bodyPr>
+          <a:lstStyle/>
+          <a:p>
+            <a:r>
+              <a:rPr lang="es-CO" sz="3600" b="1" dirty="0"/>
+              <a:t>Función de distribución de probabilidad</a:t>
+            </a:r>
+          </a:p>
+        </p:txBody>
+      </p:sp>
+      <p:pic>
+        <p:nvPicPr>
+          <p:cNvPr id="4" name="Marcador de contenido 3"/>
+          <p:cNvPicPr>
+            <a:picLocks noGrp="1" noChangeAspect="1"/>
+          </p:cNvPicPr>
+          <p:nvPr>
+            <p:ph idx="1"/>
+          </p:nvPr>
+        </p:nvPicPr>
+        <p:blipFill>
+          <a:blip r:embed="rId2"/>
+          <a:stretch>
+            <a:fillRect/>
+          </a:stretch>
+        </p:blipFill>
+        <p:spPr>
+          <a:xfrm>
+            <a:off x="3079386" y="2428056"/>
+            <a:ext cx="6033228" cy="1360984"/>
+          </a:xfrm>
+          <a:prstGeom prst="rect">
+            <a:avLst/>
+          </a:prstGeom>
+        </p:spPr>
+      </p:pic>
+      <p:sp>
+        <p:nvSpPr>
+          <p:cNvPr id="5" name="CuadroTexto 4"/>
+          <p:cNvSpPr txBox="1"/>
+          <p:nvPr/>
+        </p:nvSpPr>
+        <p:spPr>
+          <a:xfrm>
+            <a:off x="1166648" y="4822426"/>
+            <a:ext cx="10889651" cy="830997"/>
+          </a:xfrm>
+          <a:prstGeom prst="rect">
+            <a:avLst/>
+          </a:prstGeom>
+          <a:noFill/>
+        </p:spPr>
+        <p:txBody>
+          <a:bodyPr wrap="square" rtlCol="0">
+            <a:spAutoFit/>
+          </a:bodyPr>
+          <a:lstStyle/>
+          <a:p>
+            <a:r>
+              <a:rPr lang="es-CO" sz="2400" dirty="0"/>
+              <a:t>Donde </a:t>
+            </a:r>
+            <a:r>
+              <a:rPr lang="el-GR" sz="2400" dirty="0"/>
+              <a:t>λ</a:t>
+            </a:r>
+            <a:r>
+              <a:rPr lang="es-419" sz="2400" dirty="0"/>
+              <a:t> representa la tasa de ocurrencia de los eventos con </a:t>
+            </a:r>
+            <a:r>
+              <a:rPr lang="el-GR" sz="2400" dirty="0"/>
+              <a:t>λ</a:t>
+            </a:r>
+            <a:r>
+              <a:rPr lang="es-419" sz="2400" dirty="0"/>
+              <a:t>&gt;0</a:t>
+            </a:r>
+          </a:p>
+          <a:p>
+            <a:r>
+              <a:rPr lang="es-419" sz="2400" dirty="0"/>
+              <a:t>X es el número de ocurrencias del evento con x=</a:t>
+            </a:r>
+            <a:r>
+              <a:rPr lang="es-CO" sz="2400" dirty="0"/>
+              <a:t> 0,1,2,3,…</a:t>
+            </a:r>
+          </a:p>
+        </p:txBody>
+      </p:sp>
+    </p:spTree>
+    <p:extLst>
+      <p:ext uri="{BB962C8B-B14F-4D97-AF65-F5344CB8AC3E}">
+        <p14:creationId xmlns:p14="http://schemas.microsoft.com/office/powerpoint/2010/main" val="1186283880"/>
+      </p:ext>
+    </p:extLst>
+  </p:cSld>
+  <p:clrMapOvr>
+    <a:masterClrMapping/>
+  </p:clrMapOvr>
+</p:sld>
+</file>
+
+<file path=ppt/slides/slide55.xml><?xml version="1.0" encoding="utf-8"?>
+<p:sld xmlns:a="http://schemas.openxmlformats.org/drawingml/2006/main" xmlns:r="http://schemas.openxmlformats.org/officeDocument/2006/relationships" xmlns:p="http://schemas.openxmlformats.org/presentationml/2006/main">
+  <p:cSld>
+    <p:spTree>
+      <p:nvGrpSpPr>
+        <p:cNvPr id="1" name=""/>
+        <p:cNvGrpSpPr/>
+        <p:nvPr/>
+      </p:nvGrpSpPr>
+      <p:grpSpPr>
+        <a:xfrm>
+          <a:off x="0" y="0"/>
+          <a:ext cx="0" cy="0"/>
+          <a:chOff x="0" y="0"/>
+          <a:chExt cx="0" cy="0"/>
+        </a:xfrm>
+      </p:grpSpPr>
+      <p:sp>
+        <p:nvSpPr>
+          <p:cNvPr id="2" name="Título 1"/>
+          <p:cNvSpPr>
+            <a:spLocks noGrp="1"/>
+          </p:cNvSpPr>
+          <p:nvPr>
+            <p:ph type="title"/>
+          </p:nvPr>
+        </p:nvSpPr>
+        <p:spPr/>
+        <p:txBody>
+          <a:bodyPr/>
+          <a:lstStyle/>
+          <a:p>
+            <a:pPr algn="ctr"/>
+            <a:r>
+              <a:rPr lang="es-CO" b="1" dirty="0"/>
+              <a:t>Gráficos de la </a:t>
+            </a:r>
+            <a:r>
+              <a:rPr lang="es-CO" b="1" dirty="0" err="1"/>
+              <a:t>fdp</a:t>
+            </a:r>
+            <a:r>
+              <a:rPr lang="es-CO" b="1" dirty="0"/>
+              <a:t> de </a:t>
+            </a:r>
+            <a:r>
+              <a:rPr lang="es-CO" b="1" dirty="0" err="1"/>
+              <a:t>poisson</a:t>
+            </a:r>
+            <a:endParaRPr lang="es-CO" b="1" dirty="0"/>
+          </a:p>
+        </p:txBody>
+      </p:sp>
+      <p:pic>
+        <p:nvPicPr>
+          <p:cNvPr id="4" name="Imagen 3"/>
+          <p:cNvPicPr>
+            <a:picLocks noChangeAspect="1"/>
+          </p:cNvPicPr>
+          <p:nvPr/>
+        </p:nvPicPr>
+        <p:blipFill>
+          <a:blip r:embed="rId2"/>
+          <a:stretch>
+            <a:fillRect/>
+          </a:stretch>
+        </p:blipFill>
+        <p:spPr>
+          <a:xfrm>
+            <a:off x="1625925" y="1828800"/>
+            <a:ext cx="8940148" cy="4724709"/>
+          </a:xfrm>
+          <a:prstGeom prst="rect">
+            <a:avLst/>
+          </a:prstGeom>
+        </p:spPr>
+      </p:pic>
+    </p:spTree>
+    <p:extLst>
+      <p:ext uri="{BB962C8B-B14F-4D97-AF65-F5344CB8AC3E}">
+        <p14:creationId xmlns:p14="http://schemas.microsoft.com/office/powerpoint/2010/main" val="3273381251"/>
+      </p:ext>
+    </p:extLst>
+  </p:cSld>
+  <p:clrMapOvr>
+    <a:masterClrMapping/>
+  </p:clrMapOvr>
+</p:sld>
+</file>
+
+<file path=ppt/slides/slide56.xml><?xml version="1.0" encoding="utf-8"?>
+<p:sld xmlns:a="http://schemas.openxmlformats.org/drawingml/2006/main" xmlns:r="http://schemas.openxmlformats.org/officeDocument/2006/relationships" xmlns:p="http://schemas.openxmlformats.org/presentationml/2006/main">
+  <p:cSld>
+    <p:spTree>
+      <p:nvGrpSpPr>
+        <p:cNvPr id="1" name=""/>
+        <p:cNvGrpSpPr/>
+        <p:nvPr/>
+      </p:nvGrpSpPr>
+      <p:grpSpPr>
+        <a:xfrm>
+          <a:off x="0" y="0"/>
+          <a:ext cx="0" cy="0"/>
+          <a:chOff x="0" y="0"/>
+          <a:chExt cx="0" cy="0"/>
+        </a:xfrm>
+      </p:grpSpPr>
+      <p:pic>
+        <p:nvPicPr>
+          <p:cNvPr id="4" name="Marcador de contenido 3"/>
+          <p:cNvPicPr>
+            <a:picLocks noGrp="1" noChangeAspect="1"/>
+          </p:cNvPicPr>
+          <p:nvPr>
+            <p:ph idx="1"/>
+          </p:nvPr>
+        </p:nvPicPr>
+        <p:blipFill>
+          <a:blip r:embed="rId2"/>
+          <a:stretch>
+            <a:fillRect/>
+          </a:stretch>
+        </p:blipFill>
+        <p:spPr>
+          <a:xfrm>
+            <a:off x="1019503" y="343167"/>
+            <a:ext cx="10510345" cy="6069183"/>
+          </a:xfrm>
+          <a:prstGeom prst="rect">
+            <a:avLst/>
+          </a:prstGeom>
+        </p:spPr>
+      </p:pic>
+    </p:spTree>
+    <p:extLst>
+      <p:ext uri="{BB962C8B-B14F-4D97-AF65-F5344CB8AC3E}">
+        <p14:creationId xmlns:p14="http://schemas.microsoft.com/office/powerpoint/2010/main" val="3466113338"/>
+      </p:ext>
+    </p:extLst>
+  </p:cSld>
+  <p:clrMapOvr>
+    <a:masterClrMapping/>
+  </p:clrMapOvr>
+</p:sld>
+</file>
+
+<file path=ppt/slides/slide57.xml><?xml version="1.0" encoding="utf-8"?>
+<p:sld xmlns:a="http://schemas.openxmlformats.org/drawingml/2006/main" xmlns:r="http://schemas.openxmlformats.org/officeDocument/2006/relationships" xmlns:p="http://schemas.openxmlformats.org/presentationml/2006/main">
+  <p:cSld>
+    <p:spTree>
+      <p:nvGrpSpPr>
+        <p:cNvPr id="1" name=""/>
+        <p:cNvGrpSpPr/>
+        <p:nvPr/>
+      </p:nvGrpSpPr>
+      <p:grpSpPr>
+        <a:xfrm>
+          <a:off x="0" y="0"/>
+          <a:ext cx="0" cy="0"/>
+          <a:chOff x="0" y="0"/>
+          <a:chExt cx="0" cy="0"/>
+        </a:xfrm>
+      </p:grpSpPr>
+      <p:sp>
+        <p:nvSpPr>
+          <p:cNvPr id="2" name="Título 1"/>
+          <p:cNvSpPr>
+            <a:spLocks noGrp="1"/>
+          </p:cNvSpPr>
+          <p:nvPr>
+            <p:ph type="title"/>
+          </p:nvPr>
+        </p:nvSpPr>
+        <p:spPr>
+          <a:xfrm>
+            <a:off x="581191" y="492606"/>
+            <a:ext cx="11029616" cy="1013800"/>
+          </a:xfrm>
+        </p:spPr>
+        <p:txBody>
+          <a:bodyPr/>
+          <a:lstStyle/>
+          <a:p>
+            <a:pPr algn="ctr"/>
+            <a:r>
+              <a:rPr lang="es-CO" b="1" dirty="0"/>
+              <a:t>PROCESO POISSON</a:t>
+            </a:r>
+          </a:p>
+        </p:txBody>
+      </p:sp>
+      <mc:AlternateContent xmlns:mc="http://schemas.openxmlformats.org/markup-compatibility/2006" xmlns:a14="http://schemas.microsoft.com/office/drawing/2010/main">
+        <mc:Choice Requires="a14">
+          <p:sp>
+            <p:nvSpPr>
+              <p:cNvPr id="3" name="Marcador de contenido 2"/>
+              <p:cNvSpPr>
+                <a:spLocks noGrp="1"/>
+              </p:cNvSpPr>
+              <p:nvPr>
+                <p:ph idx="1"/>
+              </p:nvPr>
+            </p:nvSpPr>
+            <p:spPr>
+              <a:xfrm>
+                <a:off x="581191" y="2313846"/>
+                <a:ext cx="11029615" cy="3678303"/>
+              </a:xfrm>
+            </p:spPr>
+            <p:txBody>
+              <a:bodyPr>
+                <a:normAutofit/>
+              </a:bodyPr>
+              <a:lstStyle/>
+              <a:p>
+                <a:pPr marL="0" indent="0" algn="just">
+                  <a:buNone/>
+                </a:pPr>
+                <a14:m>
+                  <m:oMathPara xmlns:m="http://schemas.openxmlformats.org/officeDocument/2006/math">
+                    <m:oMathParaPr>
+                      <m:jc m:val="centerGroup"/>
+                    </m:oMathParaPr>
+                    <m:oMath xmlns:m="http://schemas.openxmlformats.org/officeDocument/2006/math">
+                      <m:r>
+                        <m:rPr>
+                          <m:nor/>
+                        </m:rPr>
+                        <a:rPr lang="es-CO" sz="2800" b="0" i="0" dirty="0" smtClean="0"/>
+                        <m:t>E</m:t>
+                      </m:r>
+                      <m:r>
+                        <m:rPr>
+                          <m:nor/>
+                        </m:rPr>
+                        <a:rPr lang="es-CO" sz="2800" dirty="0"/>
+                        <m:t>l</m:t>
+                      </m:r>
+                      <m:r>
+                        <m:rPr>
+                          <m:nor/>
+                        </m:rPr>
+                        <a:rPr lang="es-CO" sz="2800" dirty="0"/>
+                        <m:t> </m:t>
+                      </m:r>
+                      <m:r>
+                        <m:rPr>
+                          <m:nor/>
+                        </m:rPr>
+                        <a:rPr lang="es-CO" sz="2800" dirty="0"/>
+                        <m:t>n</m:t>
+                      </m:r>
+                      <m:r>
+                        <m:rPr>
+                          <m:nor/>
+                        </m:rPr>
+                        <a:rPr lang="es-CO" sz="2800" dirty="0"/>
+                        <m:t>ú</m:t>
+                      </m:r>
+                      <m:r>
+                        <m:rPr>
+                          <m:nor/>
+                        </m:rPr>
+                        <a:rPr lang="es-CO" sz="2800" dirty="0"/>
+                        <m:t>mero</m:t>
+                      </m:r>
+                      <m:r>
+                        <m:rPr>
+                          <m:nor/>
+                        </m:rPr>
+                        <a:rPr lang="es-CO" sz="2800" dirty="0"/>
+                        <m:t> </m:t>
+                      </m:r>
+                      <m:r>
+                        <m:rPr>
+                          <m:nor/>
+                        </m:rPr>
+                        <a:rPr lang="es-CO" sz="2800" dirty="0"/>
+                        <m:t>de</m:t>
+                      </m:r>
+                      <m:r>
+                        <m:rPr>
+                          <m:nor/>
+                        </m:rPr>
+                        <a:rPr lang="es-CO" sz="2800" dirty="0"/>
+                        <m:t> </m:t>
+                      </m:r>
+                      <m:r>
+                        <m:rPr>
+                          <m:nor/>
+                        </m:rPr>
+                        <a:rPr lang="es-CO" sz="2800" dirty="0"/>
+                        <m:t>eventos</m:t>
+                      </m:r>
+                      <m:r>
+                        <m:rPr>
+                          <m:nor/>
+                        </m:rPr>
+                        <a:rPr lang="es-CO" sz="2800" dirty="0"/>
+                        <m:t> </m:t>
+                      </m:r>
+                      <m:r>
+                        <m:rPr>
+                          <m:nor/>
+                        </m:rPr>
+                        <a:rPr lang="es-CO" sz="2800" dirty="0"/>
+                        <m:t>durante</m:t>
+                      </m:r>
+                      <m:r>
+                        <m:rPr>
+                          <m:nor/>
+                        </m:rPr>
+                        <a:rPr lang="es-CO" sz="2800" dirty="0"/>
+                        <m:t> </m:t>
+                      </m:r>
+                      <m:r>
+                        <m:rPr>
+                          <m:nor/>
+                        </m:rPr>
+                        <a:rPr lang="es-CO" sz="2800" dirty="0"/>
+                        <m:t>un</m:t>
+                      </m:r>
+                      <m:r>
+                        <m:rPr>
+                          <m:nor/>
+                        </m:rPr>
+                        <a:rPr lang="es-CO" sz="2800" dirty="0"/>
+                        <m:t> </m:t>
+                      </m:r>
+                      <m:r>
+                        <m:rPr>
+                          <m:nor/>
+                        </m:rPr>
+                        <a:rPr lang="es-CO" sz="2800" dirty="0"/>
+                        <m:t>intervalo</m:t>
+                      </m:r>
+                      <m:r>
+                        <m:rPr>
+                          <m:nor/>
+                        </m:rPr>
+                        <a:rPr lang="es-CO" sz="2800" dirty="0"/>
+                        <m:t> </m:t>
+                      </m:r>
+                      <m:r>
+                        <m:rPr>
+                          <m:nor/>
+                        </m:rPr>
+                        <a:rPr lang="es-CO" sz="2800" dirty="0"/>
+                        <m:t>de</m:t>
+                      </m:r>
+                      <m:r>
+                        <m:rPr>
+                          <m:nor/>
+                        </m:rPr>
+                        <a:rPr lang="es-CO" sz="2800" dirty="0"/>
+                        <m:t> </m:t>
+                      </m:r>
+                      <m:r>
+                        <m:rPr>
+                          <m:nor/>
+                        </m:rPr>
+                        <a:rPr lang="es-CO" sz="2800" dirty="0"/>
+                        <m:t>tiempo</m:t>
+                      </m:r>
+                      <m:r>
+                        <m:rPr>
+                          <m:nor/>
+                        </m:rPr>
+                        <a:rPr lang="es-CO" sz="2800" dirty="0"/>
+                        <m:t> </m:t>
+                      </m:r>
+                      <m:r>
+                        <m:rPr>
+                          <m:nor/>
+                        </m:rPr>
+                        <a:rPr lang="es-CO" sz="2800" dirty="0"/>
+                        <m:t>de</m:t>
+                      </m:r>
+                      <m:r>
+                        <m:rPr>
+                          <m:nor/>
+                        </m:rPr>
+                        <a:rPr lang="es-CO" sz="2800" dirty="0"/>
+                        <m:t> </m:t>
+                      </m:r>
+                      <m:r>
+                        <m:rPr>
+                          <m:nor/>
+                        </m:rPr>
+                        <a:rPr lang="es-CO" sz="2800" dirty="0"/>
+                        <m:t>duraci</m:t>
+                      </m:r>
+                      <m:r>
+                        <m:rPr>
+                          <m:nor/>
+                        </m:rPr>
+                        <a:rPr lang="es-CO" sz="2800" dirty="0"/>
+                        <m:t>ó</m:t>
+                      </m:r>
+                      <m:r>
+                        <m:rPr>
+                          <m:nor/>
+                        </m:rPr>
+                        <a:rPr lang="es-CO" sz="2800" dirty="0"/>
+                        <m:t>n</m:t>
+                      </m:r>
+                      <m:r>
+                        <m:rPr>
+                          <m:nor/>
+                        </m:rPr>
+                        <a:rPr lang="es-CO" sz="2800" dirty="0"/>
+                        <m:t> </m:t>
+                      </m:r>
+                      <m:r>
+                        <m:rPr>
+                          <m:nor/>
+                        </m:rPr>
+                        <a:rPr lang="es-CO" sz="2800" i="1" dirty="0"/>
+                        <m:t>t</m:t>
+                      </m:r>
+                      <m:r>
+                        <m:rPr>
+                          <m:nor/>
+                        </m:rPr>
+                        <a:rPr lang="es-CO" sz="2800" i="1" dirty="0"/>
+                        <m:t> </m:t>
+                      </m:r>
+                      <m:r>
+                        <m:rPr>
+                          <m:nor/>
+                        </m:rPr>
+                        <a:rPr lang="es-CO" sz="2800" dirty="0"/>
+                        <m:t>es</m:t>
+                      </m:r>
+                      <m:r>
+                        <m:rPr>
+                          <m:nor/>
+                        </m:rPr>
+                        <a:rPr lang="es-CO" sz="2800" dirty="0"/>
+                        <m:t> </m:t>
+                      </m:r>
+                      <m:r>
+                        <m:rPr>
+                          <m:nor/>
+                        </m:rPr>
+                        <a:rPr lang="es-CO" sz="2800" dirty="0"/>
+                        <m:t>una</m:t>
+                      </m:r>
+                      <m:r>
+                        <m:rPr>
+                          <m:nor/>
+                        </m:rPr>
+                        <a:rPr lang="es-CO" sz="2800" dirty="0"/>
+                        <m:t> </m:t>
+                      </m:r>
+                      <m:r>
+                        <m:rPr>
+                          <m:nor/>
+                        </m:rPr>
+                        <a:rPr lang="es-CO" sz="2800" dirty="0"/>
+                        <m:t>variable</m:t>
+                      </m:r>
+                      <m:r>
+                        <m:rPr>
+                          <m:nor/>
+                        </m:rPr>
+                        <a:rPr lang="es-CO" sz="2800" dirty="0"/>
+                        <m:t> </m:t>
+                      </m:r>
+                      <m:r>
+                        <m:rPr>
+                          <m:nor/>
+                        </m:rPr>
+                        <a:rPr lang="es-CO" sz="2800" dirty="0"/>
+                        <m:t>de</m:t>
+                      </m:r>
+                      <m:r>
+                        <m:rPr>
+                          <m:nor/>
+                        </m:rPr>
+                        <a:rPr lang="es-CO" sz="2800" dirty="0"/>
+                        <m:t> </m:t>
+                      </m:r>
+                      <m:r>
+                        <m:rPr>
+                          <m:nor/>
+                        </m:rPr>
+                        <a:rPr lang="es-CO" sz="2800" dirty="0"/>
+                        <m:t>poisson</m:t>
+                      </m:r>
+                      <m:r>
+                        <m:rPr>
+                          <m:nor/>
+                        </m:rPr>
+                        <a:rPr lang="es-CO" sz="2800" dirty="0"/>
+                        <m:t> </m:t>
+                      </m:r>
+                      <m:r>
+                        <m:rPr>
+                          <m:nor/>
+                        </m:rPr>
+                        <a:rPr lang="es-CO" sz="2800" dirty="0"/>
+                        <m:t>con</m:t>
+                      </m:r>
+                      <m:r>
+                        <m:rPr>
+                          <m:nor/>
+                        </m:rPr>
+                        <a:rPr lang="es-CO" sz="2800" dirty="0"/>
+                        <m:t> </m:t>
+                      </m:r>
+                      <m:r>
+                        <m:rPr>
+                          <m:nor/>
+                        </m:rPr>
+                        <a:rPr lang="es-CO" sz="2800" dirty="0"/>
+                        <m:t>par</m:t>
+                      </m:r>
+                      <m:r>
+                        <m:rPr>
+                          <m:nor/>
+                        </m:rPr>
+                        <a:rPr lang="es-CO" sz="2800" dirty="0"/>
+                        <m:t>á</m:t>
+                      </m:r>
+                      <m:r>
+                        <m:rPr>
+                          <m:nor/>
+                        </m:rPr>
+                        <a:rPr lang="es-CO" sz="2800" dirty="0"/>
+                        <m:t>metro</m:t>
+                      </m:r>
+                      <m:r>
+                        <m:rPr>
+                          <m:nor/>
+                        </m:rPr>
+                        <a:rPr lang="es-CO" sz="2800" dirty="0"/>
+                        <m:t> </m:t>
+                      </m:r>
+                      <m:r>
+                        <a:rPr lang="es-CO" sz="2800" i="1">
+                          <a:latin typeface="Cambria Math" panose="02040503050406030204" pitchFamily="18" charset="0"/>
+                          <a:ea typeface="Cambria Math" panose="02040503050406030204" pitchFamily="18" charset="0"/>
+                        </a:rPr>
+                        <m:t>𝛼</m:t>
+                      </m:r>
+                      <m:r>
+                        <a:rPr lang="es-CO" sz="2800" i="1">
+                          <a:latin typeface="Cambria Math" panose="02040503050406030204" pitchFamily="18" charset="0"/>
+                          <a:ea typeface="Cambria Math" panose="02040503050406030204" pitchFamily="18" charset="0"/>
+                        </a:rPr>
+                        <m:t>𝑡</m:t>
+                      </m:r>
+                    </m:oMath>
+                  </m:oMathPara>
+                </a14:m>
+                <a:endParaRPr lang="es-CO" sz="2800" i="1" dirty="0">
+                  <a:latin typeface="Cambria Math" panose="02040503050406030204" pitchFamily="18" charset="0"/>
+                  <a:ea typeface="Cambria Math" panose="02040503050406030204" pitchFamily="18" charset="0"/>
+                </a:endParaRPr>
+              </a:p>
+              <a:p>
+                <a:pPr marL="0" indent="0" algn="just">
+                  <a:buNone/>
+                </a:pPr>
+                <a14:m>
+                  <m:oMathPara xmlns:m="http://schemas.openxmlformats.org/officeDocument/2006/math">
+                    <m:oMathParaPr>
+                      <m:jc m:val="centerGroup"/>
+                    </m:oMathParaPr>
+                    <m:oMath xmlns:m="http://schemas.openxmlformats.org/officeDocument/2006/math">
+                      <m:r>
+                        <a:rPr lang="es-CO" sz="2800" b="0" i="1" smtClean="0">
+                          <a:latin typeface="Cambria Math" panose="02040503050406030204" pitchFamily="18" charset="0"/>
+                        </a:rPr>
+                        <m:t>𝑃</m:t>
+                      </m:r>
+                      <m:d>
+                        <m:dPr>
+                          <m:ctrlPr>
+                            <a:rPr lang="es-CO" sz="2800" b="0" i="1" smtClean="0">
+                              <a:latin typeface="Cambria Math" panose="02040503050406030204" pitchFamily="18" charset="0"/>
+                            </a:rPr>
+                          </m:ctrlPr>
+                        </m:dPr>
+                        <m:e>
+                          <m:r>
+                            <a:rPr lang="es-CO" sz="2800" b="0" i="1" smtClean="0">
+                              <a:latin typeface="Cambria Math" panose="02040503050406030204" pitchFamily="18" charset="0"/>
+                            </a:rPr>
+                            <m:t>𝑡</m:t>
+                          </m:r>
+                        </m:e>
+                      </m:d>
+                      <m:r>
+                        <a:rPr lang="es-CO" sz="2800" b="0" i="1" smtClean="0">
+                          <a:latin typeface="Cambria Math" panose="02040503050406030204" pitchFamily="18" charset="0"/>
+                        </a:rPr>
+                        <m:t>=</m:t>
+                      </m:r>
+                      <m:f>
+                        <m:fPr>
+                          <m:ctrlPr>
+                            <a:rPr lang="es-CO" sz="2800" b="0" i="1" smtClean="0">
+                              <a:latin typeface="Cambria Math" panose="02040503050406030204" pitchFamily="18" charset="0"/>
+                            </a:rPr>
+                          </m:ctrlPr>
+                        </m:fPr>
+                        <m:num>
+                          <m:sSup>
+                            <m:sSupPr>
+                              <m:ctrlPr>
+                                <a:rPr lang="es-CO" sz="2800" i="1">
+                                  <a:latin typeface="Cambria Math" panose="02040503050406030204" pitchFamily="18" charset="0"/>
+                                </a:rPr>
+                              </m:ctrlPr>
+                            </m:sSupPr>
+                            <m:e>
+                              <m:r>
+                                <a:rPr lang="es-CO" sz="2800" i="1">
+                                  <a:latin typeface="Cambria Math" panose="02040503050406030204" pitchFamily="18" charset="0"/>
+                                </a:rPr>
+                                <m:t>𝑒</m:t>
+                              </m:r>
+                            </m:e>
+                            <m:sup>
+                              <m:r>
+                                <a:rPr lang="es-CO" sz="2800" i="1">
+                                  <a:latin typeface="Cambria Math" panose="02040503050406030204" pitchFamily="18" charset="0"/>
+                                </a:rPr>
+                                <m:t>−</m:t>
+                              </m:r>
+                              <m:r>
+                                <a:rPr lang="es-CO" sz="2800" i="1">
+                                  <a:latin typeface="Cambria Math" panose="02040503050406030204" pitchFamily="18" charset="0"/>
+                                  <a:ea typeface="Cambria Math" panose="02040503050406030204" pitchFamily="18" charset="0"/>
+                                </a:rPr>
+                                <m:t>𝛼</m:t>
+                              </m:r>
+                              <m:r>
+                                <a:rPr lang="es-CO" sz="2800" i="1">
+                                  <a:latin typeface="Cambria Math" panose="02040503050406030204" pitchFamily="18" charset="0"/>
+                                  <a:ea typeface="Cambria Math" panose="02040503050406030204" pitchFamily="18" charset="0"/>
+                                </a:rPr>
+                                <m:t>𝑡</m:t>
+                              </m:r>
+                            </m:sup>
+                          </m:sSup>
+                          <m:r>
+                            <a:rPr lang="es-CO" sz="2800" i="1">
+                              <a:latin typeface="Cambria Math" panose="02040503050406030204" pitchFamily="18" charset="0"/>
+                            </a:rPr>
+                            <m:t>∗</m:t>
+                          </m:r>
+                          <m:sSup>
+                            <m:sSupPr>
+                              <m:ctrlPr>
+                                <a:rPr lang="es-CO" sz="2800" i="1">
+                                  <a:latin typeface="Cambria Math" panose="02040503050406030204" pitchFamily="18" charset="0"/>
+                                </a:rPr>
+                              </m:ctrlPr>
+                            </m:sSupPr>
+                            <m:e>
+                              <m:r>
+                                <a:rPr lang="es-CO" sz="2800" i="1">
+                                  <a:latin typeface="Cambria Math" panose="02040503050406030204" pitchFamily="18" charset="0"/>
+                                  <a:ea typeface="Cambria Math" panose="02040503050406030204" pitchFamily="18" charset="0"/>
+                                </a:rPr>
+                                <m:t>𝛼</m:t>
+                              </m:r>
+                              <m:r>
+                                <a:rPr lang="es-CO" sz="2800" i="1">
+                                  <a:latin typeface="Cambria Math" panose="02040503050406030204" pitchFamily="18" charset="0"/>
+                                  <a:ea typeface="Cambria Math" panose="02040503050406030204" pitchFamily="18" charset="0"/>
+                                </a:rPr>
+                                <m:t>𝑡</m:t>
+                              </m:r>
+                            </m:e>
+                            <m:sup>
+                              <m:r>
+                                <a:rPr lang="es-CO" sz="2800" i="1">
+                                  <a:latin typeface="Cambria Math" panose="02040503050406030204" pitchFamily="18" charset="0"/>
+                                </a:rPr>
+                                <m:t>𝑘</m:t>
+                              </m:r>
+                            </m:sup>
+                          </m:sSup>
+                        </m:num>
+                        <m:den>
+                          <m:r>
+                            <a:rPr lang="es-CO" sz="2800" i="1">
+                              <a:latin typeface="Cambria Math" panose="02040503050406030204" pitchFamily="18" charset="0"/>
+                            </a:rPr>
+                            <m:t>𝑘</m:t>
+                          </m:r>
+                          <m:r>
+                            <a:rPr lang="es-CO" sz="2800" i="1">
+                              <a:latin typeface="Cambria Math" panose="02040503050406030204" pitchFamily="18" charset="0"/>
+                            </a:rPr>
+                            <m:t>!</m:t>
+                          </m:r>
+                        </m:den>
+                      </m:f>
+                    </m:oMath>
+                  </m:oMathPara>
+                </a14:m>
+                <a:endParaRPr lang="es-CO" sz="2800" dirty="0"/>
+              </a:p>
+              <a:p>
+                <a:pPr marL="0" indent="0" algn="just">
+                  <a:buNone/>
+                </a:pPr>
+                <a:r>
+                  <a:rPr lang="es-CO" sz="2800" dirty="0"/>
+                  <a:t>así que el número esperado durante un intervalo de tiempo unitario es </a:t>
+                </a:r>
+                <a14:m>
+                  <m:oMath xmlns:m="http://schemas.openxmlformats.org/officeDocument/2006/math">
+                    <m:r>
+                      <a:rPr lang="es-CO" sz="2800">
+                        <a:latin typeface="Cambria Math" panose="02040503050406030204" pitchFamily="18" charset="0"/>
+                      </a:rPr>
+                      <m:t>𝛼</m:t>
+                    </m:r>
+                  </m:oMath>
+                </a14:m>
+                <a:r>
+                  <a:rPr lang="es-CO" sz="2800" dirty="0"/>
+                  <a:t>.</a:t>
+                </a:r>
+              </a:p>
+              <a:p>
+                <a:pPr marL="0" indent="0" algn="just">
+                  <a:buNone/>
+                </a:pPr>
+                <a:r>
+                  <a:rPr lang="es-CO" sz="2800" dirty="0"/>
+                  <a:t>La ocurrencia de eventos en el transcurso del tiempo como se describió se llama proceso de </a:t>
+                </a:r>
+                <a:r>
+                  <a:rPr lang="es-CO" sz="2800" dirty="0" err="1"/>
+                  <a:t>Poisson</a:t>
+                </a:r>
+                <a:r>
+                  <a:rPr lang="es-CO" sz="2800" dirty="0"/>
+                  <a:t>; el parámetro </a:t>
+                </a:r>
+                <a14:m>
+                  <m:oMath xmlns:m="http://schemas.openxmlformats.org/officeDocument/2006/math">
+                    <m:r>
+                      <a:rPr lang="es-CO" sz="2800">
+                        <a:latin typeface="Cambria Math" panose="02040503050406030204" pitchFamily="18" charset="0"/>
+                      </a:rPr>
+                      <m:t>𝛼</m:t>
+                    </m:r>
+                  </m:oMath>
+                </a14:m>
+                <a:r>
+                  <a:rPr lang="es-CO" sz="2800" dirty="0"/>
+                  <a:t> especifica el ritmo del proceso.</a:t>
+                </a:r>
+              </a:p>
+            </p:txBody>
+          </p:sp>
+        </mc:Choice>
+        <mc:Fallback xmlns="">
+          <p:sp>
+            <p:nvSpPr>
+              <p:cNvPr id="3" name="Marcador de contenido 2"/>
+              <p:cNvSpPr>
+                <a:spLocks noGrp="1" noRot="1" noChangeAspect="1" noMove="1" noResize="1" noEditPoints="1" noAdjustHandles="1" noChangeArrowheads="1" noChangeShapeType="1" noTextEdit="1"/>
+              </p:cNvSpPr>
+              <p:nvPr>
+                <p:ph idx="1"/>
+              </p:nvPr>
+            </p:nvSpPr>
+            <p:spPr>
+              <a:xfrm>
+                <a:off x="581191" y="2313846"/>
+                <a:ext cx="11029615" cy="3678303"/>
+              </a:xfrm>
+              <a:blipFill>
+                <a:blip r:embed="rId2"/>
+                <a:stretch>
+                  <a:fillRect l="-1105" r="-1105" b="-1990"/>
+                </a:stretch>
+              </a:blipFill>
+            </p:spPr>
+            <p:txBody>
+              <a:bodyPr/>
+              <a:lstStyle/>
+              <a:p>
+                <a:r>
+                  <a:rPr lang="es-CO">
+                    <a:noFill/>
+                  </a:rPr>
+                  <a:t> </a:t>
+                </a:r>
+              </a:p>
+            </p:txBody>
+          </p:sp>
+        </mc:Fallback>
+      </mc:AlternateContent>
+    </p:spTree>
+    <p:extLst>
+      <p:ext uri="{BB962C8B-B14F-4D97-AF65-F5344CB8AC3E}">
+        <p14:creationId xmlns:p14="http://schemas.microsoft.com/office/powerpoint/2010/main" val="1924816254"/>
+      </p:ext>
+    </p:extLst>
+  </p:cSld>
+  <p:clrMapOvr>
+    <a:masterClrMapping/>
+  </p:clrMapOvr>
+</p:sld>
+</file>
+
+<file path=ppt/slides/slide58.xml><?xml version="1.0" encoding="utf-8"?>
+<p:sld xmlns:a="http://schemas.openxmlformats.org/drawingml/2006/main" xmlns:r="http://schemas.openxmlformats.org/officeDocument/2006/relationships" xmlns:p="http://schemas.openxmlformats.org/presentationml/2006/main">
+  <p:cSld>
+    <p:spTree>
+      <p:nvGrpSpPr>
+        <p:cNvPr id="1" name=""/>
+        <p:cNvGrpSpPr/>
+        <p:nvPr/>
+      </p:nvGrpSpPr>
+      <p:grpSpPr>
+        <a:xfrm>
+          <a:off x="0" y="0"/>
+          <a:ext cx="0" cy="0"/>
+          <a:chOff x="0" y="0"/>
+          <a:chExt cx="0" cy="0"/>
+        </a:xfrm>
+      </p:grpSpPr>
+      <p:sp>
+        <p:nvSpPr>
+          <p:cNvPr id="2" name="Título 1"/>
+          <p:cNvSpPr>
+            <a:spLocks noGrp="1"/>
+          </p:cNvSpPr>
+          <p:nvPr>
+            <p:ph type="title"/>
+          </p:nvPr>
+        </p:nvSpPr>
+        <p:spPr/>
+        <p:txBody>
+          <a:bodyPr>
+            <a:normAutofit fontScale="90000"/>
+          </a:bodyPr>
+          <a:lstStyle/>
+          <a:p>
+            <a:r>
+              <a:rPr lang="es-CO" sz="3600" b="1" dirty="0"/>
+              <a:t>Poisson requiere unidades consistentes</a:t>
+            </a:r>
+          </a:p>
+        </p:txBody>
+      </p:sp>
+      <p:sp>
+        <p:nvSpPr>
+          <p:cNvPr id="3" name="Marcador de contenido 2"/>
+          <p:cNvSpPr>
+            <a:spLocks noGrp="1"/>
+          </p:cNvSpPr>
+          <p:nvPr>
+            <p:ph idx="1"/>
+          </p:nvPr>
+        </p:nvSpPr>
+        <p:spPr>
+          <a:xfrm>
+            <a:off x="677916" y="1144551"/>
+            <a:ext cx="9706303" cy="4525963"/>
+          </a:xfrm>
+        </p:spPr>
+        <p:txBody>
+          <a:bodyPr>
+            <a:normAutofit/>
+          </a:bodyPr>
+          <a:lstStyle/>
+          <a:p>
+            <a:r>
+              <a:rPr lang="es-CO" sz="3600" dirty="0"/>
+              <a:t>Numero promedio de clientes por minuto</a:t>
+            </a:r>
+          </a:p>
+          <a:p>
+            <a:r>
+              <a:rPr lang="es-CO" sz="3600" dirty="0"/>
+              <a:t>Numero promedio de clientes por hora</a:t>
+            </a:r>
+          </a:p>
+          <a:p>
+            <a:r>
+              <a:rPr lang="es-CO" sz="3600" dirty="0"/>
+              <a:t>Numero promedio de clientes por día</a:t>
+            </a:r>
+          </a:p>
+          <a:p>
+            <a:pPr marL="0" indent="0">
+              <a:buNone/>
+            </a:pPr>
+            <a:r>
+              <a:rPr lang="es-CO" sz="3600" dirty="0"/>
+              <a:t>Si x se distribuye </a:t>
+            </a:r>
+            <a:r>
+              <a:rPr lang="es-CO" sz="3600" dirty="0" err="1"/>
+              <a:t>poisson</a:t>
+            </a:r>
+            <a:r>
+              <a:rPr lang="es-CO" sz="3600" dirty="0"/>
+              <a:t> se denota:</a:t>
+            </a:r>
+          </a:p>
+        </p:txBody>
+      </p:sp>
+      <p:pic>
+        <p:nvPicPr>
+          <p:cNvPr id="4" name="Imagen 3"/>
+          <p:cNvPicPr>
+            <a:picLocks noChangeAspect="1"/>
+          </p:cNvPicPr>
+          <p:nvPr/>
+        </p:nvPicPr>
+        <p:blipFill>
+          <a:blip r:embed="rId2"/>
+          <a:stretch>
+            <a:fillRect/>
+          </a:stretch>
+        </p:blipFill>
+        <p:spPr>
+          <a:xfrm>
+            <a:off x="4587691" y="5099109"/>
+            <a:ext cx="3016615" cy="695615"/>
+          </a:xfrm>
+          <a:prstGeom prst="rect">
+            <a:avLst/>
+          </a:prstGeom>
+        </p:spPr>
+      </p:pic>
+      <p:pic>
+        <p:nvPicPr>
+          <p:cNvPr id="5" name="Imagen 4"/>
+          <p:cNvPicPr>
+            <a:picLocks noChangeAspect="1"/>
+          </p:cNvPicPr>
+          <p:nvPr/>
+        </p:nvPicPr>
+        <p:blipFill>
+          <a:blip r:embed="rId3"/>
+          <a:stretch>
+            <a:fillRect/>
+          </a:stretch>
+        </p:blipFill>
+        <p:spPr>
+          <a:xfrm>
+            <a:off x="3777445" y="5794724"/>
+            <a:ext cx="4637109" cy="699864"/>
+          </a:xfrm>
+          <a:prstGeom prst="rect">
+            <a:avLst/>
+          </a:prstGeom>
+        </p:spPr>
+      </p:pic>
+    </p:spTree>
+    <p:extLst>
+      <p:ext uri="{BB962C8B-B14F-4D97-AF65-F5344CB8AC3E}">
+        <p14:creationId xmlns:p14="http://schemas.microsoft.com/office/powerpoint/2010/main" val="1202724990"/>
+      </p:ext>
+    </p:extLst>
+  </p:cSld>
+  <p:clrMapOvr>
+    <a:masterClrMapping/>
+  </p:clrMapOvr>
+</p:sld>
+</file>
+
+<file path=ppt/slides/slide59.xml><?xml version="1.0" encoding="utf-8"?>
+<p:sld xmlns:a="http://schemas.openxmlformats.org/drawingml/2006/main" xmlns:r="http://schemas.openxmlformats.org/officeDocument/2006/relationships" xmlns:p="http://schemas.openxmlformats.org/presentationml/2006/main">
+  <p:cSld>
+    <p:spTree>
+      <p:nvGrpSpPr>
+        <p:cNvPr id="1" name=""/>
+        <p:cNvGrpSpPr/>
+        <p:nvPr/>
+      </p:nvGrpSpPr>
+      <p:grpSpPr>
+        <a:xfrm>
+          <a:off x="0" y="0"/>
+          <a:ext cx="0" cy="0"/>
+          <a:chOff x="0" y="0"/>
+          <a:chExt cx="0" cy="0"/>
+        </a:xfrm>
+      </p:grpSpPr>
+      <p:pic>
+        <p:nvPicPr>
+          <p:cNvPr id="4" name="Marcador de contenido 3"/>
+          <p:cNvPicPr>
+            <a:picLocks noGrp="1" noChangeAspect="1"/>
+          </p:cNvPicPr>
+          <p:nvPr>
+            <p:ph idx="1"/>
+          </p:nvPr>
+        </p:nvPicPr>
+        <p:blipFill>
+          <a:blip r:embed="rId2"/>
+          <a:stretch>
+            <a:fillRect/>
+          </a:stretch>
+        </p:blipFill>
+        <p:spPr>
+          <a:xfrm>
+            <a:off x="1847529" y="1412777"/>
+            <a:ext cx="8377487" cy="4438179"/>
+          </a:xfrm>
+          <a:prstGeom prst="rect">
+            <a:avLst/>
+          </a:prstGeom>
+        </p:spPr>
+      </p:pic>
+    </p:spTree>
+    <p:extLst>
+      <p:ext uri="{BB962C8B-B14F-4D97-AF65-F5344CB8AC3E}">
+        <p14:creationId xmlns:p14="http://schemas.microsoft.com/office/powerpoint/2010/main" val="2142926913"/>
+      </p:ext>
+    </p:extLst>
+  </p:cSld>
+  <p:clrMapOvr>
+    <a:masterClrMapping/>
+  </p:clrMapOvr>
 </p:sld>
 </file>
 
@@ -11670,7 +14494,7 @@
           <a:lstStyle/>
           <a:p>
             <a:r>
-              <a:rPr lang="es-CO" sz="2800" dirty="0" smtClean="0"/>
+              <a:rPr lang="es-CO" sz="2800" dirty="0"/>
               <a:t>Cuál es la probabilidad de que:</a:t>
             </a:r>
           </a:p>
@@ -11683,7 +14507,7 @@
               <a:buChar char="•"/>
             </a:pPr>
             <a:r>
-              <a:rPr lang="es-CO" sz="2800" dirty="0" smtClean="0"/>
+              <a:rPr lang="es-CO" sz="2800" dirty="0"/>
               <a:t>La suma sea 8 o menos</a:t>
             </a:r>
           </a:p>
@@ -11693,7 +14517,7 @@
               <a:buChar char="•"/>
             </a:pPr>
             <a:r>
-              <a:rPr lang="es-CO" sz="2800" dirty="0" smtClean="0"/>
+              <a:rPr lang="es-CO" sz="2800" dirty="0"/>
               <a:t>La suma sea 5 o menos</a:t>
             </a:r>
           </a:p>
@@ -11703,7 +14527,7 @@
               <a:buChar char="•"/>
             </a:pPr>
             <a:r>
-              <a:rPr lang="es-CO" sz="2800" dirty="0" smtClean="0"/>
+              <a:rPr lang="es-CO" sz="2800" dirty="0"/>
               <a:t>La suma sea 10 o más</a:t>
             </a:r>
           </a:p>
@@ -11713,10 +14537,9 @@
               <a:buChar char="•"/>
             </a:pPr>
             <a:r>
-              <a:rPr lang="es-CO" sz="2800" dirty="0" smtClean="0"/>
+              <a:rPr lang="es-CO" sz="2800" dirty="0"/>
               <a:t>La Suma este entre 5 y 8</a:t>
             </a:r>
-            <a:endParaRPr lang="es-CO" sz="2800" dirty="0"/>
           </a:p>
         </p:txBody>
       </p:sp>
@@ -11730,13 +14553,2974 @@
   <p:clrMapOvr>
     <a:masterClrMapping/>
   </p:clrMapOvr>
-  <p:timing>
-    <p:tnLst>
-      <p:par>
-        <p:cTn id="1" dur="indefinite" restart="never" nodeType="tmRoot"/>
-      </p:par>
-    </p:tnLst>
-  </p:timing>
+</p:sld>
+</file>
+
+<file path=ppt/slides/slide60.xml><?xml version="1.0" encoding="utf-8"?>
+<p:sld xmlns:a="http://schemas.openxmlformats.org/drawingml/2006/main" xmlns:r="http://schemas.openxmlformats.org/officeDocument/2006/relationships" xmlns:p="http://schemas.openxmlformats.org/presentationml/2006/main">
+  <p:cSld>
+    <p:spTree>
+      <p:nvGrpSpPr>
+        <p:cNvPr id="1" name=""/>
+        <p:cNvGrpSpPr/>
+        <p:nvPr/>
+      </p:nvGrpSpPr>
+      <p:grpSpPr>
+        <a:xfrm>
+          <a:off x="0" y="0"/>
+          <a:ext cx="0" cy="0"/>
+          <a:chOff x="0" y="0"/>
+          <a:chExt cx="0" cy="0"/>
+        </a:xfrm>
+      </p:grpSpPr>
+      <mc:AlternateContent xmlns:mc="http://schemas.openxmlformats.org/markup-compatibility/2006" xmlns:a14="http://schemas.microsoft.com/office/drawing/2010/main">
+        <mc:Choice Requires="a14">
+          <p:sp>
+            <p:nvSpPr>
+              <p:cNvPr id="3" name="Marcador de contenido 2"/>
+              <p:cNvSpPr>
+                <a:spLocks noGrp="1"/>
+              </p:cNvSpPr>
+              <p:nvPr>
+                <p:ph idx="1"/>
+              </p:nvPr>
+            </p:nvSpPr>
+            <p:spPr>
+              <a:xfrm>
+                <a:off x="602213" y="2159476"/>
+                <a:ext cx="11029615" cy="3678303"/>
+              </a:xfrm>
+            </p:spPr>
+            <p:txBody>
+              <a:bodyPr>
+                <a:normAutofit fontScale="85000" lnSpcReduction="20000"/>
+              </a:bodyPr>
+              <a:lstStyle/>
+              <a:p>
+                <a:pPr marL="0" indent="0" algn="just">
+                  <a:buNone/>
+                </a:pPr>
+                <a:r>
+                  <a:rPr lang="es-CO" sz="2400" dirty="0"/>
+                  <a:t>Se estima que un libro de 400 páginas contiene 200 errores tipográficos repartidos aleatoriamente en todo el libro. Si se supone una distribución de Poisson. </a:t>
+                </a:r>
+              </a:p>
+              <a:p>
+                <a:pPr marL="0" indent="0" algn="just">
+                  <a:buNone/>
+                </a:pPr>
+                <a:endParaRPr lang="es-CO" sz="2400" dirty="0"/>
+              </a:p>
+              <a:p>
+                <a:pPr marL="0" indent="0" algn="just">
+                  <a:buNone/>
+                </a:pPr>
+                <a:r>
+                  <a:rPr lang="es-CO" sz="2400" dirty="0"/>
+                  <a:t>Sea x la variable aleatoria que representa el numero de errores por pagina</a:t>
+                </a:r>
+              </a:p>
+              <a:p>
+                <a:pPr marL="0" indent="0" algn="just">
+                  <a:buNone/>
+                </a:pPr>
+                <a:endParaRPr lang="es-CO" sz="2400" dirty="0"/>
+              </a:p>
+              <a:p>
+                <a:pPr marL="0" indent="0" algn="just">
+                  <a:buNone/>
+                </a:pPr>
+                <a:endParaRPr lang="es-419" sz="2400" dirty="0"/>
+              </a:p>
+              <a:p>
+                <a:pPr marL="0" indent="0" algn="just">
+                  <a:buNone/>
+                </a:pPr>
+                <a:r>
+                  <a:rPr lang="es-419" sz="2400" dirty="0"/>
+                  <a:t>La tasa de ocurrencia del error es </a:t>
+                </a:r>
+              </a:p>
+              <a:p>
+                <a:pPr marL="0" indent="0" algn="just">
+                  <a:buNone/>
+                </a:pPr>
+                <a:endParaRPr lang="es-419" sz="2400" dirty="0"/>
+              </a:p>
+              <a:p>
+                <a:pPr marL="0" indent="0" algn="just">
+                  <a:buNone/>
+                </a:pPr>
+                <a14:m>
+                  <m:oMathPara xmlns:m="http://schemas.openxmlformats.org/officeDocument/2006/math">
+                    <m:oMathParaPr>
+                      <m:jc m:val="centerGroup"/>
+                    </m:oMathParaPr>
+                    <m:oMath xmlns:m="http://schemas.openxmlformats.org/officeDocument/2006/math">
+                      <m:r>
+                        <m:rPr>
+                          <m:sty m:val="p"/>
+                        </m:rPr>
+                        <a:rPr lang="el-GR" sz="2400">
+                          <a:latin typeface="Cambria Math" panose="02040503050406030204" pitchFamily="18" charset="0"/>
+                        </a:rPr>
+                        <m:t>λ</m:t>
+                      </m:r>
+                      <m:r>
+                        <a:rPr lang="es-419" sz="2400">
+                          <a:latin typeface="Cambria Math" panose="02040503050406030204" pitchFamily="18" charset="0"/>
+                        </a:rPr>
+                        <m:t>=</m:t>
+                      </m:r>
+                      <m:f>
+                        <m:fPr>
+                          <m:ctrlPr>
+                            <a:rPr lang="es-419" sz="2400" i="1">
+                              <a:latin typeface="Cambria Math" panose="02040503050406030204" pitchFamily="18" charset="0"/>
+                            </a:rPr>
+                          </m:ctrlPr>
+                        </m:fPr>
+                        <m:num>
+                          <m:r>
+                            <a:rPr lang="es-419" sz="2400">
+                              <a:latin typeface="Cambria Math" panose="02040503050406030204" pitchFamily="18" charset="0"/>
+                            </a:rPr>
+                            <m:t>200 </m:t>
+                          </m:r>
+                          <m:r>
+                            <a:rPr lang="es-419" sz="2400">
+                              <a:latin typeface="Cambria Math" panose="02040503050406030204" pitchFamily="18" charset="0"/>
+                            </a:rPr>
+                            <m:t>𝑒𝑟𝑟𝑜𝑟𝑒𝑠</m:t>
+                          </m:r>
+                        </m:num>
+                        <m:den>
+                          <m:r>
+                            <a:rPr lang="es-419" sz="2400">
+                              <a:latin typeface="Cambria Math" panose="02040503050406030204" pitchFamily="18" charset="0"/>
+                            </a:rPr>
+                            <m:t>400 </m:t>
+                          </m:r>
+                          <m:r>
+                            <a:rPr lang="es-419" sz="2400">
+                              <a:latin typeface="Cambria Math" panose="02040503050406030204" pitchFamily="18" charset="0"/>
+                            </a:rPr>
+                            <m:t>𝑝𝑎𝑔𝑖𝑛𝑎𝑠</m:t>
+                          </m:r>
+                        </m:den>
+                      </m:f>
+                      <m:r>
+                        <a:rPr lang="es-419" sz="2400">
+                          <a:latin typeface="Cambria Math" panose="02040503050406030204" pitchFamily="18" charset="0"/>
+                        </a:rPr>
+                        <m:t>=0.5 </m:t>
+                      </m:r>
+                      <m:r>
+                        <a:rPr lang="es-419" sz="2400">
+                          <a:latin typeface="Cambria Math" panose="02040503050406030204" pitchFamily="18" charset="0"/>
+                        </a:rPr>
+                        <m:t>𝑒𝑟𝑟𝑜𝑟𝑒𝑠</m:t>
+                      </m:r>
+                      <m:r>
+                        <a:rPr lang="es-419" sz="2400">
+                          <a:latin typeface="Cambria Math" panose="02040503050406030204" pitchFamily="18" charset="0"/>
+                        </a:rPr>
+                        <m:t>/</m:t>
+                      </m:r>
+                      <m:r>
+                        <a:rPr lang="es-419" sz="2400">
+                          <a:latin typeface="Cambria Math" panose="02040503050406030204" pitchFamily="18" charset="0"/>
+                        </a:rPr>
+                        <m:t>𝑝𝑎𝑔𝑖𝑛𝑎</m:t>
+                      </m:r>
+                    </m:oMath>
+                  </m:oMathPara>
+                </a14:m>
+                <a:endParaRPr lang="es-419" sz="2400" dirty="0"/>
+              </a:p>
+            </p:txBody>
+          </p:sp>
+        </mc:Choice>
+        <mc:Fallback xmlns="">
+          <p:sp>
+            <p:nvSpPr>
+              <p:cNvPr id="3" name="Marcador de contenido 2"/>
+              <p:cNvSpPr>
+                <a:spLocks noGrp="1" noRot="1" noChangeAspect="1" noMove="1" noResize="1" noEditPoints="1" noAdjustHandles="1" noChangeArrowheads="1" noChangeShapeType="1" noTextEdit="1"/>
+              </p:cNvSpPr>
+              <p:nvPr>
+                <p:ph idx="1"/>
+              </p:nvPr>
+            </p:nvSpPr>
+            <p:spPr>
+              <a:xfrm>
+                <a:off x="602213" y="2159476"/>
+                <a:ext cx="11029615" cy="3678303"/>
+              </a:xfrm>
+              <a:blipFill>
+                <a:blip r:embed="rId2"/>
+                <a:stretch>
+                  <a:fillRect l="-608" t="-1987" r="-553"/>
+                </a:stretch>
+              </a:blipFill>
+            </p:spPr>
+            <p:txBody>
+              <a:bodyPr/>
+              <a:lstStyle/>
+              <a:p>
+                <a:r>
+                  <a:rPr lang="es-CO">
+                    <a:noFill/>
+                  </a:rPr>
+                  <a:t> </a:t>
+                </a:r>
+              </a:p>
+            </p:txBody>
+          </p:sp>
+        </mc:Fallback>
+      </mc:AlternateContent>
+      <p:sp>
+        <p:nvSpPr>
+          <p:cNvPr id="5" name="CuadroTexto 4"/>
+          <p:cNvSpPr txBox="1"/>
+          <p:nvPr/>
+        </p:nvSpPr>
+        <p:spPr>
+          <a:xfrm>
+            <a:off x="3194219" y="842970"/>
+            <a:ext cx="4752528" cy="707886"/>
+          </a:xfrm>
+          <a:prstGeom prst="rect">
+            <a:avLst/>
+          </a:prstGeom>
+          <a:noFill/>
+        </p:spPr>
+        <p:txBody>
+          <a:bodyPr wrap="square" rtlCol="0">
+            <a:spAutoFit/>
+          </a:bodyPr>
+          <a:lstStyle/>
+          <a:p>
+            <a:pPr algn="ctr"/>
+            <a:r>
+              <a:rPr lang="es-CO" sz="4000" b="1" dirty="0">
+                <a:solidFill>
+                  <a:schemeClr val="bg1"/>
+                </a:solidFill>
+              </a:rPr>
+              <a:t>EJEMPLO</a:t>
+            </a:r>
+          </a:p>
+        </p:txBody>
+      </p:sp>
+      <p:pic>
+        <p:nvPicPr>
+          <p:cNvPr id="6" name="Imagen 5"/>
+          <p:cNvPicPr>
+            <a:picLocks noChangeAspect="1"/>
+          </p:cNvPicPr>
+          <p:nvPr/>
+        </p:nvPicPr>
+        <p:blipFill>
+          <a:blip r:embed="rId3"/>
+          <a:stretch>
+            <a:fillRect/>
+          </a:stretch>
+        </p:blipFill>
+        <p:spPr>
+          <a:xfrm flipH="1">
+            <a:off x="7248128" y="3645025"/>
+            <a:ext cx="1993404" cy="1495053"/>
+          </a:xfrm>
+          <a:prstGeom prst="rect">
+            <a:avLst/>
+          </a:prstGeom>
+        </p:spPr>
+      </p:pic>
+    </p:spTree>
+    <p:extLst>
+      <p:ext uri="{BB962C8B-B14F-4D97-AF65-F5344CB8AC3E}">
+        <p14:creationId xmlns:p14="http://schemas.microsoft.com/office/powerpoint/2010/main" val="3852924778"/>
+      </p:ext>
+    </p:extLst>
+  </p:cSld>
+  <p:clrMapOvr>
+    <a:masterClrMapping/>
+  </p:clrMapOvr>
+</p:sld>
+</file>
+
+<file path=ppt/slides/slide61.xml><?xml version="1.0" encoding="utf-8"?>
+<p:sld xmlns:a="http://schemas.openxmlformats.org/drawingml/2006/main" xmlns:r="http://schemas.openxmlformats.org/officeDocument/2006/relationships" xmlns:p="http://schemas.openxmlformats.org/presentationml/2006/main">
+  <p:cSld>
+    <p:spTree>
+      <p:nvGrpSpPr>
+        <p:cNvPr id="1" name=""/>
+        <p:cNvGrpSpPr/>
+        <p:nvPr/>
+      </p:nvGrpSpPr>
+      <p:grpSpPr>
+        <a:xfrm>
+          <a:off x="0" y="0"/>
+          <a:ext cx="0" cy="0"/>
+          <a:chOff x="0" y="0"/>
+          <a:chExt cx="0" cy="0"/>
+        </a:xfrm>
+      </p:grpSpPr>
+      <mc:AlternateContent xmlns:mc="http://schemas.openxmlformats.org/markup-compatibility/2006" xmlns:a14="http://schemas.microsoft.com/office/drawing/2010/main">
+        <mc:Choice Requires="a14">
+          <p:sp>
+            <p:nvSpPr>
+              <p:cNvPr id="3" name="Marcador de contenido 2"/>
+              <p:cNvSpPr>
+                <a:spLocks noGrp="1"/>
+              </p:cNvSpPr>
+              <p:nvPr>
+                <p:ph idx="1"/>
+              </p:nvPr>
+            </p:nvSpPr>
+            <p:spPr>
+              <a:xfrm>
+                <a:off x="683172" y="2028497"/>
+                <a:ext cx="11088414" cy="4238488"/>
+              </a:xfrm>
+            </p:spPr>
+            <p:txBody>
+              <a:bodyPr>
+                <a:normAutofit/>
+              </a:bodyPr>
+              <a:lstStyle/>
+              <a:p>
+                <a:pPr marL="0" indent="0">
+                  <a:buNone/>
+                </a:pPr>
+                <a:r>
+                  <a:rPr lang="es-419" dirty="0">
+                    <a:latin typeface="Cambria Math" panose="02040503050406030204" pitchFamily="18" charset="0"/>
+                  </a:rPr>
+                  <a:t>¿Cuál es la probabilidad de que ninguna pagina tenga errores?</a:t>
+                </a:r>
+              </a:p>
+              <a:p>
+                <a:pPr marL="0" indent="0">
+                  <a:buNone/>
+                </a:pPr>
+                <a:endParaRPr lang="es-419" dirty="0">
+                  <a:latin typeface="Cambria Math" panose="02040503050406030204" pitchFamily="18" charset="0"/>
+                </a:endParaRPr>
+              </a:p>
+              <a:p>
+                <a:pPr marL="0" indent="0" algn="ctr">
+                  <a:buNone/>
+                </a:pPr>
+                <a14:m>
+                  <m:oMath xmlns:m="http://schemas.openxmlformats.org/officeDocument/2006/math">
+                    <m:r>
+                      <a:rPr lang="es-419" b="0" i="1" smtClean="0">
+                        <a:latin typeface="Cambria Math" panose="02040503050406030204" pitchFamily="18" charset="0"/>
+                      </a:rPr>
+                      <m:t>𝑃</m:t>
+                    </m:r>
+                    <m:d>
+                      <m:dPr>
+                        <m:ctrlPr>
+                          <a:rPr lang="es-419" b="0" i="1" smtClean="0">
+                            <a:latin typeface="Cambria Math" panose="02040503050406030204" pitchFamily="18" charset="0"/>
+                          </a:rPr>
+                        </m:ctrlPr>
+                      </m:dPr>
+                      <m:e>
+                        <m:r>
+                          <a:rPr lang="es-419" b="0" i="1" smtClean="0">
+                            <a:latin typeface="Cambria Math" panose="02040503050406030204" pitchFamily="18" charset="0"/>
+                          </a:rPr>
+                          <m:t>𝑥</m:t>
+                        </m:r>
+                        <m:r>
+                          <a:rPr lang="es-419" b="0" i="1" smtClean="0">
+                            <a:latin typeface="Cambria Math" panose="02040503050406030204" pitchFamily="18" charset="0"/>
+                          </a:rPr>
+                          <m:t>=0</m:t>
+                        </m:r>
+                      </m:e>
+                    </m:d>
+                    <m:r>
+                      <a:rPr lang="es-419" b="0" i="1" smtClean="0">
+                        <a:latin typeface="Cambria Math" panose="02040503050406030204" pitchFamily="18" charset="0"/>
+                      </a:rPr>
+                      <m:t>=</m:t>
+                    </m:r>
+                    <m:f>
+                      <m:fPr>
+                        <m:ctrlPr>
+                          <a:rPr lang="es-419" b="0" i="1" smtClean="0">
+                            <a:latin typeface="Cambria Math" panose="02040503050406030204" pitchFamily="18" charset="0"/>
+                          </a:rPr>
+                        </m:ctrlPr>
+                      </m:fPr>
+                      <m:num>
+                        <m:sSup>
+                          <m:sSupPr>
+                            <m:ctrlPr>
+                              <a:rPr lang="es-419" b="0" i="1" smtClean="0">
+                                <a:latin typeface="Cambria Math" panose="02040503050406030204" pitchFamily="18" charset="0"/>
+                              </a:rPr>
+                            </m:ctrlPr>
+                          </m:sSupPr>
+                          <m:e>
+                            <m:r>
+                              <a:rPr lang="es-419" b="0" i="1" smtClean="0">
+                                <a:latin typeface="Cambria Math" panose="02040503050406030204" pitchFamily="18" charset="0"/>
+                              </a:rPr>
+                              <m:t>𝑒</m:t>
+                            </m:r>
+                          </m:e>
+                          <m:sup>
+                            <m:r>
+                              <a:rPr lang="es-419" b="0" i="1" smtClean="0">
+                                <a:latin typeface="Cambria Math" panose="02040503050406030204" pitchFamily="18" charset="0"/>
+                              </a:rPr>
+                              <m:t>−</m:t>
+                            </m:r>
+                            <m:r>
+                              <a:rPr lang="es-419" b="0" i="1" smtClean="0">
+                                <a:latin typeface="Cambria Math" panose="02040503050406030204" pitchFamily="18" charset="0"/>
+                                <a:ea typeface="Cambria Math" panose="02040503050406030204" pitchFamily="18" charset="0"/>
+                              </a:rPr>
+                              <m:t>𝜆</m:t>
+                            </m:r>
+                          </m:sup>
+                        </m:sSup>
+                        <m:sSup>
+                          <m:sSupPr>
+                            <m:ctrlPr>
+                              <a:rPr lang="es-419" b="0" i="1" smtClean="0">
+                                <a:latin typeface="Cambria Math" panose="02040503050406030204" pitchFamily="18" charset="0"/>
+                              </a:rPr>
+                            </m:ctrlPr>
+                          </m:sSupPr>
+                          <m:e>
+                            <m:r>
+                              <a:rPr lang="es-419" b="0" i="1" smtClean="0">
+                                <a:latin typeface="Cambria Math" panose="02040503050406030204" pitchFamily="18" charset="0"/>
+                                <a:ea typeface="Cambria Math" panose="02040503050406030204" pitchFamily="18" charset="0"/>
+                              </a:rPr>
+                              <m:t>𝜆</m:t>
+                            </m:r>
+                          </m:e>
+                          <m:sup>
+                            <m:r>
+                              <a:rPr lang="es-419" b="0" i="1" smtClean="0">
+                                <a:latin typeface="Cambria Math" panose="02040503050406030204" pitchFamily="18" charset="0"/>
+                              </a:rPr>
+                              <m:t>𝑥</m:t>
+                            </m:r>
+                          </m:sup>
+                        </m:sSup>
+                      </m:num>
+                      <m:den>
+                        <m:r>
+                          <a:rPr lang="es-419" b="0" i="1" smtClean="0">
+                            <a:latin typeface="Cambria Math" panose="02040503050406030204" pitchFamily="18" charset="0"/>
+                          </a:rPr>
+                          <m:t>𝑥</m:t>
+                        </m:r>
+                        <m:r>
+                          <a:rPr lang="es-419" b="0" i="1" smtClean="0">
+                            <a:latin typeface="Cambria Math" panose="02040503050406030204" pitchFamily="18" charset="0"/>
+                          </a:rPr>
+                          <m:t>!</m:t>
+                        </m:r>
+                      </m:den>
+                    </m:f>
+                  </m:oMath>
+                </a14:m>
+                <a:r>
+                  <a:rPr lang="es-419" sz="1900" b="0" dirty="0"/>
+                  <a:t> </a:t>
+                </a:r>
+                <a14:m>
+                  <m:oMath xmlns:m="http://schemas.openxmlformats.org/officeDocument/2006/math">
+                    <m:r>
+                      <a:rPr lang="es-419" sz="1900" b="0" i="1" smtClean="0">
+                        <a:latin typeface="Cambria Math" panose="02040503050406030204" pitchFamily="18" charset="0"/>
+                      </a:rPr>
+                      <m:t>=</m:t>
+                    </m:r>
+                    <m:f>
+                      <m:fPr>
+                        <m:ctrlPr>
+                          <a:rPr lang="es-419" sz="1900" i="1">
+                            <a:latin typeface="Cambria Math" panose="02040503050406030204" pitchFamily="18" charset="0"/>
+                          </a:rPr>
+                        </m:ctrlPr>
+                      </m:fPr>
+                      <m:num>
+                        <m:sSup>
+                          <m:sSupPr>
+                            <m:ctrlPr>
+                              <a:rPr lang="es-419" sz="1900" i="1">
+                                <a:latin typeface="Cambria Math" panose="02040503050406030204" pitchFamily="18" charset="0"/>
+                              </a:rPr>
+                            </m:ctrlPr>
+                          </m:sSupPr>
+                          <m:e>
+                            <m:r>
+                              <a:rPr lang="es-419" sz="1900" i="1">
+                                <a:latin typeface="Cambria Math" panose="02040503050406030204" pitchFamily="18" charset="0"/>
+                              </a:rPr>
+                              <m:t>𝑒</m:t>
+                            </m:r>
+                          </m:e>
+                          <m:sup>
+                            <m:r>
+                              <a:rPr lang="es-419" sz="1900" i="1">
+                                <a:latin typeface="Cambria Math" panose="02040503050406030204" pitchFamily="18" charset="0"/>
+                              </a:rPr>
+                              <m:t>−</m:t>
+                            </m:r>
+                            <m:r>
+                              <a:rPr lang="es-419" sz="1900" b="0" i="1" smtClean="0">
+                                <a:latin typeface="Cambria Math" panose="02040503050406030204" pitchFamily="18" charset="0"/>
+                              </a:rPr>
+                              <m:t>0.5</m:t>
+                            </m:r>
+                          </m:sup>
+                        </m:sSup>
+                        <m:sSup>
+                          <m:sSupPr>
+                            <m:ctrlPr>
+                              <a:rPr lang="es-419" sz="1900" i="1">
+                                <a:latin typeface="Cambria Math" panose="02040503050406030204" pitchFamily="18" charset="0"/>
+                              </a:rPr>
+                            </m:ctrlPr>
+                          </m:sSupPr>
+                          <m:e>
+                            <m:r>
+                              <a:rPr lang="es-419" sz="1900" b="0" i="1" smtClean="0">
+                                <a:latin typeface="Cambria Math" panose="02040503050406030204" pitchFamily="18" charset="0"/>
+                              </a:rPr>
+                              <m:t>0.5</m:t>
+                            </m:r>
+                          </m:e>
+                          <m:sup>
+                            <m:r>
+                              <a:rPr lang="es-419" sz="1900" b="0" i="1" smtClean="0">
+                                <a:latin typeface="Cambria Math" panose="02040503050406030204" pitchFamily="18" charset="0"/>
+                                <a:ea typeface="Cambria Math" panose="02040503050406030204" pitchFamily="18" charset="0"/>
+                              </a:rPr>
+                              <m:t>0</m:t>
+                            </m:r>
+                          </m:sup>
+                        </m:sSup>
+                      </m:num>
+                      <m:den>
+                        <m:r>
+                          <a:rPr lang="es-419" sz="1900" b="0" i="1" smtClean="0">
+                            <a:latin typeface="Cambria Math" panose="02040503050406030204" pitchFamily="18" charset="0"/>
+                          </a:rPr>
+                          <m:t>0</m:t>
+                        </m:r>
+                        <m:r>
+                          <a:rPr lang="es-419" sz="1900" i="1">
+                            <a:latin typeface="Cambria Math" panose="02040503050406030204" pitchFamily="18" charset="0"/>
+                          </a:rPr>
+                          <m:t>!</m:t>
+                        </m:r>
+                      </m:den>
+                    </m:f>
+                    <m:r>
+                      <a:rPr lang="es-419" sz="1900" b="0" i="1" smtClean="0">
+                        <a:latin typeface="Cambria Math" panose="02040503050406030204" pitchFamily="18" charset="0"/>
+                      </a:rPr>
+                      <m:t>=</m:t>
+                    </m:r>
+                    <m:sSup>
+                      <m:sSupPr>
+                        <m:ctrlPr>
+                          <a:rPr lang="es-419" sz="1900" i="1">
+                            <a:latin typeface="Cambria Math" panose="02040503050406030204" pitchFamily="18" charset="0"/>
+                          </a:rPr>
+                        </m:ctrlPr>
+                      </m:sSupPr>
+                      <m:e>
+                        <m:r>
+                          <a:rPr lang="es-419" sz="1900" i="1">
+                            <a:latin typeface="Cambria Math" panose="02040503050406030204" pitchFamily="18" charset="0"/>
+                          </a:rPr>
+                          <m:t>𝑒</m:t>
+                        </m:r>
+                      </m:e>
+                      <m:sup>
+                        <m:r>
+                          <a:rPr lang="es-419" sz="1900" i="1">
+                            <a:latin typeface="Cambria Math" panose="02040503050406030204" pitchFamily="18" charset="0"/>
+                          </a:rPr>
+                          <m:t>−0.5</m:t>
+                        </m:r>
+                      </m:sup>
+                    </m:sSup>
+                    <m:r>
+                      <m:rPr>
+                        <m:nor/>
+                      </m:rPr>
+                      <a:rPr lang="es-419" sz="1900" dirty="0"/>
+                      <m:t>=0.</m:t>
+                    </m:r>
+                    <m:r>
+                      <m:rPr>
+                        <m:nor/>
+                      </m:rPr>
+                      <a:rPr lang="es-419" sz="1900" b="0" i="0" dirty="0" smtClean="0"/>
+                      <m:t>6065</m:t>
+                    </m:r>
+                  </m:oMath>
+                </a14:m>
+                <a:endParaRPr lang="es-419" sz="1900" dirty="0"/>
+              </a:p>
+              <a:p>
+                <a:pPr marL="0" indent="0">
+                  <a:buNone/>
+                </a:pPr>
+                <a:endParaRPr lang="es-419" sz="1900" dirty="0"/>
+              </a:p>
+              <a:p>
+                <a:pPr marL="0" indent="0">
+                  <a:buNone/>
+                </a:pPr>
+                <a:r>
+                  <a:rPr lang="es-CO" sz="1900" dirty="0"/>
+                  <a:t>¿Cuál es el número de páginas que no contienen </a:t>
+                </a:r>
+                <a:r>
+                  <a:rPr lang="es-419" sz="1900" dirty="0"/>
+                  <a:t>ningún error?</a:t>
+                </a:r>
+              </a:p>
+              <a:p>
+                <a:pPr marL="0" indent="0">
+                  <a:buNone/>
+                </a:pPr>
+                <a:endParaRPr lang="es-419" sz="1900" dirty="0"/>
+              </a:p>
+              <a:p>
+                <a:pPr marL="0" indent="0">
+                  <a:buNone/>
+                </a:pPr>
+                <a:r>
+                  <a:rPr lang="es-419" sz="1900" dirty="0"/>
+                  <a:t>Así el numero de paginas que no contienen errores es de</a:t>
+                </a:r>
+              </a:p>
+              <a:p>
+                <a:pPr marL="0" indent="0">
+                  <a:buNone/>
+                </a:pPr>
+                <a:endParaRPr lang="es-419" sz="1900" dirty="0"/>
+              </a:p>
+              <a:p>
+                <a:pPr marL="0" indent="0">
+                  <a:buNone/>
+                </a:pPr>
+                <a14:m>
+                  <m:oMathPara xmlns:m="http://schemas.openxmlformats.org/officeDocument/2006/math">
+                    <m:oMathParaPr>
+                      <m:jc m:val="centerGroup"/>
+                    </m:oMathParaPr>
+                    <m:oMath xmlns:m="http://schemas.openxmlformats.org/officeDocument/2006/math">
+                      <m:r>
+                        <m:rPr>
+                          <m:nor/>
+                        </m:rPr>
+                        <a:rPr lang="es-419" sz="1900" dirty="0"/>
+                        <m:t>=0.</m:t>
+                      </m:r>
+                      <m:r>
+                        <a:rPr lang="es-419" sz="1900" b="0" i="1" dirty="0" smtClean="0">
+                          <a:latin typeface="Cambria Math" panose="02040503050406030204" pitchFamily="18" charset="0"/>
+                        </a:rPr>
+                        <m:t>6065</m:t>
+                      </m:r>
+                      <m:r>
+                        <a:rPr lang="es-419" sz="1900" i="1" dirty="0" smtClean="0">
+                          <a:latin typeface="Cambria Math" panose="02040503050406030204" pitchFamily="18" charset="0"/>
+                        </a:rPr>
+                        <m:t> </m:t>
+                      </m:r>
+                      <m:r>
+                        <m:rPr>
+                          <m:nor/>
+                        </m:rPr>
+                        <a:rPr lang="es-419" sz="1900" dirty="0"/>
+                        <m:t>∗400= 2</m:t>
+                      </m:r>
+                      <m:r>
+                        <m:rPr>
+                          <m:nor/>
+                        </m:rPr>
+                        <a:rPr lang="es-419" sz="1900" b="0" i="0" dirty="0" smtClean="0"/>
+                        <m:t>42.6</m:t>
+                      </m:r>
+                      <m:r>
+                        <m:rPr>
+                          <m:nor/>
+                        </m:rPr>
+                        <a:rPr lang="es-419" sz="1900" dirty="0"/>
+                        <m:t> </m:t>
+                      </m:r>
+                      <m:r>
+                        <m:rPr>
+                          <m:nor/>
+                        </m:rPr>
+                        <a:rPr lang="es-419" sz="1900" dirty="0"/>
+                        <m:t>paginas</m:t>
+                      </m:r>
+                    </m:oMath>
+                  </m:oMathPara>
+                </a14:m>
+                <a:endParaRPr lang="es-419" sz="1900" dirty="0"/>
+              </a:p>
+              <a:p>
+                <a:pPr marL="0" indent="0">
+                  <a:buNone/>
+                </a:pPr>
+                <a:endParaRPr lang="es-419" sz="1900" dirty="0"/>
+              </a:p>
+              <a:p>
+                <a:pPr marL="0" indent="0">
+                  <a:buNone/>
+                </a:pPr>
+                <a:endParaRPr lang="es-419" dirty="0"/>
+              </a:p>
+            </p:txBody>
+          </p:sp>
+        </mc:Choice>
+        <mc:Fallback xmlns="">
+          <p:sp>
+            <p:nvSpPr>
+              <p:cNvPr id="3" name="Marcador de contenido 2"/>
+              <p:cNvSpPr>
+                <a:spLocks noGrp="1" noRot="1" noChangeAspect="1" noMove="1" noResize="1" noEditPoints="1" noAdjustHandles="1" noChangeArrowheads="1" noChangeShapeType="1" noTextEdit="1"/>
+              </p:cNvSpPr>
+              <p:nvPr>
+                <p:ph idx="1"/>
+              </p:nvPr>
+            </p:nvSpPr>
+            <p:spPr>
+              <a:xfrm>
+                <a:off x="683172" y="2028497"/>
+                <a:ext cx="11088414" cy="4238488"/>
+              </a:xfrm>
+              <a:blipFill>
+                <a:blip r:embed="rId2"/>
+                <a:stretch>
+                  <a:fillRect l="-495" t="-6475"/>
+                </a:stretch>
+              </a:blipFill>
+            </p:spPr>
+            <p:txBody>
+              <a:bodyPr/>
+              <a:lstStyle/>
+              <a:p>
+                <a:r>
+                  <a:rPr lang="es-CO">
+                    <a:noFill/>
+                  </a:rPr>
+                  <a:t> </a:t>
+                </a:r>
+              </a:p>
+            </p:txBody>
+          </p:sp>
+        </mc:Fallback>
+      </mc:AlternateContent>
+    </p:spTree>
+    <p:extLst>
+      <p:ext uri="{BB962C8B-B14F-4D97-AF65-F5344CB8AC3E}">
+        <p14:creationId xmlns:p14="http://schemas.microsoft.com/office/powerpoint/2010/main" val="1937768930"/>
+      </p:ext>
+    </p:extLst>
+  </p:cSld>
+  <p:clrMapOvr>
+    <a:masterClrMapping/>
+  </p:clrMapOvr>
+</p:sld>
+</file>
+
+<file path=ppt/slides/slide62.xml><?xml version="1.0" encoding="utf-8"?>
+<p:sld xmlns:a="http://schemas.openxmlformats.org/drawingml/2006/main" xmlns:r="http://schemas.openxmlformats.org/officeDocument/2006/relationships" xmlns:p="http://schemas.openxmlformats.org/presentationml/2006/main">
+  <p:cSld>
+    <p:spTree>
+      <p:nvGrpSpPr>
+        <p:cNvPr id="1" name=""/>
+        <p:cNvGrpSpPr/>
+        <p:nvPr/>
+      </p:nvGrpSpPr>
+      <p:grpSpPr>
+        <a:xfrm>
+          <a:off x="0" y="0"/>
+          <a:ext cx="0" cy="0"/>
+          <a:chOff x="0" y="0"/>
+          <a:chExt cx="0" cy="0"/>
+        </a:xfrm>
+      </p:grpSpPr>
+      <mc:AlternateContent xmlns:mc="http://schemas.openxmlformats.org/markup-compatibility/2006" xmlns:a14="http://schemas.microsoft.com/office/drawing/2010/main">
+        <mc:Choice Requires="a14">
+          <p:sp>
+            <p:nvSpPr>
+              <p:cNvPr id="3" name="Marcador de contenido 2"/>
+              <p:cNvSpPr>
+                <a:spLocks noGrp="1"/>
+              </p:cNvSpPr>
+              <p:nvPr>
+                <p:ph idx="1"/>
+              </p:nvPr>
+            </p:nvSpPr>
+            <p:spPr>
+              <a:xfrm>
+                <a:off x="746234" y="2848303"/>
+                <a:ext cx="10657490" cy="3277860"/>
+              </a:xfrm>
+            </p:spPr>
+            <p:txBody>
+              <a:bodyPr>
+                <a:normAutofit lnSpcReduction="10000"/>
+              </a:bodyPr>
+              <a:lstStyle/>
+              <a:p>
+                <a:pPr marL="0" indent="0">
+                  <a:buNone/>
+                </a:pPr>
+                <a:r>
+                  <a:rPr lang="es-419" sz="2400" dirty="0"/>
+                  <a:t>Calcule la probabilidad de que cada pagina contenga exactamente 1 error?</a:t>
+                </a:r>
+              </a:p>
+              <a:p>
+                <a:pPr marL="0" indent="0">
+                  <a:buNone/>
+                </a:pPr>
+                <a14:m>
+                  <m:oMathPara xmlns:m="http://schemas.openxmlformats.org/officeDocument/2006/math">
+                    <m:oMathParaPr>
+                      <m:jc m:val="centerGroup"/>
+                    </m:oMathParaPr>
+                    <m:oMath xmlns:m="http://schemas.openxmlformats.org/officeDocument/2006/math">
+                      <m:r>
+                        <a:rPr lang="es-419" sz="2400" i="1">
+                          <a:latin typeface="Cambria Math" panose="02040503050406030204" pitchFamily="18" charset="0"/>
+                        </a:rPr>
+                        <m:t>𝑃</m:t>
+                      </m:r>
+                      <m:d>
+                        <m:dPr>
+                          <m:ctrlPr>
+                            <a:rPr lang="es-419" sz="2400" i="1">
+                              <a:latin typeface="Cambria Math" panose="02040503050406030204" pitchFamily="18" charset="0"/>
+                            </a:rPr>
+                          </m:ctrlPr>
+                        </m:dPr>
+                        <m:e>
+                          <m:r>
+                            <a:rPr lang="es-419" sz="2400" i="1">
+                              <a:latin typeface="Cambria Math" panose="02040503050406030204" pitchFamily="18" charset="0"/>
+                            </a:rPr>
+                            <m:t>𝑥</m:t>
+                          </m:r>
+                          <m:r>
+                            <a:rPr lang="es-419" sz="2400" i="1">
+                              <a:latin typeface="Cambria Math" panose="02040503050406030204" pitchFamily="18" charset="0"/>
+                            </a:rPr>
+                            <m:t>=1</m:t>
+                          </m:r>
+                        </m:e>
+                      </m:d>
+                      <m:r>
+                        <a:rPr lang="es-419" sz="2400" i="1">
+                          <a:latin typeface="Cambria Math" panose="02040503050406030204" pitchFamily="18" charset="0"/>
+                        </a:rPr>
+                        <m:t>=</m:t>
+                      </m:r>
+                      <m:f>
+                        <m:fPr>
+                          <m:ctrlPr>
+                            <a:rPr lang="es-419" sz="2400" i="1">
+                              <a:latin typeface="Cambria Math" panose="02040503050406030204" pitchFamily="18" charset="0"/>
+                            </a:rPr>
+                          </m:ctrlPr>
+                        </m:fPr>
+                        <m:num>
+                          <m:sSup>
+                            <m:sSupPr>
+                              <m:ctrlPr>
+                                <a:rPr lang="es-419" sz="2400" i="1">
+                                  <a:latin typeface="Cambria Math" panose="02040503050406030204" pitchFamily="18" charset="0"/>
+                                </a:rPr>
+                              </m:ctrlPr>
+                            </m:sSupPr>
+                            <m:e>
+                              <m:r>
+                                <a:rPr lang="es-419" sz="2400" i="1">
+                                  <a:latin typeface="Cambria Math" panose="02040503050406030204" pitchFamily="18" charset="0"/>
+                                </a:rPr>
+                                <m:t>𝑒</m:t>
+                              </m:r>
+                            </m:e>
+                            <m:sup>
+                              <m:r>
+                                <a:rPr lang="es-419" sz="2400" i="1">
+                                  <a:latin typeface="Cambria Math" panose="02040503050406030204" pitchFamily="18" charset="0"/>
+                                </a:rPr>
+                                <m:t>−</m:t>
+                              </m:r>
+                              <m:r>
+                                <a:rPr lang="es-419" sz="2400" i="1" smtClean="0">
+                                  <a:latin typeface="Cambria Math" panose="02040503050406030204" pitchFamily="18" charset="0"/>
+                                  <a:ea typeface="Cambria Math" panose="02040503050406030204" pitchFamily="18" charset="0"/>
+                                </a:rPr>
+                                <m:t>𝜆</m:t>
+                              </m:r>
+                            </m:sup>
+                          </m:sSup>
+                          <m:sSup>
+                            <m:sSupPr>
+                              <m:ctrlPr>
+                                <a:rPr lang="es-419" sz="2400" i="1">
+                                  <a:latin typeface="Cambria Math" panose="02040503050406030204" pitchFamily="18" charset="0"/>
+                                </a:rPr>
+                              </m:ctrlPr>
+                            </m:sSupPr>
+                            <m:e>
+                              <m:r>
+                                <a:rPr lang="es-419" sz="2400" i="1">
+                                  <a:latin typeface="Cambria Math" panose="02040503050406030204" pitchFamily="18" charset="0"/>
+                                  <a:ea typeface="Cambria Math" panose="02040503050406030204" pitchFamily="18" charset="0"/>
+                                </a:rPr>
+                                <m:t>𝜆</m:t>
+                              </m:r>
+                            </m:e>
+                            <m:sup>
+                              <m:r>
+                                <a:rPr lang="es-419" sz="2400" i="1">
+                                  <a:latin typeface="Cambria Math" panose="02040503050406030204" pitchFamily="18" charset="0"/>
+                                </a:rPr>
+                                <m:t>𝑥</m:t>
+                              </m:r>
+                            </m:sup>
+                          </m:sSup>
+                        </m:num>
+                        <m:den>
+                          <m:r>
+                            <a:rPr lang="es-419" sz="2400" i="1">
+                              <a:latin typeface="Cambria Math" panose="02040503050406030204" pitchFamily="18" charset="0"/>
+                            </a:rPr>
+                            <m:t>𝑥</m:t>
+                          </m:r>
+                          <m:r>
+                            <a:rPr lang="es-419" sz="2400" i="1">
+                              <a:latin typeface="Cambria Math" panose="02040503050406030204" pitchFamily="18" charset="0"/>
+                            </a:rPr>
+                            <m:t>!</m:t>
+                          </m:r>
+                        </m:den>
+                      </m:f>
+                      <m:r>
+                        <a:rPr lang="es-419" sz="2400" i="1">
+                          <a:latin typeface="Cambria Math" panose="02040503050406030204" pitchFamily="18" charset="0"/>
+                        </a:rPr>
+                        <m:t>=</m:t>
+                      </m:r>
+                      <m:f>
+                        <m:fPr>
+                          <m:ctrlPr>
+                            <a:rPr lang="es-419" sz="2400" i="1">
+                              <a:latin typeface="Cambria Math" panose="02040503050406030204" pitchFamily="18" charset="0"/>
+                            </a:rPr>
+                          </m:ctrlPr>
+                        </m:fPr>
+                        <m:num>
+                          <m:sSup>
+                            <m:sSupPr>
+                              <m:ctrlPr>
+                                <a:rPr lang="es-419" sz="2400" i="1">
+                                  <a:latin typeface="Cambria Math" panose="02040503050406030204" pitchFamily="18" charset="0"/>
+                                </a:rPr>
+                              </m:ctrlPr>
+                            </m:sSupPr>
+                            <m:e>
+                              <m:r>
+                                <a:rPr lang="es-419" sz="2400" i="1">
+                                  <a:latin typeface="Cambria Math" panose="02040503050406030204" pitchFamily="18" charset="0"/>
+                                </a:rPr>
+                                <m:t>𝑒</m:t>
+                              </m:r>
+                            </m:e>
+                            <m:sup>
+                              <m:r>
+                                <a:rPr lang="es-419" sz="2400" i="1">
+                                  <a:latin typeface="Cambria Math" panose="02040503050406030204" pitchFamily="18" charset="0"/>
+                                </a:rPr>
+                                <m:t>−0.5</m:t>
+                              </m:r>
+                            </m:sup>
+                          </m:sSup>
+                          <m:sSup>
+                            <m:sSupPr>
+                              <m:ctrlPr>
+                                <a:rPr lang="es-419" sz="2400" i="1">
+                                  <a:latin typeface="Cambria Math" panose="02040503050406030204" pitchFamily="18" charset="0"/>
+                                </a:rPr>
+                              </m:ctrlPr>
+                            </m:sSupPr>
+                            <m:e>
+                              <m:r>
+                                <a:rPr lang="es-419" sz="2400" b="0" i="1" smtClean="0">
+                                  <a:latin typeface="Cambria Math" panose="02040503050406030204" pitchFamily="18" charset="0"/>
+                                </a:rPr>
+                                <m:t>0.5</m:t>
+                              </m:r>
+                            </m:e>
+                            <m:sup>
+                              <m:r>
+                                <a:rPr lang="es-419" sz="2400" b="0" i="1" smtClean="0">
+                                  <a:latin typeface="Cambria Math" panose="02040503050406030204" pitchFamily="18" charset="0"/>
+                                </a:rPr>
+                                <m:t>1</m:t>
+                              </m:r>
+                            </m:sup>
+                          </m:sSup>
+                        </m:num>
+                        <m:den>
+                          <m:r>
+                            <a:rPr lang="es-419" sz="2400" b="0" i="1" smtClean="0">
+                              <a:latin typeface="Cambria Math" panose="02040503050406030204" pitchFamily="18" charset="0"/>
+                              <a:ea typeface="Cambria Math" panose="02040503050406030204" pitchFamily="18" charset="0"/>
+                            </a:rPr>
+                            <m:t>1</m:t>
+                          </m:r>
+                          <m:r>
+                            <a:rPr lang="es-419" sz="2400" i="1">
+                              <a:latin typeface="Cambria Math" panose="02040503050406030204" pitchFamily="18" charset="0"/>
+                            </a:rPr>
+                            <m:t>!</m:t>
+                          </m:r>
+                        </m:den>
+                      </m:f>
+                      <m:r>
+                        <a:rPr lang="es-419" sz="2400" i="1">
+                          <a:latin typeface="Cambria Math" panose="02040503050406030204" pitchFamily="18" charset="0"/>
+                        </a:rPr>
+                        <m:t>=</m:t>
+                      </m:r>
+                      <m:r>
+                        <a:rPr lang="es-419" sz="2400" b="0" i="1" smtClean="0">
+                          <a:latin typeface="Cambria Math" panose="02040503050406030204" pitchFamily="18" charset="0"/>
+                        </a:rPr>
+                        <m:t>0.303</m:t>
+                      </m:r>
+                    </m:oMath>
+                  </m:oMathPara>
+                </a14:m>
+                <a:endParaRPr lang="es-419" sz="2400" dirty="0"/>
+              </a:p>
+              <a:p>
+                <a:pPr marL="0" indent="0">
+                  <a:buNone/>
+                </a:pPr>
+                <a:endParaRPr lang="es-419" sz="2400" dirty="0"/>
+              </a:p>
+              <a:p>
+                <a:pPr marL="0" indent="0">
+                  <a:buNone/>
+                </a:pPr>
+                <a:r>
+                  <a:rPr lang="es-419" sz="2400" dirty="0"/>
+                  <a:t>Así el numero de paginas que contienen 1 error en un libro de 400 paginas es de:</a:t>
+                </a:r>
+              </a:p>
+              <a:p>
+                <a:pPr marL="0" indent="0">
+                  <a:buNone/>
+                </a:pPr>
+                <a:endParaRPr lang="es-419" sz="2400" dirty="0"/>
+              </a:p>
+              <a:p>
+                <a:pPr marL="0" indent="0">
+                  <a:buNone/>
+                </a:pPr>
+                <a14:m>
+                  <m:oMathPara xmlns:m="http://schemas.openxmlformats.org/officeDocument/2006/math">
+                    <m:oMathParaPr>
+                      <m:jc m:val="centerGroup"/>
+                    </m:oMathParaPr>
+                    <m:oMath xmlns:m="http://schemas.openxmlformats.org/officeDocument/2006/math">
+                      <m:r>
+                        <m:rPr>
+                          <m:nor/>
+                        </m:rPr>
+                        <a:rPr lang="es-419" sz="2400" dirty="0"/>
+                        <m:t>=0.</m:t>
+                      </m:r>
+                      <m:r>
+                        <a:rPr lang="es-419" sz="2400" b="0" i="1" dirty="0" smtClean="0">
+                          <a:latin typeface="Cambria Math" panose="02040503050406030204" pitchFamily="18" charset="0"/>
+                        </a:rPr>
+                        <m:t>303</m:t>
+                      </m:r>
+                      <m:r>
+                        <a:rPr lang="es-419" sz="2400" i="1" dirty="0">
+                          <a:latin typeface="Cambria Math" panose="02040503050406030204" pitchFamily="18" charset="0"/>
+                        </a:rPr>
+                        <m:t> </m:t>
+                      </m:r>
+                      <m:r>
+                        <m:rPr>
+                          <m:nor/>
+                        </m:rPr>
+                        <a:rPr lang="es-419" sz="2400" dirty="0"/>
+                        <m:t>∗400= </m:t>
+                      </m:r>
+                      <m:r>
+                        <m:rPr>
+                          <m:nor/>
+                        </m:rPr>
+                        <a:rPr lang="es-419" sz="2400" b="0" i="0" dirty="0" smtClean="0"/>
+                        <m:t>121.3</m:t>
+                      </m:r>
+                      <m:r>
+                        <m:rPr>
+                          <m:nor/>
+                        </m:rPr>
+                        <a:rPr lang="es-419" sz="2400" dirty="0"/>
+                        <m:t> </m:t>
+                      </m:r>
+                      <m:r>
+                        <m:rPr>
+                          <m:nor/>
+                        </m:rPr>
+                        <a:rPr lang="es-419" sz="2400" dirty="0"/>
+                        <m:t>paginas</m:t>
+                      </m:r>
+                    </m:oMath>
+                  </m:oMathPara>
+                </a14:m>
+                <a:endParaRPr lang="es-419" sz="2400" dirty="0"/>
+              </a:p>
+              <a:p>
+                <a:pPr marL="0" indent="0">
+                  <a:buNone/>
+                </a:pPr>
+                <a:endParaRPr lang="es-419" dirty="0"/>
+              </a:p>
+              <a:p>
+                <a:pPr marL="0" indent="0">
+                  <a:buNone/>
+                </a:pPr>
+                <a:endParaRPr lang="es-419" dirty="0"/>
+              </a:p>
+            </p:txBody>
+          </p:sp>
+        </mc:Choice>
+        <mc:Fallback xmlns="">
+          <p:sp>
+            <p:nvSpPr>
+              <p:cNvPr id="3" name="Marcador de contenido 2"/>
+              <p:cNvSpPr>
+                <a:spLocks noGrp="1" noRot="1" noChangeAspect="1" noMove="1" noResize="1" noEditPoints="1" noAdjustHandles="1" noChangeArrowheads="1" noChangeShapeType="1" noTextEdit="1"/>
+              </p:cNvSpPr>
+              <p:nvPr>
+                <p:ph idx="1"/>
+              </p:nvPr>
+            </p:nvSpPr>
+            <p:spPr>
+              <a:xfrm>
+                <a:off x="746234" y="2848303"/>
+                <a:ext cx="10657490" cy="3277860"/>
+              </a:xfrm>
+              <a:blipFill>
+                <a:blip r:embed="rId2"/>
+                <a:stretch>
+                  <a:fillRect l="-858" t="-11710"/>
+                </a:stretch>
+              </a:blipFill>
+            </p:spPr>
+            <p:txBody>
+              <a:bodyPr/>
+              <a:lstStyle/>
+              <a:p>
+                <a:r>
+                  <a:rPr lang="es-CO">
+                    <a:noFill/>
+                  </a:rPr>
+                  <a:t> </a:t>
+                </a:r>
+              </a:p>
+            </p:txBody>
+          </p:sp>
+        </mc:Fallback>
+      </mc:AlternateContent>
+    </p:spTree>
+    <p:extLst>
+      <p:ext uri="{BB962C8B-B14F-4D97-AF65-F5344CB8AC3E}">
+        <p14:creationId xmlns:p14="http://schemas.microsoft.com/office/powerpoint/2010/main" val="3199580465"/>
+      </p:ext>
+    </p:extLst>
+  </p:cSld>
+  <p:clrMapOvr>
+    <a:masterClrMapping/>
+  </p:clrMapOvr>
+</p:sld>
+</file>
+
+<file path=ppt/slides/slide63.xml><?xml version="1.0" encoding="utf-8"?>
+<p:sld xmlns:a="http://schemas.openxmlformats.org/drawingml/2006/main" xmlns:r="http://schemas.openxmlformats.org/officeDocument/2006/relationships" xmlns:p="http://schemas.openxmlformats.org/presentationml/2006/main">
+  <p:cSld>
+    <p:spTree>
+      <p:nvGrpSpPr>
+        <p:cNvPr id="1" name=""/>
+        <p:cNvGrpSpPr/>
+        <p:nvPr/>
+      </p:nvGrpSpPr>
+      <p:grpSpPr>
+        <a:xfrm>
+          <a:off x="0" y="0"/>
+          <a:ext cx="0" cy="0"/>
+          <a:chOff x="0" y="0"/>
+          <a:chExt cx="0" cy="0"/>
+        </a:xfrm>
+      </p:grpSpPr>
+      <mc:AlternateContent xmlns:mc="http://schemas.openxmlformats.org/markup-compatibility/2006" xmlns:a14="http://schemas.microsoft.com/office/drawing/2010/main">
+        <mc:Choice Requires="a14">
+          <p:sp>
+            <p:nvSpPr>
+              <p:cNvPr id="8" name="Marcador de contenido 2"/>
+              <p:cNvSpPr>
+                <a:spLocks noGrp="1"/>
+              </p:cNvSpPr>
+              <p:nvPr>
+                <p:ph idx="1"/>
+              </p:nvPr>
+            </p:nvSpPr>
+            <p:spPr>
+              <a:xfrm>
+                <a:off x="861849" y="2301765"/>
+                <a:ext cx="10152993" cy="3771846"/>
+              </a:xfrm>
+            </p:spPr>
+            <p:txBody>
+              <a:bodyPr>
+                <a:normAutofit fontScale="70000" lnSpcReduction="20000"/>
+              </a:bodyPr>
+              <a:lstStyle/>
+              <a:p>
+                <a:pPr marL="0" indent="0">
+                  <a:buNone/>
+                </a:pPr>
+                <a:r>
+                  <a:rPr lang="es-419" sz="2900" dirty="0"/>
+                  <a:t>Calcule la probabilidad de que una pagina contenga más de 2 errores?</a:t>
+                </a:r>
+              </a:p>
+              <a:p>
+                <a:pPr marL="0" indent="0">
+                  <a:buNone/>
+                </a:pPr>
+                <a:endParaRPr lang="es-419" sz="2900" i="1" dirty="0">
+                  <a:latin typeface="Cambria Math" panose="02040503050406030204" pitchFamily="18" charset="0"/>
+                </a:endParaRPr>
+              </a:p>
+              <a:p>
+                <a:pPr marL="0" indent="0">
+                  <a:buNone/>
+                </a:pPr>
+                <a14:m>
+                  <m:oMathPara xmlns:m="http://schemas.openxmlformats.org/officeDocument/2006/math">
+                    <m:oMathParaPr>
+                      <m:jc m:val="centerGroup"/>
+                    </m:oMathParaPr>
+                    <m:oMath xmlns:m="http://schemas.openxmlformats.org/officeDocument/2006/math">
+                      <m:r>
+                        <a:rPr lang="es-419" sz="2900" i="1">
+                          <a:latin typeface="Cambria Math" panose="02040503050406030204" pitchFamily="18" charset="0"/>
+                        </a:rPr>
+                        <m:t>𝑃</m:t>
+                      </m:r>
+                      <m:d>
+                        <m:dPr>
+                          <m:ctrlPr>
+                            <a:rPr lang="es-419" sz="2900" i="1">
+                              <a:latin typeface="Cambria Math" panose="02040503050406030204" pitchFamily="18" charset="0"/>
+                            </a:rPr>
+                          </m:ctrlPr>
+                        </m:dPr>
+                        <m:e>
+                          <m:r>
+                            <a:rPr lang="es-419" sz="2900" i="1">
+                              <a:latin typeface="Cambria Math" panose="02040503050406030204" pitchFamily="18" charset="0"/>
+                            </a:rPr>
+                            <m:t>𝑥</m:t>
+                          </m:r>
+                          <m:r>
+                            <a:rPr lang="es-419" sz="2900" b="0" i="1" smtClean="0">
+                              <a:latin typeface="Cambria Math" panose="02040503050406030204" pitchFamily="18" charset="0"/>
+                            </a:rPr>
+                            <m:t>&gt;2</m:t>
+                          </m:r>
+                        </m:e>
+                      </m:d>
+                      <m:r>
+                        <a:rPr lang="es-419" sz="2900" b="0" i="1" smtClean="0">
+                          <a:latin typeface="Cambria Math" panose="02040503050406030204" pitchFamily="18" charset="0"/>
+                        </a:rPr>
+                        <m:t>=1−</m:t>
+                      </m:r>
+                      <m:r>
+                        <a:rPr lang="es-419" sz="2900" b="0" i="1" smtClean="0">
+                          <a:latin typeface="Cambria Math" panose="02040503050406030204" pitchFamily="18" charset="0"/>
+                        </a:rPr>
+                        <m:t>𝑃</m:t>
+                      </m:r>
+                      <m:r>
+                        <a:rPr lang="es-419" sz="2900" b="0" i="1" smtClean="0">
+                          <a:latin typeface="Cambria Math" panose="02040503050406030204" pitchFamily="18" charset="0"/>
+                        </a:rPr>
+                        <m:t>(</m:t>
+                      </m:r>
+                      <m:r>
+                        <a:rPr lang="es-419" sz="2900" b="0" i="1" smtClean="0">
+                          <a:latin typeface="Cambria Math" panose="02040503050406030204" pitchFamily="18" charset="0"/>
+                        </a:rPr>
+                        <m:t>𝑥</m:t>
+                      </m:r>
+                      <m:r>
+                        <a:rPr lang="es-419" sz="2900" b="0" i="1" smtClean="0">
+                          <a:latin typeface="Cambria Math" panose="02040503050406030204" pitchFamily="18" charset="0"/>
+                          <a:ea typeface="Cambria Math" panose="02040503050406030204" pitchFamily="18" charset="0"/>
+                        </a:rPr>
+                        <m:t>≤2)</m:t>
+                      </m:r>
+                      <m:r>
+                        <a:rPr lang="es-419" sz="2900" b="0" i="1" smtClean="0">
+                          <a:latin typeface="Cambria Math" panose="02040503050406030204" pitchFamily="18" charset="0"/>
+                        </a:rPr>
+                        <m:t>=1−</m:t>
+                      </m:r>
+                      <m:r>
+                        <a:rPr lang="es-419" sz="2900" i="1">
+                          <a:latin typeface="Cambria Math" panose="02040503050406030204" pitchFamily="18" charset="0"/>
+                        </a:rPr>
+                        <m:t>𝑃</m:t>
+                      </m:r>
+                      <m:d>
+                        <m:dPr>
+                          <m:ctrlPr>
+                            <a:rPr lang="es-419" sz="2900" i="1">
+                              <a:latin typeface="Cambria Math" panose="02040503050406030204" pitchFamily="18" charset="0"/>
+                            </a:rPr>
+                          </m:ctrlPr>
+                        </m:dPr>
+                        <m:e>
+                          <m:r>
+                            <a:rPr lang="es-419" sz="2900" i="1">
+                              <a:latin typeface="Cambria Math" panose="02040503050406030204" pitchFamily="18" charset="0"/>
+                            </a:rPr>
+                            <m:t>𝑥</m:t>
+                          </m:r>
+                          <m:r>
+                            <a:rPr lang="es-419" sz="2900" i="1">
+                              <a:latin typeface="Cambria Math" panose="02040503050406030204" pitchFamily="18" charset="0"/>
+                            </a:rPr>
+                            <m:t>=0</m:t>
+                          </m:r>
+                        </m:e>
+                      </m:d>
+                      <m:r>
+                        <a:rPr lang="es-419" sz="2900" b="0" i="1" smtClean="0">
+                          <a:latin typeface="Cambria Math" panose="02040503050406030204" pitchFamily="18" charset="0"/>
+                        </a:rPr>
+                        <m:t>−</m:t>
+                      </m:r>
+                      <m:r>
+                        <a:rPr lang="es-419" sz="2900" i="1">
+                          <a:latin typeface="Cambria Math" panose="02040503050406030204" pitchFamily="18" charset="0"/>
+                        </a:rPr>
+                        <m:t>𝑃</m:t>
+                      </m:r>
+                      <m:d>
+                        <m:dPr>
+                          <m:ctrlPr>
+                            <a:rPr lang="es-419" sz="2900" i="1">
+                              <a:latin typeface="Cambria Math" panose="02040503050406030204" pitchFamily="18" charset="0"/>
+                            </a:rPr>
+                          </m:ctrlPr>
+                        </m:dPr>
+                        <m:e>
+                          <m:r>
+                            <a:rPr lang="es-419" sz="2900" i="1">
+                              <a:latin typeface="Cambria Math" panose="02040503050406030204" pitchFamily="18" charset="0"/>
+                            </a:rPr>
+                            <m:t>𝑥</m:t>
+                          </m:r>
+                          <m:r>
+                            <a:rPr lang="es-419" sz="2900" i="1">
+                              <a:latin typeface="Cambria Math" panose="02040503050406030204" pitchFamily="18" charset="0"/>
+                            </a:rPr>
+                            <m:t>=1</m:t>
+                          </m:r>
+                        </m:e>
+                      </m:d>
+                      <m:r>
+                        <a:rPr lang="es-419" sz="2900" b="0" i="1" smtClean="0">
+                          <a:latin typeface="Cambria Math" panose="02040503050406030204" pitchFamily="18" charset="0"/>
+                        </a:rPr>
+                        <m:t>−</m:t>
+                      </m:r>
+                      <m:r>
+                        <a:rPr lang="es-419" sz="2900" i="1">
+                          <a:latin typeface="Cambria Math" panose="02040503050406030204" pitchFamily="18" charset="0"/>
+                        </a:rPr>
+                        <m:t>𝑃</m:t>
+                      </m:r>
+                      <m:d>
+                        <m:dPr>
+                          <m:ctrlPr>
+                            <a:rPr lang="es-419" sz="2900" i="1">
+                              <a:latin typeface="Cambria Math" panose="02040503050406030204" pitchFamily="18" charset="0"/>
+                            </a:rPr>
+                          </m:ctrlPr>
+                        </m:dPr>
+                        <m:e>
+                          <m:r>
+                            <a:rPr lang="es-419" sz="2900" i="1">
+                              <a:latin typeface="Cambria Math" panose="02040503050406030204" pitchFamily="18" charset="0"/>
+                            </a:rPr>
+                            <m:t>𝑥</m:t>
+                          </m:r>
+                          <m:r>
+                            <a:rPr lang="es-419" sz="2900" i="1">
+                              <a:latin typeface="Cambria Math" panose="02040503050406030204" pitchFamily="18" charset="0"/>
+                            </a:rPr>
+                            <m:t>=2</m:t>
+                          </m:r>
+                        </m:e>
+                      </m:d>
+                    </m:oMath>
+                  </m:oMathPara>
+                </a14:m>
+                <a:endParaRPr lang="es-419" sz="2900" i="1" dirty="0">
+                  <a:latin typeface="Cambria Math" panose="02040503050406030204" pitchFamily="18" charset="0"/>
+                </a:endParaRPr>
+              </a:p>
+              <a:p>
+                <a:pPr marL="0" indent="0">
+                  <a:buNone/>
+                </a:pPr>
+                <a:endParaRPr lang="es-419" sz="2900" i="1" dirty="0">
+                  <a:latin typeface="Cambria Math" panose="02040503050406030204" pitchFamily="18" charset="0"/>
+                </a:endParaRPr>
+              </a:p>
+              <a:p>
+                <a:pPr marL="0" indent="0">
+                  <a:buNone/>
+                </a:pPr>
+                <a:r>
+                  <a:rPr lang="es-419" sz="2900" dirty="0"/>
+                  <a:t>                   </a:t>
+                </a:r>
+                <a14:m>
+                  <m:oMath xmlns:m="http://schemas.openxmlformats.org/officeDocument/2006/math">
+                    <m:r>
+                      <a:rPr lang="es-419" sz="2900" i="1">
+                        <a:latin typeface="Cambria Math" panose="02040503050406030204" pitchFamily="18" charset="0"/>
+                      </a:rPr>
+                      <m:t>=</m:t>
+                    </m:r>
+                    <m:r>
+                      <a:rPr lang="es-419" sz="2900" b="0" i="1" smtClean="0">
+                        <a:latin typeface="Cambria Math" panose="02040503050406030204" pitchFamily="18" charset="0"/>
+                      </a:rPr>
+                      <m:t>1−</m:t>
+                    </m:r>
+                    <m:f>
+                      <m:fPr>
+                        <m:ctrlPr>
+                          <a:rPr lang="es-419" sz="2900" i="1">
+                            <a:latin typeface="Cambria Math" panose="02040503050406030204" pitchFamily="18" charset="0"/>
+                          </a:rPr>
+                        </m:ctrlPr>
+                      </m:fPr>
+                      <m:num>
+                        <m:sSup>
+                          <m:sSupPr>
+                            <m:ctrlPr>
+                              <a:rPr lang="es-419" sz="2900" i="1">
+                                <a:latin typeface="Cambria Math" panose="02040503050406030204" pitchFamily="18" charset="0"/>
+                              </a:rPr>
+                            </m:ctrlPr>
+                          </m:sSupPr>
+                          <m:e>
+                            <m:r>
+                              <a:rPr lang="es-419" sz="2900" i="1">
+                                <a:latin typeface="Cambria Math" panose="02040503050406030204" pitchFamily="18" charset="0"/>
+                              </a:rPr>
+                              <m:t>𝑒</m:t>
+                            </m:r>
+                          </m:e>
+                          <m:sup>
+                            <m:r>
+                              <a:rPr lang="es-419" sz="2900" i="1">
+                                <a:latin typeface="Cambria Math" panose="02040503050406030204" pitchFamily="18" charset="0"/>
+                              </a:rPr>
+                              <m:t>−0.5</m:t>
+                            </m:r>
+                          </m:sup>
+                        </m:sSup>
+                        <m:sSup>
+                          <m:sSupPr>
+                            <m:ctrlPr>
+                              <a:rPr lang="es-419" sz="2900" i="1">
+                                <a:latin typeface="Cambria Math" panose="02040503050406030204" pitchFamily="18" charset="0"/>
+                              </a:rPr>
+                            </m:ctrlPr>
+                          </m:sSupPr>
+                          <m:e>
+                            <m:r>
+                              <a:rPr lang="es-419" sz="2900" i="1">
+                                <a:latin typeface="Cambria Math" panose="02040503050406030204" pitchFamily="18" charset="0"/>
+                              </a:rPr>
+                              <m:t>0</m:t>
+                            </m:r>
+                            <m:r>
+                              <a:rPr lang="es-419" sz="2900" b="0" i="1" smtClean="0">
+                                <a:latin typeface="Cambria Math" panose="02040503050406030204" pitchFamily="18" charset="0"/>
+                              </a:rPr>
+                              <m:t>.5</m:t>
+                            </m:r>
+                          </m:e>
+                          <m:sup>
+                            <m:r>
+                              <a:rPr lang="es-419" sz="2900" i="1">
+                                <a:latin typeface="Cambria Math" panose="02040503050406030204" pitchFamily="18" charset="0"/>
+                                <a:ea typeface="Cambria Math" panose="02040503050406030204" pitchFamily="18" charset="0"/>
+                              </a:rPr>
+                              <m:t>0</m:t>
+                            </m:r>
+                          </m:sup>
+                        </m:sSup>
+                      </m:num>
+                      <m:den>
+                        <m:r>
+                          <a:rPr lang="es-419" sz="2900" i="1">
+                            <a:latin typeface="Cambria Math" panose="02040503050406030204" pitchFamily="18" charset="0"/>
+                          </a:rPr>
+                          <m:t>0!</m:t>
+                        </m:r>
+                      </m:den>
+                    </m:f>
+                    <m:r>
+                      <a:rPr lang="es-419" sz="2900" b="0" i="1" smtClean="0">
+                        <a:latin typeface="Cambria Math" panose="02040503050406030204" pitchFamily="18" charset="0"/>
+                      </a:rPr>
+                      <m:t>−</m:t>
+                    </m:r>
+                    <m:f>
+                      <m:fPr>
+                        <m:ctrlPr>
+                          <a:rPr lang="es-419" sz="2900" i="1">
+                            <a:latin typeface="Cambria Math" panose="02040503050406030204" pitchFamily="18" charset="0"/>
+                          </a:rPr>
+                        </m:ctrlPr>
+                      </m:fPr>
+                      <m:num>
+                        <m:sSup>
+                          <m:sSupPr>
+                            <m:ctrlPr>
+                              <a:rPr lang="es-419" sz="2900" i="1">
+                                <a:latin typeface="Cambria Math" panose="02040503050406030204" pitchFamily="18" charset="0"/>
+                              </a:rPr>
+                            </m:ctrlPr>
+                          </m:sSupPr>
+                          <m:e>
+                            <m:r>
+                              <a:rPr lang="es-419" sz="2900" i="1">
+                                <a:latin typeface="Cambria Math" panose="02040503050406030204" pitchFamily="18" charset="0"/>
+                              </a:rPr>
+                              <m:t>𝑒</m:t>
+                            </m:r>
+                          </m:e>
+                          <m:sup>
+                            <m:r>
+                              <a:rPr lang="es-419" sz="2900" i="1">
+                                <a:latin typeface="Cambria Math" panose="02040503050406030204" pitchFamily="18" charset="0"/>
+                              </a:rPr>
+                              <m:t>−0.5</m:t>
+                            </m:r>
+                          </m:sup>
+                        </m:sSup>
+                        <m:sSup>
+                          <m:sSupPr>
+                            <m:ctrlPr>
+                              <a:rPr lang="es-419" sz="2900" i="1">
+                                <a:latin typeface="Cambria Math" panose="02040503050406030204" pitchFamily="18" charset="0"/>
+                              </a:rPr>
+                            </m:ctrlPr>
+                          </m:sSupPr>
+                          <m:e>
+                            <m:r>
+                              <a:rPr lang="es-419" sz="2900" b="0" i="1" smtClean="0">
+                                <a:latin typeface="Cambria Math" panose="02040503050406030204" pitchFamily="18" charset="0"/>
+                              </a:rPr>
+                              <m:t>0.5</m:t>
+                            </m:r>
+                          </m:e>
+                          <m:sup>
+                            <m:r>
+                              <a:rPr lang="es-419" sz="2900" b="0" i="1" smtClean="0">
+                                <a:latin typeface="Cambria Math" panose="02040503050406030204" pitchFamily="18" charset="0"/>
+                              </a:rPr>
+                              <m:t>1</m:t>
+                            </m:r>
+                          </m:sup>
+                        </m:sSup>
+                      </m:num>
+                      <m:den>
+                        <m:r>
+                          <a:rPr lang="es-419" sz="2900" b="0" i="1" smtClean="0">
+                            <a:latin typeface="Cambria Math" panose="02040503050406030204" pitchFamily="18" charset="0"/>
+                            <a:ea typeface="Cambria Math" panose="02040503050406030204" pitchFamily="18" charset="0"/>
+                          </a:rPr>
+                          <m:t>1</m:t>
+                        </m:r>
+                        <m:r>
+                          <a:rPr lang="es-419" sz="2900" i="1">
+                            <a:latin typeface="Cambria Math" panose="02040503050406030204" pitchFamily="18" charset="0"/>
+                          </a:rPr>
+                          <m:t>!</m:t>
+                        </m:r>
+                      </m:den>
+                    </m:f>
+                    <m:r>
+                      <a:rPr lang="es-419" sz="2900" b="0" i="1" smtClean="0">
+                        <a:latin typeface="Cambria Math" panose="02040503050406030204" pitchFamily="18" charset="0"/>
+                      </a:rPr>
+                      <m:t>−</m:t>
+                    </m:r>
+                    <m:f>
+                      <m:fPr>
+                        <m:ctrlPr>
+                          <a:rPr lang="es-419" sz="2900" i="1">
+                            <a:latin typeface="Cambria Math" panose="02040503050406030204" pitchFamily="18" charset="0"/>
+                          </a:rPr>
+                        </m:ctrlPr>
+                      </m:fPr>
+                      <m:num>
+                        <m:sSup>
+                          <m:sSupPr>
+                            <m:ctrlPr>
+                              <a:rPr lang="es-419" sz="2900" i="1">
+                                <a:latin typeface="Cambria Math" panose="02040503050406030204" pitchFamily="18" charset="0"/>
+                              </a:rPr>
+                            </m:ctrlPr>
+                          </m:sSupPr>
+                          <m:e>
+                            <m:r>
+                              <a:rPr lang="es-419" sz="2900" i="1">
+                                <a:latin typeface="Cambria Math" panose="02040503050406030204" pitchFamily="18" charset="0"/>
+                              </a:rPr>
+                              <m:t>𝑒</m:t>
+                            </m:r>
+                          </m:e>
+                          <m:sup>
+                            <m:r>
+                              <a:rPr lang="es-419" sz="2900" i="1">
+                                <a:latin typeface="Cambria Math" panose="02040503050406030204" pitchFamily="18" charset="0"/>
+                              </a:rPr>
+                              <m:t>−0.5</m:t>
+                            </m:r>
+                          </m:sup>
+                        </m:sSup>
+                        <m:sSup>
+                          <m:sSupPr>
+                            <m:ctrlPr>
+                              <a:rPr lang="es-419" sz="2900" i="1">
+                                <a:latin typeface="Cambria Math" panose="02040503050406030204" pitchFamily="18" charset="0"/>
+                              </a:rPr>
+                            </m:ctrlPr>
+                          </m:sSupPr>
+                          <m:e>
+                            <m:r>
+                              <a:rPr lang="es-419" sz="2900" b="0" i="1" smtClean="0">
+                                <a:latin typeface="Cambria Math" panose="02040503050406030204" pitchFamily="18" charset="0"/>
+                              </a:rPr>
+                              <m:t>0.5</m:t>
+                            </m:r>
+                          </m:e>
+                          <m:sup>
+                            <m:r>
+                              <a:rPr lang="es-419" sz="2900" b="0" i="1" smtClean="0">
+                                <a:latin typeface="Cambria Math" panose="02040503050406030204" pitchFamily="18" charset="0"/>
+                              </a:rPr>
+                              <m:t>2</m:t>
+                            </m:r>
+                          </m:sup>
+                        </m:sSup>
+                      </m:num>
+                      <m:den>
+                        <m:r>
+                          <a:rPr lang="es-419" sz="2900" b="0" i="1" smtClean="0">
+                            <a:latin typeface="Cambria Math" panose="02040503050406030204" pitchFamily="18" charset="0"/>
+                            <a:ea typeface="Cambria Math" panose="02040503050406030204" pitchFamily="18" charset="0"/>
+                          </a:rPr>
+                          <m:t>2</m:t>
+                        </m:r>
+                        <m:r>
+                          <a:rPr lang="es-419" sz="2900" i="1">
+                            <a:latin typeface="Cambria Math" panose="02040503050406030204" pitchFamily="18" charset="0"/>
+                          </a:rPr>
+                          <m:t>!</m:t>
+                        </m:r>
+                      </m:den>
+                    </m:f>
+                    <m:r>
+                      <a:rPr lang="es-419" sz="2900" i="1">
+                        <a:latin typeface="Cambria Math" panose="02040503050406030204" pitchFamily="18" charset="0"/>
+                      </a:rPr>
+                      <m:t>=</m:t>
+                    </m:r>
+                    <m:r>
+                      <a:rPr lang="es-419" sz="2900" b="0" i="1" smtClean="0">
+                        <a:latin typeface="Cambria Math" panose="02040503050406030204" pitchFamily="18" charset="0"/>
+                      </a:rPr>
+                      <m:t>1−</m:t>
+                    </m:r>
+                    <m:r>
+                      <m:rPr>
+                        <m:nor/>
+                      </m:rPr>
+                      <a:rPr lang="es-419" sz="2900" b="0" i="0" smtClean="0">
+                        <a:latin typeface="Cambria Math" panose="02040503050406030204" pitchFamily="18" charset="0"/>
+                      </a:rPr>
+                      <m:t>(0.606+0.303+0.0</m:t>
+                    </m:r>
+                    <m:r>
+                      <m:rPr>
+                        <m:nor/>
+                      </m:rPr>
+                      <a:rPr lang="es-CO" sz="2900" b="0" i="0" smtClean="0">
+                        <a:latin typeface="Cambria Math" panose="02040503050406030204" pitchFamily="18" charset="0"/>
+                      </a:rPr>
+                      <m:t>758</m:t>
+                    </m:r>
+                    <m:r>
+                      <m:rPr>
+                        <m:nor/>
+                      </m:rPr>
+                      <a:rPr lang="es-419" sz="2900" b="0" i="0" smtClean="0">
+                        <a:latin typeface="Cambria Math" panose="02040503050406030204" pitchFamily="18" charset="0"/>
+                      </a:rPr>
+                      <m:t>)</m:t>
+                    </m:r>
+                    <m:r>
+                      <m:rPr>
+                        <m:nor/>
+                      </m:rPr>
+                      <a:rPr lang="es-419" sz="2900" dirty="0"/>
+                      <m:t>=</m:t>
+                    </m:r>
+                    <m:r>
+                      <a:rPr lang="es-419" sz="2900" b="0" i="0" dirty="0" smtClean="0">
+                        <a:latin typeface="Cambria Math" panose="02040503050406030204" pitchFamily="18" charset="0"/>
+                      </a:rPr>
+                      <m:t>0.0</m:t>
+                    </m:r>
+                    <m:r>
+                      <a:rPr lang="es-CO" sz="2900" b="0" i="0" dirty="0" smtClean="0">
+                        <a:latin typeface="Cambria Math" panose="02040503050406030204" pitchFamily="18" charset="0"/>
+                      </a:rPr>
+                      <m:t>15</m:t>
+                    </m:r>
+                  </m:oMath>
+                </a14:m>
+                <a:endParaRPr lang="es-419" sz="2900" dirty="0"/>
+              </a:p>
+              <a:p>
+                <a:pPr marL="0" indent="0">
+                  <a:buNone/>
+                </a:pPr>
+                <a:endParaRPr lang="es-419" sz="2900" dirty="0"/>
+              </a:p>
+              <a:p>
+                <a:pPr marL="0" indent="0">
+                  <a:buNone/>
+                </a:pPr>
+                <a:r>
+                  <a:rPr lang="es-419" sz="2900" dirty="0"/>
+                  <a:t>Así el numero de paginas que contienen más de 2 errores en un libro de 400 paginas es de</a:t>
+                </a:r>
+              </a:p>
+              <a:p>
+                <a:pPr marL="0" indent="0">
+                  <a:buNone/>
+                </a:pPr>
+                <a:endParaRPr lang="es-419" sz="2900" dirty="0"/>
+              </a:p>
+              <a:p>
+                <a:pPr marL="0" indent="0">
+                  <a:buNone/>
+                </a:pPr>
+                <a14:m>
+                  <m:oMathPara xmlns:m="http://schemas.openxmlformats.org/officeDocument/2006/math">
+                    <m:oMathParaPr>
+                      <m:jc m:val="centerGroup"/>
+                    </m:oMathParaPr>
+                    <m:oMath xmlns:m="http://schemas.openxmlformats.org/officeDocument/2006/math">
+                      <m:r>
+                        <m:rPr>
+                          <m:nor/>
+                        </m:rPr>
+                        <a:rPr lang="es-419" sz="2900" dirty="0"/>
+                        <m:t>=0.</m:t>
+                      </m:r>
+                      <m:r>
+                        <a:rPr lang="es-419" sz="2900" b="0" i="1" dirty="0" smtClean="0">
+                          <a:latin typeface="Cambria Math" panose="02040503050406030204" pitchFamily="18" charset="0"/>
+                        </a:rPr>
+                        <m:t>0</m:t>
+                      </m:r>
+                      <m:r>
+                        <a:rPr lang="es-CO" sz="2900" b="0" i="1" dirty="0" smtClean="0">
+                          <a:latin typeface="Cambria Math" panose="02040503050406030204" pitchFamily="18" charset="0"/>
+                        </a:rPr>
+                        <m:t>15</m:t>
+                      </m:r>
+                      <m:r>
+                        <a:rPr lang="es-419" sz="2900" i="1" dirty="0">
+                          <a:latin typeface="Cambria Math" panose="02040503050406030204" pitchFamily="18" charset="0"/>
+                        </a:rPr>
+                        <m:t> </m:t>
+                      </m:r>
+                      <m:r>
+                        <m:rPr>
+                          <m:nor/>
+                        </m:rPr>
+                        <a:rPr lang="es-419" sz="2900" dirty="0"/>
+                        <m:t>∗400= </m:t>
+                      </m:r>
+                      <m:r>
+                        <m:rPr>
+                          <m:nor/>
+                        </m:rPr>
+                        <a:rPr lang="es-CO" sz="2900" b="0" i="0" dirty="0" smtClean="0"/>
+                        <m:t>6.08</m:t>
+                      </m:r>
+                      <m:r>
+                        <m:rPr>
+                          <m:nor/>
+                        </m:rPr>
+                        <a:rPr lang="es-419" sz="2900" dirty="0"/>
+                        <m:t> </m:t>
+                      </m:r>
+                      <m:r>
+                        <m:rPr>
+                          <m:nor/>
+                        </m:rPr>
+                        <a:rPr lang="es-419" sz="2900" dirty="0"/>
+                        <m:t>paginas</m:t>
+                      </m:r>
+                    </m:oMath>
+                  </m:oMathPara>
+                </a14:m>
+                <a:endParaRPr lang="es-419" sz="2900" dirty="0"/>
+              </a:p>
+              <a:p>
+                <a:pPr marL="0" indent="0">
+                  <a:buNone/>
+                </a:pPr>
+                <a:endParaRPr lang="es-419" dirty="0"/>
+              </a:p>
+              <a:p>
+                <a:pPr marL="0" indent="0">
+                  <a:buNone/>
+                </a:pPr>
+                <a:endParaRPr lang="es-419" dirty="0"/>
+              </a:p>
+            </p:txBody>
+          </p:sp>
+        </mc:Choice>
+        <mc:Fallback xmlns="">
+          <p:sp>
+            <p:nvSpPr>
+              <p:cNvPr id="8" name="Marcador de contenido 2"/>
+              <p:cNvSpPr>
+                <a:spLocks noGrp="1" noRot="1" noChangeAspect="1" noMove="1" noResize="1" noEditPoints="1" noAdjustHandles="1" noChangeArrowheads="1" noChangeShapeType="1" noTextEdit="1"/>
+              </p:cNvSpPr>
+              <p:nvPr>
+                <p:ph idx="1"/>
+              </p:nvPr>
+            </p:nvSpPr>
+            <p:spPr>
+              <a:xfrm>
+                <a:off x="861849" y="2301765"/>
+                <a:ext cx="10152993" cy="3771846"/>
+              </a:xfrm>
+              <a:blipFill>
+                <a:blip r:embed="rId2"/>
+                <a:stretch>
+                  <a:fillRect l="-600" t="-6958"/>
+                </a:stretch>
+              </a:blipFill>
+            </p:spPr>
+            <p:txBody>
+              <a:bodyPr/>
+              <a:lstStyle/>
+              <a:p>
+                <a:r>
+                  <a:rPr lang="es-CO">
+                    <a:noFill/>
+                  </a:rPr>
+                  <a:t> </a:t>
+                </a:r>
+              </a:p>
+            </p:txBody>
+          </p:sp>
+        </mc:Fallback>
+      </mc:AlternateContent>
+    </p:spTree>
+    <p:extLst>
+      <p:ext uri="{BB962C8B-B14F-4D97-AF65-F5344CB8AC3E}">
+        <p14:creationId xmlns:p14="http://schemas.microsoft.com/office/powerpoint/2010/main" val="1778329536"/>
+      </p:ext>
+    </p:extLst>
+  </p:cSld>
+  <p:clrMapOvr>
+    <a:masterClrMapping/>
+  </p:clrMapOvr>
+</p:sld>
+</file>
+
+<file path=ppt/slides/slide64.xml><?xml version="1.0" encoding="utf-8"?>
+<p:sld xmlns:a="http://schemas.openxmlformats.org/drawingml/2006/main" xmlns:r="http://schemas.openxmlformats.org/officeDocument/2006/relationships" xmlns:p="http://schemas.openxmlformats.org/presentationml/2006/main">
+  <p:cSld>
+    <p:spTree>
+      <p:nvGrpSpPr>
+        <p:cNvPr id="1" name=""/>
+        <p:cNvGrpSpPr/>
+        <p:nvPr/>
+      </p:nvGrpSpPr>
+      <p:grpSpPr>
+        <a:xfrm>
+          <a:off x="0" y="0"/>
+          <a:ext cx="0" cy="0"/>
+          <a:chOff x="0" y="0"/>
+          <a:chExt cx="0" cy="0"/>
+        </a:xfrm>
+      </p:grpSpPr>
+      <mc:AlternateContent xmlns:mc="http://schemas.openxmlformats.org/markup-compatibility/2006" xmlns:a14="http://schemas.microsoft.com/office/drawing/2010/main">
+        <mc:Choice Requires="a14">
+          <p:sp>
+            <p:nvSpPr>
+              <p:cNvPr id="3" name="Marcador de contenido 2"/>
+              <p:cNvSpPr>
+                <a:spLocks noGrp="1"/>
+              </p:cNvSpPr>
+              <p:nvPr>
+                <p:ph idx="1"/>
+              </p:nvPr>
+            </p:nvSpPr>
+            <p:spPr>
+              <a:xfrm>
+                <a:off x="630621" y="2102069"/>
+                <a:ext cx="10993820" cy="3991226"/>
+              </a:xfrm>
+            </p:spPr>
+            <p:txBody>
+              <a:bodyPr>
+                <a:normAutofit lnSpcReduction="10000"/>
+              </a:bodyPr>
+              <a:lstStyle/>
+              <a:p>
+                <a:pPr marL="0" indent="0">
+                  <a:buNone/>
+                </a:pPr>
+                <a:r>
+                  <a:rPr lang="es-CO" sz="2400" dirty="0"/>
+                  <a:t>Si se seleccionan aleatoriamente 10 páginas de dicho libro, ¿cuál es la probabilidad de que ninguna de ellas tenga errores? </a:t>
+                </a:r>
+              </a:p>
+              <a:p>
+                <a:pPr marL="0" indent="0">
+                  <a:buNone/>
+                </a:pPr>
+                <a:r>
+                  <a:rPr lang="es-CO" sz="2400" dirty="0"/>
+                  <a:t>Definamos ahora a Y como el “</a:t>
+                </a:r>
+                <a:r>
+                  <a:rPr lang="es-CO" sz="2400" i="1" dirty="0"/>
+                  <a:t>Número de páginas sin error tipográfico”</a:t>
+                </a:r>
+              </a:p>
+              <a:p>
+                <a:pPr marL="0" indent="0">
+                  <a:buNone/>
+                </a:pPr>
+                <a:r>
+                  <a:rPr lang="es-CO" sz="2400" dirty="0"/>
+                  <a:t>Como se eligen 10 páginas,  Y es el número de páginas sin error, la probabilidad de éxito: que una página no tenga error es:</a:t>
+                </a:r>
+              </a:p>
+              <a:p>
+                <a:pPr marL="0" indent="0">
+                  <a:buNone/>
+                </a:pPr>
+                <a14:m>
+                  <m:oMathPara xmlns:m="http://schemas.openxmlformats.org/officeDocument/2006/math">
+                    <m:oMathParaPr>
+                      <m:jc m:val="centerGroup"/>
+                    </m:oMathParaPr>
+                    <m:oMath xmlns:m="http://schemas.openxmlformats.org/officeDocument/2006/math">
+                      <m:r>
+                        <a:rPr lang="es-419" sz="2400" i="1">
+                          <a:latin typeface="Cambria Math" panose="02040503050406030204" pitchFamily="18" charset="0"/>
+                        </a:rPr>
+                        <m:t>𝑃</m:t>
+                      </m:r>
+                      <m:d>
+                        <m:dPr>
+                          <m:ctrlPr>
+                            <a:rPr lang="es-419" sz="2400" i="1">
+                              <a:latin typeface="Cambria Math" panose="02040503050406030204" pitchFamily="18" charset="0"/>
+                            </a:rPr>
+                          </m:ctrlPr>
+                        </m:dPr>
+                        <m:e>
+                          <m:r>
+                            <a:rPr lang="es-419" sz="2400" i="1">
+                              <a:latin typeface="Cambria Math" panose="02040503050406030204" pitchFamily="18" charset="0"/>
+                            </a:rPr>
+                            <m:t>𝑥</m:t>
+                          </m:r>
+                          <m:r>
+                            <a:rPr lang="es-419" sz="2400" i="1">
+                              <a:latin typeface="Cambria Math" panose="02040503050406030204" pitchFamily="18" charset="0"/>
+                            </a:rPr>
+                            <m:t>=0</m:t>
+                          </m:r>
+                        </m:e>
+                      </m:d>
+                      <m:r>
+                        <a:rPr lang="es-419" sz="2400" i="1">
+                          <a:latin typeface="Cambria Math" panose="02040503050406030204" pitchFamily="18" charset="0"/>
+                        </a:rPr>
+                        <m:t>=</m:t>
+                      </m:r>
+                      <m:r>
+                        <m:rPr>
+                          <m:nor/>
+                        </m:rPr>
+                        <a:rPr lang="es-419" sz="2400" dirty="0"/>
+                        <m:t>0.6065</m:t>
+                      </m:r>
+                    </m:oMath>
+                  </m:oMathPara>
+                </a14:m>
+                <a:endParaRPr lang="es-419" sz="2400" dirty="0"/>
+              </a:p>
+              <a:p>
+                <a:pPr marL="0" indent="0">
+                  <a:buNone/>
+                </a:pPr>
+                <a:r>
+                  <a:rPr lang="es-419" sz="2400" dirty="0"/>
+                  <a:t>Así la nueva variable Y es de tipo binomial.</a:t>
+                </a:r>
+              </a:p>
+              <a:p>
+                <a:pPr marL="0" indent="0">
+                  <a:buNone/>
+                </a:pPr>
+                <a14:m>
+                  <m:oMathPara xmlns:m="http://schemas.openxmlformats.org/officeDocument/2006/math">
+                    <m:oMathParaPr>
+                      <m:jc m:val="centerGroup"/>
+                    </m:oMathParaPr>
+                    <m:oMath xmlns:m="http://schemas.openxmlformats.org/officeDocument/2006/math">
+                      <m:r>
+                        <a:rPr lang="es-419" sz="2400">
+                          <a:latin typeface="Cambria Math" panose="02040503050406030204" pitchFamily="18" charset="0"/>
+                        </a:rPr>
+                        <m:t>𝑃</m:t>
+                      </m:r>
+                      <m:d>
+                        <m:dPr>
+                          <m:ctrlPr>
+                            <a:rPr lang="es-419" sz="2400" i="1">
+                              <a:latin typeface="Cambria Math" panose="02040503050406030204" pitchFamily="18" charset="0"/>
+                            </a:rPr>
+                          </m:ctrlPr>
+                        </m:dPr>
+                        <m:e>
+                          <m:r>
+                            <a:rPr lang="es-419" sz="2400">
+                              <a:latin typeface="Cambria Math" panose="02040503050406030204" pitchFamily="18" charset="0"/>
+                            </a:rPr>
+                            <m:t>𝑌</m:t>
+                          </m:r>
+                          <m:r>
+                            <a:rPr lang="es-419" sz="2400">
+                              <a:latin typeface="Cambria Math" panose="02040503050406030204" pitchFamily="18" charset="0"/>
+                            </a:rPr>
+                            <m:t>=0</m:t>
+                          </m:r>
+                        </m:e>
+                      </m:d>
+                      <m:r>
+                        <a:rPr lang="es-419" sz="2400">
+                          <a:latin typeface="Cambria Math" panose="02040503050406030204" pitchFamily="18" charset="0"/>
+                        </a:rPr>
+                        <m:t>=</m:t>
+                      </m:r>
+                      <m:d>
+                        <m:dPr>
+                          <m:ctrlPr>
+                            <a:rPr lang="es-419" sz="2400" i="1">
+                              <a:latin typeface="Cambria Math" panose="02040503050406030204" pitchFamily="18" charset="0"/>
+                            </a:rPr>
+                          </m:ctrlPr>
+                        </m:dPr>
+                        <m:e>
+                          <m:f>
+                            <m:fPr>
+                              <m:type m:val="noBar"/>
+                              <m:ctrlPr>
+                                <a:rPr lang="es-419" sz="2400" i="1">
+                                  <a:latin typeface="Cambria Math" panose="02040503050406030204" pitchFamily="18" charset="0"/>
+                                </a:rPr>
+                              </m:ctrlPr>
+                            </m:fPr>
+                            <m:num>
+                              <m:r>
+                                <a:rPr lang="es-419" sz="2400">
+                                  <a:latin typeface="Cambria Math" panose="02040503050406030204" pitchFamily="18" charset="0"/>
+                                </a:rPr>
+                                <m:t>10</m:t>
+                              </m:r>
+                            </m:num>
+                            <m:den>
+                              <m:r>
+                                <a:rPr lang="es-419" sz="2400">
+                                  <a:latin typeface="Cambria Math" panose="02040503050406030204" pitchFamily="18" charset="0"/>
+                                </a:rPr>
+                                <m:t>0</m:t>
+                              </m:r>
+                            </m:den>
+                          </m:f>
+                        </m:e>
+                      </m:d>
+                      <m:sSup>
+                        <m:sSupPr>
+                          <m:ctrlPr>
+                            <a:rPr lang="es-419" sz="2400" i="1">
+                              <a:latin typeface="Cambria Math" panose="02040503050406030204" pitchFamily="18" charset="0"/>
+                            </a:rPr>
+                          </m:ctrlPr>
+                        </m:sSupPr>
+                        <m:e>
+                          <m:r>
+                            <a:rPr lang="es-419" sz="2400">
+                              <a:latin typeface="Cambria Math" panose="02040503050406030204" pitchFamily="18" charset="0"/>
+                            </a:rPr>
+                            <m:t>0.606</m:t>
+                          </m:r>
+                        </m:e>
+                        <m:sup>
+                          <m:r>
+                            <a:rPr lang="es-419" sz="2400">
+                              <a:latin typeface="Cambria Math" panose="02040503050406030204" pitchFamily="18" charset="0"/>
+                            </a:rPr>
+                            <m:t>0</m:t>
+                          </m:r>
+                        </m:sup>
+                      </m:sSup>
+                      <m:sSup>
+                        <m:sSupPr>
+                          <m:ctrlPr>
+                            <a:rPr lang="es-419" sz="2400" i="1">
+                              <a:latin typeface="Cambria Math" panose="02040503050406030204" pitchFamily="18" charset="0"/>
+                            </a:rPr>
+                          </m:ctrlPr>
+                        </m:sSupPr>
+                        <m:e>
+                          <m:r>
+                            <a:rPr lang="es-419" sz="2400">
+                              <a:latin typeface="Cambria Math" panose="02040503050406030204" pitchFamily="18" charset="0"/>
+                            </a:rPr>
+                            <m:t>(1−0.606)</m:t>
+                          </m:r>
+                        </m:e>
+                        <m:sup>
+                          <m:r>
+                            <a:rPr lang="es-419" sz="2400">
+                              <a:latin typeface="Cambria Math" panose="02040503050406030204" pitchFamily="18" charset="0"/>
+                            </a:rPr>
+                            <m:t>10</m:t>
+                          </m:r>
+                        </m:sup>
+                      </m:sSup>
+                      <m:r>
+                        <a:rPr lang="es-419" sz="2400">
+                          <a:latin typeface="Cambria Math" panose="02040503050406030204" pitchFamily="18" charset="0"/>
+                        </a:rPr>
+                        <m:t>=0.0000901</m:t>
+                      </m:r>
+                    </m:oMath>
+                  </m:oMathPara>
+                </a14:m>
+                <a:endParaRPr lang="es-419" sz="2400" dirty="0"/>
+              </a:p>
+              <a:p>
+                <a:pPr marL="0" indent="0">
+                  <a:buNone/>
+                </a:pPr>
+                <a:endParaRPr lang="es-CO" dirty="0"/>
+              </a:p>
+              <a:p>
+                <a:pPr marL="0" indent="0">
+                  <a:buNone/>
+                </a:pPr>
+                <a:endParaRPr lang="es-CO" dirty="0"/>
+              </a:p>
+            </p:txBody>
+          </p:sp>
+        </mc:Choice>
+        <mc:Fallback xmlns="">
+          <p:sp>
+            <p:nvSpPr>
+              <p:cNvPr id="3" name="Marcador de contenido 2"/>
+              <p:cNvSpPr>
+                <a:spLocks noGrp="1" noRot="1" noChangeAspect="1" noMove="1" noResize="1" noEditPoints="1" noAdjustHandles="1" noChangeArrowheads="1" noChangeShapeType="1" noTextEdit="1"/>
+              </p:cNvSpPr>
+              <p:nvPr>
+                <p:ph idx="1"/>
+              </p:nvPr>
+            </p:nvSpPr>
+            <p:spPr>
+              <a:xfrm>
+                <a:off x="630621" y="2102069"/>
+                <a:ext cx="10993820" cy="3991226"/>
+              </a:xfrm>
+              <a:blipFill>
+                <a:blip r:embed="rId2"/>
+                <a:stretch>
+                  <a:fillRect l="-831" t="-9924"/>
+                </a:stretch>
+              </a:blipFill>
+            </p:spPr>
+            <p:txBody>
+              <a:bodyPr/>
+              <a:lstStyle/>
+              <a:p>
+                <a:r>
+                  <a:rPr lang="es-CO">
+                    <a:noFill/>
+                  </a:rPr>
+                  <a:t> </a:t>
+                </a:r>
+              </a:p>
+            </p:txBody>
+          </p:sp>
+        </mc:Fallback>
+      </mc:AlternateContent>
+    </p:spTree>
+    <p:extLst>
+      <p:ext uri="{BB962C8B-B14F-4D97-AF65-F5344CB8AC3E}">
+        <p14:creationId xmlns:p14="http://schemas.microsoft.com/office/powerpoint/2010/main" val="4091087733"/>
+      </p:ext>
+    </p:extLst>
+  </p:cSld>
+  <p:clrMapOvr>
+    <a:masterClrMapping/>
+  </p:clrMapOvr>
+</p:sld>
+</file>
+
+<file path=ppt/slides/slide65.xml><?xml version="1.0" encoding="utf-8"?>
+<p:sld xmlns:a="http://schemas.openxmlformats.org/drawingml/2006/main" xmlns:r="http://schemas.openxmlformats.org/officeDocument/2006/relationships" xmlns:p="http://schemas.openxmlformats.org/presentationml/2006/main">
+  <p:cSld>
+    <p:spTree>
+      <p:nvGrpSpPr>
+        <p:cNvPr id="1" name=""/>
+        <p:cNvGrpSpPr/>
+        <p:nvPr/>
+      </p:nvGrpSpPr>
+      <p:grpSpPr>
+        <a:xfrm>
+          <a:off x="0" y="0"/>
+          <a:ext cx="0" cy="0"/>
+          <a:chOff x="0" y="0"/>
+          <a:chExt cx="0" cy="0"/>
+        </a:xfrm>
+      </p:grpSpPr>
+      <mc:AlternateContent xmlns:mc="http://schemas.openxmlformats.org/markup-compatibility/2006" xmlns:a14="http://schemas.microsoft.com/office/drawing/2010/main">
+        <mc:Choice Requires="a14">
+          <p:sp>
+            <p:nvSpPr>
+              <p:cNvPr id="3" name="Marcador de contenido 2"/>
+              <p:cNvSpPr>
+                <a:spLocks noGrp="1"/>
+              </p:cNvSpPr>
+              <p:nvPr>
+                <p:ph idx="1"/>
+              </p:nvPr>
+            </p:nvSpPr>
+            <p:spPr>
+              <a:xfrm>
+                <a:off x="1440645" y="2162580"/>
+                <a:ext cx="8229600" cy="4525963"/>
+              </a:xfrm>
+            </p:spPr>
+            <p:txBody>
+              <a:bodyPr/>
+              <a:lstStyle/>
+              <a:p>
+                <a:pPr marL="0" indent="0">
+                  <a:buNone/>
+                </a:pPr>
+                <a:r>
+                  <a:rPr lang="es-CO" dirty="0"/>
+                  <a:t>¿C</a:t>
+                </a:r>
+                <a:r>
+                  <a:rPr lang="es-CO" sz="2400" dirty="0"/>
+                  <a:t>uál es la probabilidad de que 8 páginas no tengan errores?</a:t>
+                </a:r>
+              </a:p>
+              <a:p>
+                <a:pPr marL="0" indent="0">
+                  <a:buNone/>
+                </a:pPr>
+                <a:endParaRPr lang="es-CO" sz="2400" dirty="0"/>
+              </a:p>
+              <a:p>
+                <a:pPr marL="0" indent="0">
+                  <a:buNone/>
+                </a:pPr>
+                <a14:m>
+                  <m:oMathPara xmlns:m="http://schemas.openxmlformats.org/officeDocument/2006/math">
+                    <m:oMathParaPr>
+                      <m:jc m:val="centerGroup"/>
+                    </m:oMathParaPr>
+                    <m:oMath xmlns:m="http://schemas.openxmlformats.org/officeDocument/2006/math">
+                      <m:r>
+                        <a:rPr lang="es-419" sz="2400">
+                          <a:latin typeface="Cambria Math" panose="02040503050406030204" pitchFamily="18" charset="0"/>
+                        </a:rPr>
+                        <m:t>𝑃</m:t>
+                      </m:r>
+                      <m:d>
+                        <m:dPr>
+                          <m:ctrlPr>
+                            <a:rPr lang="es-419" sz="2400" i="1">
+                              <a:latin typeface="Cambria Math" panose="02040503050406030204" pitchFamily="18" charset="0"/>
+                            </a:rPr>
+                          </m:ctrlPr>
+                        </m:dPr>
+                        <m:e>
+                          <m:r>
+                            <a:rPr lang="es-419" sz="2400">
+                              <a:latin typeface="Cambria Math" panose="02040503050406030204" pitchFamily="18" charset="0"/>
+                            </a:rPr>
+                            <m:t>𝑌</m:t>
+                          </m:r>
+                          <m:r>
+                            <a:rPr lang="es-419" sz="2400">
+                              <a:latin typeface="Cambria Math" panose="02040503050406030204" pitchFamily="18" charset="0"/>
+                            </a:rPr>
+                            <m:t>=0</m:t>
+                          </m:r>
+                        </m:e>
+                      </m:d>
+                      <m:r>
+                        <a:rPr lang="es-419" sz="2400">
+                          <a:latin typeface="Cambria Math" panose="02040503050406030204" pitchFamily="18" charset="0"/>
+                        </a:rPr>
+                        <m:t>=</m:t>
+                      </m:r>
+                      <m:d>
+                        <m:dPr>
+                          <m:ctrlPr>
+                            <a:rPr lang="es-419" sz="2400" i="1">
+                              <a:latin typeface="Cambria Math" panose="02040503050406030204" pitchFamily="18" charset="0"/>
+                            </a:rPr>
+                          </m:ctrlPr>
+                        </m:dPr>
+                        <m:e>
+                          <m:f>
+                            <m:fPr>
+                              <m:type m:val="noBar"/>
+                              <m:ctrlPr>
+                                <a:rPr lang="es-419" sz="2400" i="1">
+                                  <a:latin typeface="Cambria Math" panose="02040503050406030204" pitchFamily="18" charset="0"/>
+                                </a:rPr>
+                              </m:ctrlPr>
+                            </m:fPr>
+                            <m:num>
+                              <m:r>
+                                <a:rPr lang="es-CO" sz="2400">
+                                  <a:latin typeface="Cambria Math" panose="02040503050406030204" pitchFamily="18" charset="0"/>
+                                </a:rPr>
+                                <m:t>8</m:t>
+                              </m:r>
+                            </m:num>
+                            <m:den>
+                              <m:r>
+                                <a:rPr lang="es-419" sz="2400">
+                                  <a:latin typeface="Cambria Math" panose="02040503050406030204" pitchFamily="18" charset="0"/>
+                                </a:rPr>
+                                <m:t>0</m:t>
+                              </m:r>
+                            </m:den>
+                          </m:f>
+                        </m:e>
+                      </m:d>
+                      <m:sSup>
+                        <m:sSupPr>
+                          <m:ctrlPr>
+                            <a:rPr lang="es-419" sz="2400" i="1">
+                              <a:latin typeface="Cambria Math" panose="02040503050406030204" pitchFamily="18" charset="0"/>
+                            </a:rPr>
+                          </m:ctrlPr>
+                        </m:sSupPr>
+                        <m:e>
+                          <m:r>
+                            <a:rPr lang="es-419" sz="2400">
+                              <a:latin typeface="Cambria Math" panose="02040503050406030204" pitchFamily="18" charset="0"/>
+                            </a:rPr>
+                            <m:t>0.606</m:t>
+                          </m:r>
+                        </m:e>
+                        <m:sup>
+                          <m:r>
+                            <a:rPr lang="es-419" sz="2400">
+                              <a:latin typeface="Cambria Math" panose="02040503050406030204" pitchFamily="18" charset="0"/>
+                            </a:rPr>
+                            <m:t>0</m:t>
+                          </m:r>
+                        </m:sup>
+                      </m:sSup>
+                      <m:sSup>
+                        <m:sSupPr>
+                          <m:ctrlPr>
+                            <a:rPr lang="es-419" sz="2400" i="1">
+                              <a:latin typeface="Cambria Math" panose="02040503050406030204" pitchFamily="18" charset="0"/>
+                            </a:rPr>
+                          </m:ctrlPr>
+                        </m:sSupPr>
+                        <m:e>
+                          <m:r>
+                            <a:rPr lang="es-419" sz="2400">
+                              <a:latin typeface="Cambria Math" panose="02040503050406030204" pitchFamily="18" charset="0"/>
+                            </a:rPr>
+                            <m:t>(1−0.606)</m:t>
+                          </m:r>
+                        </m:e>
+                        <m:sup>
+                          <m:r>
+                            <a:rPr lang="es-CO" sz="2400">
+                              <a:latin typeface="Cambria Math" panose="02040503050406030204" pitchFamily="18" charset="0"/>
+                            </a:rPr>
+                            <m:t>8</m:t>
+                          </m:r>
+                        </m:sup>
+                      </m:sSup>
+                      <m:r>
+                        <a:rPr lang="es-419" sz="2400">
+                          <a:latin typeface="Cambria Math" panose="02040503050406030204" pitchFamily="18" charset="0"/>
+                        </a:rPr>
+                        <m:t>=0.000</m:t>
+                      </m:r>
+                      <m:r>
+                        <a:rPr lang="es-CO" sz="2400">
+                          <a:latin typeface="Cambria Math" panose="02040503050406030204" pitchFamily="18" charset="0"/>
+                        </a:rPr>
+                        <m:t>5807</m:t>
+                      </m:r>
+                    </m:oMath>
+                  </m:oMathPara>
+                </a14:m>
+                <a:endParaRPr lang="es-419" sz="2400" dirty="0"/>
+              </a:p>
+              <a:p>
+                <a:pPr marL="0" indent="0">
+                  <a:buNone/>
+                </a:pPr>
+                <a:endParaRPr lang="es-CO" dirty="0"/>
+              </a:p>
+            </p:txBody>
+          </p:sp>
+        </mc:Choice>
+        <mc:Fallback xmlns="">
+          <p:sp>
+            <p:nvSpPr>
+              <p:cNvPr id="3" name="Marcador de contenido 2"/>
+              <p:cNvSpPr>
+                <a:spLocks noGrp="1" noRot="1" noChangeAspect="1" noMove="1" noResize="1" noEditPoints="1" noAdjustHandles="1" noChangeArrowheads="1" noChangeShapeType="1" noTextEdit="1"/>
+              </p:cNvSpPr>
+              <p:nvPr>
+                <p:ph idx="1"/>
+              </p:nvPr>
+            </p:nvSpPr>
+            <p:spPr>
+              <a:xfrm>
+                <a:off x="1440645" y="2162580"/>
+                <a:ext cx="8229600" cy="4525963"/>
+              </a:xfrm>
+              <a:blipFill>
+                <a:blip r:embed="rId2"/>
+                <a:stretch>
+                  <a:fillRect l="-593"/>
+                </a:stretch>
+              </a:blipFill>
+            </p:spPr>
+            <p:txBody>
+              <a:bodyPr/>
+              <a:lstStyle/>
+              <a:p>
+                <a:r>
+                  <a:rPr lang="es-CO">
+                    <a:noFill/>
+                  </a:rPr>
+                  <a:t> </a:t>
+                </a:r>
+              </a:p>
+            </p:txBody>
+          </p:sp>
+        </mc:Fallback>
+      </mc:AlternateContent>
+    </p:spTree>
+    <p:extLst>
+      <p:ext uri="{BB962C8B-B14F-4D97-AF65-F5344CB8AC3E}">
+        <p14:creationId xmlns:p14="http://schemas.microsoft.com/office/powerpoint/2010/main" val="2852255569"/>
+      </p:ext>
+    </p:extLst>
+  </p:cSld>
+  <p:clrMapOvr>
+    <a:masterClrMapping/>
+  </p:clrMapOvr>
+</p:sld>
+</file>
+
+<file path=ppt/slides/slide66.xml><?xml version="1.0" encoding="utf-8"?>
+<p:sld xmlns:a="http://schemas.openxmlformats.org/drawingml/2006/main" xmlns:r="http://schemas.openxmlformats.org/officeDocument/2006/relationships" xmlns:p="http://schemas.openxmlformats.org/presentationml/2006/main">
+  <p:cSld>
+    <p:spTree>
+      <p:nvGrpSpPr>
+        <p:cNvPr id="1" name=""/>
+        <p:cNvGrpSpPr/>
+        <p:nvPr/>
+      </p:nvGrpSpPr>
+      <p:grpSpPr>
+        <a:xfrm>
+          <a:off x="0" y="0"/>
+          <a:ext cx="0" cy="0"/>
+          <a:chOff x="0" y="0"/>
+          <a:chExt cx="0" cy="0"/>
+        </a:xfrm>
+      </p:grpSpPr>
+      <p:sp>
+        <p:nvSpPr>
+          <p:cNvPr id="2" name="Título 1"/>
+          <p:cNvSpPr>
+            <a:spLocks noGrp="1"/>
+          </p:cNvSpPr>
+          <p:nvPr>
+            <p:ph type="title"/>
+          </p:nvPr>
+        </p:nvSpPr>
+        <p:spPr/>
+        <p:txBody>
+          <a:bodyPr anchor="ctr"/>
+          <a:lstStyle/>
+          <a:p>
+            <a:pPr algn="ctr"/>
+            <a:r>
+              <a:rPr lang="es-CO" b="1" dirty="0"/>
+              <a:t>Aproximación de la distribución </a:t>
+            </a:r>
+            <a:r>
+              <a:rPr lang="es-CO" b="1" dirty="0" err="1"/>
+              <a:t>poisson</a:t>
+            </a:r>
+            <a:r>
+              <a:rPr lang="es-CO" b="1" dirty="0"/>
+              <a:t> a la binomial</a:t>
+            </a:r>
+          </a:p>
+        </p:txBody>
+      </p:sp>
+      <p:sp>
+        <p:nvSpPr>
+          <p:cNvPr id="3" name="Marcador de contenido 2"/>
+          <p:cNvSpPr>
+            <a:spLocks noGrp="1"/>
+          </p:cNvSpPr>
+          <p:nvPr>
+            <p:ph idx="1"/>
+          </p:nvPr>
+        </p:nvSpPr>
+        <p:spPr/>
+        <p:txBody>
+          <a:bodyPr>
+            <a:normAutofit/>
+          </a:bodyPr>
+          <a:lstStyle/>
+          <a:p>
+            <a:r>
+              <a:rPr lang="es-CO" sz="3600" i="1" dirty="0"/>
+              <a:t>En cualquier experimento binomial en el cual n es grande y p es pequeña</a:t>
+            </a:r>
+            <a:r>
+              <a:rPr lang="es-CO" sz="3600" dirty="0"/>
+              <a:t>, </a:t>
+            </a:r>
+            <a:r>
+              <a:rPr lang="es-CO" sz="3600" i="1" dirty="0"/>
+              <a:t>b</a:t>
+            </a:r>
+            <a:r>
+              <a:rPr lang="es-CO" sz="3600" dirty="0"/>
+              <a:t>(</a:t>
+            </a:r>
+            <a:r>
+              <a:rPr lang="es-CO" sz="3600" i="1" dirty="0"/>
+              <a:t>x</a:t>
+            </a:r>
+            <a:r>
+              <a:rPr lang="es-CO" sz="3600" dirty="0"/>
+              <a:t>; </a:t>
+            </a:r>
+            <a:r>
+              <a:rPr lang="es-CO" sz="3600" i="1" dirty="0"/>
+              <a:t>n</a:t>
+            </a:r>
+            <a:r>
+              <a:rPr lang="es-CO" sz="3600" dirty="0"/>
+              <a:t>, </a:t>
+            </a:r>
+            <a:r>
+              <a:rPr lang="es-CO" sz="3600" i="1" dirty="0"/>
+              <a:t>p</a:t>
+            </a:r>
+            <a:r>
+              <a:rPr lang="es-CO" sz="3600" dirty="0"/>
+              <a:t>) ≈ </a:t>
+            </a:r>
+            <a:r>
+              <a:rPr lang="es-CO" sz="3600" i="1" dirty="0"/>
+              <a:t>p</a:t>
+            </a:r>
+            <a:r>
+              <a:rPr lang="es-CO" sz="3600" dirty="0"/>
+              <a:t>(</a:t>
+            </a:r>
+            <a:r>
+              <a:rPr lang="es-CO" sz="3600" i="1" dirty="0"/>
+              <a:t>x</a:t>
+            </a:r>
+            <a:r>
+              <a:rPr lang="es-CO" sz="3600" dirty="0"/>
+              <a:t>; </a:t>
+            </a:r>
+            <a:r>
+              <a:rPr lang="el-GR" sz="3600" dirty="0">
+                <a:latin typeface="Times New Roman" panose="02020603050405020304" pitchFamily="18" charset="0"/>
+                <a:cs typeface="Times New Roman" panose="02020603050405020304" pitchFamily="18" charset="0"/>
+              </a:rPr>
+              <a:t>λ</a:t>
+            </a:r>
+            <a:r>
+              <a:rPr lang="es-CO" sz="3600" dirty="0"/>
+              <a:t>), </a:t>
+            </a:r>
+            <a:r>
+              <a:rPr lang="es-CO" sz="3600" i="1" dirty="0"/>
+              <a:t>donde </a:t>
+            </a:r>
+            <a:r>
+              <a:rPr lang="es-CO" sz="3600" dirty="0"/>
+              <a:t> </a:t>
+            </a:r>
+            <a:r>
+              <a:rPr lang="el-GR" sz="3600" dirty="0">
+                <a:latin typeface="Times New Roman" panose="02020603050405020304" pitchFamily="18" charset="0"/>
+                <a:cs typeface="Times New Roman" panose="02020603050405020304" pitchFamily="18" charset="0"/>
+              </a:rPr>
+              <a:t>λ</a:t>
+            </a:r>
+            <a:r>
+              <a:rPr lang="es-CO" sz="3600" dirty="0">
+                <a:latin typeface="Times New Roman" panose="02020603050405020304" pitchFamily="18" charset="0"/>
+                <a:cs typeface="Times New Roman" panose="02020603050405020304" pitchFamily="18" charset="0"/>
+              </a:rPr>
+              <a:t>=</a:t>
+            </a:r>
+            <a:r>
+              <a:rPr lang="es-CO" sz="3600" i="1" dirty="0" err="1"/>
+              <a:t>np</a:t>
+            </a:r>
+            <a:r>
+              <a:rPr lang="es-CO" sz="3600" dirty="0"/>
+              <a:t>. Como regla empírica, esta aproximación puede ser aplicada con seguridad si </a:t>
+            </a:r>
+            <a:r>
+              <a:rPr lang="es-CO" sz="3600" i="1" dirty="0"/>
+              <a:t>n &gt; </a:t>
+            </a:r>
+            <a:r>
+              <a:rPr lang="es-CO" sz="3600" dirty="0"/>
+              <a:t>50 y </a:t>
+            </a:r>
+            <a:r>
+              <a:rPr lang="es-CO" sz="3600" i="1" dirty="0" err="1"/>
+              <a:t>np</a:t>
+            </a:r>
+            <a:r>
+              <a:rPr lang="es-CO" sz="3600" i="1" dirty="0"/>
+              <a:t> &lt;</a:t>
+            </a:r>
+            <a:r>
+              <a:rPr lang="es-CO" sz="3600" dirty="0"/>
+              <a:t> 5.</a:t>
+            </a:r>
+          </a:p>
+        </p:txBody>
+      </p:sp>
+    </p:spTree>
+    <p:extLst>
+      <p:ext uri="{BB962C8B-B14F-4D97-AF65-F5344CB8AC3E}">
+        <p14:creationId xmlns:p14="http://schemas.microsoft.com/office/powerpoint/2010/main" val="1988631841"/>
+      </p:ext>
+    </p:extLst>
+  </p:cSld>
+  <p:clrMapOvr>
+    <a:masterClrMapping/>
+  </p:clrMapOvr>
+</p:sld>
+</file>
+
+<file path=ppt/slides/slide67.xml><?xml version="1.0" encoding="utf-8"?>
+<p:sld xmlns:a="http://schemas.openxmlformats.org/drawingml/2006/main" xmlns:r="http://schemas.openxmlformats.org/officeDocument/2006/relationships" xmlns:p="http://schemas.openxmlformats.org/presentationml/2006/main">
+  <p:cSld>
+    <p:spTree>
+      <p:nvGrpSpPr>
+        <p:cNvPr id="1" name=""/>
+        <p:cNvGrpSpPr/>
+        <p:nvPr/>
+      </p:nvGrpSpPr>
+      <p:grpSpPr>
+        <a:xfrm>
+          <a:off x="0" y="0"/>
+          <a:ext cx="0" cy="0"/>
+          <a:chOff x="0" y="0"/>
+          <a:chExt cx="0" cy="0"/>
+        </a:xfrm>
+      </p:grpSpPr>
+      <p:sp>
+        <p:nvSpPr>
+          <p:cNvPr id="2" name="Título 1"/>
+          <p:cNvSpPr>
+            <a:spLocks noGrp="1"/>
+          </p:cNvSpPr>
+          <p:nvPr>
+            <p:ph type="title"/>
+          </p:nvPr>
+        </p:nvSpPr>
+        <p:spPr/>
+        <p:txBody>
+          <a:bodyPr/>
+          <a:lstStyle/>
+          <a:p>
+            <a:endParaRPr lang="es-CO"/>
+          </a:p>
+        </p:txBody>
+      </p:sp>
+      <p:sp>
+        <p:nvSpPr>
+          <p:cNvPr id="3" name="Marcador de contenido 2"/>
+          <p:cNvSpPr>
+            <a:spLocks noGrp="1"/>
+          </p:cNvSpPr>
+          <p:nvPr>
+            <p:ph idx="1"/>
+          </p:nvPr>
+        </p:nvSpPr>
+        <p:spPr/>
+        <p:txBody>
+          <a:bodyPr>
+            <a:noAutofit/>
+          </a:bodyPr>
+          <a:lstStyle/>
+          <a:p>
+            <a:pPr algn="just"/>
+            <a:r>
+              <a:rPr lang="es-CO" sz="3200" dirty="0"/>
+              <a:t>La probabilidad de que cualquier página dada de un libro contenga por lo menos un error tipográfico es de 0.005.</a:t>
+            </a:r>
+          </a:p>
+          <a:p>
+            <a:pPr algn="just"/>
+            <a:r>
+              <a:rPr lang="es-CO" sz="3200" dirty="0"/>
+              <a:t>Los errores son independientes de una página a otra, ¿cuál es la probabilidad de que una novela de 400 páginas contenga exactamente una  página con errores? </a:t>
+            </a:r>
+          </a:p>
+        </p:txBody>
+      </p:sp>
+    </p:spTree>
+    <p:extLst>
+      <p:ext uri="{BB962C8B-B14F-4D97-AF65-F5344CB8AC3E}">
+        <p14:creationId xmlns:p14="http://schemas.microsoft.com/office/powerpoint/2010/main" val="2297161205"/>
+      </p:ext>
+    </p:extLst>
+  </p:cSld>
+  <p:clrMapOvr>
+    <a:masterClrMapping/>
+  </p:clrMapOvr>
+</p:sld>
+</file>
+
+<file path=ppt/slides/slide68.xml><?xml version="1.0" encoding="utf-8"?>
+<p:sld xmlns:a="http://schemas.openxmlformats.org/drawingml/2006/main" xmlns:r="http://schemas.openxmlformats.org/officeDocument/2006/relationships" xmlns:p="http://schemas.openxmlformats.org/presentationml/2006/main">
+  <p:cSld>
+    <p:spTree>
+      <p:nvGrpSpPr>
+        <p:cNvPr id="1" name=""/>
+        <p:cNvGrpSpPr/>
+        <p:nvPr/>
+      </p:nvGrpSpPr>
+      <p:grpSpPr>
+        <a:xfrm>
+          <a:off x="0" y="0"/>
+          <a:ext cx="0" cy="0"/>
+          <a:chOff x="0" y="0"/>
+          <a:chExt cx="0" cy="0"/>
+        </a:xfrm>
+      </p:grpSpPr>
+      <p:sp>
+        <p:nvSpPr>
+          <p:cNvPr id="2" name="Título 1"/>
+          <p:cNvSpPr>
+            <a:spLocks noGrp="1"/>
+          </p:cNvSpPr>
+          <p:nvPr>
+            <p:ph type="title"/>
+          </p:nvPr>
+        </p:nvSpPr>
+        <p:spPr/>
+        <p:txBody>
+          <a:bodyPr/>
+          <a:lstStyle/>
+          <a:p>
+            <a:endParaRPr lang="es-CO"/>
+          </a:p>
+        </p:txBody>
+      </p:sp>
+      <p:sp>
+        <p:nvSpPr>
+          <p:cNvPr id="3" name="Marcador de contenido 2"/>
+          <p:cNvSpPr>
+            <a:spLocks noGrp="1"/>
+          </p:cNvSpPr>
+          <p:nvPr>
+            <p:ph idx="1"/>
+          </p:nvPr>
+        </p:nvSpPr>
+        <p:spPr/>
+        <p:txBody>
+          <a:bodyPr/>
+          <a:lstStyle/>
+          <a:p>
+            <a:endParaRPr lang="es-CO"/>
+          </a:p>
+        </p:txBody>
+      </p:sp>
+    </p:spTree>
+    <p:extLst>
+      <p:ext uri="{BB962C8B-B14F-4D97-AF65-F5344CB8AC3E}">
+        <p14:creationId xmlns:p14="http://schemas.microsoft.com/office/powerpoint/2010/main" val="2976516731"/>
+      </p:ext>
+    </p:extLst>
+  </p:cSld>
+  <p:clrMapOvr>
+    <a:masterClrMapping/>
+  </p:clrMapOvr>
+</p:sld>
+</file>
+
+<file path=ppt/slides/slide69.xml><?xml version="1.0" encoding="utf-8"?>
+<p:sld xmlns:a="http://schemas.openxmlformats.org/drawingml/2006/main" xmlns:r="http://schemas.openxmlformats.org/officeDocument/2006/relationships" xmlns:p="http://schemas.openxmlformats.org/presentationml/2006/main">
+  <p:cSld>
+    <p:spTree>
+      <p:nvGrpSpPr>
+        <p:cNvPr id="1" name=""/>
+        <p:cNvGrpSpPr/>
+        <p:nvPr/>
+      </p:nvGrpSpPr>
+      <p:grpSpPr>
+        <a:xfrm>
+          <a:off x="0" y="0"/>
+          <a:ext cx="0" cy="0"/>
+          <a:chOff x="0" y="0"/>
+          <a:chExt cx="0" cy="0"/>
+        </a:xfrm>
+      </p:grpSpPr>
+      <p:sp>
+        <p:nvSpPr>
+          <p:cNvPr id="2" name="Título 1"/>
+          <p:cNvSpPr>
+            <a:spLocks noGrp="1"/>
+          </p:cNvSpPr>
+          <p:nvPr>
+            <p:ph type="title"/>
+          </p:nvPr>
+        </p:nvSpPr>
+        <p:spPr/>
+        <p:txBody>
+          <a:bodyPr/>
+          <a:lstStyle/>
+          <a:p>
+            <a:endParaRPr lang="es-CO"/>
+          </a:p>
+        </p:txBody>
+      </p:sp>
+      <p:sp>
+        <p:nvSpPr>
+          <p:cNvPr id="3" name="Marcador de contenido 2"/>
+          <p:cNvSpPr>
+            <a:spLocks noGrp="1"/>
+          </p:cNvSpPr>
+          <p:nvPr>
+            <p:ph idx="1"/>
+          </p:nvPr>
+        </p:nvSpPr>
+        <p:spPr/>
+        <p:txBody>
+          <a:bodyPr/>
+          <a:lstStyle/>
+          <a:p>
+            <a:endParaRPr lang="es-CO"/>
+          </a:p>
+        </p:txBody>
+      </p:sp>
+    </p:spTree>
+    <p:extLst>
+      <p:ext uri="{BB962C8B-B14F-4D97-AF65-F5344CB8AC3E}">
+        <p14:creationId xmlns:p14="http://schemas.microsoft.com/office/powerpoint/2010/main" val="991434950"/>
+      </p:ext>
+    </p:extLst>
+  </p:cSld>
+  <p:clrMapOvr>
+    <a:masterClrMapping/>
+  </p:clrMapOvr>
 </p:sld>
 </file>
 
@@ -11781,18 +17565,17 @@
           <a:p>
             <a:pPr algn="ctr"/>
             <a:r>
-              <a:rPr lang="es-CO" sz="3600" dirty="0" smtClean="0"/>
+              <a:rPr lang="es-CO" sz="3600" dirty="0"/>
               <a:t>FUNCION DE DISTRIBUCIÓN DE PROBABILIDAD (</a:t>
             </a:r>
             <a:r>
-              <a:rPr lang="es-CO" sz="3600" dirty="0" err="1" smtClean="0"/>
+              <a:rPr lang="es-CO" sz="3600" dirty="0" err="1"/>
               <a:t>pdf</a:t>
             </a:r>
             <a:r>
-              <a:rPr lang="es-CO" sz="3600" dirty="0" smtClean="0"/>
+              <a:rPr lang="es-CO" sz="3600" dirty="0"/>
               <a:t>)</a:t>
             </a:r>
-            <a:endParaRPr lang="es-CO" sz="3600" dirty="0"/>
           </a:p>
         </p:txBody>
       </p:sp>
@@ -11822,10 +17605,9 @@
               <a:buNone/>
             </a:pPr>
             <a:r>
-              <a:rPr lang="es-CO" sz="3600" dirty="0" smtClean="0"/>
+              <a:rPr lang="es-CO" sz="3600" dirty="0"/>
               <a:t>La función de distribución de probabilidad es un grafico tabla o formula que especifica la probabilidad asociada con cada posible salida de la variable aleatoria.</a:t>
             </a:r>
-            <a:endParaRPr lang="es-CO" sz="3600" dirty="0"/>
           </a:p>
         </p:txBody>
       </p:sp>
@@ -11911,13 +17693,74 @@
   <p:clrMapOvr>
     <a:masterClrMapping/>
   </p:clrMapOvr>
-  <p:timing>
-    <p:tnLst>
-      <p:par>
-        <p:cTn id="1" dur="indefinite" restart="never" nodeType="tmRoot"/>
-      </p:par>
-    </p:tnLst>
-  </p:timing>
+</p:sld>
+</file>
+
+<file path=ppt/slides/slide70.xml><?xml version="1.0" encoding="utf-8"?>
+<p:sld xmlns:a="http://schemas.openxmlformats.org/drawingml/2006/main" xmlns:r="http://schemas.openxmlformats.org/officeDocument/2006/relationships" xmlns:p="http://schemas.openxmlformats.org/presentationml/2006/main">
+  <p:cSld>
+    <p:spTree>
+      <p:nvGrpSpPr>
+        <p:cNvPr id="1" name=""/>
+        <p:cNvGrpSpPr/>
+        <p:nvPr/>
+      </p:nvGrpSpPr>
+      <p:grpSpPr>
+        <a:xfrm>
+          <a:off x="0" y="0"/>
+          <a:ext cx="0" cy="0"/>
+          <a:chOff x="0" y="0"/>
+          <a:chExt cx="0" cy="0"/>
+        </a:xfrm>
+      </p:grpSpPr>
+      <p:sp>
+        <p:nvSpPr>
+          <p:cNvPr id="2" name="Título 1"/>
+          <p:cNvSpPr>
+            <a:spLocks noGrp="1"/>
+          </p:cNvSpPr>
+          <p:nvPr>
+            <p:ph type="title"/>
+          </p:nvPr>
+        </p:nvSpPr>
+        <p:spPr/>
+        <p:txBody>
+          <a:bodyPr/>
+          <a:lstStyle/>
+          <a:p>
+            <a:endParaRPr lang="es-CO"/>
+          </a:p>
+        </p:txBody>
+      </p:sp>
+      <p:sp>
+        <p:nvSpPr>
+          <p:cNvPr id="3" name="Marcador de contenido 2"/>
+          <p:cNvSpPr>
+            <a:spLocks noGrp="1"/>
+          </p:cNvSpPr>
+          <p:nvPr>
+            <p:ph idx="1"/>
+          </p:nvPr>
+        </p:nvSpPr>
+        <p:spPr/>
+        <p:txBody>
+          <a:bodyPr/>
+          <a:lstStyle/>
+          <a:p>
+            <a:endParaRPr lang="es-CO"/>
+          </a:p>
+        </p:txBody>
+      </p:sp>
+    </p:spTree>
+    <p:extLst>
+      <p:ext uri="{BB962C8B-B14F-4D97-AF65-F5344CB8AC3E}">
+        <p14:creationId xmlns:p14="http://schemas.microsoft.com/office/powerpoint/2010/main" val="1564290996"/>
+      </p:ext>
+    </p:extLst>
+  </p:cSld>
+  <p:clrMapOvr>
+    <a:masterClrMapping/>
+  </p:clrMapOvr>
 </p:sld>
 </file>
 
@@ -11954,10 +17797,9 @@
           <a:lstStyle/>
           <a:p>
             <a:r>
-              <a:rPr lang="es-CO" dirty="0" smtClean="0"/>
+              <a:rPr lang="es-CO" dirty="0"/>
               <a:t>Ejercicio			</a:t>
             </a:r>
-            <a:endParaRPr lang="es-CO" dirty="0"/>
           </a:p>
         </p:txBody>
       </p:sp>
@@ -11985,43 +17827,34 @@
           <a:p>
             <a:pPr algn="just"/>
             <a:r>
-              <a:rPr lang="es-CO" sz="2600" dirty="0" smtClean="0"/>
+              <a:rPr lang="es-CO" sz="2600" dirty="0"/>
               <a:t>Si se lanzan dos monedas al aire,</a:t>
             </a:r>
           </a:p>
           <a:p>
             <a:pPr algn="just"/>
             <a:r>
-              <a:rPr lang="es-CO" sz="2600" dirty="0" smtClean="0"/>
+              <a:rPr lang="es-CO" sz="2600" dirty="0"/>
               <a:t>Construya el espacio </a:t>
             </a:r>
             <a:r>
-              <a:rPr lang="es-CO" sz="2600" dirty="0" err="1" smtClean="0"/>
+              <a:rPr lang="es-CO" sz="2600" dirty="0" err="1"/>
               <a:t>muestral</a:t>
             </a:r>
-            <a:endParaRPr lang="es-CO" sz="2600" dirty="0" smtClean="0"/>
+            <a:endParaRPr lang="es-CO" sz="2600" dirty="0"/>
           </a:p>
           <a:p>
             <a:pPr algn="just"/>
             <a:r>
-              <a:rPr lang="es-CO" sz="2600" dirty="0" smtClean="0"/>
+              <a:rPr lang="es-CO" sz="2600" dirty="0"/>
               <a:t>Construya la función de distribución de probabilidad para la variable aleatoria que representa el número de monedas que caen en cara</a:t>
             </a:r>
           </a:p>
           <a:p>
             <a:r>
-              <a:rPr lang="es-CO" sz="2600" dirty="0" smtClean="0"/>
-              <a:t>Cuál </a:t>
-            </a:r>
-            <a:r>
               <a:rPr lang="es-CO" sz="2600" dirty="0"/>
-              <a:t>es la probabilidad de que</a:t>
-            </a:r>
-            <a:r>
-              <a:rPr lang="es-CO" sz="2600" dirty="0" smtClean="0"/>
-              <a:t>:</a:t>
-            </a:r>
-            <a:endParaRPr lang="es-CO" sz="2600" dirty="0"/>
+              <a:t>Cuál es la probabilidad de que:</a:t>
+            </a:r>
           </a:p>
           <a:p>
             <a:pPr marL="285750" indent="-285750">
@@ -12029,7 +17862,7 @@
               <a:buChar char="•"/>
             </a:pPr>
             <a:r>
-              <a:rPr lang="es-CO" sz="2600" dirty="0" smtClean="0"/>
+              <a:rPr lang="es-CO" sz="2600" dirty="0"/>
               <a:t>Obtener al menos una cara</a:t>
             </a:r>
           </a:p>
@@ -12039,7 +17872,7 @@
               <a:buChar char="•"/>
             </a:pPr>
             <a:r>
-              <a:rPr lang="es-CO" sz="2600" dirty="0" smtClean="0"/>
+              <a:rPr lang="es-CO" sz="2600" dirty="0"/>
               <a:t>No obtener ninguna cara</a:t>
             </a:r>
             <a:endParaRPr lang="es-CO" dirty="0"/>
@@ -12097,13 +17930,6 @@
   <p:clrMapOvr>
     <a:masterClrMapping/>
   </p:clrMapOvr>
-  <p:timing>
-    <p:tnLst>
-      <p:par>
-        <p:cTn id="1" dur="indefinite" restart="never" nodeType="tmRoot"/>
-      </p:par>
-    </p:tnLst>
-  </p:timing>
 </p:sld>
 </file>
 
@@ -12223,47 +18049,11 @@
             </a:r>
             <a:r>
               <a:rPr lang="es-CO" sz="2800" i="1" dirty="0"/>
-              <a:t>distribución de </a:t>
-            </a:r>
-            <a:r>
-              <a:rPr lang="es-CO" sz="2800" i="1" dirty="0" smtClean="0"/>
-              <a:t>probabilidad de </a:t>
-            </a:r>
-            <a:r>
-              <a:rPr lang="es-CO" sz="2800" i="1" dirty="0"/>
-              <a:t>X </a:t>
+              <a:t>distribución de probabilidad de X </a:t>
             </a:r>
             <a:r>
               <a:rPr lang="es-CO" sz="2800" dirty="0"/>
-              <a:t>dice cómo está </a:t>
-            </a:r>
-            <a:r>
-              <a:rPr lang="es-CO" sz="2800" dirty="0" smtClean="0"/>
-              <a:t>distribuida </a:t>
-            </a:r>
-            <a:r>
-              <a:rPr lang="es-CO" sz="2800" dirty="0"/>
-              <a:t>la probabilidad total de </a:t>
-            </a:r>
-            <a:r>
-              <a:rPr lang="es-CO" sz="2800" dirty="0" smtClean="0"/>
-              <a:t>uno </a:t>
-            </a:r>
-            <a:r>
-              <a:rPr lang="es-CO" sz="2800" dirty="0" smtClean="0"/>
-              <a:t>entre </a:t>
-            </a:r>
-            <a:r>
-              <a:rPr lang="es-CO" sz="2800" dirty="0"/>
-              <a:t>los </a:t>
-            </a:r>
-            <a:r>
-              <a:rPr lang="es-CO" sz="2800" dirty="0" smtClean="0"/>
-              <a:t>varios posibles </a:t>
-            </a:r>
-            <a:r>
-              <a:rPr lang="es-CO" sz="2800" dirty="0"/>
-              <a:t>valores de </a:t>
+              <a:t>dice cómo está distribuida la probabilidad total de uno entre los varios posibles valores de </a:t>
             </a:r>
             <a:r>
               <a:rPr lang="es-CO" sz="2800" i="1" dirty="0"/>
@@ -12276,8 +18066,8 @@
           </a:p>
         </p:txBody>
       </p:sp>
-      <mc:AlternateContent xmlns:mc="http://schemas.openxmlformats.org/markup-compatibility/2006">
-        <mc:Choice xmlns:a14="http://schemas.microsoft.com/office/drawing/2010/main" Requires="a14">
+      <mc:AlternateContent xmlns:mc="http://schemas.openxmlformats.org/markup-compatibility/2006" xmlns:a14="http://schemas.microsoft.com/office/drawing/2010/main">
+        <mc:Choice Requires="a14">
           <p:sp>
             <p:nvSpPr>
               <p:cNvPr id="5" name="CuadroTexto 4"/>
@@ -12302,19 +18092,20 @@
               <a:p>
                 <a:pPr algn="ctr"/>
                 <a:r>
-                  <a:rPr lang="es-CO" sz="2800" b="1" dirty="0" smtClean="0"/>
+                  <a:rPr lang="es-CO" sz="2800" b="1" dirty="0"/>
                   <a:t>Propiedades de una </a:t>
                 </a:r>
                 <a:r>
-                  <a:rPr lang="es-CO" sz="2800" b="1" dirty="0" err="1" smtClean="0"/>
+                  <a:rPr lang="es-CO" sz="2800" b="1" dirty="0" err="1"/>
                   <a:t>fdp</a:t>
                 </a:r>
-                <a:endParaRPr lang="es-CO" sz="2800" b="1" dirty="0" smtClean="0"/>
+                <a:endParaRPr lang="es-CO" sz="2800" b="1" dirty="0"/>
               </a:p>
               <a:p>
-                <a:endParaRPr lang="es-CO" sz="2800" dirty="0" smtClean="0"/>
+                <a:endParaRPr lang="es-CO" sz="2800" dirty="0"/>
               </a:p>
               <a:p>
+                <a:pPr/>
                 <a14:m>
                   <m:oMathPara xmlns:m="http://schemas.openxmlformats.org/officeDocument/2006/math">
                     <m:oMathParaPr>
@@ -12373,16 +18164,17 @@
                     </m:oMath>
                   </m:oMathPara>
                 </a14:m>
-                <a:endParaRPr lang="es-CO" sz="2800" b="0" dirty="0" smtClean="0">
+                <a:endParaRPr lang="es-CO" sz="2800" b="0" dirty="0">
                   <a:ea typeface="Cambria Math" panose="02040503050406030204" pitchFamily="18" charset="0"/>
                 </a:endParaRPr>
               </a:p>
               <a:p>
-                <a:endParaRPr lang="es-CO" sz="2800" b="0" dirty="0" smtClean="0">
+                <a:endParaRPr lang="es-CO" sz="2800" b="0" dirty="0">
                   <a:ea typeface="Cambria Math" panose="02040503050406030204" pitchFamily="18" charset="0"/>
                 </a:endParaRPr>
               </a:p>
               <a:p>
+                <a:pPr/>
                 <a14:m>
                   <m:oMathPara xmlns:m="http://schemas.openxmlformats.org/officeDocument/2006/math">
                     <m:oMathParaPr>
@@ -12477,12 +18269,13 @@
                     </m:oMath>
                   </m:oMathPara>
                 </a14:m>
-                <a:endParaRPr lang="es-CO" sz="2800" dirty="0" smtClean="0"/>
+                <a:endParaRPr lang="es-CO" sz="2800" dirty="0"/>
               </a:p>
               <a:p>
                 <a:endParaRPr lang="es-CO" sz="2800" dirty="0"/>
               </a:p>
               <a:p>
+                <a:pPr/>
                 <a14:m>
                   <m:oMathPara xmlns:m="http://schemas.openxmlformats.org/officeDocument/2006/math">
                     <m:oMathParaPr>
@@ -12606,7 +18399,7 @@
             </p:txBody>
           </p:sp>
         </mc:Choice>
-        <mc:Fallback>
+        <mc:Fallback xmlns="">
           <p:sp>
             <p:nvSpPr>
               <p:cNvPr id="5" name="CuadroTexto 4"/>
@@ -12655,13 +18448,6 @@
   <p:clrMapOvr>
     <a:masterClrMapping/>
   </p:clrMapOvr>
-  <p:timing>
-    <p:tnLst>
-      <p:par>
-        <p:cTn id="1" dur="indefinite" restart="never" nodeType="tmRoot"/>
-      </p:par>
-    </p:tnLst>
-  </p:timing>
 </p:sld>
 </file>
 
